--- a/presentations/manuscript story.pptx
+++ b/presentations/manuscript story.pptx
@@ -10,11 +10,11 @@
   <p:sldIdLst>
     <p:sldId id="256" r:id="rId2"/>
     <p:sldId id="372" r:id="rId3"/>
-    <p:sldId id="379" r:id="rId4"/>
-    <p:sldId id="380" r:id="rId5"/>
-    <p:sldId id="384" r:id="rId6"/>
-    <p:sldId id="365" r:id="rId7"/>
-    <p:sldId id="321" r:id="rId8"/>
+    <p:sldId id="397" r:id="rId4"/>
+    <p:sldId id="384" r:id="rId5"/>
+    <p:sldId id="379" r:id="rId6"/>
+    <p:sldId id="321" r:id="rId7"/>
+    <p:sldId id="380" r:id="rId8"/>
     <p:sldId id="262" r:id="rId9"/>
     <p:sldId id="353" r:id="rId10"/>
     <p:sldId id="367" r:id="rId11"/>
@@ -22,14 +22,14 @@
     <p:sldId id="393" r:id="rId13"/>
     <p:sldId id="394" r:id="rId14"/>
     <p:sldId id="344" r:id="rId15"/>
-    <p:sldId id="350" r:id="rId16"/>
-    <p:sldId id="381" r:id="rId17"/>
-    <p:sldId id="382" r:id="rId18"/>
-    <p:sldId id="368" r:id="rId19"/>
-    <p:sldId id="396" r:id="rId20"/>
-    <p:sldId id="391" r:id="rId21"/>
-    <p:sldId id="392" r:id="rId22"/>
-    <p:sldId id="371" r:id="rId23"/>
+    <p:sldId id="398" r:id="rId16"/>
+    <p:sldId id="350" r:id="rId17"/>
+    <p:sldId id="381" r:id="rId18"/>
+    <p:sldId id="382" r:id="rId19"/>
+    <p:sldId id="368" r:id="rId20"/>
+    <p:sldId id="392" r:id="rId21"/>
+    <p:sldId id="391" r:id="rId22"/>
+    <p:sldId id="396" r:id="rId23"/>
     <p:sldId id="373" r:id="rId24"/>
     <p:sldId id="370" r:id="rId25"/>
     <p:sldId id="320" r:id="rId26"/>
@@ -2290,6 +2290,197 @@
   <p:cSld>
     <p:spTree>
       <p:nvGrpSpPr>
+        <p:cNvPr id="1" name="Shape 94"/>
+        <p:cNvGrpSpPr/>
+        <p:nvPr/>
+      </p:nvGrpSpPr>
+      <p:grpSpPr>
+        <a:xfrm>
+          <a:off x="0" y="0"/>
+          <a:ext cx="0" cy="0"/>
+          <a:chOff x="0" y="0"/>
+          <a:chExt cx="0" cy="0"/>
+        </a:xfrm>
+      </p:grpSpPr>
+      <p:sp>
+        <p:nvSpPr>
+          <p:cNvPr id="95" name="Google Shape;95;p2:notes"/>
+          <p:cNvSpPr>
+            <a:spLocks noGrp="1" noRot="1" noChangeAspect="1"/>
+          </p:cNvSpPr>
+          <p:nvPr>
+            <p:ph type="sldImg" idx="2"/>
+          </p:nvPr>
+        </p:nvSpPr>
+        <p:spPr>
+          <a:xfrm>
+            <a:off x="685800" y="1143000"/>
+            <a:ext cx="5486400" cy="3086100"/>
+          </a:xfrm>
+          <a:custGeom>
+            <a:avLst/>
+            <a:gdLst/>
+            <a:ahLst/>
+            <a:cxnLst/>
+            <a:rect l="l" t="t" r="r" b="b"/>
+            <a:pathLst>
+              <a:path w="120000" h="120000" extrusionOk="0">
+                <a:moveTo>
+                  <a:pt x="0" y="0"/>
+                </a:moveTo>
+                <a:lnTo>
+                  <a:pt x="120000" y="0"/>
+                </a:lnTo>
+                <a:lnTo>
+                  <a:pt x="120000" y="120000"/>
+                </a:lnTo>
+                <a:lnTo>
+                  <a:pt x="0" y="120000"/>
+                </a:lnTo>
+                <a:close/>
+              </a:path>
+            </a:pathLst>
+          </a:custGeom>
+          <a:noFill/>
+          <a:ln w="12700" cap="flat" cmpd="sng">
+            <a:solidFill>
+              <a:srgbClr val="000000"/>
+            </a:solidFill>
+            <a:prstDash val="solid"/>
+            <a:round/>
+            <a:headEnd type="none" w="sm" len="sm"/>
+            <a:tailEnd type="none" w="sm" len="sm"/>
+          </a:ln>
+        </p:spPr>
+      </p:sp>
+      <p:sp>
+        <p:nvSpPr>
+          <p:cNvPr id="96" name="Google Shape;96;p2:notes"/>
+          <p:cNvSpPr txBox="1">
+            <a:spLocks noGrp="1"/>
+          </p:cNvSpPr>
+          <p:nvPr>
+            <p:ph type="body" idx="1"/>
+          </p:nvPr>
+        </p:nvSpPr>
+        <p:spPr>
+          <a:xfrm>
+            <a:off x="685800" y="4400550"/>
+            <a:ext cx="5486400" cy="3600450"/>
+          </a:xfrm>
+          <a:prstGeom prst="rect">
+            <a:avLst/>
+          </a:prstGeom>
+          <a:noFill/>
+          <a:ln>
+            <a:noFill/>
+          </a:ln>
+        </p:spPr>
+        <p:txBody>
+          <a:bodyPr spcFirstLastPara="1" wrap="square" lIns="91425" tIns="45700" rIns="91425" bIns="45700" anchor="t" anchorCtr="0">
+            <a:noAutofit/>
+          </a:bodyPr>
+          <a:lstStyle/>
+          <a:p>
+            <a:pPr marL="0" lvl="0" indent="0" algn="l" rtl="0">
+              <a:spcBef>
+                <a:spcPts val="0"/>
+              </a:spcBef>
+              <a:spcAft>
+                <a:spcPts val="0"/>
+              </a:spcAft>
+              <a:buNone/>
+            </a:pPr>
+            <a:endParaRPr lang="en-US" sz="1800" dirty="0">
+              <a:latin typeface="Calibri"/>
+              <a:ea typeface="Calibri"/>
+              <a:cs typeface="Calibri"/>
+              <a:sym typeface="Calibri"/>
+            </a:endParaRPr>
+          </a:p>
+          <a:p>
+            <a:pPr marL="0" lvl="0" indent="0" algn="l" rtl="0">
+              <a:spcBef>
+                <a:spcPts val="0"/>
+              </a:spcBef>
+              <a:spcAft>
+                <a:spcPts val="0"/>
+              </a:spcAft>
+              <a:buNone/>
+            </a:pPr>
+            <a:endParaRPr lang="en-US" sz="1800" dirty="0">
+              <a:latin typeface="Calibri"/>
+              <a:ea typeface="Calibri"/>
+              <a:cs typeface="Calibri"/>
+              <a:sym typeface="Calibri"/>
+            </a:endParaRPr>
+          </a:p>
+        </p:txBody>
+      </p:sp>
+      <p:sp>
+        <p:nvSpPr>
+          <p:cNvPr id="97" name="Google Shape;97;p2:notes"/>
+          <p:cNvSpPr txBox="1">
+            <a:spLocks noGrp="1"/>
+          </p:cNvSpPr>
+          <p:nvPr>
+            <p:ph type="sldNum" idx="12"/>
+          </p:nvPr>
+        </p:nvSpPr>
+        <p:spPr>
+          <a:xfrm>
+            <a:off x="3884613" y="8685213"/>
+            <a:ext cx="2971800" cy="458787"/>
+          </a:xfrm>
+          <a:prstGeom prst="rect">
+            <a:avLst/>
+          </a:prstGeom>
+          <a:noFill/>
+          <a:ln>
+            <a:noFill/>
+          </a:ln>
+        </p:spPr>
+        <p:txBody>
+          <a:bodyPr spcFirstLastPara="1" wrap="square" lIns="91425" tIns="45700" rIns="91425" bIns="45700" anchor="b" anchorCtr="0">
+            <a:noAutofit/>
+          </a:bodyPr>
+          <a:lstStyle/>
+          <a:p>
+            <a:pPr marL="0" lvl="0" indent="0" algn="r" rtl="0">
+              <a:spcBef>
+                <a:spcPts val="0"/>
+              </a:spcBef>
+              <a:spcAft>
+                <a:spcPts val="0"/>
+              </a:spcAft>
+              <a:buNone/>
+            </a:pPr>
+            <a:fld id="{00000000-1234-1234-1234-123412341234}" type="slidenum">
+              <a:rPr lang="en-US"/>
+              <a:t>15</a:t>
+            </a:fld>
+            <a:endParaRPr/>
+          </a:p>
+        </p:txBody>
+      </p:sp>
+    </p:spTree>
+    <p:extLst>
+      <p:ext uri="{BB962C8B-B14F-4D97-AF65-F5344CB8AC3E}">
+        <p14:creationId xmlns:p14="http://schemas.microsoft.com/office/powerpoint/2010/main" val="24899164"/>
+      </p:ext>
+    </p:extLst>
+  </p:cSld>
+  <p:clrMapOvr>
+    <a:masterClrMapping/>
+  </p:clrMapOvr>
+</p:notes>
+</file>
+
+<file path=ppt/notesSlides/notesSlide16.xml><?xml version="1.0" encoding="utf-8"?>
+<p:notes xmlns:a="http://schemas.openxmlformats.org/drawingml/2006/main" xmlns:r="http://schemas.openxmlformats.org/officeDocument/2006/relationships" xmlns:p="http://schemas.openxmlformats.org/presentationml/2006/main" showMasterSp="0" showMasterPhAnim="0">
+  <p:cSld>
+    <p:spTree>
+      <p:nvGrpSpPr>
         <p:cNvPr id="1" name="Shape 353"/>
         <p:cNvGrpSpPr/>
         <p:nvPr/>
@@ -2441,7 +2632,7 @@
             </a:pPr>
             <a:fld id="{00000000-1234-1234-1234-123412341234}" type="slidenum">
               <a:rPr lang="en-US"/>
-              <a:t>15</a:t>
+              <a:t>16</a:t>
             </a:fld>
             <a:endParaRPr/>
           </a:p>
@@ -2451,99 +2642,6 @@
     <p:extLst>
       <p:ext uri="{BB962C8B-B14F-4D97-AF65-F5344CB8AC3E}">
         <p14:creationId xmlns:p14="http://schemas.microsoft.com/office/powerpoint/2010/main" val="152845533"/>
-      </p:ext>
-    </p:extLst>
-  </p:cSld>
-  <p:clrMapOvr>
-    <a:masterClrMapping/>
-  </p:clrMapOvr>
-</p:notes>
-</file>
-
-<file path=ppt/notesSlides/notesSlide16.xml><?xml version="1.0" encoding="utf-8"?>
-<p:notes xmlns:a="http://schemas.openxmlformats.org/drawingml/2006/main" xmlns:r="http://schemas.openxmlformats.org/officeDocument/2006/relationships" xmlns:p="http://schemas.openxmlformats.org/presentationml/2006/main">
-  <p:cSld>
-    <p:spTree>
-      <p:nvGrpSpPr>
-        <p:cNvPr id="1" name=""/>
-        <p:cNvGrpSpPr/>
-        <p:nvPr/>
-      </p:nvGrpSpPr>
-      <p:grpSpPr>
-        <a:xfrm>
-          <a:off x="0" y="0"/>
-          <a:ext cx="0" cy="0"/>
-          <a:chOff x="0" y="0"/>
-          <a:chExt cx="0" cy="0"/>
-        </a:xfrm>
-      </p:grpSpPr>
-      <p:sp>
-        <p:nvSpPr>
-          <p:cNvPr id="2" name="Slide Image Placeholder 1"/>
-          <p:cNvSpPr>
-            <a:spLocks noGrp="1" noRot="1" noChangeAspect="1"/>
-          </p:cNvSpPr>
-          <p:nvPr>
-            <p:ph type="sldImg"/>
-          </p:nvPr>
-        </p:nvSpPr>
-        <p:spPr/>
-      </p:sp>
-      <p:sp>
-        <p:nvSpPr>
-          <p:cNvPr id="3" name="Notes Placeholder 2"/>
-          <p:cNvSpPr>
-            <a:spLocks noGrp="1"/>
-          </p:cNvSpPr>
-          <p:nvPr>
-            <p:ph type="body" idx="1"/>
-          </p:nvPr>
-        </p:nvSpPr>
-        <p:spPr/>
-        <p:txBody>
-          <a:bodyPr/>
-          <a:lstStyle/>
-          <a:p>
-            <a:r>
-              <a:rPr lang="en-US" b="0" i="0" dirty="0">
-                <a:solidFill>
-                  <a:srgbClr val="2E2F31"/>
-                </a:solidFill>
-                <a:effectLst/>
-                <a:latin typeface="Gotham A"/>
-              </a:rPr>
-              <a:t>To answer my question we need first to connect between the structure and the processes.</a:t>
-            </a:r>
-          </a:p>
-        </p:txBody>
-      </p:sp>
-      <p:sp>
-        <p:nvSpPr>
-          <p:cNvPr id="4" name="Slide Number Placeholder 3"/>
-          <p:cNvSpPr>
-            <a:spLocks noGrp="1"/>
-          </p:cNvSpPr>
-          <p:nvPr>
-            <p:ph type="sldNum" sz="quarter" idx="5"/>
-          </p:nvPr>
-        </p:nvSpPr>
-        <p:spPr/>
-        <p:txBody>
-          <a:bodyPr/>
-          <a:lstStyle/>
-          <a:p>
-            <a:fld id="{740EB326-2EE0-A545-B9C1-056C9CF3A65A}" type="slidenum">
-              <a:rPr lang="en-IL" smtClean="0"/>
-              <a:t>16</a:t>
-            </a:fld>
-            <a:endParaRPr lang="en-IL"/>
-          </a:p>
-        </p:txBody>
-      </p:sp>
-    </p:spTree>
-    <p:extLst>
-      <p:ext uri="{BB962C8B-B14F-4D97-AF65-F5344CB8AC3E}">
-        <p14:creationId xmlns:p14="http://schemas.microsoft.com/office/powerpoint/2010/main" val="2608807494"/>
       </p:ext>
     </p:extLst>
   </p:cSld>
@@ -2597,16 +2695,13 @@
           <a:bodyPr/>
           <a:lstStyle/>
           <a:p>
-            <a:r>
-              <a:rPr lang="en-US" b="0" i="0" dirty="0">
-                <a:solidFill>
-                  <a:srgbClr val="2E2F31"/>
-                </a:solidFill>
-                <a:effectLst/>
-                <a:latin typeface="Gotham A"/>
-              </a:rPr>
-              <a:t>To answer my question we need first to connect between the structure and the processes.</a:t>
-            </a:r>
+            <a:endParaRPr lang="en-US" b="0" i="0" dirty="0">
+              <a:solidFill>
+                <a:srgbClr val="2E2F31"/>
+              </a:solidFill>
+              <a:effectLst/>
+              <a:latin typeface="Gotham A"/>
+            </a:endParaRPr>
           </a:p>
         </p:txBody>
       </p:sp>
@@ -2636,7 +2731,7 @@
     </p:spTree>
     <p:extLst>
       <p:ext uri="{BB962C8B-B14F-4D97-AF65-F5344CB8AC3E}">
-        <p14:creationId xmlns:p14="http://schemas.microsoft.com/office/powerpoint/2010/main" val="452242983"/>
+        <p14:creationId xmlns:p14="http://schemas.microsoft.com/office/powerpoint/2010/main" val="2608807494"/>
       </p:ext>
     </p:extLst>
   </p:cSld>
@@ -2726,7 +2821,7 @@
     </p:spTree>
     <p:extLst>
       <p:ext uri="{BB962C8B-B14F-4D97-AF65-F5344CB8AC3E}">
-        <p14:creationId xmlns:p14="http://schemas.microsoft.com/office/powerpoint/2010/main" val="2315771217"/>
+        <p14:creationId xmlns:p14="http://schemas.microsoft.com/office/powerpoint/2010/main" val="452242983"/>
       </p:ext>
     </p:extLst>
   </p:cSld>
@@ -2816,7 +2911,7 @@
     </p:spTree>
     <p:extLst>
       <p:ext uri="{BB962C8B-B14F-4D97-AF65-F5344CB8AC3E}">
-        <p14:creationId xmlns:p14="http://schemas.microsoft.com/office/powerpoint/2010/main" val="3251141807"/>
+        <p14:creationId xmlns:p14="http://schemas.microsoft.com/office/powerpoint/2010/main" val="2315771217"/>
       </p:ext>
     </p:extLst>
   </p:cSld>
@@ -2870,28 +2965,6 @@
           <a:bodyPr/>
           <a:lstStyle/>
           <a:p>
-            <a:r>
-              <a:rPr lang="en-US" b="0" i="0">
-                <a:solidFill>
-                  <a:srgbClr val="2E2F31"/>
-                </a:solidFill>
-                <a:effectLst/>
-                <a:latin typeface="Gotham A"/>
-              </a:rPr>
-              <a:t>the </a:t>
-            </a:r>
-            <a:r>
-              <a:rPr lang="en-US" b="0" i="0" dirty="0">
-                <a:solidFill>
-                  <a:srgbClr val="2E2F31"/>
-                </a:solidFill>
-                <a:effectLst/>
-                <a:latin typeface="Gotham A"/>
-              </a:rPr>
-              <a:t>microbiome is crucial for the host health and function. Changes to the microbiome might change the host’s function and make it more susceptible to disease, for example.</a:t>
-            </a:r>
-          </a:p>
-          <a:p>
             <a:endParaRPr lang="en-US" b="0" i="0" dirty="0">
               <a:solidFill>
                 <a:srgbClr val="2E2F31"/>
@@ -2899,48 +2972,6 @@
               <a:effectLst/>
               <a:latin typeface="Gotham A"/>
             </a:endParaRPr>
-          </a:p>
-          <a:p>
-            <a:pPr marL="0" lvl="0" indent="0" algn="l" rtl="0">
-              <a:spcBef>
-                <a:spcPts val="0"/>
-              </a:spcBef>
-              <a:spcAft>
-                <a:spcPts val="0"/>
-              </a:spcAft>
-              <a:buNone/>
-            </a:pPr>
-            <a:r>
-              <a:rPr lang="en-US" sz="1200" b="0" i="0" u="none" strike="noStrike" dirty="0">
-                <a:solidFill>
-                  <a:srgbClr val="000000"/>
-                </a:solidFill>
-                <a:effectLst/>
-                <a:latin typeface="Calibri" panose="020F0502020204030204" pitchFamily="34" charset="0"/>
-              </a:rPr>
-              <a:t>Affecting disease.. specifically in rodents that are an important reservoir of zoonotic disease agents.</a:t>
-            </a:r>
-          </a:p>
-          <a:p>
-            <a:pPr marL="0" lvl="0" indent="0" algn="l" rtl="0">
-              <a:spcBef>
-                <a:spcPts val="0"/>
-              </a:spcBef>
-              <a:spcAft>
-                <a:spcPts val="0"/>
-              </a:spcAft>
-              <a:buNone/>
-            </a:pPr>
-            <a:r>
-              <a:rPr lang="en-US" sz="1200" b="0" i="0" u="none" strike="noStrike" dirty="0">
-                <a:solidFill>
-                  <a:srgbClr val="000000"/>
-                </a:solidFill>
-                <a:effectLst/>
-                <a:latin typeface="Calibri" panose="020F0502020204030204" pitchFamily="34" charset="0"/>
-              </a:rPr>
-              <a:t>Therefore, it is important to understand the processes and factors that shape the microbiome.</a:t>
-            </a:r>
           </a:p>
           <a:p>
             <a:endParaRPr lang="en-US" b="0" i="0" dirty="0">
@@ -3069,7 +3100,7 @@
     </p:spTree>
     <p:extLst>
       <p:ext uri="{BB962C8B-B14F-4D97-AF65-F5344CB8AC3E}">
-        <p14:creationId xmlns:p14="http://schemas.microsoft.com/office/powerpoint/2010/main" val="2136968928"/>
+        <p14:creationId xmlns:p14="http://schemas.microsoft.com/office/powerpoint/2010/main" val="1060269319"/>
       </p:ext>
     </p:extLst>
   </p:cSld>
@@ -3159,7 +3190,7 @@
     </p:spTree>
     <p:extLst>
       <p:ext uri="{BB962C8B-B14F-4D97-AF65-F5344CB8AC3E}">
-        <p14:creationId xmlns:p14="http://schemas.microsoft.com/office/powerpoint/2010/main" val="1060269319"/>
+        <p14:creationId xmlns:p14="http://schemas.microsoft.com/office/powerpoint/2010/main" val="2136968928"/>
       </p:ext>
     </p:extLst>
   </p:cSld>
@@ -3249,7 +3280,7 @@
     </p:spTree>
     <p:extLst>
       <p:ext uri="{BB962C8B-B14F-4D97-AF65-F5344CB8AC3E}">
-        <p14:creationId xmlns:p14="http://schemas.microsoft.com/office/powerpoint/2010/main" val="865306772"/>
+        <p14:creationId xmlns:p14="http://schemas.microsoft.com/office/powerpoint/2010/main" val="3251141807"/>
       </p:ext>
     </p:extLst>
   </p:cSld>
@@ -3615,75 +3646,6 @@
           </a:bodyPr>
           <a:lstStyle/>
           <a:p>
-            <a:pPr marL="0" marR="0" lvl="0" indent="0" algn="l" defTabSz="914400" rtl="0" eaLnBrk="1" fontAlgn="auto" latinLnBrk="0" hangingPunct="1">
-              <a:lnSpc>
-                <a:spcPct val="100000"/>
-              </a:lnSpc>
-              <a:spcBef>
-                <a:spcPts val="0"/>
-              </a:spcBef>
-              <a:spcAft>
-                <a:spcPts val="0"/>
-              </a:spcAft>
-              <a:buClr>
-                <a:srgbClr val="000000"/>
-              </a:buClr>
-              <a:buSzPts val="1400"/>
-              <a:buFont typeface="Arial"/>
-              <a:buNone/>
-              <a:tabLst/>
-              <a:defRPr/>
-            </a:pPr>
-            <a:r>
-              <a:rPr lang="en-US" sz="1800" b="0" i="0" u="none" strike="noStrike" dirty="0">
-                <a:solidFill>
-                  <a:srgbClr val="000000"/>
-                </a:solidFill>
-                <a:latin typeface="Calibri"/>
-                <a:ea typeface="Calibri"/>
-                <a:cs typeface="Calibri"/>
-                <a:sym typeface="Calibri"/>
-              </a:rPr>
-              <a:t>Additionally, Human-wildlife interface is changed with agricultural practices. This can lead to diet shift of the host and to changes in the gut conditions.</a:t>
-            </a:r>
-          </a:p>
-          <a:p>
-            <a:pPr marL="0" lvl="0" indent="0" algn="l" rtl="0">
-              <a:spcBef>
-                <a:spcPts val="0"/>
-              </a:spcBef>
-              <a:spcAft>
-                <a:spcPts val="0"/>
-              </a:spcAft>
-              <a:buNone/>
-            </a:pPr>
-            <a:r>
-              <a:rPr lang="en-US" sz="1800" b="0" i="0" u="none" strike="noStrike" dirty="0">
-                <a:solidFill>
-                  <a:srgbClr val="000000"/>
-                </a:solidFill>
-                <a:latin typeface="Calibri"/>
-                <a:ea typeface="Calibri"/>
-                <a:cs typeface="Calibri"/>
-                <a:sym typeface="Calibri"/>
-              </a:rPr>
-              <a:t> and of course, that also can expose animals to human microbes and pathogens.</a:t>
-            </a:r>
-            <a:r>
-              <a:rPr lang="en-US" sz="2800" dirty="0"/>
-              <a:t> </a:t>
-            </a:r>
-            <a:br>
-              <a:rPr lang="en-US" sz="2800" dirty="0"/>
-            </a:br>
-            <a:endParaRPr lang="en-US" sz="1800" dirty="0">
-              <a:latin typeface="Calibri"/>
-              <a:ea typeface="Calibri"/>
-              <a:cs typeface="Calibri"/>
-              <a:sym typeface="Calibri"/>
-            </a:endParaRPr>
-          </a:p>
-          <a:p>
             <a:pPr marL="0" lvl="0" indent="0" algn="l" rtl="0">
               <a:spcBef>
                 <a:spcPts val="0"/>
@@ -3768,7 +3730,7 @@
     </p:spTree>
     <p:extLst>
       <p:ext uri="{BB962C8B-B14F-4D97-AF65-F5344CB8AC3E}">
-        <p14:creationId xmlns:p14="http://schemas.microsoft.com/office/powerpoint/2010/main" val="3316128080"/>
+        <p14:creationId xmlns:p14="http://schemas.microsoft.com/office/powerpoint/2010/main" val="2478601860"/>
       </p:ext>
     </p:extLst>
   </p:cSld>
@@ -3779,6 +3741,175 @@
 </file>
 
 <file path=ppt/notesSlides/notesSlide4.xml><?xml version="1.0" encoding="utf-8"?>
+<p:notes xmlns:a="http://schemas.openxmlformats.org/drawingml/2006/main" xmlns:r="http://schemas.openxmlformats.org/officeDocument/2006/relationships" xmlns:p="http://schemas.openxmlformats.org/presentationml/2006/main" showMasterSp="0" showMasterPhAnim="0">
+  <p:cSld>
+    <p:spTree>
+      <p:nvGrpSpPr>
+        <p:cNvPr id="1" name="Shape 353"/>
+        <p:cNvGrpSpPr/>
+        <p:nvPr/>
+      </p:nvGrpSpPr>
+      <p:grpSpPr>
+        <a:xfrm>
+          <a:off x="0" y="0"/>
+          <a:ext cx="0" cy="0"/>
+          <a:chOff x="0" y="0"/>
+          <a:chExt cx="0" cy="0"/>
+        </a:xfrm>
+      </p:grpSpPr>
+      <p:sp>
+        <p:nvSpPr>
+          <p:cNvPr id="354" name="Google Shape;354;p17:notes"/>
+          <p:cNvSpPr>
+            <a:spLocks noGrp="1" noRot="1" noChangeAspect="1"/>
+          </p:cNvSpPr>
+          <p:nvPr>
+            <p:ph type="sldImg" idx="2"/>
+          </p:nvPr>
+        </p:nvSpPr>
+        <p:spPr>
+          <a:xfrm>
+            <a:off x="685800" y="1143000"/>
+            <a:ext cx="5486400" cy="3086100"/>
+          </a:xfrm>
+          <a:custGeom>
+            <a:avLst/>
+            <a:gdLst/>
+            <a:ahLst/>
+            <a:cxnLst/>
+            <a:rect l="l" t="t" r="r" b="b"/>
+            <a:pathLst>
+              <a:path w="120000" h="120000" extrusionOk="0">
+                <a:moveTo>
+                  <a:pt x="0" y="0"/>
+                </a:moveTo>
+                <a:lnTo>
+                  <a:pt x="120000" y="0"/>
+                </a:lnTo>
+                <a:lnTo>
+                  <a:pt x="120000" y="120000"/>
+                </a:lnTo>
+                <a:lnTo>
+                  <a:pt x="0" y="120000"/>
+                </a:lnTo>
+                <a:close/>
+              </a:path>
+            </a:pathLst>
+          </a:custGeom>
+          <a:noFill/>
+          <a:ln w="12700" cap="flat" cmpd="sng">
+            <a:solidFill>
+              <a:srgbClr val="000000"/>
+            </a:solidFill>
+            <a:prstDash val="solid"/>
+            <a:round/>
+            <a:headEnd type="none" w="sm" len="sm"/>
+            <a:tailEnd type="none" w="sm" len="sm"/>
+          </a:ln>
+        </p:spPr>
+      </p:sp>
+      <p:sp>
+        <p:nvSpPr>
+          <p:cNvPr id="355" name="Google Shape;355;p17:notes"/>
+          <p:cNvSpPr txBox="1">
+            <a:spLocks noGrp="1"/>
+          </p:cNvSpPr>
+          <p:nvPr>
+            <p:ph type="body" idx="1"/>
+          </p:nvPr>
+        </p:nvSpPr>
+        <p:spPr>
+          <a:xfrm>
+            <a:off x="685800" y="4400550"/>
+            <a:ext cx="5486400" cy="3600450"/>
+          </a:xfrm>
+          <a:prstGeom prst="rect">
+            <a:avLst/>
+          </a:prstGeom>
+          <a:noFill/>
+          <a:ln>
+            <a:noFill/>
+          </a:ln>
+        </p:spPr>
+        <p:txBody>
+          <a:bodyPr spcFirstLastPara="1" wrap="square" lIns="91425" tIns="45700" rIns="91425" bIns="45700" anchor="t" anchorCtr="0">
+            <a:noAutofit/>
+          </a:bodyPr>
+          <a:lstStyle/>
+          <a:p>
+            <a:pPr marL="0" lvl="0" indent="0" algn="l" rtl="0">
+              <a:spcBef>
+                <a:spcPts val="0"/>
+              </a:spcBef>
+              <a:spcAft>
+                <a:spcPts val="0"/>
+              </a:spcAft>
+              <a:buNone/>
+            </a:pPr>
+            <a:endParaRPr dirty="0"/>
+          </a:p>
+        </p:txBody>
+      </p:sp>
+      <p:sp>
+        <p:nvSpPr>
+          <p:cNvPr id="356" name="Google Shape;356;p17:notes"/>
+          <p:cNvSpPr txBox="1">
+            <a:spLocks noGrp="1"/>
+          </p:cNvSpPr>
+          <p:nvPr>
+            <p:ph type="sldNum" idx="12"/>
+          </p:nvPr>
+        </p:nvSpPr>
+        <p:spPr>
+          <a:xfrm>
+            <a:off x="3884613" y="8685213"/>
+            <a:ext cx="2971800" cy="458787"/>
+          </a:xfrm>
+          <a:prstGeom prst="rect">
+            <a:avLst/>
+          </a:prstGeom>
+          <a:noFill/>
+          <a:ln>
+            <a:noFill/>
+          </a:ln>
+        </p:spPr>
+        <p:txBody>
+          <a:bodyPr spcFirstLastPara="1" wrap="square" lIns="91425" tIns="45700" rIns="91425" bIns="45700" anchor="b" anchorCtr="0">
+            <a:noAutofit/>
+          </a:bodyPr>
+          <a:lstStyle/>
+          <a:p>
+            <a:pPr marL="0" lvl="0" indent="0" algn="r" rtl="0">
+              <a:spcBef>
+                <a:spcPts val="0"/>
+              </a:spcBef>
+              <a:spcAft>
+                <a:spcPts val="0"/>
+              </a:spcAft>
+              <a:buNone/>
+            </a:pPr>
+            <a:fld id="{00000000-1234-1234-1234-123412341234}" type="slidenum">
+              <a:rPr lang="en-US"/>
+              <a:t>4</a:t>
+            </a:fld>
+            <a:endParaRPr/>
+          </a:p>
+        </p:txBody>
+      </p:sp>
+    </p:spTree>
+    <p:extLst>
+      <p:ext uri="{BB962C8B-B14F-4D97-AF65-F5344CB8AC3E}">
+        <p14:creationId xmlns:p14="http://schemas.microsoft.com/office/powerpoint/2010/main" val="2201207583"/>
+      </p:ext>
+    </p:extLst>
+  </p:cSld>
+  <p:clrMapOvr>
+    <a:masterClrMapping/>
+  </p:clrMapOvr>
+</p:notes>
+</file>
+
+<file path=ppt/notesSlides/notesSlide5.xml><?xml version="1.0" encoding="utf-8"?>
 <p:notes xmlns:a="http://schemas.openxmlformats.org/drawingml/2006/main" xmlns:r="http://schemas.openxmlformats.org/officeDocument/2006/relationships" xmlns:p="http://schemas.openxmlformats.org/presentationml/2006/main" showMasterSp="0" showMasterPhAnim="0">
   <p:cSld>
     <p:spTree>
@@ -3891,6 +4022,23 @@
               <a:sym typeface="Calibri"/>
             </a:endParaRPr>
           </a:p>
+          <a:p>
+            <a:pPr marL="0" lvl="0" indent="0" algn="l" rtl="0">
+              <a:spcBef>
+                <a:spcPts val="0"/>
+              </a:spcBef>
+              <a:spcAft>
+                <a:spcPts val="0"/>
+              </a:spcAft>
+              <a:buNone/>
+            </a:pPr>
+            <a:endParaRPr lang="en-US" sz="1800" dirty="0">
+              <a:latin typeface="Calibri"/>
+              <a:ea typeface="Calibri"/>
+              <a:cs typeface="Calibri"/>
+              <a:sym typeface="Calibri"/>
+            </a:endParaRPr>
+          </a:p>
         </p:txBody>
       </p:sp>
       <p:sp>
@@ -3933,7 +4081,7 @@
             </a:pPr>
             <a:fld id="{00000000-1234-1234-1234-123412341234}" type="slidenum">
               <a:rPr lang="en-US"/>
-              <a:t>4</a:t>
+              <a:t>5</a:t>
             </a:fld>
             <a:endParaRPr/>
           </a:p>
@@ -3942,7 +4090,7 @@
     </p:spTree>
     <p:extLst>
       <p:ext uri="{BB962C8B-B14F-4D97-AF65-F5344CB8AC3E}">
-        <p14:creationId xmlns:p14="http://schemas.microsoft.com/office/powerpoint/2010/main" val="4253633347"/>
+        <p14:creationId xmlns:p14="http://schemas.microsoft.com/office/powerpoint/2010/main" val="3316128080"/>
       </p:ext>
     </p:extLst>
   </p:cSld>
@@ -3952,7 +4100,7 @@
 </p:notes>
 </file>
 
-<file path=ppt/notesSlides/notesSlide5.xml><?xml version="1.0" encoding="utf-8"?>
+<file path=ppt/notesSlides/notesSlide6.xml><?xml version="1.0" encoding="utf-8"?>
 <p:notes xmlns:a="http://schemas.openxmlformats.org/drawingml/2006/main" xmlns:r="http://schemas.openxmlformats.org/officeDocument/2006/relationships" xmlns:p="http://schemas.openxmlformats.org/presentationml/2006/main" showMasterSp="0" showMasterPhAnim="0">
   <p:cSld>
     <p:spTree>
@@ -4102,7 +4250,7 @@
             </a:pPr>
             <a:fld id="{00000000-1234-1234-1234-123412341234}" type="slidenum">
               <a:rPr lang="en-US"/>
-              <a:t>5</a:t>
+              <a:t>6</a:t>
             </a:fld>
             <a:endParaRPr/>
           </a:p>
@@ -4111,138 +4259,7 @@
     </p:spTree>
     <p:extLst>
       <p:ext uri="{BB962C8B-B14F-4D97-AF65-F5344CB8AC3E}">
-        <p14:creationId xmlns:p14="http://schemas.microsoft.com/office/powerpoint/2010/main" val="2201207583"/>
-      </p:ext>
-    </p:extLst>
-  </p:cSld>
-  <p:clrMapOvr>
-    <a:masterClrMapping/>
-  </p:clrMapOvr>
-</p:notes>
-</file>
-
-<file path=ppt/notesSlides/notesSlide6.xml><?xml version="1.0" encoding="utf-8"?>
-<p:notes xmlns:a="http://schemas.openxmlformats.org/drawingml/2006/main" xmlns:r="http://schemas.openxmlformats.org/officeDocument/2006/relationships" xmlns:p="http://schemas.openxmlformats.org/presentationml/2006/main">
-  <p:cSld>
-    <p:spTree>
-      <p:nvGrpSpPr>
-        <p:cNvPr id="1" name=""/>
-        <p:cNvGrpSpPr/>
-        <p:nvPr/>
-      </p:nvGrpSpPr>
-      <p:grpSpPr>
-        <a:xfrm>
-          <a:off x="0" y="0"/>
-          <a:ext cx="0" cy="0"/>
-          <a:chOff x="0" y="0"/>
-          <a:chExt cx="0" cy="0"/>
-        </a:xfrm>
-      </p:grpSpPr>
-      <p:sp>
-        <p:nvSpPr>
-          <p:cNvPr id="2" name="Slide Image Placeholder 1"/>
-          <p:cNvSpPr>
-            <a:spLocks noGrp="1" noRot="1" noChangeAspect="1"/>
-          </p:cNvSpPr>
-          <p:nvPr>
-            <p:ph type="sldImg"/>
-          </p:nvPr>
-        </p:nvSpPr>
-        <p:spPr/>
-      </p:sp>
-      <p:sp>
-        <p:nvSpPr>
-          <p:cNvPr id="3" name="Notes Placeholder 2"/>
-          <p:cNvSpPr>
-            <a:spLocks noGrp="1"/>
-          </p:cNvSpPr>
-          <p:nvPr>
-            <p:ph type="body" idx="1"/>
-          </p:nvPr>
-        </p:nvSpPr>
-        <p:spPr/>
-        <p:txBody>
-          <a:bodyPr/>
-          <a:lstStyle/>
-          <a:p>
-            <a:endParaRPr lang="en-US" b="0" i="0" dirty="0">
-              <a:solidFill>
-                <a:srgbClr val="2E2F31"/>
-              </a:solidFill>
-              <a:effectLst/>
-              <a:latin typeface="Gotham A"/>
-            </a:endParaRPr>
-          </a:p>
-          <a:p>
-            <a:r>
-              <a:rPr lang="en-US" b="0" i="0" dirty="0">
-                <a:solidFill>
-                  <a:srgbClr val="2E2F31"/>
-                </a:solidFill>
-                <a:effectLst/>
-                <a:latin typeface="Gotham A"/>
-              </a:rPr>
-              <a:t>However, while most </a:t>
-            </a:r>
-            <a:r>
-              <a:rPr lang="en-US" b="0" i="0" dirty="0" err="1">
-                <a:solidFill>
-                  <a:srgbClr val="2E2F31"/>
-                </a:solidFill>
-                <a:effectLst/>
-                <a:latin typeface="Gotham A"/>
-              </a:rPr>
-              <a:t>moicrobiome</a:t>
-            </a:r>
-            <a:r>
-              <a:rPr lang="en-US" b="0" i="0" dirty="0">
-                <a:solidFill>
-                  <a:srgbClr val="2E2F31"/>
-                </a:solidFill>
-                <a:effectLst/>
-                <a:latin typeface="Gotham A"/>
-              </a:rPr>
-              <a:t> research focuses on humans or domestic animals, we still don’t know a lot about wild animals and how environmental factors, such as land use change, affect their microbiome. </a:t>
-            </a:r>
-          </a:p>
-          <a:p>
-            <a:endParaRPr lang="en-US" b="0" i="0" dirty="0">
-              <a:solidFill>
-                <a:srgbClr val="2E2F31"/>
-              </a:solidFill>
-              <a:effectLst/>
-              <a:latin typeface="Gotham A"/>
-            </a:endParaRPr>
-          </a:p>
-        </p:txBody>
-      </p:sp>
-      <p:sp>
-        <p:nvSpPr>
-          <p:cNvPr id="4" name="Slide Number Placeholder 3"/>
-          <p:cNvSpPr>
-            <a:spLocks noGrp="1"/>
-          </p:cNvSpPr>
-          <p:nvPr>
-            <p:ph type="sldNum" sz="quarter" idx="5"/>
-          </p:nvPr>
-        </p:nvSpPr>
-        <p:spPr/>
-        <p:txBody>
-          <a:bodyPr/>
-          <a:lstStyle/>
-          <a:p>
-            <a:fld id="{740EB326-2EE0-A545-B9C1-056C9CF3A65A}" type="slidenum">
-              <a:rPr lang="en-IL" smtClean="0"/>
-              <a:t>6</a:t>
-            </a:fld>
-            <a:endParaRPr lang="en-IL"/>
-          </a:p>
-        </p:txBody>
-      </p:sp>
-    </p:spTree>
-    <p:extLst>
-      <p:ext uri="{BB962C8B-B14F-4D97-AF65-F5344CB8AC3E}">
-        <p14:creationId xmlns:p14="http://schemas.microsoft.com/office/powerpoint/2010/main" val="237480657"/>
+        <p14:creationId xmlns:p14="http://schemas.microsoft.com/office/powerpoint/2010/main" val="2554881124"/>
       </p:ext>
     </p:extLst>
   </p:cSld>
@@ -4257,7 +4274,7 @@
   <p:cSld>
     <p:spTree>
       <p:nvGrpSpPr>
-        <p:cNvPr id="1" name="Shape 353"/>
+        <p:cNvPr id="1" name="Shape 94"/>
         <p:cNvGrpSpPr/>
         <p:nvPr/>
       </p:nvGrpSpPr>
@@ -4271,7 +4288,7 @@
       </p:grpSpPr>
       <p:sp>
         <p:nvSpPr>
-          <p:cNvPr id="354" name="Google Shape;354;p17:notes"/>
+          <p:cNvPr id="95" name="Google Shape;95;p2:notes"/>
           <p:cNvSpPr>
             <a:spLocks noGrp="1" noRot="1" noChangeAspect="1"/>
           </p:cNvSpPr>
@@ -4322,7 +4339,7 @@
       </p:sp>
       <p:sp>
         <p:nvSpPr>
-          <p:cNvPr id="355" name="Google Shape;355;p17:notes"/>
+          <p:cNvPr id="96" name="Google Shape;96;p2:notes"/>
           <p:cNvSpPr txBox="1">
             <a:spLocks noGrp="1"/>
           </p:cNvSpPr>
@@ -4358,13 +4375,18 @@
               </a:spcAft>
               <a:buNone/>
             </a:pPr>
-            <a:endParaRPr dirty="0"/>
+            <a:endParaRPr lang="en-US" sz="1800" dirty="0">
+              <a:latin typeface="Calibri"/>
+              <a:ea typeface="Calibri"/>
+              <a:cs typeface="Calibri"/>
+              <a:sym typeface="Calibri"/>
+            </a:endParaRPr>
           </a:p>
         </p:txBody>
       </p:sp>
       <p:sp>
         <p:nvSpPr>
-          <p:cNvPr id="356" name="Google Shape;356;p17:notes"/>
+          <p:cNvPr id="97" name="Google Shape;97;p2:notes"/>
           <p:cNvSpPr txBox="1">
             <a:spLocks noGrp="1"/>
           </p:cNvSpPr>
@@ -4411,7 +4433,7 @@
     </p:spTree>
     <p:extLst>
       <p:ext uri="{BB962C8B-B14F-4D97-AF65-F5344CB8AC3E}">
-        <p14:creationId xmlns:p14="http://schemas.microsoft.com/office/powerpoint/2010/main" val="2554881124"/>
+        <p14:creationId xmlns:p14="http://schemas.microsoft.com/office/powerpoint/2010/main" val="4253633347"/>
       </p:ext>
     </p:extLst>
   </p:cSld>
@@ -15227,8 +15249,8 @@
         </p:nvSpPr>
         <p:spPr>
           <a:xfrm>
-            <a:off x="443958" y="203022"/>
-            <a:ext cx="12533005" cy="1108596"/>
+            <a:off x="443959" y="203022"/>
+            <a:ext cx="9051734" cy="1108596"/>
           </a:xfrm>
           <a:prstGeom prst="rect">
             <a:avLst/>
@@ -15253,7 +15275,7 @@
                 <a:cs typeface="Calibri" panose="020F0502020204030204" pitchFamily="34" charset="0"/>
                 <a:sym typeface="Calibri"/>
               </a:rPr>
-              <a:t>The groups represent different microbial genera (and potentially functions)</a:t>
+              <a:t>The groups represent different microbial genera and families (and potentially functions)</a:t>
             </a:r>
             <a:endParaRPr sz="2800" dirty="0">
               <a:latin typeface="Calibri" panose="020F0502020204030204" pitchFamily="34" charset="0"/>
@@ -18540,6 +18562,274 @@
   <p:cSld>
     <p:spTree>
       <p:nvGrpSpPr>
+        <p:cNvPr id="1" name="Shape 98"/>
+        <p:cNvGrpSpPr/>
+        <p:nvPr/>
+      </p:nvGrpSpPr>
+      <p:grpSpPr>
+        <a:xfrm>
+          <a:off x="0" y="0"/>
+          <a:ext cx="0" cy="0"/>
+          <a:chOff x="0" y="0"/>
+          <a:chExt cx="0" cy="0"/>
+        </a:xfrm>
+      </p:grpSpPr>
+      <p:sp>
+        <p:nvSpPr>
+          <p:cNvPr id="7" name="Content Placeholder 2">
+            <a:extLst>
+              <a:ext uri="{FF2B5EF4-FFF2-40B4-BE49-F238E27FC236}">
+                <a16:creationId xmlns:a16="http://schemas.microsoft.com/office/drawing/2014/main" id="{11533035-F7C3-F544-ECEB-84333B9DB08A}"/>
+              </a:ext>
+            </a:extLst>
+          </p:cNvPr>
+          <p:cNvSpPr txBox="1">
+            <a:spLocks/>
+          </p:cNvSpPr>
+          <p:nvPr/>
+        </p:nvSpPr>
+        <p:spPr>
+          <a:xfrm>
+            <a:off x="976552" y="953730"/>
+            <a:ext cx="9907348" cy="2180551"/>
+          </a:xfrm>
+          <a:prstGeom prst="rect">
+            <a:avLst/>
+          </a:prstGeom>
+        </p:spPr>
+        <p:txBody>
+          <a:bodyPr vert="horz" lIns="91440" tIns="45720" rIns="91440" bIns="45720" rtlCol="0">
+            <a:noAutofit/>
+          </a:bodyPr>
+          <a:lstStyle>
+            <a:lvl1pPr marL="228600" indent="-228600" algn="l" defTabSz="914400" rtl="0" eaLnBrk="1" latinLnBrk="0" hangingPunct="1">
+              <a:lnSpc>
+                <a:spcPct val="90000"/>
+              </a:lnSpc>
+              <a:spcBef>
+                <a:spcPts val="1000"/>
+              </a:spcBef>
+              <a:buFont typeface="Arial" panose="020B0604020202020204" pitchFamily="34" charset="0"/>
+              <a:buChar char="•"/>
+              <a:defRPr sz="2800" kern="1200">
+                <a:solidFill>
+                  <a:schemeClr val="tx1"/>
+                </a:solidFill>
+                <a:latin typeface="+mn-lt"/>
+                <a:ea typeface="+mn-ea"/>
+                <a:cs typeface="+mn-cs"/>
+              </a:defRPr>
+            </a:lvl1pPr>
+            <a:lvl2pPr marL="685800" indent="-228600" algn="l" defTabSz="914400" rtl="0" eaLnBrk="1" latinLnBrk="0" hangingPunct="1">
+              <a:lnSpc>
+                <a:spcPct val="90000"/>
+              </a:lnSpc>
+              <a:spcBef>
+                <a:spcPts val="500"/>
+              </a:spcBef>
+              <a:buFont typeface="Arial" panose="020B0604020202020204" pitchFamily="34" charset="0"/>
+              <a:buChar char="•"/>
+              <a:defRPr sz="2400" kern="1200">
+                <a:solidFill>
+                  <a:schemeClr val="tx1"/>
+                </a:solidFill>
+                <a:latin typeface="+mn-lt"/>
+                <a:ea typeface="+mn-ea"/>
+                <a:cs typeface="+mn-cs"/>
+              </a:defRPr>
+            </a:lvl2pPr>
+            <a:lvl3pPr marL="1143000" indent="-228600" algn="l" defTabSz="914400" rtl="0" eaLnBrk="1" latinLnBrk="0" hangingPunct="1">
+              <a:lnSpc>
+                <a:spcPct val="90000"/>
+              </a:lnSpc>
+              <a:spcBef>
+                <a:spcPts val="500"/>
+              </a:spcBef>
+              <a:buFont typeface="Arial" panose="020B0604020202020204" pitchFamily="34" charset="0"/>
+              <a:buChar char="•"/>
+              <a:defRPr sz="2000" kern="1200">
+                <a:solidFill>
+                  <a:schemeClr val="tx1"/>
+                </a:solidFill>
+                <a:latin typeface="+mn-lt"/>
+                <a:ea typeface="+mn-ea"/>
+                <a:cs typeface="+mn-cs"/>
+              </a:defRPr>
+            </a:lvl3pPr>
+            <a:lvl4pPr marL="1600200" indent="-228600" algn="l" defTabSz="914400" rtl="0" eaLnBrk="1" latinLnBrk="0" hangingPunct="1">
+              <a:lnSpc>
+                <a:spcPct val="90000"/>
+              </a:lnSpc>
+              <a:spcBef>
+                <a:spcPts val="500"/>
+              </a:spcBef>
+              <a:buFont typeface="Arial" panose="020B0604020202020204" pitchFamily="34" charset="0"/>
+              <a:buChar char="•"/>
+              <a:defRPr sz="1800" kern="1200">
+                <a:solidFill>
+                  <a:schemeClr val="tx1"/>
+                </a:solidFill>
+                <a:latin typeface="+mn-lt"/>
+                <a:ea typeface="+mn-ea"/>
+                <a:cs typeface="+mn-cs"/>
+              </a:defRPr>
+            </a:lvl4pPr>
+            <a:lvl5pPr marL="2057400" indent="-228600" algn="l" defTabSz="914400" rtl="0" eaLnBrk="1" latinLnBrk="0" hangingPunct="1">
+              <a:lnSpc>
+                <a:spcPct val="90000"/>
+              </a:lnSpc>
+              <a:spcBef>
+                <a:spcPts val="500"/>
+              </a:spcBef>
+              <a:buFont typeface="Arial" panose="020B0604020202020204" pitchFamily="34" charset="0"/>
+              <a:buChar char="•"/>
+              <a:defRPr sz="1800" kern="1200">
+                <a:solidFill>
+                  <a:schemeClr val="tx1"/>
+                </a:solidFill>
+                <a:latin typeface="+mn-lt"/>
+                <a:ea typeface="+mn-ea"/>
+                <a:cs typeface="+mn-cs"/>
+              </a:defRPr>
+            </a:lvl5pPr>
+            <a:lvl6pPr marL="2514600" indent="-228600" algn="l" defTabSz="914400" rtl="0" eaLnBrk="1" latinLnBrk="0" hangingPunct="1">
+              <a:lnSpc>
+                <a:spcPct val="90000"/>
+              </a:lnSpc>
+              <a:spcBef>
+                <a:spcPts val="500"/>
+              </a:spcBef>
+              <a:buFont typeface="Arial" panose="020B0604020202020204" pitchFamily="34" charset="0"/>
+              <a:buChar char="•"/>
+              <a:defRPr sz="1800" kern="1200">
+                <a:solidFill>
+                  <a:schemeClr val="tx1"/>
+                </a:solidFill>
+                <a:latin typeface="+mn-lt"/>
+                <a:ea typeface="+mn-ea"/>
+                <a:cs typeface="+mn-cs"/>
+              </a:defRPr>
+            </a:lvl6pPr>
+            <a:lvl7pPr marL="2971800" indent="-228600" algn="l" defTabSz="914400" rtl="0" eaLnBrk="1" latinLnBrk="0" hangingPunct="1">
+              <a:lnSpc>
+                <a:spcPct val="90000"/>
+              </a:lnSpc>
+              <a:spcBef>
+                <a:spcPts val="500"/>
+              </a:spcBef>
+              <a:buFont typeface="Arial" panose="020B0604020202020204" pitchFamily="34" charset="0"/>
+              <a:buChar char="•"/>
+              <a:defRPr sz="1800" kern="1200">
+                <a:solidFill>
+                  <a:schemeClr val="tx1"/>
+                </a:solidFill>
+                <a:latin typeface="+mn-lt"/>
+                <a:ea typeface="+mn-ea"/>
+                <a:cs typeface="+mn-cs"/>
+              </a:defRPr>
+            </a:lvl7pPr>
+            <a:lvl8pPr marL="3429000" indent="-228600" algn="l" defTabSz="914400" rtl="0" eaLnBrk="1" latinLnBrk="0" hangingPunct="1">
+              <a:lnSpc>
+                <a:spcPct val="90000"/>
+              </a:lnSpc>
+              <a:spcBef>
+                <a:spcPts val="500"/>
+              </a:spcBef>
+              <a:buFont typeface="Arial" panose="020B0604020202020204" pitchFamily="34" charset="0"/>
+              <a:buChar char="•"/>
+              <a:defRPr sz="1800" kern="1200">
+                <a:solidFill>
+                  <a:schemeClr val="tx1"/>
+                </a:solidFill>
+                <a:latin typeface="+mn-lt"/>
+                <a:ea typeface="+mn-ea"/>
+                <a:cs typeface="+mn-cs"/>
+              </a:defRPr>
+            </a:lvl8pPr>
+            <a:lvl9pPr marL="3886200" indent="-228600" algn="l" defTabSz="914400" rtl="0" eaLnBrk="1" latinLnBrk="0" hangingPunct="1">
+              <a:lnSpc>
+                <a:spcPct val="90000"/>
+              </a:lnSpc>
+              <a:spcBef>
+                <a:spcPts val="500"/>
+              </a:spcBef>
+              <a:buFont typeface="Arial" panose="020B0604020202020204" pitchFamily="34" charset="0"/>
+              <a:buChar char="•"/>
+              <a:defRPr sz="1800" kern="1200">
+                <a:solidFill>
+                  <a:schemeClr val="tx1"/>
+                </a:solidFill>
+                <a:latin typeface="+mn-lt"/>
+                <a:ea typeface="+mn-ea"/>
+                <a:cs typeface="+mn-cs"/>
+              </a:defRPr>
+            </a:lvl9pPr>
+          </a:lstStyle>
+          <a:p>
+            <a:r>
+              <a:rPr lang="en-US" sz="3200" dirty="0">
+                <a:solidFill>
+                  <a:srgbClr val="2E2F31"/>
+                </a:solidFill>
+                <a:latin typeface="Calibri" panose="020F0502020204030204" pitchFamily="34" charset="0"/>
+                <a:cs typeface="Calibri" panose="020F0502020204030204" pitchFamily="34" charset="0"/>
+              </a:rPr>
+              <a:t>The network has more and smaller modules (core -&gt; rare)</a:t>
+            </a:r>
+          </a:p>
+          <a:p>
+            <a:r>
+              <a:rPr lang="en-US" sz="3200" dirty="0">
+                <a:solidFill>
+                  <a:srgbClr val="2E2F31"/>
+                </a:solidFill>
+                <a:latin typeface="Calibri" panose="020F0502020204030204" pitchFamily="34" charset="0"/>
+                <a:cs typeface="Calibri" panose="020F0502020204030204" pitchFamily="34" charset="0"/>
+              </a:rPr>
+              <a:t>For core and non-core there is a single big module that span all sites</a:t>
+            </a:r>
+          </a:p>
+          <a:p>
+            <a:pPr marL="0" indent="0">
+              <a:buNone/>
+            </a:pPr>
+            <a:endParaRPr lang="en-US" dirty="0">
+              <a:solidFill>
+                <a:srgbClr val="2E2F31"/>
+              </a:solidFill>
+              <a:latin typeface="Calibri" panose="020F0502020204030204" pitchFamily="34" charset="0"/>
+              <a:cs typeface="Calibri" panose="020F0502020204030204" pitchFamily="34" charset="0"/>
+            </a:endParaRPr>
+          </a:p>
+          <a:p>
+            <a:pPr marL="0" indent="0">
+              <a:buNone/>
+            </a:pPr>
+            <a:endParaRPr lang="en-US" dirty="0">
+              <a:latin typeface="Calibri" panose="020F0502020204030204" pitchFamily="34" charset="0"/>
+              <a:cs typeface="Calibri" panose="020F0502020204030204" pitchFamily="34" charset="0"/>
+            </a:endParaRPr>
+          </a:p>
+        </p:txBody>
+      </p:sp>
+    </p:spTree>
+    <p:extLst>
+      <p:ext uri="{BB962C8B-B14F-4D97-AF65-F5344CB8AC3E}">
+        <p14:creationId xmlns:p14="http://schemas.microsoft.com/office/powerpoint/2010/main" val="3629537421"/>
+      </p:ext>
+    </p:extLst>
+  </p:cSld>
+  <p:clrMapOvr>
+    <a:masterClrMapping/>
+  </p:clrMapOvr>
+</p:sld>
+</file>
+
+<file path=ppt/slides/slide16.xml><?xml version="1.0" encoding="utf-8"?>
+<p:sld xmlns:a="http://schemas.openxmlformats.org/drawingml/2006/main" xmlns:r="http://schemas.openxmlformats.org/officeDocument/2006/relationships" xmlns:p="http://schemas.openxmlformats.org/presentationml/2006/main">
+  <p:cSld>
+    <p:spTree>
+      <p:nvGrpSpPr>
         <p:cNvPr id="1" name="Shape 357"/>
         <p:cNvGrpSpPr/>
         <p:nvPr/>
@@ -18593,7 +18883,7 @@
                 <a:cs typeface="Calibri" panose="020F0502020204030204" pitchFamily="34" charset="0"/>
                 <a:sym typeface="Calibri"/>
               </a:rPr>
-              <a:t>Family relative abundance</a:t>
+              <a:t>The modules capture hosts with different microbial composition</a:t>
             </a:r>
             <a:endParaRPr sz="4000" dirty="0">
               <a:latin typeface="Calibri" panose="020F0502020204030204" pitchFamily="34" charset="0"/>
@@ -18625,7 +18915,7 @@
         </p:blipFill>
         <p:spPr>
           <a:xfrm>
-            <a:off x="2209800" y="1140554"/>
+            <a:off x="4199373" y="1140554"/>
             <a:ext cx="7772400" cy="5551714"/>
           </a:xfrm>
           <a:prstGeom prst="rect">
@@ -18633,42 +18923,12 @@
           </a:prstGeom>
         </p:spPr>
       </p:pic>
-    </p:spTree>
-    <p:extLst>
-      <p:ext uri="{BB962C8B-B14F-4D97-AF65-F5344CB8AC3E}">
-        <p14:creationId xmlns:p14="http://schemas.microsoft.com/office/powerpoint/2010/main" val="1642554555"/>
-      </p:ext>
-    </p:extLst>
-  </p:cSld>
-  <p:clrMapOvr>
-    <a:masterClrMapping/>
-  </p:clrMapOvr>
-</p:sld>
-</file>
-
-<file path=ppt/slides/slide16.xml><?xml version="1.0" encoding="utf-8"?>
-<p:sld xmlns:a="http://schemas.openxmlformats.org/drawingml/2006/main" xmlns:r="http://schemas.openxmlformats.org/officeDocument/2006/relationships" xmlns:p="http://schemas.openxmlformats.org/presentationml/2006/main">
-  <p:cSld>
-    <p:spTree>
-      <p:nvGrpSpPr>
-        <p:cNvPr id="1" name=""/>
-        <p:cNvGrpSpPr/>
-        <p:nvPr/>
-      </p:nvGrpSpPr>
-      <p:grpSpPr>
-        <a:xfrm>
-          <a:off x="0" y="0"/>
-          <a:ext cx="0" cy="0"/>
-          <a:chOff x="0" y="0"/>
-          <a:chExt cx="0" cy="0"/>
-        </a:xfrm>
-      </p:grpSpPr>
       <p:sp>
         <p:nvSpPr>
-          <p:cNvPr id="10" name="Content Placeholder 2">
+          <p:cNvPr id="4" name="Google Shape;358;p17">
             <a:extLst>
               <a:ext uri="{FF2B5EF4-FFF2-40B4-BE49-F238E27FC236}">
-                <a16:creationId xmlns:a16="http://schemas.microsoft.com/office/drawing/2014/main" id="{6191D3B6-9391-DC61-9862-02F5953A2361}"/>
+                <a16:creationId xmlns:a16="http://schemas.microsoft.com/office/drawing/2014/main" id="{99976BC2-7E49-19B3-8012-8DF090D0ABE8}"/>
               </a:ext>
             </a:extLst>
           </p:cNvPr>
@@ -18679,578 +18939,340 @@
         </p:nvSpPr>
         <p:spPr>
           <a:xfrm>
-            <a:off x="485624" y="407262"/>
-            <a:ext cx="11043324" cy="1146513"/>
-          </a:xfrm>
-          <a:prstGeom prst="rect">
-            <a:avLst/>
-          </a:prstGeom>
-        </p:spPr>
-        <p:txBody>
-          <a:bodyPr vert="horz" lIns="91440" tIns="45720" rIns="91440" bIns="45720" rtlCol="0">
-            <a:normAutofit/>
-          </a:bodyPr>
-          <a:lstStyle>
-            <a:lvl1pPr marL="228600" indent="-228600" algn="l" defTabSz="914400" rtl="0" eaLnBrk="1" latinLnBrk="0" hangingPunct="1">
-              <a:lnSpc>
-                <a:spcPct val="90000"/>
-              </a:lnSpc>
-              <a:spcBef>
-                <a:spcPts val="1000"/>
-              </a:spcBef>
-              <a:buFont typeface="Arial" panose="020B0604020202020204" pitchFamily="34" charset="0"/>
-              <a:buChar char="•"/>
-              <a:defRPr sz="2800" kern="1200">
-                <a:solidFill>
-                  <a:schemeClr val="tx1"/>
-                </a:solidFill>
-                <a:latin typeface="+mn-lt"/>
-                <a:ea typeface="+mn-ea"/>
-                <a:cs typeface="+mn-cs"/>
-              </a:defRPr>
-            </a:lvl1pPr>
-            <a:lvl2pPr marL="685800" indent="-228600" algn="l" defTabSz="914400" rtl="0" eaLnBrk="1" latinLnBrk="0" hangingPunct="1">
-              <a:lnSpc>
-                <a:spcPct val="90000"/>
-              </a:lnSpc>
-              <a:spcBef>
-                <a:spcPts val="500"/>
-              </a:spcBef>
-              <a:buFont typeface="Arial" panose="020B0604020202020204" pitchFamily="34" charset="0"/>
-              <a:buChar char="•"/>
-              <a:defRPr sz="2400" kern="1200">
-                <a:solidFill>
-                  <a:schemeClr val="tx1"/>
-                </a:solidFill>
-                <a:latin typeface="+mn-lt"/>
-                <a:ea typeface="+mn-ea"/>
-                <a:cs typeface="+mn-cs"/>
-              </a:defRPr>
-            </a:lvl2pPr>
-            <a:lvl3pPr marL="1143000" indent="-228600" algn="l" defTabSz="914400" rtl="0" eaLnBrk="1" latinLnBrk="0" hangingPunct="1">
-              <a:lnSpc>
-                <a:spcPct val="90000"/>
-              </a:lnSpc>
-              <a:spcBef>
-                <a:spcPts val="500"/>
-              </a:spcBef>
-              <a:buFont typeface="Arial" panose="020B0604020202020204" pitchFamily="34" charset="0"/>
-              <a:buChar char="•"/>
-              <a:defRPr sz="2000" kern="1200">
-                <a:solidFill>
-                  <a:schemeClr val="tx1"/>
-                </a:solidFill>
-                <a:latin typeface="+mn-lt"/>
-                <a:ea typeface="+mn-ea"/>
-                <a:cs typeface="+mn-cs"/>
-              </a:defRPr>
-            </a:lvl3pPr>
-            <a:lvl4pPr marL="1600200" indent="-228600" algn="l" defTabSz="914400" rtl="0" eaLnBrk="1" latinLnBrk="0" hangingPunct="1">
-              <a:lnSpc>
-                <a:spcPct val="90000"/>
-              </a:lnSpc>
-              <a:spcBef>
-                <a:spcPts val="500"/>
-              </a:spcBef>
-              <a:buFont typeface="Arial" panose="020B0604020202020204" pitchFamily="34" charset="0"/>
-              <a:buChar char="•"/>
-              <a:defRPr sz="1800" kern="1200">
-                <a:solidFill>
-                  <a:schemeClr val="tx1"/>
-                </a:solidFill>
-                <a:latin typeface="+mn-lt"/>
-                <a:ea typeface="+mn-ea"/>
-                <a:cs typeface="+mn-cs"/>
-              </a:defRPr>
-            </a:lvl4pPr>
-            <a:lvl5pPr marL="2057400" indent="-228600" algn="l" defTabSz="914400" rtl="0" eaLnBrk="1" latinLnBrk="0" hangingPunct="1">
-              <a:lnSpc>
-                <a:spcPct val="90000"/>
-              </a:lnSpc>
-              <a:spcBef>
-                <a:spcPts val="500"/>
-              </a:spcBef>
-              <a:buFont typeface="Arial" panose="020B0604020202020204" pitchFamily="34" charset="0"/>
-              <a:buChar char="•"/>
-              <a:defRPr sz="1800" kern="1200">
-                <a:solidFill>
-                  <a:schemeClr val="tx1"/>
-                </a:solidFill>
-                <a:latin typeface="+mn-lt"/>
-                <a:ea typeface="+mn-ea"/>
-                <a:cs typeface="+mn-cs"/>
-              </a:defRPr>
-            </a:lvl5pPr>
-            <a:lvl6pPr marL="2514600" indent="-228600" algn="l" defTabSz="914400" rtl="0" eaLnBrk="1" latinLnBrk="0" hangingPunct="1">
-              <a:lnSpc>
-                <a:spcPct val="90000"/>
-              </a:lnSpc>
-              <a:spcBef>
-                <a:spcPts val="500"/>
-              </a:spcBef>
-              <a:buFont typeface="Arial" panose="020B0604020202020204" pitchFamily="34" charset="0"/>
-              <a:buChar char="•"/>
-              <a:defRPr sz="1800" kern="1200">
-                <a:solidFill>
-                  <a:schemeClr val="tx1"/>
-                </a:solidFill>
-                <a:latin typeface="+mn-lt"/>
-                <a:ea typeface="+mn-ea"/>
-                <a:cs typeface="+mn-cs"/>
-              </a:defRPr>
-            </a:lvl6pPr>
-            <a:lvl7pPr marL="2971800" indent="-228600" algn="l" defTabSz="914400" rtl="0" eaLnBrk="1" latinLnBrk="0" hangingPunct="1">
-              <a:lnSpc>
-                <a:spcPct val="90000"/>
-              </a:lnSpc>
-              <a:spcBef>
-                <a:spcPts val="500"/>
-              </a:spcBef>
-              <a:buFont typeface="Arial" panose="020B0604020202020204" pitchFamily="34" charset="0"/>
-              <a:buChar char="•"/>
-              <a:defRPr sz="1800" kern="1200">
-                <a:solidFill>
-                  <a:schemeClr val="tx1"/>
-                </a:solidFill>
-                <a:latin typeface="+mn-lt"/>
-                <a:ea typeface="+mn-ea"/>
-                <a:cs typeface="+mn-cs"/>
-              </a:defRPr>
-            </a:lvl7pPr>
-            <a:lvl8pPr marL="3429000" indent="-228600" algn="l" defTabSz="914400" rtl="0" eaLnBrk="1" latinLnBrk="0" hangingPunct="1">
-              <a:lnSpc>
-                <a:spcPct val="90000"/>
-              </a:lnSpc>
-              <a:spcBef>
-                <a:spcPts val="500"/>
-              </a:spcBef>
-              <a:buFont typeface="Arial" panose="020B0604020202020204" pitchFamily="34" charset="0"/>
-              <a:buChar char="•"/>
-              <a:defRPr sz="1800" kern="1200">
-                <a:solidFill>
-                  <a:schemeClr val="tx1"/>
-                </a:solidFill>
-                <a:latin typeface="+mn-lt"/>
-                <a:ea typeface="+mn-ea"/>
-                <a:cs typeface="+mn-cs"/>
-              </a:defRPr>
-            </a:lvl8pPr>
-            <a:lvl9pPr marL="3886200" indent="-228600" algn="l" defTabSz="914400" rtl="0" eaLnBrk="1" latinLnBrk="0" hangingPunct="1">
-              <a:lnSpc>
-                <a:spcPct val="90000"/>
-              </a:lnSpc>
-              <a:spcBef>
-                <a:spcPts val="500"/>
-              </a:spcBef>
-              <a:buFont typeface="Arial" panose="020B0604020202020204" pitchFamily="34" charset="0"/>
-              <a:buChar char="•"/>
-              <a:defRPr sz="1800" kern="1200">
-                <a:solidFill>
-                  <a:schemeClr val="tx1"/>
-                </a:solidFill>
-                <a:latin typeface="+mn-lt"/>
-                <a:ea typeface="+mn-ea"/>
-                <a:cs typeface="+mn-cs"/>
-              </a:defRPr>
-            </a:lvl9pPr>
-          </a:lstStyle>
-          <a:p>
-            <a:pPr marL="0" marR="0" lvl="0" indent="0" algn="l" rtl="0">
-              <a:lnSpc>
-                <a:spcPct val="90000"/>
-              </a:lnSpc>
-              <a:spcBef>
-                <a:spcPts val="0"/>
-              </a:spcBef>
-              <a:spcAft>
-                <a:spcPts val="0"/>
-              </a:spcAft>
-              <a:buClr>
-                <a:srgbClr val="000000"/>
-              </a:buClr>
-              <a:buSzPts val="3200"/>
-              <a:buNone/>
-            </a:pPr>
-            <a:r>
-              <a:rPr lang="en-US" sz="3200" b="1" i="0" u="none" strike="noStrike" dirty="0">
-                <a:solidFill>
-                  <a:srgbClr val="000000"/>
-                </a:solidFill>
-                <a:latin typeface="Calibri"/>
-                <a:ea typeface="Calibri"/>
-                <a:cs typeface="Calibri"/>
-                <a:sym typeface="Calibri"/>
-              </a:rPr>
-              <a:t>What does this modular structure tell us about the </a:t>
-            </a:r>
-            <a:r>
-              <a:rPr lang="en-US" sz="3200" b="1" dirty="0">
-                <a:latin typeface="Calibri" panose="020F0502020204030204" pitchFamily="34" charset="0"/>
-                <a:cs typeface="Calibri" panose="020F0502020204030204" pitchFamily="34" charset="0"/>
-              </a:rPr>
-              <a:t>processes that shaped the network?</a:t>
-            </a:r>
-            <a:r>
-              <a:rPr lang="en-US" sz="3200" b="1" i="0" u="none" strike="noStrike" dirty="0">
-                <a:solidFill>
-                  <a:srgbClr val="000000"/>
-                </a:solidFill>
-                <a:latin typeface="Calibri"/>
-                <a:ea typeface="Calibri"/>
-                <a:cs typeface="Calibri"/>
-                <a:sym typeface="Calibri"/>
-              </a:rPr>
-              <a:t> </a:t>
-            </a:r>
-            <a:endParaRPr lang="en-US" sz="3200" dirty="0">
-              <a:latin typeface="Calibri"/>
-              <a:ea typeface="Calibri"/>
-              <a:cs typeface="Calibri"/>
-              <a:sym typeface="Calibri"/>
-            </a:endParaRPr>
-          </a:p>
-          <a:p>
-            <a:pPr marL="0" indent="0">
-              <a:buFont typeface="Arial" panose="020B0604020202020204" pitchFamily="34" charset="0"/>
-              <a:buNone/>
-            </a:pPr>
-            <a:endParaRPr lang="en-US" sz="3200" dirty="0">
-              <a:latin typeface="Calibri" panose="020F0502020204030204" pitchFamily="34" charset="0"/>
-              <a:cs typeface="Calibri" panose="020F0502020204030204" pitchFamily="34" charset="0"/>
-            </a:endParaRPr>
-          </a:p>
-        </p:txBody>
-      </p:sp>
-      <p:sp>
-        <p:nvSpPr>
-          <p:cNvPr id="4" name="Content Placeholder 2">
-            <a:extLst>
-              <a:ext uri="{FF2B5EF4-FFF2-40B4-BE49-F238E27FC236}">
-                <a16:creationId xmlns:a16="http://schemas.microsoft.com/office/drawing/2014/main" id="{D02B3D1D-A5BE-D6E1-AC11-87645DF61B07}"/>
-              </a:ext>
-            </a:extLst>
-          </p:cNvPr>
-          <p:cNvSpPr txBox="1">
-            <a:spLocks/>
-          </p:cNvSpPr>
-          <p:nvPr/>
-        </p:nvSpPr>
-        <p:spPr>
-          <a:xfrm>
-            <a:off x="740555" y="1989756"/>
-            <a:ext cx="9907348" cy="2878487"/>
-          </a:xfrm>
-          <a:prstGeom prst="rect">
-            <a:avLst/>
-          </a:prstGeom>
-        </p:spPr>
-        <p:txBody>
-          <a:bodyPr vert="horz" lIns="91440" tIns="45720" rIns="91440" bIns="45720" rtlCol="0">
-            <a:noAutofit/>
-          </a:bodyPr>
-          <a:lstStyle>
-            <a:lvl1pPr marL="228600" indent="-228600" algn="l" defTabSz="914400" rtl="0" eaLnBrk="1" latinLnBrk="0" hangingPunct="1">
-              <a:lnSpc>
-                <a:spcPct val="90000"/>
-              </a:lnSpc>
-              <a:spcBef>
-                <a:spcPts val="1000"/>
-              </a:spcBef>
-              <a:buFont typeface="Arial" panose="020B0604020202020204" pitchFamily="34" charset="0"/>
-              <a:buChar char="•"/>
-              <a:defRPr sz="2800" kern="1200">
-                <a:solidFill>
-                  <a:schemeClr val="tx1"/>
-                </a:solidFill>
-                <a:latin typeface="+mn-lt"/>
-                <a:ea typeface="+mn-ea"/>
-                <a:cs typeface="+mn-cs"/>
-              </a:defRPr>
-            </a:lvl1pPr>
-            <a:lvl2pPr marL="685800" indent="-228600" algn="l" defTabSz="914400" rtl="0" eaLnBrk="1" latinLnBrk="0" hangingPunct="1">
-              <a:lnSpc>
-                <a:spcPct val="90000"/>
-              </a:lnSpc>
-              <a:spcBef>
-                <a:spcPts val="500"/>
-              </a:spcBef>
-              <a:buFont typeface="Arial" panose="020B0604020202020204" pitchFamily="34" charset="0"/>
-              <a:buChar char="•"/>
-              <a:defRPr sz="2400" kern="1200">
-                <a:solidFill>
-                  <a:schemeClr val="tx1"/>
-                </a:solidFill>
-                <a:latin typeface="+mn-lt"/>
-                <a:ea typeface="+mn-ea"/>
-                <a:cs typeface="+mn-cs"/>
-              </a:defRPr>
-            </a:lvl2pPr>
-            <a:lvl3pPr marL="1143000" indent="-228600" algn="l" defTabSz="914400" rtl="0" eaLnBrk="1" latinLnBrk="0" hangingPunct="1">
-              <a:lnSpc>
-                <a:spcPct val="90000"/>
-              </a:lnSpc>
-              <a:spcBef>
-                <a:spcPts val="500"/>
-              </a:spcBef>
-              <a:buFont typeface="Arial" panose="020B0604020202020204" pitchFamily="34" charset="0"/>
-              <a:buChar char="•"/>
-              <a:defRPr sz="2000" kern="1200">
-                <a:solidFill>
-                  <a:schemeClr val="tx1"/>
-                </a:solidFill>
-                <a:latin typeface="+mn-lt"/>
-                <a:ea typeface="+mn-ea"/>
-                <a:cs typeface="+mn-cs"/>
-              </a:defRPr>
-            </a:lvl3pPr>
-            <a:lvl4pPr marL="1600200" indent="-228600" algn="l" defTabSz="914400" rtl="0" eaLnBrk="1" latinLnBrk="0" hangingPunct="1">
-              <a:lnSpc>
-                <a:spcPct val="90000"/>
-              </a:lnSpc>
-              <a:spcBef>
-                <a:spcPts val="500"/>
-              </a:spcBef>
-              <a:buFont typeface="Arial" panose="020B0604020202020204" pitchFamily="34" charset="0"/>
-              <a:buChar char="•"/>
-              <a:defRPr sz="1800" kern="1200">
-                <a:solidFill>
-                  <a:schemeClr val="tx1"/>
-                </a:solidFill>
-                <a:latin typeface="+mn-lt"/>
-                <a:ea typeface="+mn-ea"/>
-                <a:cs typeface="+mn-cs"/>
-              </a:defRPr>
-            </a:lvl4pPr>
-            <a:lvl5pPr marL="2057400" indent="-228600" algn="l" defTabSz="914400" rtl="0" eaLnBrk="1" latinLnBrk="0" hangingPunct="1">
-              <a:lnSpc>
-                <a:spcPct val="90000"/>
-              </a:lnSpc>
-              <a:spcBef>
-                <a:spcPts val="500"/>
-              </a:spcBef>
-              <a:buFont typeface="Arial" panose="020B0604020202020204" pitchFamily="34" charset="0"/>
-              <a:buChar char="•"/>
-              <a:defRPr sz="1800" kern="1200">
-                <a:solidFill>
-                  <a:schemeClr val="tx1"/>
-                </a:solidFill>
-                <a:latin typeface="+mn-lt"/>
-                <a:ea typeface="+mn-ea"/>
-                <a:cs typeface="+mn-cs"/>
-              </a:defRPr>
-            </a:lvl5pPr>
-            <a:lvl6pPr marL="2514600" indent="-228600" algn="l" defTabSz="914400" rtl="0" eaLnBrk="1" latinLnBrk="0" hangingPunct="1">
-              <a:lnSpc>
-                <a:spcPct val="90000"/>
-              </a:lnSpc>
-              <a:spcBef>
-                <a:spcPts val="500"/>
-              </a:spcBef>
-              <a:buFont typeface="Arial" panose="020B0604020202020204" pitchFamily="34" charset="0"/>
-              <a:buChar char="•"/>
-              <a:defRPr sz="1800" kern="1200">
-                <a:solidFill>
-                  <a:schemeClr val="tx1"/>
-                </a:solidFill>
-                <a:latin typeface="+mn-lt"/>
-                <a:ea typeface="+mn-ea"/>
-                <a:cs typeface="+mn-cs"/>
-              </a:defRPr>
-            </a:lvl6pPr>
-            <a:lvl7pPr marL="2971800" indent="-228600" algn="l" defTabSz="914400" rtl="0" eaLnBrk="1" latinLnBrk="0" hangingPunct="1">
-              <a:lnSpc>
-                <a:spcPct val="90000"/>
-              </a:lnSpc>
-              <a:spcBef>
-                <a:spcPts val="500"/>
-              </a:spcBef>
-              <a:buFont typeface="Arial" panose="020B0604020202020204" pitchFamily="34" charset="0"/>
-              <a:buChar char="•"/>
-              <a:defRPr sz="1800" kern="1200">
-                <a:solidFill>
-                  <a:schemeClr val="tx1"/>
-                </a:solidFill>
-                <a:latin typeface="+mn-lt"/>
-                <a:ea typeface="+mn-ea"/>
-                <a:cs typeface="+mn-cs"/>
-              </a:defRPr>
-            </a:lvl7pPr>
-            <a:lvl8pPr marL="3429000" indent="-228600" algn="l" defTabSz="914400" rtl="0" eaLnBrk="1" latinLnBrk="0" hangingPunct="1">
-              <a:lnSpc>
-                <a:spcPct val="90000"/>
-              </a:lnSpc>
-              <a:spcBef>
-                <a:spcPts val="500"/>
-              </a:spcBef>
-              <a:buFont typeface="Arial" panose="020B0604020202020204" pitchFamily="34" charset="0"/>
-              <a:buChar char="•"/>
-              <a:defRPr sz="1800" kern="1200">
-                <a:solidFill>
-                  <a:schemeClr val="tx1"/>
-                </a:solidFill>
-                <a:latin typeface="+mn-lt"/>
-                <a:ea typeface="+mn-ea"/>
-                <a:cs typeface="+mn-cs"/>
-              </a:defRPr>
-            </a:lvl8pPr>
-            <a:lvl9pPr marL="3886200" indent="-228600" algn="l" defTabSz="914400" rtl="0" eaLnBrk="1" latinLnBrk="0" hangingPunct="1">
-              <a:lnSpc>
-                <a:spcPct val="90000"/>
-              </a:lnSpc>
-              <a:spcBef>
-                <a:spcPts val="500"/>
-              </a:spcBef>
-              <a:buFont typeface="Arial" panose="020B0604020202020204" pitchFamily="34" charset="0"/>
-              <a:buChar char="•"/>
-              <a:defRPr sz="1800" kern="1200">
-                <a:solidFill>
-                  <a:schemeClr val="tx1"/>
-                </a:solidFill>
-                <a:latin typeface="+mn-lt"/>
-                <a:ea typeface="+mn-ea"/>
-                <a:cs typeface="+mn-cs"/>
-              </a:defRPr>
-            </a:lvl9pPr>
-          </a:lstStyle>
-          <a:p>
-            <a:pPr marL="0" indent="0">
-              <a:buNone/>
-            </a:pPr>
-            <a:r>
-              <a:rPr lang="en-US" sz="3200" b="1" dirty="0">
-                <a:latin typeface="Calibri" panose="020F0502020204030204" pitchFamily="34" charset="0"/>
-                <a:cs typeface="Calibri" panose="020F0502020204030204" pitchFamily="34" charset="0"/>
-              </a:rPr>
-              <a:t>Beta-NTI (Nearest Taxon Index)</a:t>
-            </a:r>
-          </a:p>
-          <a:p>
-            <a:pPr marL="0" indent="0">
-              <a:buNone/>
-            </a:pPr>
-            <a:r>
-              <a:rPr lang="en-US" dirty="0">
-                <a:latin typeface="Calibri" panose="020F0502020204030204" pitchFamily="34" charset="0"/>
-                <a:cs typeface="Calibri" panose="020F0502020204030204" pitchFamily="34" charset="0"/>
-              </a:rPr>
-              <a:t>Measures phylogenetic turnover compared to the turnover expected by chance </a:t>
-            </a:r>
-          </a:p>
-          <a:p>
-            <a:pPr marL="0" indent="0">
-              <a:buNone/>
-            </a:pPr>
-            <a:r>
-              <a:rPr lang="en-US" sz="3200" b="1" dirty="0" err="1">
-                <a:latin typeface="Calibri" panose="020F0502020204030204" pitchFamily="34" charset="0"/>
-                <a:cs typeface="Calibri" panose="020F0502020204030204" pitchFamily="34" charset="0"/>
-              </a:rPr>
-              <a:t>Raup</a:t>
-            </a:r>
-            <a:r>
-              <a:rPr lang="en-US" sz="3200" b="1" dirty="0">
-                <a:latin typeface="Calibri" panose="020F0502020204030204" pitchFamily="34" charset="0"/>
-                <a:cs typeface="Calibri" panose="020F0502020204030204" pitchFamily="34" charset="0"/>
-              </a:rPr>
-              <a:t>-Crick</a:t>
-            </a:r>
-          </a:p>
-          <a:p>
-            <a:pPr marL="0" indent="0">
-              <a:buNone/>
-            </a:pPr>
-            <a:r>
-              <a:rPr lang="en-US" dirty="0">
-                <a:latin typeface="Calibri" panose="020F0502020204030204" pitchFamily="34" charset="0"/>
-                <a:cs typeface="Calibri" panose="020F0502020204030204" pitchFamily="34" charset="0"/>
-              </a:rPr>
-              <a:t>Measures turnover compared to the turnover expected by chance </a:t>
-            </a:r>
-          </a:p>
-          <a:p>
-            <a:pPr marL="0" indent="0">
-              <a:buNone/>
-            </a:pPr>
-            <a:endParaRPr lang="en-US" dirty="0">
-              <a:latin typeface="Calibri" panose="020F0502020204030204" pitchFamily="34" charset="0"/>
-              <a:cs typeface="Calibri" panose="020F0502020204030204" pitchFamily="34" charset="0"/>
-            </a:endParaRPr>
-          </a:p>
-          <a:p>
-            <a:pPr marL="0" indent="0">
-              <a:buNone/>
-            </a:pPr>
-            <a:endParaRPr lang="en-US" dirty="0"/>
-          </a:p>
-          <a:p>
-            <a:pPr marL="0" indent="0">
-              <a:buNone/>
-            </a:pPr>
-            <a:endParaRPr lang="en-US" dirty="0">
-              <a:latin typeface="Calibri" panose="020F0502020204030204" pitchFamily="34" charset="0"/>
-              <a:cs typeface="Calibri" panose="020F0502020204030204" pitchFamily="34" charset="0"/>
-            </a:endParaRPr>
-          </a:p>
-          <a:p>
-            <a:pPr marL="0" indent="0">
-              <a:buNone/>
-            </a:pPr>
-            <a:endParaRPr lang="en-US" dirty="0">
-              <a:latin typeface="Calibri" panose="020F0502020204030204" pitchFamily="34" charset="0"/>
-              <a:cs typeface="Calibri" panose="020F0502020204030204" pitchFamily="34" charset="0"/>
-            </a:endParaRPr>
-          </a:p>
-        </p:txBody>
-      </p:sp>
-      <p:sp>
-        <p:nvSpPr>
-          <p:cNvPr id="7" name="TextBox 6">
-            <a:extLst>
-              <a:ext uri="{FF2B5EF4-FFF2-40B4-BE49-F238E27FC236}">
-                <a16:creationId xmlns:a16="http://schemas.microsoft.com/office/drawing/2014/main" id="{9749D75E-7D1A-5A48-0526-38B6B5D7A73C}"/>
-              </a:ext>
-            </a:extLst>
-          </p:cNvPr>
-          <p:cNvSpPr txBox="1"/>
-          <p:nvPr/>
-        </p:nvSpPr>
-        <p:spPr>
-          <a:xfrm>
-            <a:off x="8792308" y="6537088"/>
-            <a:ext cx="3439736" cy="307777"/>
+            <a:off x="374636" y="1550933"/>
+            <a:ext cx="3674849" cy="3312469"/>
           </a:xfrm>
           <a:prstGeom prst="rect">
             <a:avLst/>
           </a:prstGeom>
           <a:noFill/>
+          <a:ln>
+            <a:noFill/>
+          </a:ln>
         </p:spPr>
         <p:txBody>
-          <a:bodyPr wrap="square" rtlCol="0">
-            <a:spAutoFit/>
+          <a:bodyPr spcFirstLastPara="1" wrap="square" lIns="91425" tIns="45700" rIns="91425" bIns="45700" anchor="ctr" anchorCtr="0">
+            <a:normAutofit/>
           </a:bodyPr>
-          <a:lstStyle/>
-          <a:p>
+          <a:lstStyle>
+            <a:defPPr marR="0" lvl="0" algn="l" rtl="0">
+              <a:lnSpc>
+                <a:spcPct val="100000"/>
+              </a:lnSpc>
+              <a:spcBef>
+                <a:spcPts val="0"/>
+              </a:spcBef>
+              <a:spcAft>
+                <a:spcPts val="0"/>
+              </a:spcAft>
+            </a:defPPr>
+            <a:lvl1pPr marR="0" lvl="0" algn="l" rtl="0">
+              <a:lnSpc>
+                <a:spcPct val="90000"/>
+              </a:lnSpc>
+              <a:spcBef>
+                <a:spcPts val="0"/>
+              </a:spcBef>
+              <a:spcAft>
+                <a:spcPts val="0"/>
+              </a:spcAft>
+              <a:buClr>
+                <a:schemeClr val="dk1"/>
+              </a:buClr>
+              <a:buSzPts val="1800"/>
+              <a:buFont typeface="Calibri"/>
+              <a:buNone/>
+              <a:defRPr sz="4400" b="0" i="0" u="none" strike="noStrike" cap="none">
+                <a:solidFill>
+                  <a:schemeClr val="dk1"/>
+                </a:solidFill>
+                <a:latin typeface="Calibri"/>
+                <a:ea typeface="Calibri"/>
+                <a:cs typeface="Calibri"/>
+                <a:sym typeface="Calibri"/>
+              </a:defRPr>
+            </a:lvl1pPr>
+            <a:lvl2pPr marR="0" lvl="1" algn="l" rtl="0">
+              <a:lnSpc>
+                <a:spcPct val="100000"/>
+              </a:lnSpc>
+              <a:spcBef>
+                <a:spcPts val="0"/>
+              </a:spcBef>
+              <a:spcAft>
+                <a:spcPts val="0"/>
+              </a:spcAft>
+              <a:buClr>
+                <a:srgbClr val="000000"/>
+              </a:buClr>
+              <a:buSzPts val="1400"/>
+              <a:buFont typeface="Arial"/>
+              <a:buNone/>
+              <a:defRPr sz="1800" b="0" i="0" u="none" strike="noStrike" cap="none">
+                <a:solidFill>
+                  <a:srgbClr val="000000"/>
+                </a:solidFill>
+                <a:latin typeface="Arial"/>
+                <a:ea typeface="Arial"/>
+                <a:cs typeface="Arial"/>
+                <a:sym typeface="Arial"/>
+              </a:defRPr>
+            </a:lvl2pPr>
+            <a:lvl3pPr marR="0" lvl="2" algn="l" rtl="0">
+              <a:lnSpc>
+                <a:spcPct val="100000"/>
+              </a:lnSpc>
+              <a:spcBef>
+                <a:spcPts val="0"/>
+              </a:spcBef>
+              <a:spcAft>
+                <a:spcPts val="0"/>
+              </a:spcAft>
+              <a:buClr>
+                <a:srgbClr val="000000"/>
+              </a:buClr>
+              <a:buSzPts val="1400"/>
+              <a:buFont typeface="Arial"/>
+              <a:buNone/>
+              <a:defRPr sz="1800" b="0" i="0" u="none" strike="noStrike" cap="none">
+                <a:solidFill>
+                  <a:srgbClr val="000000"/>
+                </a:solidFill>
+                <a:latin typeface="Arial"/>
+                <a:ea typeface="Arial"/>
+                <a:cs typeface="Arial"/>
+                <a:sym typeface="Arial"/>
+              </a:defRPr>
+            </a:lvl3pPr>
+            <a:lvl4pPr marR="0" lvl="3" algn="l" rtl="0">
+              <a:lnSpc>
+                <a:spcPct val="100000"/>
+              </a:lnSpc>
+              <a:spcBef>
+                <a:spcPts val="0"/>
+              </a:spcBef>
+              <a:spcAft>
+                <a:spcPts val="0"/>
+              </a:spcAft>
+              <a:buClr>
+                <a:srgbClr val="000000"/>
+              </a:buClr>
+              <a:buSzPts val="1400"/>
+              <a:buFont typeface="Arial"/>
+              <a:buNone/>
+              <a:defRPr sz="1800" b="0" i="0" u="none" strike="noStrike" cap="none">
+                <a:solidFill>
+                  <a:srgbClr val="000000"/>
+                </a:solidFill>
+                <a:latin typeface="Arial"/>
+                <a:ea typeface="Arial"/>
+                <a:cs typeface="Arial"/>
+                <a:sym typeface="Arial"/>
+              </a:defRPr>
+            </a:lvl4pPr>
+            <a:lvl5pPr marR="0" lvl="4" algn="l" rtl="0">
+              <a:lnSpc>
+                <a:spcPct val="100000"/>
+              </a:lnSpc>
+              <a:spcBef>
+                <a:spcPts val="0"/>
+              </a:spcBef>
+              <a:spcAft>
+                <a:spcPts val="0"/>
+              </a:spcAft>
+              <a:buClr>
+                <a:srgbClr val="000000"/>
+              </a:buClr>
+              <a:buSzPts val="1400"/>
+              <a:buFont typeface="Arial"/>
+              <a:buNone/>
+              <a:defRPr sz="1800" b="0" i="0" u="none" strike="noStrike" cap="none">
+                <a:solidFill>
+                  <a:srgbClr val="000000"/>
+                </a:solidFill>
+                <a:latin typeface="Arial"/>
+                <a:ea typeface="Arial"/>
+                <a:cs typeface="Arial"/>
+                <a:sym typeface="Arial"/>
+              </a:defRPr>
+            </a:lvl5pPr>
+            <a:lvl6pPr marR="0" lvl="5" algn="l" rtl="0">
+              <a:lnSpc>
+                <a:spcPct val="100000"/>
+              </a:lnSpc>
+              <a:spcBef>
+                <a:spcPts val="0"/>
+              </a:spcBef>
+              <a:spcAft>
+                <a:spcPts val="0"/>
+              </a:spcAft>
+              <a:buClr>
+                <a:srgbClr val="000000"/>
+              </a:buClr>
+              <a:buSzPts val="1400"/>
+              <a:buFont typeface="Arial"/>
+              <a:buNone/>
+              <a:defRPr sz="1800" b="0" i="0" u="none" strike="noStrike" cap="none">
+                <a:solidFill>
+                  <a:srgbClr val="000000"/>
+                </a:solidFill>
+                <a:latin typeface="Arial"/>
+                <a:ea typeface="Arial"/>
+                <a:cs typeface="Arial"/>
+                <a:sym typeface="Arial"/>
+              </a:defRPr>
+            </a:lvl6pPr>
+            <a:lvl7pPr marR="0" lvl="6" algn="l" rtl="0">
+              <a:lnSpc>
+                <a:spcPct val="100000"/>
+              </a:lnSpc>
+              <a:spcBef>
+                <a:spcPts val="0"/>
+              </a:spcBef>
+              <a:spcAft>
+                <a:spcPts val="0"/>
+              </a:spcAft>
+              <a:buClr>
+                <a:srgbClr val="000000"/>
+              </a:buClr>
+              <a:buSzPts val="1400"/>
+              <a:buFont typeface="Arial"/>
+              <a:buNone/>
+              <a:defRPr sz="1800" b="0" i="0" u="none" strike="noStrike" cap="none">
+                <a:solidFill>
+                  <a:srgbClr val="000000"/>
+                </a:solidFill>
+                <a:latin typeface="Arial"/>
+                <a:ea typeface="Arial"/>
+                <a:cs typeface="Arial"/>
+                <a:sym typeface="Arial"/>
+              </a:defRPr>
+            </a:lvl7pPr>
+            <a:lvl8pPr marR="0" lvl="7" algn="l" rtl="0">
+              <a:lnSpc>
+                <a:spcPct val="100000"/>
+              </a:lnSpc>
+              <a:spcBef>
+                <a:spcPts val="0"/>
+              </a:spcBef>
+              <a:spcAft>
+                <a:spcPts val="0"/>
+              </a:spcAft>
+              <a:buClr>
+                <a:srgbClr val="000000"/>
+              </a:buClr>
+              <a:buSzPts val="1400"/>
+              <a:buFont typeface="Arial"/>
+              <a:buNone/>
+              <a:defRPr sz="1800" b="0" i="0" u="none" strike="noStrike" cap="none">
+                <a:solidFill>
+                  <a:srgbClr val="000000"/>
+                </a:solidFill>
+                <a:latin typeface="Arial"/>
+                <a:ea typeface="Arial"/>
+                <a:cs typeface="Arial"/>
+                <a:sym typeface="Arial"/>
+              </a:defRPr>
+            </a:lvl8pPr>
+            <a:lvl9pPr marR="0" lvl="8" algn="l" rtl="0">
+              <a:lnSpc>
+                <a:spcPct val="100000"/>
+              </a:lnSpc>
+              <a:spcBef>
+                <a:spcPts val="0"/>
+              </a:spcBef>
+              <a:spcAft>
+                <a:spcPts val="0"/>
+              </a:spcAft>
+              <a:buClr>
+                <a:srgbClr val="000000"/>
+              </a:buClr>
+              <a:buSzPts val="1400"/>
+              <a:buFont typeface="Arial"/>
+              <a:buNone/>
+              <a:defRPr sz="1800" b="0" i="0" u="none" strike="noStrike" cap="none">
+                <a:solidFill>
+                  <a:srgbClr val="000000"/>
+                </a:solidFill>
+                <a:latin typeface="Arial"/>
+                <a:ea typeface="Arial"/>
+                <a:cs typeface="Arial"/>
+                <a:sym typeface="Arial"/>
+              </a:defRPr>
+            </a:lvl9pPr>
+          </a:lstStyle>
+          <a:p>
+            <a:pPr>
+              <a:buSzPts val="4400"/>
+            </a:pPr>
             <a:r>
-              <a:rPr lang="en-US" dirty="0" err="1">
+              <a:rPr lang="en-US" sz="2400" dirty="0">
+                <a:solidFill>
+                  <a:srgbClr val="000000"/>
+                </a:solidFill>
                 <a:latin typeface="Calibri" panose="020F0502020204030204" pitchFamily="34" charset="0"/>
                 <a:cs typeface="Calibri" panose="020F0502020204030204" pitchFamily="34" charset="0"/>
               </a:rPr>
-              <a:t>Stegen</a:t>
+              <a:t>Family relative abundance</a:t>
             </a:r>
+          </a:p>
+          <a:p>
+            <a:pPr>
+              <a:buSzPts val="4400"/>
+            </a:pPr>
             <a:r>
-              <a:rPr lang="en-US" dirty="0">
+              <a:rPr lang="en-US" sz="2400" dirty="0">
+                <a:solidFill>
+                  <a:srgbClr val="000000"/>
+                </a:solidFill>
                 <a:latin typeface="Calibri" panose="020F0502020204030204" pitchFamily="34" charset="0"/>
                 <a:cs typeface="Calibri" panose="020F0502020204030204" pitchFamily="34" charset="0"/>
               </a:rPr>
-              <a:t> et. al., 2012; Zhou &amp; Ning, 2017</a:t>
+              <a:t>Largest 5 modules</a:t>
             </a:r>
+          </a:p>
+          <a:p>
+            <a:pPr>
+              <a:buSzPts val="4400"/>
+            </a:pPr>
+            <a:endParaRPr lang="en-US" sz="2400" dirty="0">
+              <a:solidFill>
+                <a:srgbClr val="000000"/>
+              </a:solidFill>
+              <a:latin typeface="Calibri" panose="020F0502020204030204" pitchFamily="34" charset="0"/>
+              <a:cs typeface="Calibri" panose="020F0502020204030204" pitchFamily="34" charset="0"/>
+            </a:endParaRPr>
+          </a:p>
+          <a:p>
+            <a:pPr>
+              <a:buSzPts val="4400"/>
+            </a:pPr>
+            <a:r>
+              <a:rPr lang="en-US" sz="2400" dirty="0">
+                <a:solidFill>
+                  <a:srgbClr val="000000"/>
+                </a:solidFill>
+                <a:latin typeface="Calibri" panose="020F0502020204030204" pitchFamily="34" charset="0"/>
+                <a:cs typeface="Calibri" panose="020F0502020204030204" pitchFamily="34" charset="0"/>
+              </a:rPr>
+              <a:t>* Differences between groups</a:t>
+            </a:r>
+          </a:p>
+          <a:p>
+            <a:pPr>
+              <a:buSzPts val="4400"/>
+            </a:pPr>
+            <a:endParaRPr lang="en-US" sz="2400" dirty="0">
+              <a:latin typeface="Calibri" panose="020F0502020204030204" pitchFamily="34" charset="0"/>
+              <a:cs typeface="Calibri" panose="020F0502020204030204" pitchFamily="34" charset="0"/>
+            </a:endParaRPr>
           </a:p>
         </p:txBody>
       </p:sp>
     </p:spTree>
     <p:extLst>
       <p:ext uri="{BB962C8B-B14F-4D97-AF65-F5344CB8AC3E}">
-        <p14:creationId xmlns:p14="http://schemas.microsoft.com/office/powerpoint/2010/main" val="3594098868"/>
+        <p14:creationId xmlns:p14="http://schemas.microsoft.com/office/powerpoint/2010/main" val="1642554555"/>
       </p:ext>
     </p:extLst>
   </p:cSld>
@@ -19537,6 +19559,620 @@
       </p:sp>
       <p:sp>
         <p:nvSpPr>
+          <p:cNvPr id="4" name="Content Placeholder 2">
+            <a:extLst>
+              <a:ext uri="{FF2B5EF4-FFF2-40B4-BE49-F238E27FC236}">
+                <a16:creationId xmlns:a16="http://schemas.microsoft.com/office/drawing/2014/main" id="{D02B3D1D-A5BE-D6E1-AC11-87645DF61B07}"/>
+              </a:ext>
+            </a:extLst>
+          </p:cNvPr>
+          <p:cNvSpPr txBox="1">
+            <a:spLocks/>
+          </p:cNvSpPr>
+          <p:nvPr/>
+        </p:nvSpPr>
+        <p:spPr>
+          <a:xfrm>
+            <a:off x="740555" y="1989756"/>
+            <a:ext cx="9907348" cy="2878487"/>
+          </a:xfrm>
+          <a:prstGeom prst="rect">
+            <a:avLst/>
+          </a:prstGeom>
+        </p:spPr>
+        <p:txBody>
+          <a:bodyPr vert="horz" lIns="91440" tIns="45720" rIns="91440" bIns="45720" rtlCol="0">
+            <a:noAutofit/>
+          </a:bodyPr>
+          <a:lstStyle>
+            <a:lvl1pPr marL="228600" indent="-228600" algn="l" defTabSz="914400" rtl="0" eaLnBrk="1" latinLnBrk="0" hangingPunct="1">
+              <a:lnSpc>
+                <a:spcPct val="90000"/>
+              </a:lnSpc>
+              <a:spcBef>
+                <a:spcPts val="1000"/>
+              </a:spcBef>
+              <a:buFont typeface="Arial" panose="020B0604020202020204" pitchFamily="34" charset="0"/>
+              <a:buChar char="•"/>
+              <a:defRPr sz="2800" kern="1200">
+                <a:solidFill>
+                  <a:schemeClr val="tx1"/>
+                </a:solidFill>
+                <a:latin typeface="+mn-lt"/>
+                <a:ea typeface="+mn-ea"/>
+                <a:cs typeface="+mn-cs"/>
+              </a:defRPr>
+            </a:lvl1pPr>
+            <a:lvl2pPr marL="685800" indent="-228600" algn="l" defTabSz="914400" rtl="0" eaLnBrk="1" latinLnBrk="0" hangingPunct="1">
+              <a:lnSpc>
+                <a:spcPct val="90000"/>
+              </a:lnSpc>
+              <a:spcBef>
+                <a:spcPts val="500"/>
+              </a:spcBef>
+              <a:buFont typeface="Arial" panose="020B0604020202020204" pitchFamily="34" charset="0"/>
+              <a:buChar char="•"/>
+              <a:defRPr sz="2400" kern="1200">
+                <a:solidFill>
+                  <a:schemeClr val="tx1"/>
+                </a:solidFill>
+                <a:latin typeface="+mn-lt"/>
+                <a:ea typeface="+mn-ea"/>
+                <a:cs typeface="+mn-cs"/>
+              </a:defRPr>
+            </a:lvl2pPr>
+            <a:lvl3pPr marL="1143000" indent="-228600" algn="l" defTabSz="914400" rtl="0" eaLnBrk="1" latinLnBrk="0" hangingPunct="1">
+              <a:lnSpc>
+                <a:spcPct val="90000"/>
+              </a:lnSpc>
+              <a:spcBef>
+                <a:spcPts val="500"/>
+              </a:spcBef>
+              <a:buFont typeface="Arial" panose="020B0604020202020204" pitchFamily="34" charset="0"/>
+              <a:buChar char="•"/>
+              <a:defRPr sz="2000" kern="1200">
+                <a:solidFill>
+                  <a:schemeClr val="tx1"/>
+                </a:solidFill>
+                <a:latin typeface="+mn-lt"/>
+                <a:ea typeface="+mn-ea"/>
+                <a:cs typeface="+mn-cs"/>
+              </a:defRPr>
+            </a:lvl3pPr>
+            <a:lvl4pPr marL="1600200" indent="-228600" algn="l" defTabSz="914400" rtl="0" eaLnBrk="1" latinLnBrk="0" hangingPunct="1">
+              <a:lnSpc>
+                <a:spcPct val="90000"/>
+              </a:lnSpc>
+              <a:spcBef>
+                <a:spcPts val="500"/>
+              </a:spcBef>
+              <a:buFont typeface="Arial" panose="020B0604020202020204" pitchFamily="34" charset="0"/>
+              <a:buChar char="•"/>
+              <a:defRPr sz="1800" kern="1200">
+                <a:solidFill>
+                  <a:schemeClr val="tx1"/>
+                </a:solidFill>
+                <a:latin typeface="+mn-lt"/>
+                <a:ea typeface="+mn-ea"/>
+                <a:cs typeface="+mn-cs"/>
+              </a:defRPr>
+            </a:lvl4pPr>
+            <a:lvl5pPr marL="2057400" indent="-228600" algn="l" defTabSz="914400" rtl="0" eaLnBrk="1" latinLnBrk="0" hangingPunct="1">
+              <a:lnSpc>
+                <a:spcPct val="90000"/>
+              </a:lnSpc>
+              <a:spcBef>
+                <a:spcPts val="500"/>
+              </a:spcBef>
+              <a:buFont typeface="Arial" panose="020B0604020202020204" pitchFamily="34" charset="0"/>
+              <a:buChar char="•"/>
+              <a:defRPr sz="1800" kern="1200">
+                <a:solidFill>
+                  <a:schemeClr val="tx1"/>
+                </a:solidFill>
+                <a:latin typeface="+mn-lt"/>
+                <a:ea typeface="+mn-ea"/>
+                <a:cs typeface="+mn-cs"/>
+              </a:defRPr>
+            </a:lvl5pPr>
+            <a:lvl6pPr marL="2514600" indent="-228600" algn="l" defTabSz="914400" rtl="0" eaLnBrk="1" latinLnBrk="0" hangingPunct="1">
+              <a:lnSpc>
+                <a:spcPct val="90000"/>
+              </a:lnSpc>
+              <a:spcBef>
+                <a:spcPts val="500"/>
+              </a:spcBef>
+              <a:buFont typeface="Arial" panose="020B0604020202020204" pitchFamily="34" charset="0"/>
+              <a:buChar char="•"/>
+              <a:defRPr sz="1800" kern="1200">
+                <a:solidFill>
+                  <a:schemeClr val="tx1"/>
+                </a:solidFill>
+                <a:latin typeface="+mn-lt"/>
+                <a:ea typeface="+mn-ea"/>
+                <a:cs typeface="+mn-cs"/>
+              </a:defRPr>
+            </a:lvl6pPr>
+            <a:lvl7pPr marL="2971800" indent="-228600" algn="l" defTabSz="914400" rtl="0" eaLnBrk="1" latinLnBrk="0" hangingPunct="1">
+              <a:lnSpc>
+                <a:spcPct val="90000"/>
+              </a:lnSpc>
+              <a:spcBef>
+                <a:spcPts val="500"/>
+              </a:spcBef>
+              <a:buFont typeface="Arial" panose="020B0604020202020204" pitchFamily="34" charset="0"/>
+              <a:buChar char="•"/>
+              <a:defRPr sz="1800" kern="1200">
+                <a:solidFill>
+                  <a:schemeClr val="tx1"/>
+                </a:solidFill>
+                <a:latin typeface="+mn-lt"/>
+                <a:ea typeface="+mn-ea"/>
+                <a:cs typeface="+mn-cs"/>
+              </a:defRPr>
+            </a:lvl7pPr>
+            <a:lvl8pPr marL="3429000" indent="-228600" algn="l" defTabSz="914400" rtl="0" eaLnBrk="1" latinLnBrk="0" hangingPunct="1">
+              <a:lnSpc>
+                <a:spcPct val="90000"/>
+              </a:lnSpc>
+              <a:spcBef>
+                <a:spcPts val="500"/>
+              </a:spcBef>
+              <a:buFont typeface="Arial" panose="020B0604020202020204" pitchFamily="34" charset="0"/>
+              <a:buChar char="•"/>
+              <a:defRPr sz="1800" kern="1200">
+                <a:solidFill>
+                  <a:schemeClr val="tx1"/>
+                </a:solidFill>
+                <a:latin typeface="+mn-lt"/>
+                <a:ea typeface="+mn-ea"/>
+                <a:cs typeface="+mn-cs"/>
+              </a:defRPr>
+            </a:lvl8pPr>
+            <a:lvl9pPr marL="3886200" indent="-228600" algn="l" defTabSz="914400" rtl="0" eaLnBrk="1" latinLnBrk="0" hangingPunct="1">
+              <a:lnSpc>
+                <a:spcPct val="90000"/>
+              </a:lnSpc>
+              <a:spcBef>
+                <a:spcPts val="500"/>
+              </a:spcBef>
+              <a:buFont typeface="Arial" panose="020B0604020202020204" pitchFamily="34" charset="0"/>
+              <a:buChar char="•"/>
+              <a:defRPr sz="1800" kern="1200">
+                <a:solidFill>
+                  <a:schemeClr val="tx1"/>
+                </a:solidFill>
+                <a:latin typeface="+mn-lt"/>
+                <a:ea typeface="+mn-ea"/>
+                <a:cs typeface="+mn-cs"/>
+              </a:defRPr>
+            </a:lvl9pPr>
+          </a:lstStyle>
+          <a:p>
+            <a:pPr marL="0" indent="0">
+              <a:buNone/>
+            </a:pPr>
+            <a:r>
+              <a:rPr lang="en-US" sz="3200" b="1" dirty="0">
+                <a:latin typeface="Calibri" panose="020F0502020204030204" pitchFamily="34" charset="0"/>
+                <a:cs typeface="Calibri" panose="020F0502020204030204" pitchFamily="34" charset="0"/>
+              </a:rPr>
+              <a:t>Beta-NTI (Nearest Taxon Index)</a:t>
+            </a:r>
+          </a:p>
+          <a:p>
+            <a:pPr marL="0" indent="0">
+              <a:buNone/>
+            </a:pPr>
+            <a:r>
+              <a:rPr lang="en-US" dirty="0">
+                <a:latin typeface="Calibri" panose="020F0502020204030204" pitchFamily="34" charset="0"/>
+                <a:cs typeface="Calibri" panose="020F0502020204030204" pitchFamily="34" charset="0"/>
+              </a:rPr>
+              <a:t>Measures phylogenetic turnover compared to the turnover expected by chance </a:t>
+            </a:r>
+          </a:p>
+          <a:p>
+            <a:pPr marL="0" indent="0">
+              <a:buNone/>
+            </a:pPr>
+            <a:r>
+              <a:rPr lang="en-US" sz="3200" b="1" dirty="0" err="1">
+                <a:latin typeface="Calibri" panose="020F0502020204030204" pitchFamily="34" charset="0"/>
+                <a:cs typeface="Calibri" panose="020F0502020204030204" pitchFamily="34" charset="0"/>
+              </a:rPr>
+              <a:t>Raup</a:t>
+            </a:r>
+            <a:r>
+              <a:rPr lang="en-US" sz="3200" b="1" dirty="0">
+                <a:latin typeface="Calibri" panose="020F0502020204030204" pitchFamily="34" charset="0"/>
+                <a:cs typeface="Calibri" panose="020F0502020204030204" pitchFamily="34" charset="0"/>
+              </a:rPr>
+              <a:t>-Crick</a:t>
+            </a:r>
+          </a:p>
+          <a:p>
+            <a:pPr marL="0" indent="0">
+              <a:buNone/>
+            </a:pPr>
+            <a:r>
+              <a:rPr lang="en-US" dirty="0">
+                <a:latin typeface="Calibri" panose="020F0502020204030204" pitchFamily="34" charset="0"/>
+                <a:cs typeface="Calibri" panose="020F0502020204030204" pitchFamily="34" charset="0"/>
+              </a:rPr>
+              <a:t>Measures compositional turnover compared to the turnover expected by chance </a:t>
+            </a:r>
+          </a:p>
+          <a:p>
+            <a:pPr marL="0" indent="0">
+              <a:buNone/>
+            </a:pPr>
+            <a:endParaRPr lang="en-US" dirty="0">
+              <a:latin typeface="Calibri" panose="020F0502020204030204" pitchFamily="34" charset="0"/>
+              <a:cs typeface="Calibri" panose="020F0502020204030204" pitchFamily="34" charset="0"/>
+            </a:endParaRPr>
+          </a:p>
+          <a:p>
+            <a:pPr marL="0" indent="0">
+              <a:buNone/>
+            </a:pPr>
+            <a:endParaRPr lang="en-US" dirty="0"/>
+          </a:p>
+          <a:p>
+            <a:pPr marL="0" indent="0">
+              <a:buNone/>
+            </a:pPr>
+            <a:endParaRPr lang="en-US" dirty="0">
+              <a:latin typeface="Calibri" panose="020F0502020204030204" pitchFamily="34" charset="0"/>
+              <a:cs typeface="Calibri" panose="020F0502020204030204" pitchFamily="34" charset="0"/>
+            </a:endParaRPr>
+          </a:p>
+          <a:p>
+            <a:pPr marL="0" indent="0">
+              <a:buNone/>
+            </a:pPr>
+            <a:endParaRPr lang="en-US" dirty="0">
+              <a:latin typeface="Calibri" panose="020F0502020204030204" pitchFamily="34" charset="0"/>
+              <a:cs typeface="Calibri" panose="020F0502020204030204" pitchFamily="34" charset="0"/>
+            </a:endParaRPr>
+          </a:p>
+        </p:txBody>
+      </p:sp>
+      <p:sp>
+        <p:nvSpPr>
+          <p:cNvPr id="7" name="TextBox 6">
+            <a:extLst>
+              <a:ext uri="{FF2B5EF4-FFF2-40B4-BE49-F238E27FC236}">
+                <a16:creationId xmlns:a16="http://schemas.microsoft.com/office/drawing/2014/main" id="{9749D75E-7D1A-5A48-0526-38B6B5D7A73C}"/>
+              </a:ext>
+            </a:extLst>
+          </p:cNvPr>
+          <p:cNvSpPr txBox="1"/>
+          <p:nvPr/>
+        </p:nvSpPr>
+        <p:spPr>
+          <a:xfrm>
+            <a:off x="8792308" y="6537088"/>
+            <a:ext cx="3439736" cy="307777"/>
+          </a:xfrm>
+          <a:prstGeom prst="rect">
+            <a:avLst/>
+          </a:prstGeom>
+          <a:noFill/>
+        </p:spPr>
+        <p:txBody>
+          <a:bodyPr wrap="square" rtlCol="0">
+            <a:spAutoFit/>
+          </a:bodyPr>
+          <a:lstStyle/>
+          <a:p>
+            <a:r>
+              <a:rPr lang="en-US" dirty="0" err="1">
+                <a:latin typeface="Calibri" panose="020F0502020204030204" pitchFamily="34" charset="0"/>
+                <a:cs typeface="Calibri" panose="020F0502020204030204" pitchFamily="34" charset="0"/>
+              </a:rPr>
+              <a:t>Stegen</a:t>
+            </a:r>
+            <a:r>
+              <a:rPr lang="en-US" dirty="0">
+                <a:latin typeface="Calibri" panose="020F0502020204030204" pitchFamily="34" charset="0"/>
+                <a:cs typeface="Calibri" panose="020F0502020204030204" pitchFamily="34" charset="0"/>
+              </a:rPr>
+              <a:t> et. al., 2012; Zhou &amp; Ning, 2017</a:t>
+            </a:r>
+          </a:p>
+        </p:txBody>
+      </p:sp>
+    </p:spTree>
+    <p:extLst>
+      <p:ext uri="{BB962C8B-B14F-4D97-AF65-F5344CB8AC3E}">
+        <p14:creationId xmlns:p14="http://schemas.microsoft.com/office/powerpoint/2010/main" val="3594098868"/>
+      </p:ext>
+    </p:extLst>
+  </p:cSld>
+  <p:clrMapOvr>
+    <a:masterClrMapping/>
+  </p:clrMapOvr>
+</p:sld>
+</file>
+
+<file path=ppt/slides/slide18.xml><?xml version="1.0" encoding="utf-8"?>
+<p:sld xmlns:a="http://schemas.openxmlformats.org/drawingml/2006/main" xmlns:r="http://schemas.openxmlformats.org/officeDocument/2006/relationships" xmlns:p="http://schemas.openxmlformats.org/presentationml/2006/main">
+  <p:cSld>
+    <p:spTree>
+      <p:nvGrpSpPr>
+        <p:cNvPr id="1" name=""/>
+        <p:cNvGrpSpPr/>
+        <p:nvPr/>
+      </p:nvGrpSpPr>
+      <p:grpSpPr>
+        <a:xfrm>
+          <a:off x="0" y="0"/>
+          <a:ext cx="0" cy="0"/>
+          <a:chOff x="0" y="0"/>
+          <a:chExt cx="0" cy="0"/>
+        </a:xfrm>
+      </p:grpSpPr>
+      <p:sp>
+        <p:nvSpPr>
+          <p:cNvPr id="10" name="Content Placeholder 2">
+            <a:extLst>
+              <a:ext uri="{FF2B5EF4-FFF2-40B4-BE49-F238E27FC236}">
+                <a16:creationId xmlns:a16="http://schemas.microsoft.com/office/drawing/2014/main" id="{6191D3B6-9391-DC61-9862-02F5953A2361}"/>
+              </a:ext>
+            </a:extLst>
+          </p:cNvPr>
+          <p:cNvSpPr txBox="1">
+            <a:spLocks/>
+          </p:cNvSpPr>
+          <p:nvPr/>
+        </p:nvSpPr>
+        <p:spPr>
+          <a:xfrm>
+            <a:off x="485624" y="407262"/>
+            <a:ext cx="11043324" cy="1146513"/>
+          </a:xfrm>
+          <a:prstGeom prst="rect">
+            <a:avLst/>
+          </a:prstGeom>
+        </p:spPr>
+        <p:txBody>
+          <a:bodyPr vert="horz" lIns="91440" tIns="45720" rIns="91440" bIns="45720" rtlCol="0">
+            <a:normAutofit/>
+          </a:bodyPr>
+          <a:lstStyle>
+            <a:lvl1pPr marL="228600" indent="-228600" algn="l" defTabSz="914400" rtl="0" eaLnBrk="1" latinLnBrk="0" hangingPunct="1">
+              <a:lnSpc>
+                <a:spcPct val="90000"/>
+              </a:lnSpc>
+              <a:spcBef>
+                <a:spcPts val="1000"/>
+              </a:spcBef>
+              <a:buFont typeface="Arial" panose="020B0604020202020204" pitchFamily="34" charset="0"/>
+              <a:buChar char="•"/>
+              <a:defRPr sz="2800" kern="1200">
+                <a:solidFill>
+                  <a:schemeClr val="tx1"/>
+                </a:solidFill>
+                <a:latin typeface="+mn-lt"/>
+                <a:ea typeface="+mn-ea"/>
+                <a:cs typeface="+mn-cs"/>
+              </a:defRPr>
+            </a:lvl1pPr>
+            <a:lvl2pPr marL="685800" indent="-228600" algn="l" defTabSz="914400" rtl="0" eaLnBrk="1" latinLnBrk="0" hangingPunct="1">
+              <a:lnSpc>
+                <a:spcPct val="90000"/>
+              </a:lnSpc>
+              <a:spcBef>
+                <a:spcPts val="500"/>
+              </a:spcBef>
+              <a:buFont typeface="Arial" panose="020B0604020202020204" pitchFamily="34" charset="0"/>
+              <a:buChar char="•"/>
+              <a:defRPr sz="2400" kern="1200">
+                <a:solidFill>
+                  <a:schemeClr val="tx1"/>
+                </a:solidFill>
+                <a:latin typeface="+mn-lt"/>
+                <a:ea typeface="+mn-ea"/>
+                <a:cs typeface="+mn-cs"/>
+              </a:defRPr>
+            </a:lvl2pPr>
+            <a:lvl3pPr marL="1143000" indent="-228600" algn="l" defTabSz="914400" rtl="0" eaLnBrk="1" latinLnBrk="0" hangingPunct="1">
+              <a:lnSpc>
+                <a:spcPct val="90000"/>
+              </a:lnSpc>
+              <a:spcBef>
+                <a:spcPts val="500"/>
+              </a:spcBef>
+              <a:buFont typeface="Arial" panose="020B0604020202020204" pitchFamily="34" charset="0"/>
+              <a:buChar char="•"/>
+              <a:defRPr sz="2000" kern="1200">
+                <a:solidFill>
+                  <a:schemeClr val="tx1"/>
+                </a:solidFill>
+                <a:latin typeface="+mn-lt"/>
+                <a:ea typeface="+mn-ea"/>
+                <a:cs typeface="+mn-cs"/>
+              </a:defRPr>
+            </a:lvl3pPr>
+            <a:lvl4pPr marL="1600200" indent="-228600" algn="l" defTabSz="914400" rtl="0" eaLnBrk="1" latinLnBrk="0" hangingPunct="1">
+              <a:lnSpc>
+                <a:spcPct val="90000"/>
+              </a:lnSpc>
+              <a:spcBef>
+                <a:spcPts val="500"/>
+              </a:spcBef>
+              <a:buFont typeface="Arial" panose="020B0604020202020204" pitchFamily="34" charset="0"/>
+              <a:buChar char="•"/>
+              <a:defRPr sz="1800" kern="1200">
+                <a:solidFill>
+                  <a:schemeClr val="tx1"/>
+                </a:solidFill>
+                <a:latin typeface="+mn-lt"/>
+                <a:ea typeface="+mn-ea"/>
+                <a:cs typeface="+mn-cs"/>
+              </a:defRPr>
+            </a:lvl4pPr>
+            <a:lvl5pPr marL="2057400" indent="-228600" algn="l" defTabSz="914400" rtl="0" eaLnBrk="1" latinLnBrk="0" hangingPunct="1">
+              <a:lnSpc>
+                <a:spcPct val="90000"/>
+              </a:lnSpc>
+              <a:spcBef>
+                <a:spcPts val="500"/>
+              </a:spcBef>
+              <a:buFont typeface="Arial" panose="020B0604020202020204" pitchFamily="34" charset="0"/>
+              <a:buChar char="•"/>
+              <a:defRPr sz="1800" kern="1200">
+                <a:solidFill>
+                  <a:schemeClr val="tx1"/>
+                </a:solidFill>
+                <a:latin typeface="+mn-lt"/>
+                <a:ea typeface="+mn-ea"/>
+                <a:cs typeface="+mn-cs"/>
+              </a:defRPr>
+            </a:lvl5pPr>
+            <a:lvl6pPr marL="2514600" indent="-228600" algn="l" defTabSz="914400" rtl="0" eaLnBrk="1" latinLnBrk="0" hangingPunct="1">
+              <a:lnSpc>
+                <a:spcPct val="90000"/>
+              </a:lnSpc>
+              <a:spcBef>
+                <a:spcPts val="500"/>
+              </a:spcBef>
+              <a:buFont typeface="Arial" panose="020B0604020202020204" pitchFamily="34" charset="0"/>
+              <a:buChar char="•"/>
+              <a:defRPr sz="1800" kern="1200">
+                <a:solidFill>
+                  <a:schemeClr val="tx1"/>
+                </a:solidFill>
+                <a:latin typeface="+mn-lt"/>
+                <a:ea typeface="+mn-ea"/>
+                <a:cs typeface="+mn-cs"/>
+              </a:defRPr>
+            </a:lvl6pPr>
+            <a:lvl7pPr marL="2971800" indent="-228600" algn="l" defTabSz="914400" rtl="0" eaLnBrk="1" latinLnBrk="0" hangingPunct="1">
+              <a:lnSpc>
+                <a:spcPct val="90000"/>
+              </a:lnSpc>
+              <a:spcBef>
+                <a:spcPts val="500"/>
+              </a:spcBef>
+              <a:buFont typeface="Arial" panose="020B0604020202020204" pitchFamily="34" charset="0"/>
+              <a:buChar char="•"/>
+              <a:defRPr sz="1800" kern="1200">
+                <a:solidFill>
+                  <a:schemeClr val="tx1"/>
+                </a:solidFill>
+                <a:latin typeface="+mn-lt"/>
+                <a:ea typeface="+mn-ea"/>
+                <a:cs typeface="+mn-cs"/>
+              </a:defRPr>
+            </a:lvl7pPr>
+            <a:lvl8pPr marL="3429000" indent="-228600" algn="l" defTabSz="914400" rtl="0" eaLnBrk="1" latinLnBrk="0" hangingPunct="1">
+              <a:lnSpc>
+                <a:spcPct val="90000"/>
+              </a:lnSpc>
+              <a:spcBef>
+                <a:spcPts val="500"/>
+              </a:spcBef>
+              <a:buFont typeface="Arial" panose="020B0604020202020204" pitchFamily="34" charset="0"/>
+              <a:buChar char="•"/>
+              <a:defRPr sz="1800" kern="1200">
+                <a:solidFill>
+                  <a:schemeClr val="tx1"/>
+                </a:solidFill>
+                <a:latin typeface="+mn-lt"/>
+                <a:ea typeface="+mn-ea"/>
+                <a:cs typeface="+mn-cs"/>
+              </a:defRPr>
+            </a:lvl8pPr>
+            <a:lvl9pPr marL="3886200" indent="-228600" algn="l" defTabSz="914400" rtl="0" eaLnBrk="1" latinLnBrk="0" hangingPunct="1">
+              <a:lnSpc>
+                <a:spcPct val="90000"/>
+              </a:lnSpc>
+              <a:spcBef>
+                <a:spcPts val="500"/>
+              </a:spcBef>
+              <a:buFont typeface="Arial" panose="020B0604020202020204" pitchFamily="34" charset="0"/>
+              <a:buChar char="•"/>
+              <a:defRPr sz="1800" kern="1200">
+                <a:solidFill>
+                  <a:schemeClr val="tx1"/>
+                </a:solidFill>
+                <a:latin typeface="+mn-lt"/>
+                <a:ea typeface="+mn-ea"/>
+                <a:cs typeface="+mn-cs"/>
+              </a:defRPr>
+            </a:lvl9pPr>
+          </a:lstStyle>
+          <a:p>
+            <a:pPr marL="0" marR="0" lvl="0" indent="0" algn="l" rtl="0">
+              <a:lnSpc>
+                <a:spcPct val="90000"/>
+              </a:lnSpc>
+              <a:spcBef>
+                <a:spcPts val="0"/>
+              </a:spcBef>
+              <a:spcAft>
+                <a:spcPts val="0"/>
+              </a:spcAft>
+              <a:buClr>
+                <a:srgbClr val="000000"/>
+              </a:buClr>
+              <a:buSzPts val="3200"/>
+              <a:buNone/>
+            </a:pPr>
+            <a:r>
+              <a:rPr lang="en-US" sz="3200" b="1" i="0" u="none" strike="noStrike" dirty="0">
+                <a:solidFill>
+                  <a:srgbClr val="000000"/>
+                </a:solidFill>
+                <a:latin typeface="Calibri"/>
+                <a:ea typeface="Calibri"/>
+                <a:cs typeface="Calibri"/>
+                <a:sym typeface="Calibri"/>
+              </a:rPr>
+              <a:t>What does this modular structure tell us about the </a:t>
+            </a:r>
+            <a:r>
+              <a:rPr lang="en-US" sz="3200" b="1" dirty="0">
+                <a:latin typeface="Calibri" panose="020F0502020204030204" pitchFamily="34" charset="0"/>
+                <a:cs typeface="Calibri" panose="020F0502020204030204" pitchFamily="34" charset="0"/>
+              </a:rPr>
+              <a:t>processes that shaped the network?</a:t>
+            </a:r>
+            <a:r>
+              <a:rPr lang="en-US" sz="3200" b="1" i="0" u="none" strike="noStrike" dirty="0">
+                <a:solidFill>
+                  <a:srgbClr val="000000"/>
+                </a:solidFill>
+                <a:latin typeface="Calibri"/>
+                <a:ea typeface="Calibri"/>
+                <a:cs typeface="Calibri"/>
+                <a:sym typeface="Calibri"/>
+              </a:rPr>
+              <a:t> </a:t>
+            </a:r>
+            <a:endParaRPr lang="en-US" sz="3200" dirty="0">
+              <a:latin typeface="Calibri"/>
+              <a:ea typeface="Calibri"/>
+              <a:cs typeface="Calibri"/>
+              <a:sym typeface="Calibri"/>
+            </a:endParaRPr>
+          </a:p>
+          <a:p>
+            <a:pPr marL="0" indent="0">
+              <a:buFont typeface="Arial" panose="020B0604020202020204" pitchFamily="34" charset="0"/>
+              <a:buNone/>
+            </a:pPr>
+            <a:endParaRPr lang="en-US" sz="3200" dirty="0">
+              <a:latin typeface="Calibri" panose="020F0502020204030204" pitchFamily="34" charset="0"/>
+              <a:cs typeface="Calibri" panose="020F0502020204030204" pitchFamily="34" charset="0"/>
+            </a:endParaRPr>
+          </a:p>
+        </p:txBody>
+      </p:sp>
+      <p:sp>
+        <p:nvSpPr>
           <p:cNvPr id="7" name="TextBox 6">
             <a:extLst>
               <a:ext uri="{FF2B5EF4-FFF2-40B4-BE49-F238E27FC236}">
@@ -19623,7 +20259,7 @@
 </p:sld>
 </file>
 
-<file path=ppt/slides/slide18.xml><?xml version="1.0" encoding="utf-8"?>
+<file path=ppt/slides/slide19.xml><?xml version="1.0" encoding="utf-8"?>
 <p:sld xmlns:a="http://schemas.openxmlformats.org/drawingml/2006/main" xmlns:r="http://schemas.openxmlformats.org/officeDocument/2006/relationships" xmlns:p="http://schemas.openxmlformats.org/presentationml/2006/main">
   <p:cSld>
     <p:spTree>
@@ -19893,7 +20529,1110 @@
 </p:sld>
 </file>
 
-<file path=ppt/slides/slide19.xml><?xml version="1.0" encoding="utf-8"?>
+<file path=ppt/slides/slide2.xml><?xml version="1.0" encoding="utf-8"?>
+<p:sld xmlns:a="http://schemas.openxmlformats.org/drawingml/2006/main" xmlns:r="http://schemas.openxmlformats.org/officeDocument/2006/relationships" xmlns:p="http://schemas.openxmlformats.org/presentationml/2006/main">
+  <p:cSld>
+    <p:spTree>
+      <p:nvGrpSpPr>
+        <p:cNvPr id="1" name=""/>
+        <p:cNvGrpSpPr/>
+        <p:nvPr/>
+      </p:nvGrpSpPr>
+      <p:grpSpPr>
+        <a:xfrm>
+          <a:off x="0" y="0"/>
+          <a:ext cx="0" cy="0"/>
+          <a:chOff x="0" y="0"/>
+          <a:chExt cx="0" cy="0"/>
+        </a:xfrm>
+      </p:grpSpPr>
+      <p:sp>
+        <p:nvSpPr>
+          <p:cNvPr id="9" name="TextBox 8">
+            <a:extLst>
+              <a:ext uri="{FF2B5EF4-FFF2-40B4-BE49-F238E27FC236}">
+                <a16:creationId xmlns:a16="http://schemas.microsoft.com/office/drawing/2014/main" id="{3855F0E1-3826-D863-3E4D-DFFB91C1DFE9}"/>
+              </a:ext>
+            </a:extLst>
+          </p:cNvPr>
+          <p:cNvSpPr txBox="1"/>
+          <p:nvPr/>
+        </p:nvSpPr>
+        <p:spPr>
+          <a:xfrm>
+            <a:off x="7191279" y="6519446"/>
+            <a:ext cx="4902398" cy="338554"/>
+          </a:xfrm>
+          <a:prstGeom prst="rect">
+            <a:avLst/>
+          </a:prstGeom>
+          <a:noFill/>
+        </p:spPr>
+        <p:txBody>
+          <a:bodyPr wrap="square" rtlCol="0">
+            <a:spAutoFit/>
+          </a:bodyPr>
+          <a:lstStyle/>
+          <a:p>
+            <a:r>
+              <a:rPr lang="en-US" sz="1600" dirty="0">
+                <a:latin typeface="Calibri" panose="020F0502020204030204" pitchFamily="34" charset="0"/>
+                <a:cs typeface="Calibri" panose="020F0502020204030204" pitchFamily="34" charset="0"/>
+              </a:rPr>
+              <a:t>Berg et. al., 2020; Rosenberg &amp; </a:t>
+            </a:r>
+            <a:r>
+              <a:rPr lang="en-US" sz="1600" dirty="0" err="1">
+                <a:latin typeface="Calibri" panose="020F0502020204030204" pitchFamily="34" charset="0"/>
+                <a:cs typeface="Calibri" panose="020F0502020204030204" pitchFamily="34" charset="0"/>
+              </a:rPr>
+              <a:t>Zilber</a:t>
+            </a:r>
+            <a:r>
+              <a:rPr lang="en-US" sz="1600" dirty="0">
+                <a:latin typeface="Calibri" panose="020F0502020204030204" pitchFamily="34" charset="0"/>
+                <a:cs typeface="Calibri" panose="020F0502020204030204" pitchFamily="34" charset="0"/>
+              </a:rPr>
+              <a:t>-Rosenberg, 2018</a:t>
+            </a:r>
+          </a:p>
+        </p:txBody>
+      </p:sp>
+      <p:sp>
+        <p:nvSpPr>
+          <p:cNvPr id="10" name="Content Placeholder 2">
+            <a:extLst>
+              <a:ext uri="{FF2B5EF4-FFF2-40B4-BE49-F238E27FC236}">
+                <a16:creationId xmlns:a16="http://schemas.microsoft.com/office/drawing/2014/main" id="{6191D3B6-9391-DC61-9862-02F5953A2361}"/>
+              </a:ext>
+            </a:extLst>
+          </p:cNvPr>
+          <p:cNvSpPr txBox="1">
+            <a:spLocks/>
+          </p:cNvSpPr>
+          <p:nvPr/>
+        </p:nvSpPr>
+        <p:spPr>
+          <a:xfrm>
+            <a:off x="763838" y="792820"/>
+            <a:ext cx="10664324" cy="3728938"/>
+          </a:xfrm>
+          <a:prstGeom prst="rect">
+            <a:avLst/>
+          </a:prstGeom>
+        </p:spPr>
+        <p:txBody>
+          <a:bodyPr vert="horz" lIns="91440" tIns="45720" rIns="91440" bIns="45720" rtlCol="0">
+            <a:normAutofit/>
+          </a:bodyPr>
+          <a:lstStyle>
+            <a:lvl1pPr marL="228600" indent="-228600" algn="l" defTabSz="914400" rtl="0" eaLnBrk="1" latinLnBrk="0" hangingPunct="1">
+              <a:lnSpc>
+                <a:spcPct val="90000"/>
+              </a:lnSpc>
+              <a:spcBef>
+                <a:spcPts val="1000"/>
+              </a:spcBef>
+              <a:buFont typeface="Arial" panose="020B0604020202020204" pitchFamily="34" charset="0"/>
+              <a:buChar char="•"/>
+              <a:defRPr sz="2800" kern="1200">
+                <a:solidFill>
+                  <a:schemeClr val="tx1"/>
+                </a:solidFill>
+                <a:latin typeface="+mn-lt"/>
+                <a:ea typeface="+mn-ea"/>
+                <a:cs typeface="+mn-cs"/>
+              </a:defRPr>
+            </a:lvl1pPr>
+            <a:lvl2pPr marL="685800" indent="-228600" algn="l" defTabSz="914400" rtl="0" eaLnBrk="1" latinLnBrk="0" hangingPunct="1">
+              <a:lnSpc>
+                <a:spcPct val="90000"/>
+              </a:lnSpc>
+              <a:spcBef>
+                <a:spcPts val="500"/>
+              </a:spcBef>
+              <a:buFont typeface="Arial" panose="020B0604020202020204" pitchFamily="34" charset="0"/>
+              <a:buChar char="•"/>
+              <a:defRPr sz="2400" kern="1200">
+                <a:solidFill>
+                  <a:schemeClr val="tx1"/>
+                </a:solidFill>
+                <a:latin typeface="+mn-lt"/>
+                <a:ea typeface="+mn-ea"/>
+                <a:cs typeface="+mn-cs"/>
+              </a:defRPr>
+            </a:lvl2pPr>
+            <a:lvl3pPr marL="1143000" indent="-228600" algn="l" defTabSz="914400" rtl="0" eaLnBrk="1" latinLnBrk="0" hangingPunct="1">
+              <a:lnSpc>
+                <a:spcPct val="90000"/>
+              </a:lnSpc>
+              <a:spcBef>
+                <a:spcPts val="500"/>
+              </a:spcBef>
+              <a:buFont typeface="Arial" panose="020B0604020202020204" pitchFamily="34" charset="0"/>
+              <a:buChar char="•"/>
+              <a:defRPr sz="2000" kern="1200">
+                <a:solidFill>
+                  <a:schemeClr val="tx1"/>
+                </a:solidFill>
+                <a:latin typeface="+mn-lt"/>
+                <a:ea typeface="+mn-ea"/>
+                <a:cs typeface="+mn-cs"/>
+              </a:defRPr>
+            </a:lvl3pPr>
+            <a:lvl4pPr marL="1600200" indent="-228600" algn="l" defTabSz="914400" rtl="0" eaLnBrk="1" latinLnBrk="0" hangingPunct="1">
+              <a:lnSpc>
+                <a:spcPct val="90000"/>
+              </a:lnSpc>
+              <a:spcBef>
+                <a:spcPts val="500"/>
+              </a:spcBef>
+              <a:buFont typeface="Arial" panose="020B0604020202020204" pitchFamily="34" charset="0"/>
+              <a:buChar char="•"/>
+              <a:defRPr sz="1800" kern="1200">
+                <a:solidFill>
+                  <a:schemeClr val="tx1"/>
+                </a:solidFill>
+                <a:latin typeface="+mn-lt"/>
+                <a:ea typeface="+mn-ea"/>
+                <a:cs typeface="+mn-cs"/>
+              </a:defRPr>
+            </a:lvl4pPr>
+            <a:lvl5pPr marL="2057400" indent="-228600" algn="l" defTabSz="914400" rtl="0" eaLnBrk="1" latinLnBrk="0" hangingPunct="1">
+              <a:lnSpc>
+                <a:spcPct val="90000"/>
+              </a:lnSpc>
+              <a:spcBef>
+                <a:spcPts val="500"/>
+              </a:spcBef>
+              <a:buFont typeface="Arial" panose="020B0604020202020204" pitchFamily="34" charset="0"/>
+              <a:buChar char="•"/>
+              <a:defRPr sz="1800" kern="1200">
+                <a:solidFill>
+                  <a:schemeClr val="tx1"/>
+                </a:solidFill>
+                <a:latin typeface="+mn-lt"/>
+                <a:ea typeface="+mn-ea"/>
+                <a:cs typeface="+mn-cs"/>
+              </a:defRPr>
+            </a:lvl5pPr>
+            <a:lvl6pPr marL="2514600" indent="-228600" algn="l" defTabSz="914400" rtl="0" eaLnBrk="1" latinLnBrk="0" hangingPunct="1">
+              <a:lnSpc>
+                <a:spcPct val="90000"/>
+              </a:lnSpc>
+              <a:spcBef>
+                <a:spcPts val="500"/>
+              </a:spcBef>
+              <a:buFont typeface="Arial" panose="020B0604020202020204" pitchFamily="34" charset="0"/>
+              <a:buChar char="•"/>
+              <a:defRPr sz="1800" kern="1200">
+                <a:solidFill>
+                  <a:schemeClr val="tx1"/>
+                </a:solidFill>
+                <a:latin typeface="+mn-lt"/>
+                <a:ea typeface="+mn-ea"/>
+                <a:cs typeface="+mn-cs"/>
+              </a:defRPr>
+            </a:lvl6pPr>
+            <a:lvl7pPr marL="2971800" indent="-228600" algn="l" defTabSz="914400" rtl="0" eaLnBrk="1" latinLnBrk="0" hangingPunct="1">
+              <a:lnSpc>
+                <a:spcPct val="90000"/>
+              </a:lnSpc>
+              <a:spcBef>
+                <a:spcPts val="500"/>
+              </a:spcBef>
+              <a:buFont typeface="Arial" panose="020B0604020202020204" pitchFamily="34" charset="0"/>
+              <a:buChar char="•"/>
+              <a:defRPr sz="1800" kern="1200">
+                <a:solidFill>
+                  <a:schemeClr val="tx1"/>
+                </a:solidFill>
+                <a:latin typeface="+mn-lt"/>
+                <a:ea typeface="+mn-ea"/>
+                <a:cs typeface="+mn-cs"/>
+              </a:defRPr>
+            </a:lvl7pPr>
+            <a:lvl8pPr marL="3429000" indent="-228600" algn="l" defTabSz="914400" rtl="0" eaLnBrk="1" latinLnBrk="0" hangingPunct="1">
+              <a:lnSpc>
+                <a:spcPct val="90000"/>
+              </a:lnSpc>
+              <a:spcBef>
+                <a:spcPts val="500"/>
+              </a:spcBef>
+              <a:buFont typeface="Arial" panose="020B0604020202020204" pitchFamily="34" charset="0"/>
+              <a:buChar char="•"/>
+              <a:defRPr sz="1800" kern="1200">
+                <a:solidFill>
+                  <a:schemeClr val="tx1"/>
+                </a:solidFill>
+                <a:latin typeface="+mn-lt"/>
+                <a:ea typeface="+mn-ea"/>
+                <a:cs typeface="+mn-cs"/>
+              </a:defRPr>
+            </a:lvl8pPr>
+            <a:lvl9pPr marL="3886200" indent="-228600" algn="l" defTabSz="914400" rtl="0" eaLnBrk="1" latinLnBrk="0" hangingPunct="1">
+              <a:lnSpc>
+                <a:spcPct val="90000"/>
+              </a:lnSpc>
+              <a:spcBef>
+                <a:spcPts val="500"/>
+              </a:spcBef>
+              <a:buFont typeface="Arial" panose="020B0604020202020204" pitchFamily="34" charset="0"/>
+              <a:buChar char="•"/>
+              <a:defRPr sz="1800" kern="1200">
+                <a:solidFill>
+                  <a:schemeClr val="tx1"/>
+                </a:solidFill>
+                <a:latin typeface="+mn-lt"/>
+                <a:ea typeface="+mn-ea"/>
+                <a:cs typeface="+mn-cs"/>
+              </a:defRPr>
+            </a:lvl9pPr>
+          </a:lstStyle>
+          <a:p>
+            <a:r>
+              <a:rPr lang="en-US" dirty="0">
+                <a:latin typeface="Calibri" panose="020F0502020204030204" pitchFamily="34" charset="0"/>
+                <a:cs typeface="Calibri" panose="020F0502020204030204" pitchFamily="34" charset="0"/>
+                <a:sym typeface="Wingdings" panose="05000000000000000000" pitchFamily="2" charset="2"/>
+              </a:rPr>
+              <a:t>The microbiome is crucial for host health and function</a:t>
+            </a:r>
+          </a:p>
+          <a:p>
+            <a:r>
+              <a:rPr lang="en-US" dirty="0">
+                <a:latin typeface="Calibri" panose="020F0502020204030204" pitchFamily="34" charset="0"/>
+                <a:cs typeface="Calibri" panose="020F0502020204030204" pitchFamily="34" charset="0"/>
+                <a:sym typeface="Wingdings" panose="05000000000000000000" pitchFamily="2" charset="2"/>
+              </a:rPr>
+              <a:t>It might alter disease dynamics</a:t>
+            </a:r>
+          </a:p>
+          <a:p>
+            <a:r>
+              <a:rPr lang="en-US" sz="2800" b="1" i="0" u="none" strike="noStrike" dirty="0">
+                <a:solidFill>
+                  <a:srgbClr val="000000"/>
+                </a:solidFill>
+                <a:effectLst/>
+                <a:latin typeface="Calibri" panose="020F0502020204030204" pitchFamily="34" charset="0"/>
+              </a:rPr>
+              <a:t>Therefore, it is important to understand the processes and factors that shape the microbiome</a:t>
+            </a:r>
+            <a:endParaRPr lang="en-US" b="1" dirty="0">
+              <a:latin typeface="Calibri" panose="020F0502020204030204" pitchFamily="34" charset="0"/>
+              <a:cs typeface="Calibri" panose="020F0502020204030204" pitchFamily="34" charset="0"/>
+              <a:sym typeface="Wingdings" panose="05000000000000000000" pitchFamily="2" charset="2"/>
+            </a:endParaRPr>
+          </a:p>
+          <a:p>
+            <a:r>
+              <a:rPr lang="en-US" dirty="0">
+                <a:latin typeface="Calibri" panose="020F0502020204030204" pitchFamily="34" charset="0"/>
+                <a:cs typeface="Calibri" panose="020F0502020204030204" pitchFamily="34" charset="0"/>
+                <a:sym typeface="Wingdings" panose="05000000000000000000" pitchFamily="2" charset="2"/>
+              </a:rPr>
+              <a:t>Especially in rodents that are a major reservoir of zoonotic disease agents</a:t>
+            </a:r>
+            <a:endParaRPr lang="en-US" dirty="0">
+              <a:latin typeface="Calibri" panose="020F0502020204030204" pitchFamily="34" charset="0"/>
+              <a:cs typeface="Calibri" panose="020F0502020204030204" pitchFamily="34" charset="0"/>
+            </a:endParaRPr>
+          </a:p>
+          <a:p>
+            <a:pPr marL="0" indent="0">
+              <a:buFont typeface="Arial" panose="020B0604020202020204" pitchFamily="34" charset="0"/>
+              <a:buNone/>
+            </a:pPr>
+            <a:endParaRPr lang="en-US" sz="3200" dirty="0">
+              <a:latin typeface="Calibri" panose="020F0502020204030204" pitchFamily="34" charset="0"/>
+              <a:cs typeface="Calibri" panose="020F0502020204030204" pitchFamily="34" charset="0"/>
+            </a:endParaRPr>
+          </a:p>
+        </p:txBody>
+      </p:sp>
+    </p:spTree>
+    <p:extLst>
+      <p:ext uri="{BB962C8B-B14F-4D97-AF65-F5344CB8AC3E}">
+        <p14:creationId xmlns:p14="http://schemas.microsoft.com/office/powerpoint/2010/main" val="3807032525"/>
+      </p:ext>
+    </p:extLst>
+  </p:cSld>
+  <p:clrMapOvr>
+    <a:masterClrMapping/>
+  </p:clrMapOvr>
+</p:sld>
+</file>
+
+<file path=ppt/slides/slide20.xml><?xml version="1.0" encoding="utf-8"?>
+<p:sld xmlns:a="http://schemas.openxmlformats.org/drawingml/2006/main" xmlns:r="http://schemas.openxmlformats.org/officeDocument/2006/relationships" xmlns:p="http://schemas.openxmlformats.org/presentationml/2006/main">
+  <p:cSld>
+    <p:spTree>
+      <p:nvGrpSpPr>
+        <p:cNvPr id="1" name=""/>
+        <p:cNvGrpSpPr/>
+        <p:nvPr/>
+      </p:nvGrpSpPr>
+      <p:grpSpPr>
+        <a:xfrm>
+          <a:off x="0" y="0"/>
+          <a:ext cx="0" cy="0"/>
+          <a:chOff x="0" y="0"/>
+          <a:chExt cx="0" cy="0"/>
+        </a:xfrm>
+      </p:grpSpPr>
+      <p:sp>
+        <p:nvSpPr>
+          <p:cNvPr id="10" name="Content Placeholder 2">
+            <a:extLst>
+              <a:ext uri="{FF2B5EF4-FFF2-40B4-BE49-F238E27FC236}">
+                <a16:creationId xmlns:a16="http://schemas.microsoft.com/office/drawing/2014/main" id="{6191D3B6-9391-DC61-9862-02F5953A2361}"/>
+              </a:ext>
+            </a:extLst>
+          </p:cNvPr>
+          <p:cNvSpPr txBox="1">
+            <a:spLocks/>
+          </p:cNvSpPr>
+          <p:nvPr/>
+        </p:nvSpPr>
+        <p:spPr>
+          <a:xfrm>
+            <a:off x="770700" y="350693"/>
+            <a:ext cx="10085148" cy="734530"/>
+          </a:xfrm>
+          <a:prstGeom prst="rect">
+            <a:avLst/>
+          </a:prstGeom>
+        </p:spPr>
+        <p:txBody>
+          <a:bodyPr vert="horz" lIns="91440" tIns="45720" rIns="91440" bIns="45720" rtlCol="0">
+            <a:normAutofit/>
+          </a:bodyPr>
+          <a:lstStyle>
+            <a:lvl1pPr marL="228600" indent="-228600" algn="l" defTabSz="914400" rtl="0" eaLnBrk="1" latinLnBrk="0" hangingPunct="1">
+              <a:lnSpc>
+                <a:spcPct val="90000"/>
+              </a:lnSpc>
+              <a:spcBef>
+                <a:spcPts val="1000"/>
+              </a:spcBef>
+              <a:buFont typeface="Arial" panose="020B0604020202020204" pitchFamily="34" charset="0"/>
+              <a:buChar char="•"/>
+              <a:defRPr sz="2800" kern="1200">
+                <a:solidFill>
+                  <a:schemeClr val="tx1"/>
+                </a:solidFill>
+                <a:latin typeface="+mn-lt"/>
+                <a:ea typeface="+mn-ea"/>
+                <a:cs typeface="+mn-cs"/>
+              </a:defRPr>
+            </a:lvl1pPr>
+            <a:lvl2pPr marL="685800" indent="-228600" algn="l" defTabSz="914400" rtl="0" eaLnBrk="1" latinLnBrk="0" hangingPunct="1">
+              <a:lnSpc>
+                <a:spcPct val="90000"/>
+              </a:lnSpc>
+              <a:spcBef>
+                <a:spcPts val="500"/>
+              </a:spcBef>
+              <a:buFont typeface="Arial" panose="020B0604020202020204" pitchFamily="34" charset="0"/>
+              <a:buChar char="•"/>
+              <a:defRPr sz="2400" kern="1200">
+                <a:solidFill>
+                  <a:schemeClr val="tx1"/>
+                </a:solidFill>
+                <a:latin typeface="+mn-lt"/>
+                <a:ea typeface="+mn-ea"/>
+                <a:cs typeface="+mn-cs"/>
+              </a:defRPr>
+            </a:lvl2pPr>
+            <a:lvl3pPr marL="1143000" indent="-228600" algn="l" defTabSz="914400" rtl="0" eaLnBrk="1" latinLnBrk="0" hangingPunct="1">
+              <a:lnSpc>
+                <a:spcPct val="90000"/>
+              </a:lnSpc>
+              <a:spcBef>
+                <a:spcPts val="500"/>
+              </a:spcBef>
+              <a:buFont typeface="Arial" panose="020B0604020202020204" pitchFamily="34" charset="0"/>
+              <a:buChar char="•"/>
+              <a:defRPr sz="2000" kern="1200">
+                <a:solidFill>
+                  <a:schemeClr val="tx1"/>
+                </a:solidFill>
+                <a:latin typeface="+mn-lt"/>
+                <a:ea typeface="+mn-ea"/>
+                <a:cs typeface="+mn-cs"/>
+              </a:defRPr>
+            </a:lvl3pPr>
+            <a:lvl4pPr marL="1600200" indent="-228600" algn="l" defTabSz="914400" rtl="0" eaLnBrk="1" latinLnBrk="0" hangingPunct="1">
+              <a:lnSpc>
+                <a:spcPct val="90000"/>
+              </a:lnSpc>
+              <a:spcBef>
+                <a:spcPts val="500"/>
+              </a:spcBef>
+              <a:buFont typeface="Arial" panose="020B0604020202020204" pitchFamily="34" charset="0"/>
+              <a:buChar char="•"/>
+              <a:defRPr sz="1800" kern="1200">
+                <a:solidFill>
+                  <a:schemeClr val="tx1"/>
+                </a:solidFill>
+                <a:latin typeface="+mn-lt"/>
+                <a:ea typeface="+mn-ea"/>
+                <a:cs typeface="+mn-cs"/>
+              </a:defRPr>
+            </a:lvl4pPr>
+            <a:lvl5pPr marL="2057400" indent="-228600" algn="l" defTabSz="914400" rtl="0" eaLnBrk="1" latinLnBrk="0" hangingPunct="1">
+              <a:lnSpc>
+                <a:spcPct val="90000"/>
+              </a:lnSpc>
+              <a:spcBef>
+                <a:spcPts val="500"/>
+              </a:spcBef>
+              <a:buFont typeface="Arial" panose="020B0604020202020204" pitchFamily="34" charset="0"/>
+              <a:buChar char="•"/>
+              <a:defRPr sz="1800" kern="1200">
+                <a:solidFill>
+                  <a:schemeClr val="tx1"/>
+                </a:solidFill>
+                <a:latin typeface="+mn-lt"/>
+                <a:ea typeface="+mn-ea"/>
+                <a:cs typeface="+mn-cs"/>
+              </a:defRPr>
+            </a:lvl5pPr>
+            <a:lvl6pPr marL="2514600" indent="-228600" algn="l" defTabSz="914400" rtl="0" eaLnBrk="1" latinLnBrk="0" hangingPunct="1">
+              <a:lnSpc>
+                <a:spcPct val="90000"/>
+              </a:lnSpc>
+              <a:spcBef>
+                <a:spcPts val="500"/>
+              </a:spcBef>
+              <a:buFont typeface="Arial" panose="020B0604020202020204" pitchFamily="34" charset="0"/>
+              <a:buChar char="•"/>
+              <a:defRPr sz="1800" kern="1200">
+                <a:solidFill>
+                  <a:schemeClr val="tx1"/>
+                </a:solidFill>
+                <a:latin typeface="+mn-lt"/>
+                <a:ea typeface="+mn-ea"/>
+                <a:cs typeface="+mn-cs"/>
+              </a:defRPr>
+            </a:lvl6pPr>
+            <a:lvl7pPr marL="2971800" indent="-228600" algn="l" defTabSz="914400" rtl="0" eaLnBrk="1" latinLnBrk="0" hangingPunct="1">
+              <a:lnSpc>
+                <a:spcPct val="90000"/>
+              </a:lnSpc>
+              <a:spcBef>
+                <a:spcPts val="500"/>
+              </a:spcBef>
+              <a:buFont typeface="Arial" panose="020B0604020202020204" pitchFamily="34" charset="0"/>
+              <a:buChar char="•"/>
+              <a:defRPr sz="1800" kern="1200">
+                <a:solidFill>
+                  <a:schemeClr val="tx1"/>
+                </a:solidFill>
+                <a:latin typeface="+mn-lt"/>
+                <a:ea typeface="+mn-ea"/>
+                <a:cs typeface="+mn-cs"/>
+              </a:defRPr>
+            </a:lvl7pPr>
+            <a:lvl8pPr marL="3429000" indent="-228600" algn="l" defTabSz="914400" rtl="0" eaLnBrk="1" latinLnBrk="0" hangingPunct="1">
+              <a:lnSpc>
+                <a:spcPct val="90000"/>
+              </a:lnSpc>
+              <a:spcBef>
+                <a:spcPts val="500"/>
+              </a:spcBef>
+              <a:buFont typeface="Arial" panose="020B0604020202020204" pitchFamily="34" charset="0"/>
+              <a:buChar char="•"/>
+              <a:defRPr sz="1800" kern="1200">
+                <a:solidFill>
+                  <a:schemeClr val="tx1"/>
+                </a:solidFill>
+                <a:latin typeface="+mn-lt"/>
+                <a:ea typeface="+mn-ea"/>
+                <a:cs typeface="+mn-cs"/>
+              </a:defRPr>
+            </a:lvl8pPr>
+            <a:lvl9pPr marL="3886200" indent="-228600" algn="l" defTabSz="914400" rtl="0" eaLnBrk="1" latinLnBrk="0" hangingPunct="1">
+              <a:lnSpc>
+                <a:spcPct val="90000"/>
+              </a:lnSpc>
+              <a:spcBef>
+                <a:spcPts val="500"/>
+              </a:spcBef>
+              <a:buFont typeface="Arial" panose="020B0604020202020204" pitchFamily="34" charset="0"/>
+              <a:buChar char="•"/>
+              <a:defRPr sz="1800" kern="1200">
+                <a:solidFill>
+                  <a:schemeClr val="tx1"/>
+                </a:solidFill>
+                <a:latin typeface="+mn-lt"/>
+                <a:ea typeface="+mn-ea"/>
+                <a:cs typeface="+mn-cs"/>
+              </a:defRPr>
+            </a:lvl9pPr>
+          </a:lstStyle>
+          <a:p>
+            <a:pPr marL="0" indent="0">
+              <a:buNone/>
+            </a:pPr>
+            <a:r>
+              <a:rPr lang="en-US" sz="3600" b="1" dirty="0">
+                <a:latin typeface="Calibri" panose="020F0502020204030204" pitchFamily="34" charset="0"/>
+                <a:cs typeface="Calibri" panose="020F0502020204030204" pitchFamily="34" charset="0"/>
+                <a:sym typeface="Wingdings" panose="05000000000000000000" pitchFamily="2" charset="2"/>
+              </a:rPr>
+              <a:t>Network’s modules are indicative of the processes</a:t>
+            </a:r>
+            <a:endParaRPr lang="en-US" sz="3200" dirty="0">
+              <a:latin typeface="Calibri" panose="020F0502020204030204" pitchFamily="34" charset="0"/>
+              <a:cs typeface="Calibri" panose="020F0502020204030204" pitchFamily="34" charset="0"/>
+            </a:endParaRPr>
+          </a:p>
+        </p:txBody>
+      </p:sp>
+      <p:sp>
+        <p:nvSpPr>
+          <p:cNvPr id="4" name="TextBox 3">
+            <a:extLst>
+              <a:ext uri="{FF2B5EF4-FFF2-40B4-BE49-F238E27FC236}">
+                <a16:creationId xmlns:a16="http://schemas.microsoft.com/office/drawing/2014/main" id="{1875AC0A-BA5E-1D24-CD79-24BC560CA5E0}"/>
+              </a:ext>
+            </a:extLst>
+          </p:cNvPr>
+          <p:cNvSpPr txBox="1"/>
+          <p:nvPr/>
+        </p:nvSpPr>
+        <p:spPr>
+          <a:xfrm>
+            <a:off x="770700" y="1406770"/>
+            <a:ext cx="3950350" cy="2492990"/>
+          </a:xfrm>
+          <a:prstGeom prst="rect">
+            <a:avLst/>
+          </a:prstGeom>
+          <a:noFill/>
+        </p:spPr>
+        <p:txBody>
+          <a:bodyPr wrap="square">
+            <a:spAutoFit/>
+          </a:bodyPr>
+          <a:lstStyle/>
+          <a:p>
+            <a:r>
+              <a:rPr lang="en-IL" sz="3600" b="1" dirty="0">
+                <a:latin typeface="Calibri" panose="020F0502020204030204" pitchFamily="34" charset="0"/>
+                <a:cs typeface="Calibri" panose="020F0502020204030204" pitchFamily="34" charset="0"/>
+              </a:rPr>
+              <a:t>Core</a:t>
+            </a:r>
+            <a:endParaRPr lang="en-IL" sz="2400" b="1" dirty="0">
+              <a:latin typeface="Calibri" panose="020F0502020204030204" pitchFamily="34" charset="0"/>
+              <a:cs typeface="Calibri" panose="020F0502020204030204" pitchFamily="34" charset="0"/>
+            </a:endParaRPr>
+          </a:p>
+          <a:p>
+            <a:pPr marL="342900" indent="-342900">
+              <a:buFont typeface="Arial" panose="020B0604020202020204" pitchFamily="34" charset="0"/>
+              <a:buChar char="•"/>
+            </a:pPr>
+            <a:r>
+              <a:rPr lang="en-IL" sz="2400" dirty="0">
+                <a:latin typeface="Calibri" panose="020F0502020204030204" pitchFamily="34" charset="0"/>
+                <a:cs typeface="Calibri" panose="020F0502020204030204" pitchFamily="34" charset="0"/>
+              </a:rPr>
+              <a:t>Neutral processes dominate the variation between hosts clustered in same and different modules</a:t>
+            </a:r>
+          </a:p>
+        </p:txBody>
+      </p:sp>
+      <p:pic>
+        <p:nvPicPr>
+          <p:cNvPr id="3" name="Picture 2" descr="A graph of different colored squares&#10;&#10;Description automatically generated with medium confidence">
+            <a:extLst>
+              <a:ext uri="{FF2B5EF4-FFF2-40B4-BE49-F238E27FC236}">
+                <a16:creationId xmlns:a16="http://schemas.microsoft.com/office/drawing/2014/main" id="{C50A6030-616B-E37E-6C2F-595738F26A87}"/>
+              </a:ext>
+            </a:extLst>
+          </p:cNvPr>
+          <p:cNvPicPr>
+            <a:picLocks noChangeAspect="1"/>
+          </p:cNvPicPr>
+          <p:nvPr/>
+        </p:nvPicPr>
+        <p:blipFill>
+          <a:blip r:embed="rId3"/>
+          <a:stretch>
+            <a:fillRect/>
+          </a:stretch>
+        </p:blipFill>
+        <p:spPr>
+          <a:xfrm>
+            <a:off x="4869766" y="1406770"/>
+            <a:ext cx="7322234" cy="5230167"/>
+          </a:xfrm>
+          <a:prstGeom prst="rect">
+            <a:avLst/>
+          </a:prstGeom>
+        </p:spPr>
+      </p:pic>
+      <p:sp>
+        <p:nvSpPr>
+          <p:cNvPr id="6" name="Rectangle 5">
+            <a:extLst>
+              <a:ext uri="{FF2B5EF4-FFF2-40B4-BE49-F238E27FC236}">
+                <a16:creationId xmlns:a16="http://schemas.microsoft.com/office/drawing/2014/main" id="{BFE23A3C-FC7D-C8D0-41D7-1C6D881367A2}"/>
+              </a:ext>
+            </a:extLst>
+          </p:cNvPr>
+          <p:cNvSpPr/>
+          <p:nvPr/>
+        </p:nvSpPr>
+        <p:spPr>
+          <a:xfrm>
+            <a:off x="7731509" y="1487155"/>
+            <a:ext cx="2286697" cy="2179655"/>
+          </a:xfrm>
+          <a:prstGeom prst="rect">
+            <a:avLst/>
+          </a:prstGeom>
+          <a:noFill/>
+          <a:ln w="57150">
+            <a:solidFill>
+              <a:schemeClr val="accent1"/>
+            </a:solidFill>
+          </a:ln>
+        </p:spPr>
+        <p:style>
+          <a:lnRef idx="2">
+            <a:schemeClr val="accent1">
+              <a:shade val="15000"/>
+            </a:schemeClr>
+          </a:lnRef>
+          <a:fillRef idx="1">
+            <a:schemeClr val="accent1"/>
+          </a:fillRef>
+          <a:effectRef idx="0">
+            <a:schemeClr val="accent1"/>
+          </a:effectRef>
+          <a:fontRef idx="minor">
+            <a:schemeClr val="lt1"/>
+          </a:fontRef>
+        </p:style>
+        <p:txBody>
+          <a:bodyPr rtlCol="0" anchor="ctr"/>
+          <a:lstStyle/>
+          <a:p>
+            <a:pPr algn="ctr"/>
+            <a:endParaRPr lang="en-IL"/>
+          </a:p>
+        </p:txBody>
+      </p:sp>
+    </p:spTree>
+    <p:extLst>
+      <p:ext uri="{BB962C8B-B14F-4D97-AF65-F5344CB8AC3E}">
+        <p14:creationId xmlns:p14="http://schemas.microsoft.com/office/powerpoint/2010/main" val="871701731"/>
+      </p:ext>
+    </p:extLst>
+  </p:cSld>
+  <p:clrMapOvr>
+    <a:masterClrMapping/>
+  </p:clrMapOvr>
+</p:sld>
+</file>
+
+<file path=ppt/slides/slide21.xml><?xml version="1.0" encoding="utf-8"?>
+<p:sld xmlns:a="http://schemas.openxmlformats.org/drawingml/2006/main" xmlns:r="http://schemas.openxmlformats.org/officeDocument/2006/relationships" xmlns:p="http://schemas.openxmlformats.org/presentationml/2006/main">
+  <p:cSld>
+    <p:spTree>
+      <p:nvGrpSpPr>
+        <p:cNvPr id="1" name=""/>
+        <p:cNvGrpSpPr/>
+        <p:nvPr/>
+      </p:nvGrpSpPr>
+      <p:grpSpPr>
+        <a:xfrm>
+          <a:off x="0" y="0"/>
+          <a:ext cx="0" cy="0"/>
+          <a:chOff x="0" y="0"/>
+          <a:chExt cx="0" cy="0"/>
+        </a:xfrm>
+      </p:grpSpPr>
+      <p:sp>
+        <p:nvSpPr>
+          <p:cNvPr id="10" name="Content Placeholder 2">
+            <a:extLst>
+              <a:ext uri="{FF2B5EF4-FFF2-40B4-BE49-F238E27FC236}">
+                <a16:creationId xmlns:a16="http://schemas.microsoft.com/office/drawing/2014/main" id="{6191D3B6-9391-DC61-9862-02F5953A2361}"/>
+              </a:ext>
+            </a:extLst>
+          </p:cNvPr>
+          <p:cNvSpPr txBox="1">
+            <a:spLocks/>
+          </p:cNvSpPr>
+          <p:nvPr/>
+        </p:nvSpPr>
+        <p:spPr>
+          <a:xfrm>
+            <a:off x="770700" y="350693"/>
+            <a:ext cx="10085148" cy="734530"/>
+          </a:xfrm>
+          <a:prstGeom prst="rect">
+            <a:avLst/>
+          </a:prstGeom>
+        </p:spPr>
+        <p:txBody>
+          <a:bodyPr vert="horz" lIns="91440" tIns="45720" rIns="91440" bIns="45720" rtlCol="0">
+            <a:normAutofit/>
+          </a:bodyPr>
+          <a:lstStyle>
+            <a:lvl1pPr marL="228600" indent="-228600" algn="l" defTabSz="914400" rtl="0" eaLnBrk="1" latinLnBrk="0" hangingPunct="1">
+              <a:lnSpc>
+                <a:spcPct val="90000"/>
+              </a:lnSpc>
+              <a:spcBef>
+                <a:spcPts val="1000"/>
+              </a:spcBef>
+              <a:buFont typeface="Arial" panose="020B0604020202020204" pitchFamily="34" charset="0"/>
+              <a:buChar char="•"/>
+              <a:defRPr sz="2800" kern="1200">
+                <a:solidFill>
+                  <a:schemeClr val="tx1"/>
+                </a:solidFill>
+                <a:latin typeface="+mn-lt"/>
+                <a:ea typeface="+mn-ea"/>
+                <a:cs typeface="+mn-cs"/>
+              </a:defRPr>
+            </a:lvl1pPr>
+            <a:lvl2pPr marL="685800" indent="-228600" algn="l" defTabSz="914400" rtl="0" eaLnBrk="1" latinLnBrk="0" hangingPunct="1">
+              <a:lnSpc>
+                <a:spcPct val="90000"/>
+              </a:lnSpc>
+              <a:spcBef>
+                <a:spcPts val="500"/>
+              </a:spcBef>
+              <a:buFont typeface="Arial" panose="020B0604020202020204" pitchFamily="34" charset="0"/>
+              <a:buChar char="•"/>
+              <a:defRPr sz="2400" kern="1200">
+                <a:solidFill>
+                  <a:schemeClr val="tx1"/>
+                </a:solidFill>
+                <a:latin typeface="+mn-lt"/>
+                <a:ea typeface="+mn-ea"/>
+                <a:cs typeface="+mn-cs"/>
+              </a:defRPr>
+            </a:lvl2pPr>
+            <a:lvl3pPr marL="1143000" indent="-228600" algn="l" defTabSz="914400" rtl="0" eaLnBrk="1" latinLnBrk="0" hangingPunct="1">
+              <a:lnSpc>
+                <a:spcPct val="90000"/>
+              </a:lnSpc>
+              <a:spcBef>
+                <a:spcPts val="500"/>
+              </a:spcBef>
+              <a:buFont typeface="Arial" panose="020B0604020202020204" pitchFamily="34" charset="0"/>
+              <a:buChar char="•"/>
+              <a:defRPr sz="2000" kern="1200">
+                <a:solidFill>
+                  <a:schemeClr val="tx1"/>
+                </a:solidFill>
+                <a:latin typeface="+mn-lt"/>
+                <a:ea typeface="+mn-ea"/>
+                <a:cs typeface="+mn-cs"/>
+              </a:defRPr>
+            </a:lvl3pPr>
+            <a:lvl4pPr marL="1600200" indent="-228600" algn="l" defTabSz="914400" rtl="0" eaLnBrk="1" latinLnBrk="0" hangingPunct="1">
+              <a:lnSpc>
+                <a:spcPct val="90000"/>
+              </a:lnSpc>
+              <a:spcBef>
+                <a:spcPts val="500"/>
+              </a:spcBef>
+              <a:buFont typeface="Arial" panose="020B0604020202020204" pitchFamily="34" charset="0"/>
+              <a:buChar char="•"/>
+              <a:defRPr sz="1800" kern="1200">
+                <a:solidFill>
+                  <a:schemeClr val="tx1"/>
+                </a:solidFill>
+                <a:latin typeface="+mn-lt"/>
+                <a:ea typeface="+mn-ea"/>
+                <a:cs typeface="+mn-cs"/>
+              </a:defRPr>
+            </a:lvl4pPr>
+            <a:lvl5pPr marL="2057400" indent="-228600" algn="l" defTabSz="914400" rtl="0" eaLnBrk="1" latinLnBrk="0" hangingPunct="1">
+              <a:lnSpc>
+                <a:spcPct val="90000"/>
+              </a:lnSpc>
+              <a:spcBef>
+                <a:spcPts val="500"/>
+              </a:spcBef>
+              <a:buFont typeface="Arial" panose="020B0604020202020204" pitchFamily="34" charset="0"/>
+              <a:buChar char="•"/>
+              <a:defRPr sz="1800" kern="1200">
+                <a:solidFill>
+                  <a:schemeClr val="tx1"/>
+                </a:solidFill>
+                <a:latin typeface="+mn-lt"/>
+                <a:ea typeface="+mn-ea"/>
+                <a:cs typeface="+mn-cs"/>
+              </a:defRPr>
+            </a:lvl5pPr>
+            <a:lvl6pPr marL="2514600" indent="-228600" algn="l" defTabSz="914400" rtl="0" eaLnBrk="1" latinLnBrk="0" hangingPunct="1">
+              <a:lnSpc>
+                <a:spcPct val="90000"/>
+              </a:lnSpc>
+              <a:spcBef>
+                <a:spcPts val="500"/>
+              </a:spcBef>
+              <a:buFont typeface="Arial" panose="020B0604020202020204" pitchFamily="34" charset="0"/>
+              <a:buChar char="•"/>
+              <a:defRPr sz="1800" kern="1200">
+                <a:solidFill>
+                  <a:schemeClr val="tx1"/>
+                </a:solidFill>
+                <a:latin typeface="+mn-lt"/>
+                <a:ea typeface="+mn-ea"/>
+                <a:cs typeface="+mn-cs"/>
+              </a:defRPr>
+            </a:lvl6pPr>
+            <a:lvl7pPr marL="2971800" indent="-228600" algn="l" defTabSz="914400" rtl="0" eaLnBrk="1" latinLnBrk="0" hangingPunct="1">
+              <a:lnSpc>
+                <a:spcPct val="90000"/>
+              </a:lnSpc>
+              <a:spcBef>
+                <a:spcPts val="500"/>
+              </a:spcBef>
+              <a:buFont typeface="Arial" panose="020B0604020202020204" pitchFamily="34" charset="0"/>
+              <a:buChar char="•"/>
+              <a:defRPr sz="1800" kern="1200">
+                <a:solidFill>
+                  <a:schemeClr val="tx1"/>
+                </a:solidFill>
+                <a:latin typeface="+mn-lt"/>
+                <a:ea typeface="+mn-ea"/>
+                <a:cs typeface="+mn-cs"/>
+              </a:defRPr>
+            </a:lvl7pPr>
+            <a:lvl8pPr marL="3429000" indent="-228600" algn="l" defTabSz="914400" rtl="0" eaLnBrk="1" latinLnBrk="0" hangingPunct="1">
+              <a:lnSpc>
+                <a:spcPct val="90000"/>
+              </a:lnSpc>
+              <a:spcBef>
+                <a:spcPts val="500"/>
+              </a:spcBef>
+              <a:buFont typeface="Arial" panose="020B0604020202020204" pitchFamily="34" charset="0"/>
+              <a:buChar char="•"/>
+              <a:defRPr sz="1800" kern="1200">
+                <a:solidFill>
+                  <a:schemeClr val="tx1"/>
+                </a:solidFill>
+                <a:latin typeface="+mn-lt"/>
+                <a:ea typeface="+mn-ea"/>
+                <a:cs typeface="+mn-cs"/>
+              </a:defRPr>
+            </a:lvl8pPr>
+            <a:lvl9pPr marL="3886200" indent="-228600" algn="l" defTabSz="914400" rtl="0" eaLnBrk="1" latinLnBrk="0" hangingPunct="1">
+              <a:lnSpc>
+                <a:spcPct val="90000"/>
+              </a:lnSpc>
+              <a:spcBef>
+                <a:spcPts val="500"/>
+              </a:spcBef>
+              <a:buFont typeface="Arial" panose="020B0604020202020204" pitchFamily="34" charset="0"/>
+              <a:buChar char="•"/>
+              <a:defRPr sz="1800" kern="1200">
+                <a:solidFill>
+                  <a:schemeClr val="tx1"/>
+                </a:solidFill>
+                <a:latin typeface="+mn-lt"/>
+                <a:ea typeface="+mn-ea"/>
+                <a:cs typeface="+mn-cs"/>
+              </a:defRPr>
+            </a:lvl9pPr>
+          </a:lstStyle>
+          <a:p>
+            <a:pPr marL="0" indent="0">
+              <a:buNone/>
+            </a:pPr>
+            <a:r>
+              <a:rPr lang="en-US" sz="3600" b="1" dirty="0">
+                <a:latin typeface="Calibri" panose="020F0502020204030204" pitchFamily="34" charset="0"/>
+                <a:cs typeface="Calibri" panose="020F0502020204030204" pitchFamily="34" charset="0"/>
+                <a:sym typeface="Wingdings" panose="05000000000000000000" pitchFamily="2" charset="2"/>
+              </a:rPr>
+              <a:t>Network’s modules are indicative of the processes</a:t>
+            </a:r>
+            <a:endParaRPr lang="en-US" sz="3200" dirty="0">
+              <a:latin typeface="Calibri" panose="020F0502020204030204" pitchFamily="34" charset="0"/>
+              <a:cs typeface="Calibri" panose="020F0502020204030204" pitchFamily="34" charset="0"/>
+            </a:endParaRPr>
+          </a:p>
+        </p:txBody>
+      </p:sp>
+      <p:sp>
+        <p:nvSpPr>
+          <p:cNvPr id="4" name="TextBox 3">
+            <a:extLst>
+              <a:ext uri="{FF2B5EF4-FFF2-40B4-BE49-F238E27FC236}">
+                <a16:creationId xmlns:a16="http://schemas.microsoft.com/office/drawing/2014/main" id="{1875AC0A-BA5E-1D24-CD79-24BC560CA5E0}"/>
+              </a:ext>
+            </a:extLst>
+          </p:cNvPr>
+          <p:cNvSpPr txBox="1"/>
+          <p:nvPr/>
+        </p:nvSpPr>
+        <p:spPr>
+          <a:xfrm>
+            <a:off x="770700" y="1406770"/>
+            <a:ext cx="3950350" cy="3231654"/>
+          </a:xfrm>
+          <a:prstGeom prst="rect">
+            <a:avLst/>
+          </a:prstGeom>
+          <a:noFill/>
+        </p:spPr>
+        <p:txBody>
+          <a:bodyPr wrap="square">
+            <a:spAutoFit/>
+          </a:bodyPr>
+          <a:lstStyle/>
+          <a:p>
+            <a:r>
+              <a:rPr lang="en-IL" sz="3600" b="1" dirty="0">
+                <a:latin typeface="Calibri" panose="020F0502020204030204" pitchFamily="34" charset="0"/>
+                <a:cs typeface="Calibri" panose="020F0502020204030204" pitchFamily="34" charset="0"/>
+              </a:rPr>
+              <a:t>Non-core</a:t>
+            </a:r>
+            <a:endParaRPr lang="en-IL" sz="2400" b="1" dirty="0">
+              <a:latin typeface="Calibri" panose="020F0502020204030204" pitchFamily="34" charset="0"/>
+              <a:cs typeface="Calibri" panose="020F0502020204030204" pitchFamily="34" charset="0"/>
+            </a:endParaRPr>
+          </a:p>
+          <a:p>
+            <a:pPr marL="342900" indent="-342900">
+              <a:buFont typeface="Arial" panose="020B0604020202020204" pitchFamily="34" charset="0"/>
+              <a:buChar char="•"/>
+            </a:pPr>
+            <a:r>
+              <a:rPr lang="en-IL" sz="2400" dirty="0">
+                <a:latin typeface="Calibri" panose="020F0502020204030204" pitchFamily="34" charset="0"/>
+                <a:cs typeface="Calibri" panose="020F0502020204030204" pitchFamily="34" charset="0"/>
+              </a:rPr>
+              <a:t>The modules capture selective differences between hosts </a:t>
+            </a:r>
+          </a:p>
+          <a:p>
+            <a:pPr marL="342900" indent="-342900">
+              <a:buFont typeface="Arial" panose="020B0604020202020204" pitchFamily="34" charset="0"/>
+              <a:buChar char="•"/>
+            </a:pPr>
+            <a:r>
+              <a:rPr lang="en-IL" sz="2400" dirty="0">
+                <a:latin typeface="Calibri" panose="020F0502020204030204" pitchFamily="34" charset="0"/>
+                <a:cs typeface="Calibri" panose="020F0502020204030204" pitchFamily="34" charset="0"/>
+              </a:rPr>
+              <a:t>Neutral processes dominate the variation between hosts clustered in the same module</a:t>
+            </a:r>
+          </a:p>
+        </p:txBody>
+      </p:sp>
+      <p:pic>
+        <p:nvPicPr>
+          <p:cNvPr id="3" name="Picture 2" descr="A graph of different colored squares&#10;&#10;Description automatically generated with medium confidence">
+            <a:extLst>
+              <a:ext uri="{FF2B5EF4-FFF2-40B4-BE49-F238E27FC236}">
+                <a16:creationId xmlns:a16="http://schemas.microsoft.com/office/drawing/2014/main" id="{A2FF65B5-6479-87A7-F486-92CBCF8B094B}"/>
+              </a:ext>
+            </a:extLst>
+          </p:cNvPr>
+          <p:cNvPicPr>
+            <a:picLocks noChangeAspect="1"/>
+          </p:cNvPicPr>
+          <p:nvPr/>
+        </p:nvPicPr>
+        <p:blipFill>
+          <a:blip r:embed="rId3"/>
+          <a:stretch>
+            <a:fillRect/>
+          </a:stretch>
+        </p:blipFill>
+        <p:spPr>
+          <a:xfrm>
+            <a:off x="4869766" y="1406770"/>
+            <a:ext cx="7322234" cy="5230167"/>
+          </a:xfrm>
+          <a:prstGeom prst="rect">
+            <a:avLst/>
+          </a:prstGeom>
+        </p:spPr>
+      </p:pic>
+      <p:sp>
+        <p:nvSpPr>
+          <p:cNvPr id="6" name="Rectangle 5">
+            <a:extLst>
+              <a:ext uri="{FF2B5EF4-FFF2-40B4-BE49-F238E27FC236}">
+                <a16:creationId xmlns:a16="http://schemas.microsoft.com/office/drawing/2014/main" id="{AE77250D-6496-0D34-4927-587F7AAF5721}"/>
+              </a:ext>
+            </a:extLst>
+          </p:cNvPr>
+          <p:cNvSpPr/>
+          <p:nvPr/>
+        </p:nvSpPr>
+        <p:spPr>
+          <a:xfrm>
+            <a:off x="5370146" y="3637503"/>
+            <a:ext cx="2286697" cy="2179655"/>
+          </a:xfrm>
+          <a:prstGeom prst="rect">
+            <a:avLst/>
+          </a:prstGeom>
+          <a:noFill/>
+          <a:ln w="57150">
+            <a:solidFill>
+              <a:schemeClr val="accent1"/>
+            </a:solidFill>
+          </a:ln>
+        </p:spPr>
+        <p:style>
+          <a:lnRef idx="2">
+            <a:schemeClr val="accent1">
+              <a:shade val="15000"/>
+            </a:schemeClr>
+          </a:lnRef>
+          <a:fillRef idx="1">
+            <a:schemeClr val="accent1"/>
+          </a:fillRef>
+          <a:effectRef idx="0">
+            <a:schemeClr val="accent1"/>
+          </a:effectRef>
+          <a:fontRef idx="minor">
+            <a:schemeClr val="lt1"/>
+          </a:fontRef>
+        </p:style>
+        <p:txBody>
+          <a:bodyPr rtlCol="0" anchor="ctr"/>
+          <a:lstStyle/>
+          <a:p>
+            <a:pPr algn="ctr"/>
+            <a:endParaRPr lang="en-IL"/>
+          </a:p>
+        </p:txBody>
+      </p:sp>
+    </p:spTree>
+    <p:extLst>
+      <p:ext uri="{BB962C8B-B14F-4D97-AF65-F5344CB8AC3E}">
+        <p14:creationId xmlns:p14="http://schemas.microsoft.com/office/powerpoint/2010/main" val="1183341952"/>
+      </p:ext>
+    </p:extLst>
+  </p:cSld>
+  <p:clrMapOvr>
+    <a:masterClrMapping/>
+  </p:clrMapOvr>
+</p:sld>
+</file>
+
+<file path=ppt/slides/slide22.xml><?xml version="1.0" encoding="utf-8"?>
 <p:sld xmlns:a="http://schemas.openxmlformats.org/drawingml/2006/main" xmlns:r="http://schemas.openxmlformats.org/officeDocument/2006/relationships" xmlns:p="http://schemas.openxmlformats.org/presentationml/2006/main">
   <p:cSld>
     <p:spTree>
@@ -20283,1460 +22022,6 @@
 </p:sld>
 </file>
 
-<file path=ppt/slides/slide2.xml><?xml version="1.0" encoding="utf-8"?>
-<p:sld xmlns:a="http://schemas.openxmlformats.org/drawingml/2006/main" xmlns:r="http://schemas.openxmlformats.org/officeDocument/2006/relationships" xmlns:p="http://schemas.openxmlformats.org/presentationml/2006/main">
-  <p:cSld>
-    <p:spTree>
-      <p:nvGrpSpPr>
-        <p:cNvPr id="1" name=""/>
-        <p:cNvGrpSpPr/>
-        <p:nvPr/>
-      </p:nvGrpSpPr>
-      <p:grpSpPr>
-        <a:xfrm>
-          <a:off x="0" y="0"/>
-          <a:ext cx="0" cy="0"/>
-          <a:chOff x="0" y="0"/>
-          <a:chExt cx="0" cy="0"/>
-        </a:xfrm>
-      </p:grpSpPr>
-      <p:sp>
-        <p:nvSpPr>
-          <p:cNvPr id="9" name="TextBox 8">
-            <a:extLst>
-              <a:ext uri="{FF2B5EF4-FFF2-40B4-BE49-F238E27FC236}">
-                <a16:creationId xmlns:a16="http://schemas.microsoft.com/office/drawing/2014/main" id="{3855F0E1-3826-D863-3E4D-DFFB91C1DFE9}"/>
-              </a:ext>
-            </a:extLst>
-          </p:cNvPr>
-          <p:cNvSpPr txBox="1"/>
-          <p:nvPr/>
-        </p:nvSpPr>
-        <p:spPr>
-          <a:xfrm>
-            <a:off x="7191279" y="6519446"/>
-            <a:ext cx="4902398" cy="338554"/>
-          </a:xfrm>
-          <a:prstGeom prst="rect">
-            <a:avLst/>
-          </a:prstGeom>
-          <a:noFill/>
-        </p:spPr>
-        <p:txBody>
-          <a:bodyPr wrap="square" rtlCol="0">
-            <a:spAutoFit/>
-          </a:bodyPr>
-          <a:lstStyle/>
-          <a:p>
-            <a:r>
-              <a:rPr lang="en-US" sz="1600" dirty="0">
-                <a:latin typeface="Calibri" panose="020F0502020204030204" pitchFamily="34" charset="0"/>
-                <a:cs typeface="Calibri" panose="020F0502020204030204" pitchFamily="34" charset="0"/>
-              </a:rPr>
-              <a:t>Berg et. al., 2020; Rosenberg &amp; </a:t>
-            </a:r>
-            <a:r>
-              <a:rPr lang="en-US" sz="1600" dirty="0" err="1">
-                <a:latin typeface="Calibri" panose="020F0502020204030204" pitchFamily="34" charset="0"/>
-                <a:cs typeface="Calibri" panose="020F0502020204030204" pitchFamily="34" charset="0"/>
-              </a:rPr>
-              <a:t>Zilber</a:t>
-            </a:r>
-            <a:r>
-              <a:rPr lang="en-US" sz="1600" dirty="0">
-                <a:latin typeface="Calibri" panose="020F0502020204030204" pitchFamily="34" charset="0"/>
-                <a:cs typeface="Calibri" panose="020F0502020204030204" pitchFamily="34" charset="0"/>
-              </a:rPr>
-              <a:t>-Rosenberg, 2018</a:t>
-            </a:r>
-          </a:p>
-        </p:txBody>
-      </p:sp>
-      <p:sp>
-        <p:nvSpPr>
-          <p:cNvPr id="10" name="Content Placeholder 2">
-            <a:extLst>
-              <a:ext uri="{FF2B5EF4-FFF2-40B4-BE49-F238E27FC236}">
-                <a16:creationId xmlns:a16="http://schemas.microsoft.com/office/drawing/2014/main" id="{6191D3B6-9391-DC61-9862-02F5953A2361}"/>
-              </a:ext>
-            </a:extLst>
-          </p:cNvPr>
-          <p:cNvSpPr txBox="1">
-            <a:spLocks/>
-          </p:cNvSpPr>
-          <p:nvPr/>
-        </p:nvSpPr>
-        <p:spPr>
-          <a:xfrm>
-            <a:off x="763838" y="652143"/>
-            <a:ext cx="10664324" cy="1133223"/>
-          </a:xfrm>
-          <a:prstGeom prst="rect">
-            <a:avLst/>
-          </a:prstGeom>
-        </p:spPr>
-        <p:txBody>
-          <a:bodyPr vert="horz" lIns="91440" tIns="45720" rIns="91440" bIns="45720" rtlCol="0">
-            <a:normAutofit/>
-          </a:bodyPr>
-          <a:lstStyle>
-            <a:lvl1pPr marL="228600" indent="-228600" algn="l" defTabSz="914400" rtl="0" eaLnBrk="1" latinLnBrk="0" hangingPunct="1">
-              <a:lnSpc>
-                <a:spcPct val="90000"/>
-              </a:lnSpc>
-              <a:spcBef>
-                <a:spcPts val="1000"/>
-              </a:spcBef>
-              <a:buFont typeface="Arial" panose="020B0604020202020204" pitchFamily="34" charset="0"/>
-              <a:buChar char="•"/>
-              <a:defRPr sz="2800" kern="1200">
-                <a:solidFill>
-                  <a:schemeClr val="tx1"/>
-                </a:solidFill>
-                <a:latin typeface="+mn-lt"/>
-                <a:ea typeface="+mn-ea"/>
-                <a:cs typeface="+mn-cs"/>
-              </a:defRPr>
-            </a:lvl1pPr>
-            <a:lvl2pPr marL="685800" indent="-228600" algn="l" defTabSz="914400" rtl="0" eaLnBrk="1" latinLnBrk="0" hangingPunct="1">
-              <a:lnSpc>
-                <a:spcPct val="90000"/>
-              </a:lnSpc>
-              <a:spcBef>
-                <a:spcPts val="500"/>
-              </a:spcBef>
-              <a:buFont typeface="Arial" panose="020B0604020202020204" pitchFamily="34" charset="0"/>
-              <a:buChar char="•"/>
-              <a:defRPr sz="2400" kern="1200">
-                <a:solidFill>
-                  <a:schemeClr val="tx1"/>
-                </a:solidFill>
-                <a:latin typeface="+mn-lt"/>
-                <a:ea typeface="+mn-ea"/>
-                <a:cs typeface="+mn-cs"/>
-              </a:defRPr>
-            </a:lvl2pPr>
-            <a:lvl3pPr marL="1143000" indent="-228600" algn="l" defTabSz="914400" rtl="0" eaLnBrk="1" latinLnBrk="0" hangingPunct="1">
-              <a:lnSpc>
-                <a:spcPct val="90000"/>
-              </a:lnSpc>
-              <a:spcBef>
-                <a:spcPts val="500"/>
-              </a:spcBef>
-              <a:buFont typeface="Arial" panose="020B0604020202020204" pitchFamily="34" charset="0"/>
-              <a:buChar char="•"/>
-              <a:defRPr sz="2000" kern="1200">
-                <a:solidFill>
-                  <a:schemeClr val="tx1"/>
-                </a:solidFill>
-                <a:latin typeface="+mn-lt"/>
-                <a:ea typeface="+mn-ea"/>
-                <a:cs typeface="+mn-cs"/>
-              </a:defRPr>
-            </a:lvl3pPr>
-            <a:lvl4pPr marL="1600200" indent="-228600" algn="l" defTabSz="914400" rtl="0" eaLnBrk="1" latinLnBrk="0" hangingPunct="1">
-              <a:lnSpc>
-                <a:spcPct val="90000"/>
-              </a:lnSpc>
-              <a:spcBef>
-                <a:spcPts val="500"/>
-              </a:spcBef>
-              <a:buFont typeface="Arial" panose="020B0604020202020204" pitchFamily="34" charset="0"/>
-              <a:buChar char="•"/>
-              <a:defRPr sz="1800" kern="1200">
-                <a:solidFill>
-                  <a:schemeClr val="tx1"/>
-                </a:solidFill>
-                <a:latin typeface="+mn-lt"/>
-                <a:ea typeface="+mn-ea"/>
-                <a:cs typeface="+mn-cs"/>
-              </a:defRPr>
-            </a:lvl4pPr>
-            <a:lvl5pPr marL="2057400" indent="-228600" algn="l" defTabSz="914400" rtl="0" eaLnBrk="1" latinLnBrk="0" hangingPunct="1">
-              <a:lnSpc>
-                <a:spcPct val="90000"/>
-              </a:lnSpc>
-              <a:spcBef>
-                <a:spcPts val="500"/>
-              </a:spcBef>
-              <a:buFont typeface="Arial" panose="020B0604020202020204" pitchFamily="34" charset="0"/>
-              <a:buChar char="•"/>
-              <a:defRPr sz="1800" kern="1200">
-                <a:solidFill>
-                  <a:schemeClr val="tx1"/>
-                </a:solidFill>
-                <a:latin typeface="+mn-lt"/>
-                <a:ea typeface="+mn-ea"/>
-                <a:cs typeface="+mn-cs"/>
-              </a:defRPr>
-            </a:lvl5pPr>
-            <a:lvl6pPr marL="2514600" indent="-228600" algn="l" defTabSz="914400" rtl="0" eaLnBrk="1" latinLnBrk="0" hangingPunct="1">
-              <a:lnSpc>
-                <a:spcPct val="90000"/>
-              </a:lnSpc>
-              <a:spcBef>
-                <a:spcPts val="500"/>
-              </a:spcBef>
-              <a:buFont typeface="Arial" panose="020B0604020202020204" pitchFamily="34" charset="0"/>
-              <a:buChar char="•"/>
-              <a:defRPr sz="1800" kern="1200">
-                <a:solidFill>
-                  <a:schemeClr val="tx1"/>
-                </a:solidFill>
-                <a:latin typeface="+mn-lt"/>
-                <a:ea typeface="+mn-ea"/>
-                <a:cs typeface="+mn-cs"/>
-              </a:defRPr>
-            </a:lvl6pPr>
-            <a:lvl7pPr marL="2971800" indent="-228600" algn="l" defTabSz="914400" rtl="0" eaLnBrk="1" latinLnBrk="0" hangingPunct="1">
-              <a:lnSpc>
-                <a:spcPct val="90000"/>
-              </a:lnSpc>
-              <a:spcBef>
-                <a:spcPts val="500"/>
-              </a:spcBef>
-              <a:buFont typeface="Arial" panose="020B0604020202020204" pitchFamily="34" charset="0"/>
-              <a:buChar char="•"/>
-              <a:defRPr sz="1800" kern="1200">
-                <a:solidFill>
-                  <a:schemeClr val="tx1"/>
-                </a:solidFill>
-                <a:latin typeface="+mn-lt"/>
-                <a:ea typeface="+mn-ea"/>
-                <a:cs typeface="+mn-cs"/>
-              </a:defRPr>
-            </a:lvl7pPr>
-            <a:lvl8pPr marL="3429000" indent="-228600" algn="l" defTabSz="914400" rtl="0" eaLnBrk="1" latinLnBrk="0" hangingPunct="1">
-              <a:lnSpc>
-                <a:spcPct val="90000"/>
-              </a:lnSpc>
-              <a:spcBef>
-                <a:spcPts val="500"/>
-              </a:spcBef>
-              <a:buFont typeface="Arial" panose="020B0604020202020204" pitchFamily="34" charset="0"/>
-              <a:buChar char="•"/>
-              <a:defRPr sz="1800" kern="1200">
-                <a:solidFill>
-                  <a:schemeClr val="tx1"/>
-                </a:solidFill>
-                <a:latin typeface="+mn-lt"/>
-                <a:ea typeface="+mn-ea"/>
-                <a:cs typeface="+mn-cs"/>
-              </a:defRPr>
-            </a:lvl8pPr>
-            <a:lvl9pPr marL="3886200" indent="-228600" algn="l" defTabSz="914400" rtl="0" eaLnBrk="1" latinLnBrk="0" hangingPunct="1">
-              <a:lnSpc>
-                <a:spcPct val="90000"/>
-              </a:lnSpc>
-              <a:spcBef>
-                <a:spcPts val="500"/>
-              </a:spcBef>
-              <a:buFont typeface="Arial" panose="020B0604020202020204" pitchFamily="34" charset="0"/>
-              <a:buChar char="•"/>
-              <a:defRPr sz="1800" kern="1200">
-                <a:solidFill>
-                  <a:schemeClr val="tx1"/>
-                </a:solidFill>
-                <a:latin typeface="+mn-lt"/>
-                <a:ea typeface="+mn-ea"/>
-                <a:cs typeface="+mn-cs"/>
-              </a:defRPr>
-            </a:lvl9pPr>
-          </a:lstStyle>
-          <a:p>
-            <a:pPr marL="0" indent="0">
-              <a:buNone/>
-            </a:pPr>
-            <a:r>
-              <a:rPr lang="en-US" sz="3600" b="1" dirty="0">
-                <a:latin typeface="Calibri" panose="020F0502020204030204" pitchFamily="34" charset="0"/>
-                <a:cs typeface="Calibri" panose="020F0502020204030204" pitchFamily="34" charset="0"/>
-                <a:sym typeface="Wingdings" panose="05000000000000000000" pitchFamily="2" charset="2"/>
-              </a:rPr>
-              <a:t>The microbiome is crucial for host health and function </a:t>
-            </a:r>
-            <a:endParaRPr lang="en-US" sz="3600" dirty="0">
-              <a:latin typeface="Calibri" panose="020F0502020204030204" pitchFamily="34" charset="0"/>
-              <a:cs typeface="Calibri" panose="020F0502020204030204" pitchFamily="34" charset="0"/>
-            </a:endParaRPr>
-          </a:p>
-          <a:p>
-            <a:pPr marL="0" indent="0">
-              <a:buFont typeface="Arial" panose="020B0604020202020204" pitchFamily="34" charset="0"/>
-              <a:buNone/>
-            </a:pPr>
-            <a:endParaRPr lang="en-US" sz="3200" dirty="0">
-              <a:latin typeface="Calibri" panose="020F0502020204030204" pitchFamily="34" charset="0"/>
-              <a:cs typeface="Calibri" panose="020F0502020204030204" pitchFamily="34" charset="0"/>
-            </a:endParaRPr>
-          </a:p>
-        </p:txBody>
-      </p:sp>
-      <p:sp>
-        <p:nvSpPr>
-          <p:cNvPr id="4" name="TextBox 3">
-            <a:extLst>
-              <a:ext uri="{FF2B5EF4-FFF2-40B4-BE49-F238E27FC236}">
-                <a16:creationId xmlns:a16="http://schemas.microsoft.com/office/drawing/2014/main" id="{76295077-F1B8-C981-5F4B-EACC928D89CE}"/>
-              </a:ext>
-            </a:extLst>
-          </p:cNvPr>
-          <p:cNvSpPr txBox="1"/>
-          <p:nvPr/>
-        </p:nvSpPr>
-        <p:spPr>
-          <a:xfrm>
-            <a:off x="1304611" y="5072635"/>
-            <a:ext cx="8711920" cy="1200329"/>
-          </a:xfrm>
-          <a:prstGeom prst="rect">
-            <a:avLst/>
-          </a:prstGeom>
-          <a:noFill/>
-        </p:spPr>
-        <p:txBody>
-          <a:bodyPr wrap="square">
-            <a:spAutoFit/>
-          </a:bodyPr>
-          <a:lstStyle/>
-          <a:p>
-            <a:pPr algn="ctr"/>
-            <a:r>
-              <a:rPr lang="en-US" sz="3600" b="1" i="0" u="none" strike="noStrike" dirty="0">
-                <a:solidFill>
-                  <a:srgbClr val="000000"/>
-                </a:solidFill>
-                <a:effectLst/>
-                <a:latin typeface="Calibri" panose="020F0502020204030204" pitchFamily="34" charset="0"/>
-              </a:rPr>
-              <a:t>It is important to understand the processes and factors that shape the microbiome</a:t>
-            </a:r>
-            <a:endParaRPr lang="en-IL" sz="3600" b="1" dirty="0"/>
-          </a:p>
-        </p:txBody>
-      </p:sp>
-      <p:pic>
-        <p:nvPicPr>
-          <p:cNvPr id="1026" name="Picture 2" descr="Solutions for your Germ-Free and Gnotobiotic Mice | ClearH2O">
-            <a:extLst>
-              <a:ext uri="{FF2B5EF4-FFF2-40B4-BE49-F238E27FC236}">
-                <a16:creationId xmlns:a16="http://schemas.microsoft.com/office/drawing/2014/main" id="{C9D0E582-6E76-4E6A-75D7-4BB16FA2DF15}"/>
-              </a:ext>
-            </a:extLst>
-          </p:cNvPr>
-          <p:cNvPicPr>
-            <a:picLocks noChangeAspect="1" noChangeArrowheads="1"/>
-          </p:cNvPicPr>
-          <p:nvPr/>
-        </p:nvPicPr>
-        <p:blipFill>
-          <a:blip r:embed="rId3">
-            <a:extLst>
-              <a:ext uri="{28A0092B-C50C-407E-A947-70E740481C1C}">
-                <a14:useLocalDpi xmlns:a14="http://schemas.microsoft.com/office/drawing/2010/main" val="0"/>
-              </a:ext>
-            </a:extLst>
-          </a:blip>
-          <a:srcRect/>
-          <a:stretch>
-            <a:fillRect/>
-          </a:stretch>
-        </p:blipFill>
-        <p:spPr bwMode="auto">
-          <a:xfrm>
-            <a:off x="2612571" y="1499717"/>
-            <a:ext cx="6096000" cy="3429000"/>
-          </a:xfrm>
-          <a:prstGeom prst="rect">
-            <a:avLst/>
-          </a:prstGeom>
-          <a:noFill/>
-          <a:extLst>
-            <a:ext uri="{909E8E84-426E-40DD-AFC4-6F175D3DCCD1}">
-              <a14:hiddenFill xmlns:a14="http://schemas.microsoft.com/office/drawing/2010/main">
-                <a:solidFill>
-                  <a:srgbClr val="FFFFFF"/>
-                </a:solidFill>
-              </a14:hiddenFill>
-            </a:ext>
-          </a:extLst>
-        </p:spPr>
-      </p:pic>
-    </p:spTree>
-    <p:extLst>
-      <p:ext uri="{BB962C8B-B14F-4D97-AF65-F5344CB8AC3E}">
-        <p14:creationId xmlns:p14="http://schemas.microsoft.com/office/powerpoint/2010/main" val="3807032525"/>
-      </p:ext>
-    </p:extLst>
-  </p:cSld>
-  <p:clrMapOvr>
-    <a:masterClrMapping/>
-  </p:clrMapOvr>
-</p:sld>
-</file>
-
-<file path=ppt/slides/slide20.xml><?xml version="1.0" encoding="utf-8"?>
-<p:sld xmlns:a="http://schemas.openxmlformats.org/drawingml/2006/main" xmlns:r="http://schemas.openxmlformats.org/officeDocument/2006/relationships" xmlns:p="http://schemas.openxmlformats.org/presentationml/2006/main">
-  <p:cSld>
-    <p:spTree>
-      <p:nvGrpSpPr>
-        <p:cNvPr id="1" name=""/>
-        <p:cNvGrpSpPr/>
-        <p:nvPr/>
-      </p:nvGrpSpPr>
-      <p:grpSpPr>
-        <a:xfrm>
-          <a:off x="0" y="0"/>
-          <a:ext cx="0" cy="0"/>
-          <a:chOff x="0" y="0"/>
-          <a:chExt cx="0" cy="0"/>
-        </a:xfrm>
-      </p:grpSpPr>
-      <p:sp>
-        <p:nvSpPr>
-          <p:cNvPr id="10" name="Content Placeholder 2">
-            <a:extLst>
-              <a:ext uri="{FF2B5EF4-FFF2-40B4-BE49-F238E27FC236}">
-                <a16:creationId xmlns:a16="http://schemas.microsoft.com/office/drawing/2014/main" id="{6191D3B6-9391-DC61-9862-02F5953A2361}"/>
-              </a:ext>
-            </a:extLst>
-          </p:cNvPr>
-          <p:cNvSpPr txBox="1">
-            <a:spLocks/>
-          </p:cNvSpPr>
-          <p:nvPr/>
-        </p:nvSpPr>
-        <p:spPr>
-          <a:xfrm>
-            <a:off x="770700" y="350693"/>
-            <a:ext cx="10085148" cy="734530"/>
-          </a:xfrm>
-          <a:prstGeom prst="rect">
-            <a:avLst/>
-          </a:prstGeom>
-        </p:spPr>
-        <p:txBody>
-          <a:bodyPr vert="horz" lIns="91440" tIns="45720" rIns="91440" bIns="45720" rtlCol="0">
-            <a:normAutofit/>
-          </a:bodyPr>
-          <a:lstStyle>
-            <a:lvl1pPr marL="228600" indent="-228600" algn="l" defTabSz="914400" rtl="0" eaLnBrk="1" latinLnBrk="0" hangingPunct="1">
-              <a:lnSpc>
-                <a:spcPct val="90000"/>
-              </a:lnSpc>
-              <a:spcBef>
-                <a:spcPts val="1000"/>
-              </a:spcBef>
-              <a:buFont typeface="Arial" panose="020B0604020202020204" pitchFamily="34" charset="0"/>
-              <a:buChar char="•"/>
-              <a:defRPr sz="2800" kern="1200">
-                <a:solidFill>
-                  <a:schemeClr val="tx1"/>
-                </a:solidFill>
-                <a:latin typeface="+mn-lt"/>
-                <a:ea typeface="+mn-ea"/>
-                <a:cs typeface="+mn-cs"/>
-              </a:defRPr>
-            </a:lvl1pPr>
-            <a:lvl2pPr marL="685800" indent="-228600" algn="l" defTabSz="914400" rtl="0" eaLnBrk="1" latinLnBrk="0" hangingPunct="1">
-              <a:lnSpc>
-                <a:spcPct val="90000"/>
-              </a:lnSpc>
-              <a:spcBef>
-                <a:spcPts val="500"/>
-              </a:spcBef>
-              <a:buFont typeface="Arial" panose="020B0604020202020204" pitchFamily="34" charset="0"/>
-              <a:buChar char="•"/>
-              <a:defRPr sz="2400" kern="1200">
-                <a:solidFill>
-                  <a:schemeClr val="tx1"/>
-                </a:solidFill>
-                <a:latin typeface="+mn-lt"/>
-                <a:ea typeface="+mn-ea"/>
-                <a:cs typeface="+mn-cs"/>
-              </a:defRPr>
-            </a:lvl2pPr>
-            <a:lvl3pPr marL="1143000" indent="-228600" algn="l" defTabSz="914400" rtl="0" eaLnBrk="1" latinLnBrk="0" hangingPunct="1">
-              <a:lnSpc>
-                <a:spcPct val="90000"/>
-              </a:lnSpc>
-              <a:spcBef>
-                <a:spcPts val="500"/>
-              </a:spcBef>
-              <a:buFont typeface="Arial" panose="020B0604020202020204" pitchFamily="34" charset="0"/>
-              <a:buChar char="•"/>
-              <a:defRPr sz="2000" kern="1200">
-                <a:solidFill>
-                  <a:schemeClr val="tx1"/>
-                </a:solidFill>
-                <a:latin typeface="+mn-lt"/>
-                <a:ea typeface="+mn-ea"/>
-                <a:cs typeface="+mn-cs"/>
-              </a:defRPr>
-            </a:lvl3pPr>
-            <a:lvl4pPr marL="1600200" indent="-228600" algn="l" defTabSz="914400" rtl="0" eaLnBrk="1" latinLnBrk="0" hangingPunct="1">
-              <a:lnSpc>
-                <a:spcPct val="90000"/>
-              </a:lnSpc>
-              <a:spcBef>
-                <a:spcPts val="500"/>
-              </a:spcBef>
-              <a:buFont typeface="Arial" panose="020B0604020202020204" pitchFamily="34" charset="0"/>
-              <a:buChar char="•"/>
-              <a:defRPr sz="1800" kern="1200">
-                <a:solidFill>
-                  <a:schemeClr val="tx1"/>
-                </a:solidFill>
-                <a:latin typeface="+mn-lt"/>
-                <a:ea typeface="+mn-ea"/>
-                <a:cs typeface="+mn-cs"/>
-              </a:defRPr>
-            </a:lvl4pPr>
-            <a:lvl5pPr marL="2057400" indent="-228600" algn="l" defTabSz="914400" rtl="0" eaLnBrk="1" latinLnBrk="0" hangingPunct="1">
-              <a:lnSpc>
-                <a:spcPct val="90000"/>
-              </a:lnSpc>
-              <a:spcBef>
-                <a:spcPts val="500"/>
-              </a:spcBef>
-              <a:buFont typeface="Arial" panose="020B0604020202020204" pitchFamily="34" charset="0"/>
-              <a:buChar char="•"/>
-              <a:defRPr sz="1800" kern="1200">
-                <a:solidFill>
-                  <a:schemeClr val="tx1"/>
-                </a:solidFill>
-                <a:latin typeface="+mn-lt"/>
-                <a:ea typeface="+mn-ea"/>
-                <a:cs typeface="+mn-cs"/>
-              </a:defRPr>
-            </a:lvl5pPr>
-            <a:lvl6pPr marL="2514600" indent="-228600" algn="l" defTabSz="914400" rtl="0" eaLnBrk="1" latinLnBrk="0" hangingPunct="1">
-              <a:lnSpc>
-                <a:spcPct val="90000"/>
-              </a:lnSpc>
-              <a:spcBef>
-                <a:spcPts val="500"/>
-              </a:spcBef>
-              <a:buFont typeface="Arial" panose="020B0604020202020204" pitchFamily="34" charset="0"/>
-              <a:buChar char="•"/>
-              <a:defRPr sz="1800" kern="1200">
-                <a:solidFill>
-                  <a:schemeClr val="tx1"/>
-                </a:solidFill>
-                <a:latin typeface="+mn-lt"/>
-                <a:ea typeface="+mn-ea"/>
-                <a:cs typeface="+mn-cs"/>
-              </a:defRPr>
-            </a:lvl6pPr>
-            <a:lvl7pPr marL="2971800" indent="-228600" algn="l" defTabSz="914400" rtl="0" eaLnBrk="1" latinLnBrk="0" hangingPunct="1">
-              <a:lnSpc>
-                <a:spcPct val="90000"/>
-              </a:lnSpc>
-              <a:spcBef>
-                <a:spcPts val="500"/>
-              </a:spcBef>
-              <a:buFont typeface="Arial" panose="020B0604020202020204" pitchFamily="34" charset="0"/>
-              <a:buChar char="•"/>
-              <a:defRPr sz="1800" kern="1200">
-                <a:solidFill>
-                  <a:schemeClr val="tx1"/>
-                </a:solidFill>
-                <a:latin typeface="+mn-lt"/>
-                <a:ea typeface="+mn-ea"/>
-                <a:cs typeface="+mn-cs"/>
-              </a:defRPr>
-            </a:lvl7pPr>
-            <a:lvl8pPr marL="3429000" indent="-228600" algn="l" defTabSz="914400" rtl="0" eaLnBrk="1" latinLnBrk="0" hangingPunct="1">
-              <a:lnSpc>
-                <a:spcPct val="90000"/>
-              </a:lnSpc>
-              <a:spcBef>
-                <a:spcPts val="500"/>
-              </a:spcBef>
-              <a:buFont typeface="Arial" panose="020B0604020202020204" pitchFamily="34" charset="0"/>
-              <a:buChar char="•"/>
-              <a:defRPr sz="1800" kern="1200">
-                <a:solidFill>
-                  <a:schemeClr val="tx1"/>
-                </a:solidFill>
-                <a:latin typeface="+mn-lt"/>
-                <a:ea typeface="+mn-ea"/>
-                <a:cs typeface="+mn-cs"/>
-              </a:defRPr>
-            </a:lvl8pPr>
-            <a:lvl9pPr marL="3886200" indent="-228600" algn="l" defTabSz="914400" rtl="0" eaLnBrk="1" latinLnBrk="0" hangingPunct="1">
-              <a:lnSpc>
-                <a:spcPct val="90000"/>
-              </a:lnSpc>
-              <a:spcBef>
-                <a:spcPts val="500"/>
-              </a:spcBef>
-              <a:buFont typeface="Arial" panose="020B0604020202020204" pitchFamily="34" charset="0"/>
-              <a:buChar char="•"/>
-              <a:defRPr sz="1800" kern="1200">
-                <a:solidFill>
-                  <a:schemeClr val="tx1"/>
-                </a:solidFill>
-                <a:latin typeface="+mn-lt"/>
-                <a:ea typeface="+mn-ea"/>
-                <a:cs typeface="+mn-cs"/>
-              </a:defRPr>
-            </a:lvl9pPr>
-          </a:lstStyle>
-          <a:p>
-            <a:pPr marL="0" indent="0">
-              <a:buNone/>
-            </a:pPr>
-            <a:r>
-              <a:rPr lang="en-US" sz="3600" b="1" dirty="0">
-                <a:latin typeface="Calibri" panose="020F0502020204030204" pitchFamily="34" charset="0"/>
-                <a:cs typeface="Calibri" panose="020F0502020204030204" pitchFamily="34" charset="0"/>
-                <a:sym typeface="Wingdings" panose="05000000000000000000" pitchFamily="2" charset="2"/>
-              </a:rPr>
-              <a:t>Network’s modules are indicative of the processes</a:t>
-            </a:r>
-            <a:endParaRPr lang="en-US" sz="3200" dirty="0">
-              <a:latin typeface="Calibri" panose="020F0502020204030204" pitchFamily="34" charset="0"/>
-              <a:cs typeface="Calibri" panose="020F0502020204030204" pitchFamily="34" charset="0"/>
-            </a:endParaRPr>
-          </a:p>
-        </p:txBody>
-      </p:sp>
-      <p:sp>
-        <p:nvSpPr>
-          <p:cNvPr id="4" name="TextBox 3">
-            <a:extLst>
-              <a:ext uri="{FF2B5EF4-FFF2-40B4-BE49-F238E27FC236}">
-                <a16:creationId xmlns:a16="http://schemas.microsoft.com/office/drawing/2014/main" id="{1875AC0A-BA5E-1D24-CD79-24BC560CA5E0}"/>
-              </a:ext>
-            </a:extLst>
-          </p:cNvPr>
-          <p:cNvSpPr txBox="1"/>
-          <p:nvPr/>
-        </p:nvSpPr>
-        <p:spPr>
-          <a:xfrm>
-            <a:off x="770700" y="1406770"/>
-            <a:ext cx="3950350" cy="3231654"/>
-          </a:xfrm>
-          <a:prstGeom prst="rect">
-            <a:avLst/>
-          </a:prstGeom>
-          <a:noFill/>
-        </p:spPr>
-        <p:txBody>
-          <a:bodyPr wrap="square">
-            <a:spAutoFit/>
-          </a:bodyPr>
-          <a:lstStyle/>
-          <a:p>
-            <a:r>
-              <a:rPr lang="en-IL" sz="3600" b="1" dirty="0">
-                <a:latin typeface="Calibri" panose="020F0502020204030204" pitchFamily="34" charset="0"/>
-                <a:cs typeface="Calibri" panose="020F0502020204030204" pitchFamily="34" charset="0"/>
-              </a:rPr>
-              <a:t>Non-core</a:t>
-            </a:r>
-            <a:endParaRPr lang="en-IL" sz="2400" b="1" dirty="0">
-              <a:latin typeface="Calibri" panose="020F0502020204030204" pitchFamily="34" charset="0"/>
-              <a:cs typeface="Calibri" panose="020F0502020204030204" pitchFamily="34" charset="0"/>
-            </a:endParaRPr>
-          </a:p>
-          <a:p>
-            <a:pPr marL="342900" indent="-342900">
-              <a:buFont typeface="Arial" panose="020B0604020202020204" pitchFamily="34" charset="0"/>
-              <a:buChar char="•"/>
-            </a:pPr>
-            <a:r>
-              <a:rPr lang="en-IL" sz="2400" dirty="0">
-                <a:latin typeface="Calibri" panose="020F0502020204030204" pitchFamily="34" charset="0"/>
-                <a:cs typeface="Calibri" panose="020F0502020204030204" pitchFamily="34" charset="0"/>
-              </a:rPr>
-              <a:t>The modules capture selective differences between hosts </a:t>
-            </a:r>
-          </a:p>
-          <a:p>
-            <a:pPr marL="342900" indent="-342900">
-              <a:buFont typeface="Arial" panose="020B0604020202020204" pitchFamily="34" charset="0"/>
-              <a:buChar char="•"/>
-            </a:pPr>
-            <a:r>
-              <a:rPr lang="en-IL" sz="2400" dirty="0">
-                <a:latin typeface="Calibri" panose="020F0502020204030204" pitchFamily="34" charset="0"/>
-                <a:cs typeface="Calibri" panose="020F0502020204030204" pitchFamily="34" charset="0"/>
-              </a:rPr>
-              <a:t>Neutral processes dominate the variation between hosts clustered in the same module</a:t>
-            </a:r>
-          </a:p>
-        </p:txBody>
-      </p:sp>
-      <p:pic>
-        <p:nvPicPr>
-          <p:cNvPr id="3" name="Picture 2" descr="A graph of different colored squares&#10;&#10;Description automatically generated with medium confidence">
-            <a:extLst>
-              <a:ext uri="{FF2B5EF4-FFF2-40B4-BE49-F238E27FC236}">
-                <a16:creationId xmlns:a16="http://schemas.microsoft.com/office/drawing/2014/main" id="{A2FF65B5-6479-87A7-F486-92CBCF8B094B}"/>
-              </a:ext>
-            </a:extLst>
-          </p:cNvPr>
-          <p:cNvPicPr>
-            <a:picLocks noChangeAspect="1"/>
-          </p:cNvPicPr>
-          <p:nvPr/>
-        </p:nvPicPr>
-        <p:blipFill>
-          <a:blip r:embed="rId3"/>
-          <a:stretch>
-            <a:fillRect/>
-          </a:stretch>
-        </p:blipFill>
-        <p:spPr>
-          <a:xfrm>
-            <a:off x="4869766" y="1406770"/>
-            <a:ext cx="7322234" cy="5230167"/>
-          </a:xfrm>
-          <a:prstGeom prst="rect">
-            <a:avLst/>
-          </a:prstGeom>
-        </p:spPr>
-      </p:pic>
-      <p:sp>
-        <p:nvSpPr>
-          <p:cNvPr id="6" name="Rectangle 5">
-            <a:extLst>
-              <a:ext uri="{FF2B5EF4-FFF2-40B4-BE49-F238E27FC236}">
-                <a16:creationId xmlns:a16="http://schemas.microsoft.com/office/drawing/2014/main" id="{AE77250D-6496-0D34-4927-587F7AAF5721}"/>
-              </a:ext>
-            </a:extLst>
-          </p:cNvPr>
-          <p:cNvSpPr/>
-          <p:nvPr/>
-        </p:nvSpPr>
-        <p:spPr>
-          <a:xfrm>
-            <a:off x="5370146" y="3637503"/>
-            <a:ext cx="2286697" cy="2179655"/>
-          </a:xfrm>
-          <a:prstGeom prst="rect">
-            <a:avLst/>
-          </a:prstGeom>
-          <a:noFill/>
-          <a:ln w="57150">
-            <a:solidFill>
-              <a:schemeClr val="accent1"/>
-            </a:solidFill>
-          </a:ln>
-        </p:spPr>
-        <p:style>
-          <a:lnRef idx="2">
-            <a:schemeClr val="accent1">
-              <a:shade val="15000"/>
-            </a:schemeClr>
-          </a:lnRef>
-          <a:fillRef idx="1">
-            <a:schemeClr val="accent1"/>
-          </a:fillRef>
-          <a:effectRef idx="0">
-            <a:schemeClr val="accent1"/>
-          </a:effectRef>
-          <a:fontRef idx="minor">
-            <a:schemeClr val="lt1"/>
-          </a:fontRef>
-        </p:style>
-        <p:txBody>
-          <a:bodyPr rtlCol="0" anchor="ctr"/>
-          <a:lstStyle/>
-          <a:p>
-            <a:pPr algn="ctr"/>
-            <a:endParaRPr lang="en-IL"/>
-          </a:p>
-        </p:txBody>
-      </p:sp>
-    </p:spTree>
-    <p:extLst>
-      <p:ext uri="{BB962C8B-B14F-4D97-AF65-F5344CB8AC3E}">
-        <p14:creationId xmlns:p14="http://schemas.microsoft.com/office/powerpoint/2010/main" val="1183341952"/>
-      </p:ext>
-    </p:extLst>
-  </p:cSld>
-  <p:clrMapOvr>
-    <a:masterClrMapping/>
-  </p:clrMapOvr>
-</p:sld>
-</file>
-
-<file path=ppt/slides/slide21.xml><?xml version="1.0" encoding="utf-8"?>
-<p:sld xmlns:a="http://schemas.openxmlformats.org/drawingml/2006/main" xmlns:r="http://schemas.openxmlformats.org/officeDocument/2006/relationships" xmlns:p="http://schemas.openxmlformats.org/presentationml/2006/main">
-  <p:cSld>
-    <p:spTree>
-      <p:nvGrpSpPr>
-        <p:cNvPr id="1" name=""/>
-        <p:cNvGrpSpPr/>
-        <p:nvPr/>
-      </p:nvGrpSpPr>
-      <p:grpSpPr>
-        <a:xfrm>
-          <a:off x="0" y="0"/>
-          <a:ext cx="0" cy="0"/>
-          <a:chOff x="0" y="0"/>
-          <a:chExt cx="0" cy="0"/>
-        </a:xfrm>
-      </p:grpSpPr>
-      <p:sp>
-        <p:nvSpPr>
-          <p:cNvPr id="10" name="Content Placeholder 2">
-            <a:extLst>
-              <a:ext uri="{FF2B5EF4-FFF2-40B4-BE49-F238E27FC236}">
-                <a16:creationId xmlns:a16="http://schemas.microsoft.com/office/drawing/2014/main" id="{6191D3B6-9391-DC61-9862-02F5953A2361}"/>
-              </a:ext>
-            </a:extLst>
-          </p:cNvPr>
-          <p:cNvSpPr txBox="1">
-            <a:spLocks/>
-          </p:cNvSpPr>
-          <p:nvPr/>
-        </p:nvSpPr>
-        <p:spPr>
-          <a:xfrm>
-            <a:off x="770700" y="350693"/>
-            <a:ext cx="10085148" cy="734530"/>
-          </a:xfrm>
-          <a:prstGeom prst="rect">
-            <a:avLst/>
-          </a:prstGeom>
-        </p:spPr>
-        <p:txBody>
-          <a:bodyPr vert="horz" lIns="91440" tIns="45720" rIns="91440" bIns="45720" rtlCol="0">
-            <a:normAutofit/>
-          </a:bodyPr>
-          <a:lstStyle>
-            <a:lvl1pPr marL="228600" indent="-228600" algn="l" defTabSz="914400" rtl="0" eaLnBrk="1" latinLnBrk="0" hangingPunct="1">
-              <a:lnSpc>
-                <a:spcPct val="90000"/>
-              </a:lnSpc>
-              <a:spcBef>
-                <a:spcPts val="1000"/>
-              </a:spcBef>
-              <a:buFont typeface="Arial" panose="020B0604020202020204" pitchFamily="34" charset="0"/>
-              <a:buChar char="•"/>
-              <a:defRPr sz="2800" kern="1200">
-                <a:solidFill>
-                  <a:schemeClr val="tx1"/>
-                </a:solidFill>
-                <a:latin typeface="+mn-lt"/>
-                <a:ea typeface="+mn-ea"/>
-                <a:cs typeface="+mn-cs"/>
-              </a:defRPr>
-            </a:lvl1pPr>
-            <a:lvl2pPr marL="685800" indent="-228600" algn="l" defTabSz="914400" rtl="0" eaLnBrk="1" latinLnBrk="0" hangingPunct="1">
-              <a:lnSpc>
-                <a:spcPct val="90000"/>
-              </a:lnSpc>
-              <a:spcBef>
-                <a:spcPts val="500"/>
-              </a:spcBef>
-              <a:buFont typeface="Arial" panose="020B0604020202020204" pitchFamily="34" charset="0"/>
-              <a:buChar char="•"/>
-              <a:defRPr sz="2400" kern="1200">
-                <a:solidFill>
-                  <a:schemeClr val="tx1"/>
-                </a:solidFill>
-                <a:latin typeface="+mn-lt"/>
-                <a:ea typeface="+mn-ea"/>
-                <a:cs typeface="+mn-cs"/>
-              </a:defRPr>
-            </a:lvl2pPr>
-            <a:lvl3pPr marL="1143000" indent="-228600" algn="l" defTabSz="914400" rtl="0" eaLnBrk="1" latinLnBrk="0" hangingPunct="1">
-              <a:lnSpc>
-                <a:spcPct val="90000"/>
-              </a:lnSpc>
-              <a:spcBef>
-                <a:spcPts val="500"/>
-              </a:spcBef>
-              <a:buFont typeface="Arial" panose="020B0604020202020204" pitchFamily="34" charset="0"/>
-              <a:buChar char="•"/>
-              <a:defRPr sz="2000" kern="1200">
-                <a:solidFill>
-                  <a:schemeClr val="tx1"/>
-                </a:solidFill>
-                <a:latin typeface="+mn-lt"/>
-                <a:ea typeface="+mn-ea"/>
-                <a:cs typeface="+mn-cs"/>
-              </a:defRPr>
-            </a:lvl3pPr>
-            <a:lvl4pPr marL="1600200" indent="-228600" algn="l" defTabSz="914400" rtl="0" eaLnBrk="1" latinLnBrk="0" hangingPunct="1">
-              <a:lnSpc>
-                <a:spcPct val="90000"/>
-              </a:lnSpc>
-              <a:spcBef>
-                <a:spcPts val="500"/>
-              </a:spcBef>
-              <a:buFont typeface="Arial" panose="020B0604020202020204" pitchFamily="34" charset="0"/>
-              <a:buChar char="•"/>
-              <a:defRPr sz="1800" kern="1200">
-                <a:solidFill>
-                  <a:schemeClr val="tx1"/>
-                </a:solidFill>
-                <a:latin typeface="+mn-lt"/>
-                <a:ea typeface="+mn-ea"/>
-                <a:cs typeface="+mn-cs"/>
-              </a:defRPr>
-            </a:lvl4pPr>
-            <a:lvl5pPr marL="2057400" indent="-228600" algn="l" defTabSz="914400" rtl="0" eaLnBrk="1" latinLnBrk="0" hangingPunct="1">
-              <a:lnSpc>
-                <a:spcPct val="90000"/>
-              </a:lnSpc>
-              <a:spcBef>
-                <a:spcPts val="500"/>
-              </a:spcBef>
-              <a:buFont typeface="Arial" panose="020B0604020202020204" pitchFamily="34" charset="0"/>
-              <a:buChar char="•"/>
-              <a:defRPr sz="1800" kern="1200">
-                <a:solidFill>
-                  <a:schemeClr val="tx1"/>
-                </a:solidFill>
-                <a:latin typeface="+mn-lt"/>
-                <a:ea typeface="+mn-ea"/>
-                <a:cs typeface="+mn-cs"/>
-              </a:defRPr>
-            </a:lvl5pPr>
-            <a:lvl6pPr marL="2514600" indent="-228600" algn="l" defTabSz="914400" rtl="0" eaLnBrk="1" latinLnBrk="0" hangingPunct="1">
-              <a:lnSpc>
-                <a:spcPct val="90000"/>
-              </a:lnSpc>
-              <a:spcBef>
-                <a:spcPts val="500"/>
-              </a:spcBef>
-              <a:buFont typeface="Arial" panose="020B0604020202020204" pitchFamily="34" charset="0"/>
-              <a:buChar char="•"/>
-              <a:defRPr sz="1800" kern="1200">
-                <a:solidFill>
-                  <a:schemeClr val="tx1"/>
-                </a:solidFill>
-                <a:latin typeface="+mn-lt"/>
-                <a:ea typeface="+mn-ea"/>
-                <a:cs typeface="+mn-cs"/>
-              </a:defRPr>
-            </a:lvl6pPr>
-            <a:lvl7pPr marL="2971800" indent="-228600" algn="l" defTabSz="914400" rtl="0" eaLnBrk="1" latinLnBrk="0" hangingPunct="1">
-              <a:lnSpc>
-                <a:spcPct val="90000"/>
-              </a:lnSpc>
-              <a:spcBef>
-                <a:spcPts val="500"/>
-              </a:spcBef>
-              <a:buFont typeface="Arial" panose="020B0604020202020204" pitchFamily="34" charset="0"/>
-              <a:buChar char="•"/>
-              <a:defRPr sz="1800" kern="1200">
-                <a:solidFill>
-                  <a:schemeClr val="tx1"/>
-                </a:solidFill>
-                <a:latin typeface="+mn-lt"/>
-                <a:ea typeface="+mn-ea"/>
-                <a:cs typeface="+mn-cs"/>
-              </a:defRPr>
-            </a:lvl7pPr>
-            <a:lvl8pPr marL="3429000" indent="-228600" algn="l" defTabSz="914400" rtl="0" eaLnBrk="1" latinLnBrk="0" hangingPunct="1">
-              <a:lnSpc>
-                <a:spcPct val="90000"/>
-              </a:lnSpc>
-              <a:spcBef>
-                <a:spcPts val="500"/>
-              </a:spcBef>
-              <a:buFont typeface="Arial" panose="020B0604020202020204" pitchFamily="34" charset="0"/>
-              <a:buChar char="•"/>
-              <a:defRPr sz="1800" kern="1200">
-                <a:solidFill>
-                  <a:schemeClr val="tx1"/>
-                </a:solidFill>
-                <a:latin typeface="+mn-lt"/>
-                <a:ea typeface="+mn-ea"/>
-                <a:cs typeface="+mn-cs"/>
-              </a:defRPr>
-            </a:lvl8pPr>
-            <a:lvl9pPr marL="3886200" indent="-228600" algn="l" defTabSz="914400" rtl="0" eaLnBrk="1" latinLnBrk="0" hangingPunct="1">
-              <a:lnSpc>
-                <a:spcPct val="90000"/>
-              </a:lnSpc>
-              <a:spcBef>
-                <a:spcPts val="500"/>
-              </a:spcBef>
-              <a:buFont typeface="Arial" panose="020B0604020202020204" pitchFamily="34" charset="0"/>
-              <a:buChar char="•"/>
-              <a:defRPr sz="1800" kern="1200">
-                <a:solidFill>
-                  <a:schemeClr val="tx1"/>
-                </a:solidFill>
-                <a:latin typeface="+mn-lt"/>
-                <a:ea typeface="+mn-ea"/>
-                <a:cs typeface="+mn-cs"/>
-              </a:defRPr>
-            </a:lvl9pPr>
-          </a:lstStyle>
-          <a:p>
-            <a:pPr marL="0" indent="0">
-              <a:buNone/>
-            </a:pPr>
-            <a:r>
-              <a:rPr lang="en-US" sz="3600" b="1" dirty="0">
-                <a:latin typeface="Calibri" panose="020F0502020204030204" pitchFamily="34" charset="0"/>
-                <a:cs typeface="Calibri" panose="020F0502020204030204" pitchFamily="34" charset="0"/>
-                <a:sym typeface="Wingdings" panose="05000000000000000000" pitchFamily="2" charset="2"/>
-              </a:rPr>
-              <a:t>Network’s modules are indicative of the processes</a:t>
-            </a:r>
-            <a:endParaRPr lang="en-US" sz="3200" dirty="0">
-              <a:latin typeface="Calibri" panose="020F0502020204030204" pitchFamily="34" charset="0"/>
-              <a:cs typeface="Calibri" panose="020F0502020204030204" pitchFamily="34" charset="0"/>
-            </a:endParaRPr>
-          </a:p>
-        </p:txBody>
-      </p:sp>
-      <p:sp>
-        <p:nvSpPr>
-          <p:cNvPr id="4" name="TextBox 3">
-            <a:extLst>
-              <a:ext uri="{FF2B5EF4-FFF2-40B4-BE49-F238E27FC236}">
-                <a16:creationId xmlns:a16="http://schemas.microsoft.com/office/drawing/2014/main" id="{1875AC0A-BA5E-1D24-CD79-24BC560CA5E0}"/>
-              </a:ext>
-            </a:extLst>
-          </p:cNvPr>
-          <p:cNvSpPr txBox="1"/>
-          <p:nvPr/>
-        </p:nvSpPr>
-        <p:spPr>
-          <a:xfrm>
-            <a:off x="770700" y="1406770"/>
-            <a:ext cx="3950350" cy="2492990"/>
-          </a:xfrm>
-          <a:prstGeom prst="rect">
-            <a:avLst/>
-          </a:prstGeom>
-          <a:noFill/>
-        </p:spPr>
-        <p:txBody>
-          <a:bodyPr wrap="square">
-            <a:spAutoFit/>
-          </a:bodyPr>
-          <a:lstStyle/>
-          <a:p>
-            <a:r>
-              <a:rPr lang="en-IL" sz="3600" b="1" dirty="0">
-                <a:latin typeface="Calibri" panose="020F0502020204030204" pitchFamily="34" charset="0"/>
-                <a:cs typeface="Calibri" panose="020F0502020204030204" pitchFamily="34" charset="0"/>
-              </a:rPr>
-              <a:t>Core</a:t>
-            </a:r>
-            <a:endParaRPr lang="en-IL" sz="2400" b="1" dirty="0">
-              <a:latin typeface="Calibri" panose="020F0502020204030204" pitchFamily="34" charset="0"/>
-              <a:cs typeface="Calibri" panose="020F0502020204030204" pitchFamily="34" charset="0"/>
-            </a:endParaRPr>
-          </a:p>
-          <a:p>
-            <a:pPr marL="342900" indent="-342900">
-              <a:buFont typeface="Arial" panose="020B0604020202020204" pitchFamily="34" charset="0"/>
-              <a:buChar char="•"/>
-            </a:pPr>
-            <a:r>
-              <a:rPr lang="en-IL" sz="2400" dirty="0">
-                <a:latin typeface="Calibri" panose="020F0502020204030204" pitchFamily="34" charset="0"/>
-                <a:cs typeface="Calibri" panose="020F0502020204030204" pitchFamily="34" charset="0"/>
-              </a:rPr>
-              <a:t>Neutral processes dominate the variation between hosts clustered in same and different modules</a:t>
-            </a:r>
-          </a:p>
-        </p:txBody>
-      </p:sp>
-      <p:pic>
-        <p:nvPicPr>
-          <p:cNvPr id="3" name="Picture 2" descr="A graph of different colored squares&#10;&#10;Description automatically generated with medium confidence">
-            <a:extLst>
-              <a:ext uri="{FF2B5EF4-FFF2-40B4-BE49-F238E27FC236}">
-                <a16:creationId xmlns:a16="http://schemas.microsoft.com/office/drawing/2014/main" id="{C50A6030-616B-E37E-6C2F-595738F26A87}"/>
-              </a:ext>
-            </a:extLst>
-          </p:cNvPr>
-          <p:cNvPicPr>
-            <a:picLocks noChangeAspect="1"/>
-          </p:cNvPicPr>
-          <p:nvPr/>
-        </p:nvPicPr>
-        <p:blipFill>
-          <a:blip r:embed="rId3"/>
-          <a:stretch>
-            <a:fillRect/>
-          </a:stretch>
-        </p:blipFill>
-        <p:spPr>
-          <a:xfrm>
-            <a:off x="4869766" y="1406770"/>
-            <a:ext cx="7322234" cy="5230167"/>
-          </a:xfrm>
-          <a:prstGeom prst="rect">
-            <a:avLst/>
-          </a:prstGeom>
-        </p:spPr>
-      </p:pic>
-      <p:sp>
-        <p:nvSpPr>
-          <p:cNvPr id="6" name="Rectangle 5">
-            <a:extLst>
-              <a:ext uri="{FF2B5EF4-FFF2-40B4-BE49-F238E27FC236}">
-                <a16:creationId xmlns:a16="http://schemas.microsoft.com/office/drawing/2014/main" id="{BFE23A3C-FC7D-C8D0-41D7-1C6D881367A2}"/>
-              </a:ext>
-            </a:extLst>
-          </p:cNvPr>
-          <p:cNvSpPr/>
-          <p:nvPr/>
-        </p:nvSpPr>
-        <p:spPr>
-          <a:xfrm>
-            <a:off x="7731509" y="1487155"/>
-            <a:ext cx="2286697" cy="2179655"/>
-          </a:xfrm>
-          <a:prstGeom prst="rect">
-            <a:avLst/>
-          </a:prstGeom>
-          <a:noFill/>
-          <a:ln w="57150">
-            <a:solidFill>
-              <a:schemeClr val="accent1"/>
-            </a:solidFill>
-          </a:ln>
-        </p:spPr>
-        <p:style>
-          <a:lnRef idx="2">
-            <a:schemeClr val="accent1">
-              <a:shade val="15000"/>
-            </a:schemeClr>
-          </a:lnRef>
-          <a:fillRef idx="1">
-            <a:schemeClr val="accent1"/>
-          </a:fillRef>
-          <a:effectRef idx="0">
-            <a:schemeClr val="accent1"/>
-          </a:effectRef>
-          <a:fontRef idx="minor">
-            <a:schemeClr val="lt1"/>
-          </a:fontRef>
-        </p:style>
-        <p:txBody>
-          <a:bodyPr rtlCol="0" anchor="ctr"/>
-          <a:lstStyle/>
-          <a:p>
-            <a:pPr algn="ctr"/>
-            <a:endParaRPr lang="en-IL"/>
-          </a:p>
-        </p:txBody>
-      </p:sp>
-    </p:spTree>
-    <p:extLst>
-      <p:ext uri="{BB962C8B-B14F-4D97-AF65-F5344CB8AC3E}">
-        <p14:creationId xmlns:p14="http://schemas.microsoft.com/office/powerpoint/2010/main" val="871701731"/>
-      </p:ext>
-    </p:extLst>
-  </p:cSld>
-  <p:clrMapOvr>
-    <a:masterClrMapping/>
-  </p:clrMapOvr>
-</p:sld>
-</file>
-
-<file path=ppt/slides/slide22.xml><?xml version="1.0" encoding="utf-8"?>
-<p:sld xmlns:a="http://schemas.openxmlformats.org/drawingml/2006/main" xmlns:r="http://schemas.openxmlformats.org/officeDocument/2006/relationships" xmlns:p="http://schemas.openxmlformats.org/presentationml/2006/main">
-  <p:cSld>
-    <p:spTree>
-      <p:nvGrpSpPr>
-        <p:cNvPr id="1" name=""/>
-        <p:cNvGrpSpPr/>
-        <p:nvPr/>
-      </p:nvGrpSpPr>
-      <p:grpSpPr>
-        <a:xfrm>
-          <a:off x="0" y="0"/>
-          <a:ext cx="0" cy="0"/>
-          <a:chOff x="0" y="0"/>
-          <a:chExt cx="0" cy="0"/>
-        </a:xfrm>
-      </p:grpSpPr>
-      <p:sp>
-        <p:nvSpPr>
-          <p:cNvPr id="10" name="Content Placeholder 2">
-            <a:extLst>
-              <a:ext uri="{FF2B5EF4-FFF2-40B4-BE49-F238E27FC236}">
-                <a16:creationId xmlns:a16="http://schemas.microsoft.com/office/drawing/2014/main" id="{6191D3B6-9391-DC61-9862-02F5953A2361}"/>
-              </a:ext>
-            </a:extLst>
-          </p:cNvPr>
-          <p:cNvSpPr txBox="1">
-            <a:spLocks/>
-          </p:cNvSpPr>
-          <p:nvPr/>
-        </p:nvSpPr>
-        <p:spPr>
-          <a:xfrm>
-            <a:off x="760652" y="672239"/>
-            <a:ext cx="10085148" cy="1287190"/>
-          </a:xfrm>
-          <a:prstGeom prst="rect">
-            <a:avLst/>
-          </a:prstGeom>
-        </p:spPr>
-        <p:txBody>
-          <a:bodyPr vert="horz" lIns="91440" tIns="45720" rIns="91440" bIns="45720" rtlCol="0">
-            <a:normAutofit/>
-          </a:bodyPr>
-          <a:lstStyle>
-            <a:lvl1pPr marL="228600" indent="-228600" algn="l" defTabSz="914400" rtl="0" eaLnBrk="1" latinLnBrk="0" hangingPunct="1">
-              <a:lnSpc>
-                <a:spcPct val="90000"/>
-              </a:lnSpc>
-              <a:spcBef>
-                <a:spcPts val="1000"/>
-              </a:spcBef>
-              <a:buFont typeface="Arial" panose="020B0604020202020204" pitchFamily="34" charset="0"/>
-              <a:buChar char="•"/>
-              <a:defRPr sz="2800" kern="1200">
-                <a:solidFill>
-                  <a:schemeClr val="tx1"/>
-                </a:solidFill>
-                <a:latin typeface="+mn-lt"/>
-                <a:ea typeface="+mn-ea"/>
-                <a:cs typeface="+mn-cs"/>
-              </a:defRPr>
-            </a:lvl1pPr>
-            <a:lvl2pPr marL="685800" indent="-228600" algn="l" defTabSz="914400" rtl="0" eaLnBrk="1" latinLnBrk="0" hangingPunct="1">
-              <a:lnSpc>
-                <a:spcPct val="90000"/>
-              </a:lnSpc>
-              <a:spcBef>
-                <a:spcPts val="500"/>
-              </a:spcBef>
-              <a:buFont typeface="Arial" panose="020B0604020202020204" pitchFamily="34" charset="0"/>
-              <a:buChar char="•"/>
-              <a:defRPr sz="2400" kern="1200">
-                <a:solidFill>
-                  <a:schemeClr val="tx1"/>
-                </a:solidFill>
-                <a:latin typeface="+mn-lt"/>
-                <a:ea typeface="+mn-ea"/>
-                <a:cs typeface="+mn-cs"/>
-              </a:defRPr>
-            </a:lvl2pPr>
-            <a:lvl3pPr marL="1143000" indent="-228600" algn="l" defTabSz="914400" rtl="0" eaLnBrk="1" latinLnBrk="0" hangingPunct="1">
-              <a:lnSpc>
-                <a:spcPct val="90000"/>
-              </a:lnSpc>
-              <a:spcBef>
-                <a:spcPts val="500"/>
-              </a:spcBef>
-              <a:buFont typeface="Arial" panose="020B0604020202020204" pitchFamily="34" charset="0"/>
-              <a:buChar char="•"/>
-              <a:defRPr sz="2000" kern="1200">
-                <a:solidFill>
-                  <a:schemeClr val="tx1"/>
-                </a:solidFill>
-                <a:latin typeface="+mn-lt"/>
-                <a:ea typeface="+mn-ea"/>
-                <a:cs typeface="+mn-cs"/>
-              </a:defRPr>
-            </a:lvl3pPr>
-            <a:lvl4pPr marL="1600200" indent="-228600" algn="l" defTabSz="914400" rtl="0" eaLnBrk="1" latinLnBrk="0" hangingPunct="1">
-              <a:lnSpc>
-                <a:spcPct val="90000"/>
-              </a:lnSpc>
-              <a:spcBef>
-                <a:spcPts val="500"/>
-              </a:spcBef>
-              <a:buFont typeface="Arial" panose="020B0604020202020204" pitchFamily="34" charset="0"/>
-              <a:buChar char="•"/>
-              <a:defRPr sz="1800" kern="1200">
-                <a:solidFill>
-                  <a:schemeClr val="tx1"/>
-                </a:solidFill>
-                <a:latin typeface="+mn-lt"/>
-                <a:ea typeface="+mn-ea"/>
-                <a:cs typeface="+mn-cs"/>
-              </a:defRPr>
-            </a:lvl4pPr>
-            <a:lvl5pPr marL="2057400" indent="-228600" algn="l" defTabSz="914400" rtl="0" eaLnBrk="1" latinLnBrk="0" hangingPunct="1">
-              <a:lnSpc>
-                <a:spcPct val="90000"/>
-              </a:lnSpc>
-              <a:spcBef>
-                <a:spcPts val="500"/>
-              </a:spcBef>
-              <a:buFont typeface="Arial" panose="020B0604020202020204" pitchFamily="34" charset="0"/>
-              <a:buChar char="•"/>
-              <a:defRPr sz="1800" kern="1200">
-                <a:solidFill>
-                  <a:schemeClr val="tx1"/>
-                </a:solidFill>
-                <a:latin typeface="+mn-lt"/>
-                <a:ea typeface="+mn-ea"/>
-                <a:cs typeface="+mn-cs"/>
-              </a:defRPr>
-            </a:lvl5pPr>
-            <a:lvl6pPr marL="2514600" indent="-228600" algn="l" defTabSz="914400" rtl="0" eaLnBrk="1" latinLnBrk="0" hangingPunct="1">
-              <a:lnSpc>
-                <a:spcPct val="90000"/>
-              </a:lnSpc>
-              <a:spcBef>
-                <a:spcPts val="500"/>
-              </a:spcBef>
-              <a:buFont typeface="Arial" panose="020B0604020202020204" pitchFamily="34" charset="0"/>
-              <a:buChar char="•"/>
-              <a:defRPr sz="1800" kern="1200">
-                <a:solidFill>
-                  <a:schemeClr val="tx1"/>
-                </a:solidFill>
-                <a:latin typeface="+mn-lt"/>
-                <a:ea typeface="+mn-ea"/>
-                <a:cs typeface="+mn-cs"/>
-              </a:defRPr>
-            </a:lvl6pPr>
-            <a:lvl7pPr marL="2971800" indent="-228600" algn="l" defTabSz="914400" rtl="0" eaLnBrk="1" latinLnBrk="0" hangingPunct="1">
-              <a:lnSpc>
-                <a:spcPct val="90000"/>
-              </a:lnSpc>
-              <a:spcBef>
-                <a:spcPts val="500"/>
-              </a:spcBef>
-              <a:buFont typeface="Arial" panose="020B0604020202020204" pitchFamily="34" charset="0"/>
-              <a:buChar char="•"/>
-              <a:defRPr sz="1800" kern="1200">
-                <a:solidFill>
-                  <a:schemeClr val="tx1"/>
-                </a:solidFill>
-                <a:latin typeface="+mn-lt"/>
-                <a:ea typeface="+mn-ea"/>
-                <a:cs typeface="+mn-cs"/>
-              </a:defRPr>
-            </a:lvl7pPr>
-            <a:lvl8pPr marL="3429000" indent="-228600" algn="l" defTabSz="914400" rtl="0" eaLnBrk="1" latinLnBrk="0" hangingPunct="1">
-              <a:lnSpc>
-                <a:spcPct val="90000"/>
-              </a:lnSpc>
-              <a:spcBef>
-                <a:spcPts val="500"/>
-              </a:spcBef>
-              <a:buFont typeface="Arial" panose="020B0604020202020204" pitchFamily="34" charset="0"/>
-              <a:buChar char="•"/>
-              <a:defRPr sz="1800" kern="1200">
-                <a:solidFill>
-                  <a:schemeClr val="tx1"/>
-                </a:solidFill>
-                <a:latin typeface="+mn-lt"/>
-                <a:ea typeface="+mn-ea"/>
-                <a:cs typeface="+mn-cs"/>
-              </a:defRPr>
-            </a:lvl8pPr>
-            <a:lvl9pPr marL="3886200" indent="-228600" algn="l" defTabSz="914400" rtl="0" eaLnBrk="1" latinLnBrk="0" hangingPunct="1">
-              <a:lnSpc>
-                <a:spcPct val="90000"/>
-              </a:lnSpc>
-              <a:spcBef>
-                <a:spcPts val="500"/>
-              </a:spcBef>
-              <a:buFont typeface="Arial" panose="020B0604020202020204" pitchFamily="34" charset="0"/>
-              <a:buChar char="•"/>
-              <a:defRPr sz="1800" kern="1200">
-                <a:solidFill>
-                  <a:schemeClr val="tx1"/>
-                </a:solidFill>
-                <a:latin typeface="+mn-lt"/>
-                <a:ea typeface="+mn-ea"/>
-                <a:cs typeface="+mn-cs"/>
-              </a:defRPr>
-            </a:lvl9pPr>
-          </a:lstStyle>
-          <a:p>
-            <a:pPr marL="0" marR="0" lvl="0" indent="0" algn="l" rtl="0">
-              <a:lnSpc>
-                <a:spcPct val="90000"/>
-              </a:lnSpc>
-              <a:spcBef>
-                <a:spcPts val="0"/>
-              </a:spcBef>
-              <a:spcAft>
-                <a:spcPts val="0"/>
-              </a:spcAft>
-              <a:buClr>
-                <a:srgbClr val="000000"/>
-              </a:buClr>
-              <a:buSzPts val="3200"/>
-              <a:buNone/>
-            </a:pPr>
-            <a:r>
-              <a:rPr lang="en-US" sz="3600" b="1" i="0" u="none" strike="noStrike" dirty="0">
-                <a:solidFill>
-                  <a:srgbClr val="000000"/>
-                </a:solidFill>
-                <a:latin typeface="Calibri"/>
-                <a:ea typeface="Calibri"/>
-                <a:cs typeface="Calibri"/>
-                <a:sym typeface="Calibri"/>
-              </a:rPr>
-              <a:t>Q1.</a:t>
-            </a:r>
-            <a:r>
-              <a:rPr lang="en-US" sz="3600" b="0" i="0" u="none" strike="noStrike" dirty="0">
-                <a:solidFill>
-                  <a:srgbClr val="000000"/>
-                </a:solidFill>
-                <a:latin typeface="Calibri"/>
-                <a:ea typeface="Calibri"/>
-                <a:cs typeface="Calibri"/>
-                <a:sym typeface="Calibri"/>
-              </a:rPr>
-              <a:t> </a:t>
-            </a:r>
-            <a:r>
-              <a:rPr lang="en-US" sz="3600" b="0" i="0" u="none" strike="noStrike" dirty="0">
-                <a:solidFill>
-                  <a:srgbClr val="000000"/>
-                </a:solidFill>
-                <a:effectLst/>
-                <a:latin typeface="Calibri" panose="020F0502020204030204" pitchFamily="34" charset="0"/>
-              </a:rPr>
-              <a:t>What processes shape host-microbe community structures </a:t>
-            </a:r>
-            <a:r>
-              <a:rPr lang="en-US" sz="3600" b="1" i="0" u="sng" strike="noStrike" dirty="0">
-                <a:solidFill>
-                  <a:srgbClr val="000000"/>
-                </a:solidFill>
-                <a:effectLst/>
-                <a:latin typeface="Calibri" panose="020F0502020204030204" pitchFamily="34" charset="0"/>
-              </a:rPr>
-              <a:t>along a land use change gradient</a:t>
-            </a:r>
-            <a:r>
-              <a:rPr lang="en-US" sz="3600" b="0" i="0" u="none" strike="noStrike" dirty="0">
-                <a:solidFill>
-                  <a:srgbClr val="000000"/>
-                </a:solidFill>
-                <a:effectLst/>
-                <a:latin typeface="Calibri" panose="020F0502020204030204" pitchFamily="34" charset="0"/>
-              </a:rPr>
-              <a:t>?</a:t>
-            </a:r>
-          </a:p>
-        </p:txBody>
-      </p:sp>
-    </p:spTree>
-    <p:extLst>
-      <p:ext uri="{BB962C8B-B14F-4D97-AF65-F5344CB8AC3E}">
-        <p14:creationId xmlns:p14="http://schemas.microsoft.com/office/powerpoint/2010/main" val="4278995270"/>
-      </p:ext>
-    </p:extLst>
-  </p:cSld>
-  <p:clrMapOvr>
-    <a:masterClrMapping/>
-  </p:clrMapOvr>
-</p:sld>
-</file>
-
 <file path=ppt/slides/slide23.xml><?xml version="1.0" encoding="utf-8"?>
 <p:sld xmlns:a="http://schemas.openxmlformats.org/drawingml/2006/main" xmlns:r="http://schemas.openxmlformats.org/officeDocument/2006/relationships" xmlns:p="http://schemas.openxmlformats.org/presentationml/2006/main">
   <p:cSld>
@@ -21756,216 +22041,6 @@
       </p:grpSpPr>
       <p:sp>
         <p:nvSpPr>
-          <p:cNvPr id="5" name="Content Placeholder 2">
-            <a:extLst>
-              <a:ext uri="{FF2B5EF4-FFF2-40B4-BE49-F238E27FC236}">
-                <a16:creationId xmlns:a16="http://schemas.microsoft.com/office/drawing/2014/main" id="{BCCDC7BB-453F-47D6-9FA9-F557C462D973}"/>
-              </a:ext>
-            </a:extLst>
-          </p:cNvPr>
-          <p:cNvSpPr txBox="1">
-            <a:spLocks/>
-          </p:cNvSpPr>
-          <p:nvPr/>
-        </p:nvSpPr>
-        <p:spPr>
-          <a:xfrm>
-            <a:off x="4693720" y="2193744"/>
-            <a:ext cx="2434725" cy="1067661"/>
-          </a:xfrm>
-          <a:prstGeom prst="rect">
-            <a:avLst/>
-          </a:prstGeom>
-        </p:spPr>
-        <p:txBody>
-          <a:bodyPr vert="horz" lIns="91440" tIns="45720" rIns="91440" bIns="45720" rtlCol="0">
-            <a:normAutofit/>
-          </a:bodyPr>
-          <a:lstStyle>
-            <a:lvl1pPr marL="228600" indent="-228600" algn="l" defTabSz="914400" rtl="0" eaLnBrk="1" latinLnBrk="0" hangingPunct="1">
-              <a:lnSpc>
-                <a:spcPct val="90000"/>
-              </a:lnSpc>
-              <a:spcBef>
-                <a:spcPts val="1000"/>
-              </a:spcBef>
-              <a:buFont typeface="Arial" panose="020B0604020202020204" pitchFamily="34" charset="0"/>
-              <a:buChar char="•"/>
-              <a:defRPr sz="2800" kern="1200">
-                <a:solidFill>
-                  <a:schemeClr val="tx1"/>
-                </a:solidFill>
-                <a:latin typeface="+mn-lt"/>
-                <a:ea typeface="+mn-ea"/>
-                <a:cs typeface="+mn-cs"/>
-              </a:defRPr>
-            </a:lvl1pPr>
-            <a:lvl2pPr marL="685800" indent="-228600" algn="l" defTabSz="914400" rtl="0" eaLnBrk="1" latinLnBrk="0" hangingPunct="1">
-              <a:lnSpc>
-                <a:spcPct val="90000"/>
-              </a:lnSpc>
-              <a:spcBef>
-                <a:spcPts val="500"/>
-              </a:spcBef>
-              <a:buFont typeface="Arial" panose="020B0604020202020204" pitchFamily="34" charset="0"/>
-              <a:buChar char="•"/>
-              <a:defRPr sz="2400" kern="1200">
-                <a:solidFill>
-                  <a:schemeClr val="tx1"/>
-                </a:solidFill>
-                <a:latin typeface="+mn-lt"/>
-                <a:ea typeface="+mn-ea"/>
-                <a:cs typeface="+mn-cs"/>
-              </a:defRPr>
-            </a:lvl2pPr>
-            <a:lvl3pPr marL="1143000" indent="-228600" algn="l" defTabSz="914400" rtl="0" eaLnBrk="1" latinLnBrk="0" hangingPunct="1">
-              <a:lnSpc>
-                <a:spcPct val="90000"/>
-              </a:lnSpc>
-              <a:spcBef>
-                <a:spcPts val="500"/>
-              </a:spcBef>
-              <a:buFont typeface="Arial" panose="020B0604020202020204" pitchFamily="34" charset="0"/>
-              <a:buChar char="•"/>
-              <a:defRPr sz="2000" kern="1200">
-                <a:solidFill>
-                  <a:schemeClr val="tx1"/>
-                </a:solidFill>
-                <a:latin typeface="+mn-lt"/>
-                <a:ea typeface="+mn-ea"/>
-                <a:cs typeface="+mn-cs"/>
-              </a:defRPr>
-            </a:lvl3pPr>
-            <a:lvl4pPr marL="1600200" indent="-228600" algn="l" defTabSz="914400" rtl="0" eaLnBrk="1" latinLnBrk="0" hangingPunct="1">
-              <a:lnSpc>
-                <a:spcPct val="90000"/>
-              </a:lnSpc>
-              <a:spcBef>
-                <a:spcPts val="500"/>
-              </a:spcBef>
-              <a:buFont typeface="Arial" panose="020B0604020202020204" pitchFamily="34" charset="0"/>
-              <a:buChar char="•"/>
-              <a:defRPr sz="1800" kern="1200">
-                <a:solidFill>
-                  <a:schemeClr val="tx1"/>
-                </a:solidFill>
-                <a:latin typeface="+mn-lt"/>
-                <a:ea typeface="+mn-ea"/>
-                <a:cs typeface="+mn-cs"/>
-              </a:defRPr>
-            </a:lvl4pPr>
-            <a:lvl5pPr marL="2057400" indent="-228600" algn="l" defTabSz="914400" rtl="0" eaLnBrk="1" latinLnBrk="0" hangingPunct="1">
-              <a:lnSpc>
-                <a:spcPct val="90000"/>
-              </a:lnSpc>
-              <a:spcBef>
-                <a:spcPts val="500"/>
-              </a:spcBef>
-              <a:buFont typeface="Arial" panose="020B0604020202020204" pitchFamily="34" charset="0"/>
-              <a:buChar char="•"/>
-              <a:defRPr sz="1800" kern="1200">
-                <a:solidFill>
-                  <a:schemeClr val="tx1"/>
-                </a:solidFill>
-                <a:latin typeface="+mn-lt"/>
-                <a:ea typeface="+mn-ea"/>
-                <a:cs typeface="+mn-cs"/>
-              </a:defRPr>
-            </a:lvl5pPr>
-            <a:lvl6pPr marL="2514600" indent="-228600" algn="l" defTabSz="914400" rtl="0" eaLnBrk="1" latinLnBrk="0" hangingPunct="1">
-              <a:lnSpc>
-                <a:spcPct val="90000"/>
-              </a:lnSpc>
-              <a:spcBef>
-                <a:spcPts val="500"/>
-              </a:spcBef>
-              <a:buFont typeface="Arial" panose="020B0604020202020204" pitchFamily="34" charset="0"/>
-              <a:buChar char="•"/>
-              <a:defRPr sz="1800" kern="1200">
-                <a:solidFill>
-                  <a:schemeClr val="tx1"/>
-                </a:solidFill>
-                <a:latin typeface="+mn-lt"/>
-                <a:ea typeface="+mn-ea"/>
-                <a:cs typeface="+mn-cs"/>
-              </a:defRPr>
-            </a:lvl6pPr>
-            <a:lvl7pPr marL="2971800" indent="-228600" algn="l" defTabSz="914400" rtl="0" eaLnBrk="1" latinLnBrk="0" hangingPunct="1">
-              <a:lnSpc>
-                <a:spcPct val="90000"/>
-              </a:lnSpc>
-              <a:spcBef>
-                <a:spcPts val="500"/>
-              </a:spcBef>
-              <a:buFont typeface="Arial" panose="020B0604020202020204" pitchFamily="34" charset="0"/>
-              <a:buChar char="•"/>
-              <a:defRPr sz="1800" kern="1200">
-                <a:solidFill>
-                  <a:schemeClr val="tx1"/>
-                </a:solidFill>
-                <a:latin typeface="+mn-lt"/>
-                <a:ea typeface="+mn-ea"/>
-                <a:cs typeface="+mn-cs"/>
-              </a:defRPr>
-            </a:lvl7pPr>
-            <a:lvl8pPr marL="3429000" indent="-228600" algn="l" defTabSz="914400" rtl="0" eaLnBrk="1" latinLnBrk="0" hangingPunct="1">
-              <a:lnSpc>
-                <a:spcPct val="90000"/>
-              </a:lnSpc>
-              <a:spcBef>
-                <a:spcPts val="500"/>
-              </a:spcBef>
-              <a:buFont typeface="Arial" panose="020B0604020202020204" pitchFamily="34" charset="0"/>
-              <a:buChar char="•"/>
-              <a:defRPr sz="1800" kern="1200">
-                <a:solidFill>
-                  <a:schemeClr val="tx1"/>
-                </a:solidFill>
-                <a:latin typeface="+mn-lt"/>
-                <a:ea typeface="+mn-ea"/>
-                <a:cs typeface="+mn-cs"/>
-              </a:defRPr>
-            </a:lvl8pPr>
-            <a:lvl9pPr marL="3886200" indent="-228600" algn="l" defTabSz="914400" rtl="0" eaLnBrk="1" latinLnBrk="0" hangingPunct="1">
-              <a:lnSpc>
-                <a:spcPct val="90000"/>
-              </a:lnSpc>
-              <a:spcBef>
-                <a:spcPts val="500"/>
-              </a:spcBef>
-              <a:buFont typeface="Arial" panose="020B0604020202020204" pitchFamily="34" charset="0"/>
-              <a:buChar char="•"/>
-              <a:defRPr sz="1800" kern="1200">
-                <a:solidFill>
-                  <a:schemeClr val="tx1"/>
-                </a:solidFill>
-                <a:latin typeface="+mn-lt"/>
-                <a:ea typeface="+mn-ea"/>
-                <a:cs typeface="+mn-cs"/>
-              </a:defRPr>
-            </a:lvl9pPr>
-          </a:lstStyle>
-          <a:p>
-            <a:pPr marL="0" indent="0">
-              <a:buNone/>
-            </a:pPr>
-            <a:r>
-              <a:rPr lang="en-US" sz="3600" b="1" dirty="0">
-                <a:latin typeface="Calibri" panose="020F0502020204030204" pitchFamily="34" charset="0"/>
-                <a:cs typeface="Calibri" panose="020F0502020204030204" pitchFamily="34" charset="0"/>
-                <a:sym typeface="Wingdings" panose="05000000000000000000" pitchFamily="2" charset="2"/>
-              </a:rPr>
-              <a:t>H2 + H3</a:t>
-            </a:r>
-            <a:endParaRPr lang="en-US" sz="3200" dirty="0">
-              <a:latin typeface="Calibri" panose="020F0502020204030204" pitchFamily="34" charset="0"/>
-              <a:cs typeface="Calibri" panose="020F0502020204030204" pitchFamily="34" charset="0"/>
-            </a:endParaRPr>
-          </a:p>
-        </p:txBody>
-      </p:sp>
-      <p:sp>
-        <p:nvSpPr>
           <p:cNvPr id="6" name="Content Placeholder 2">
             <a:extLst>
               <a:ext uri="{FF2B5EF4-FFF2-40B4-BE49-F238E27FC236}">
@@ -21980,7 +22055,7 @@
         </p:nvSpPr>
         <p:spPr>
           <a:xfrm>
-            <a:off x="1141374" y="949120"/>
+            <a:off x="920310" y="617524"/>
             <a:ext cx="10085148" cy="1067661"/>
           </a:xfrm>
           <a:prstGeom prst="rect">
@@ -22173,7 +22248,7 @@
                 <a:cs typeface="Calibri" panose="020F0502020204030204" pitchFamily="34" charset="0"/>
                 <a:sym typeface="Wingdings" panose="05000000000000000000" pitchFamily="2" charset="2"/>
               </a:rPr>
-              <a:t>How does the composition of modules vary across land use change gradient?</a:t>
+              <a:t>How does the composition of modules vary across environmental gradients?</a:t>
             </a:r>
           </a:p>
           <a:p>
@@ -22182,6 +22257,253 @@
               <a:buNone/>
             </a:pPr>
             <a:endParaRPr lang="en-US" sz="3200" dirty="0">
+              <a:latin typeface="Calibri" panose="020F0502020204030204" pitchFamily="34" charset="0"/>
+              <a:cs typeface="Calibri" panose="020F0502020204030204" pitchFamily="34" charset="0"/>
+            </a:endParaRPr>
+          </a:p>
+        </p:txBody>
+      </p:sp>
+      <p:sp>
+        <p:nvSpPr>
+          <p:cNvPr id="2" name="Content Placeholder 2">
+            <a:extLst>
+              <a:ext uri="{FF2B5EF4-FFF2-40B4-BE49-F238E27FC236}">
+                <a16:creationId xmlns:a16="http://schemas.microsoft.com/office/drawing/2014/main" id="{A011CF8A-D2BF-E41B-C710-AD417FBF3E78}"/>
+              </a:ext>
+            </a:extLst>
+          </p:cNvPr>
+          <p:cNvSpPr txBox="1">
+            <a:spLocks/>
+          </p:cNvSpPr>
+          <p:nvPr/>
+        </p:nvSpPr>
+        <p:spPr>
+          <a:xfrm>
+            <a:off x="1009210" y="2782530"/>
+            <a:ext cx="9907348" cy="2180551"/>
+          </a:xfrm>
+          <a:prstGeom prst="rect">
+            <a:avLst/>
+          </a:prstGeom>
+        </p:spPr>
+        <p:txBody>
+          <a:bodyPr vert="horz" lIns="91440" tIns="45720" rIns="91440" bIns="45720" rtlCol="0">
+            <a:noAutofit/>
+          </a:bodyPr>
+          <a:lstStyle>
+            <a:lvl1pPr marL="228600" indent="-228600" algn="l" defTabSz="914400" rtl="0" eaLnBrk="1" latinLnBrk="0" hangingPunct="1">
+              <a:lnSpc>
+                <a:spcPct val="90000"/>
+              </a:lnSpc>
+              <a:spcBef>
+                <a:spcPts val="1000"/>
+              </a:spcBef>
+              <a:buFont typeface="Arial" panose="020B0604020202020204" pitchFamily="34" charset="0"/>
+              <a:buChar char="•"/>
+              <a:defRPr sz="2800" kern="1200">
+                <a:solidFill>
+                  <a:schemeClr val="tx1"/>
+                </a:solidFill>
+                <a:latin typeface="+mn-lt"/>
+                <a:ea typeface="+mn-ea"/>
+                <a:cs typeface="+mn-cs"/>
+              </a:defRPr>
+            </a:lvl1pPr>
+            <a:lvl2pPr marL="685800" indent="-228600" algn="l" defTabSz="914400" rtl="0" eaLnBrk="1" latinLnBrk="0" hangingPunct="1">
+              <a:lnSpc>
+                <a:spcPct val="90000"/>
+              </a:lnSpc>
+              <a:spcBef>
+                <a:spcPts val="500"/>
+              </a:spcBef>
+              <a:buFont typeface="Arial" panose="020B0604020202020204" pitchFamily="34" charset="0"/>
+              <a:buChar char="•"/>
+              <a:defRPr sz="2400" kern="1200">
+                <a:solidFill>
+                  <a:schemeClr val="tx1"/>
+                </a:solidFill>
+                <a:latin typeface="+mn-lt"/>
+                <a:ea typeface="+mn-ea"/>
+                <a:cs typeface="+mn-cs"/>
+              </a:defRPr>
+            </a:lvl2pPr>
+            <a:lvl3pPr marL="1143000" indent="-228600" algn="l" defTabSz="914400" rtl="0" eaLnBrk="1" latinLnBrk="0" hangingPunct="1">
+              <a:lnSpc>
+                <a:spcPct val="90000"/>
+              </a:lnSpc>
+              <a:spcBef>
+                <a:spcPts val="500"/>
+              </a:spcBef>
+              <a:buFont typeface="Arial" panose="020B0604020202020204" pitchFamily="34" charset="0"/>
+              <a:buChar char="•"/>
+              <a:defRPr sz="2000" kern="1200">
+                <a:solidFill>
+                  <a:schemeClr val="tx1"/>
+                </a:solidFill>
+                <a:latin typeface="+mn-lt"/>
+                <a:ea typeface="+mn-ea"/>
+                <a:cs typeface="+mn-cs"/>
+              </a:defRPr>
+            </a:lvl3pPr>
+            <a:lvl4pPr marL="1600200" indent="-228600" algn="l" defTabSz="914400" rtl="0" eaLnBrk="1" latinLnBrk="0" hangingPunct="1">
+              <a:lnSpc>
+                <a:spcPct val="90000"/>
+              </a:lnSpc>
+              <a:spcBef>
+                <a:spcPts val="500"/>
+              </a:spcBef>
+              <a:buFont typeface="Arial" panose="020B0604020202020204" pitchFamily="34" charset="0"/>
+              <a:buChar char="•"/>
+              <a:defRPr sz="1800" kern="1200">
+                <a:solidFill>
+                  <a:schemeClr val="tx1"/>
+                </a:solidFill>
+                <a:latin typeface="+mn-lt"/>
+                <a:ea typeface="+mn-ea"/>
+                <a:cs typeface="+mn-cs"/>
+              </a:defRPr>
+            </a:lvl4pPr>
+            <a:lvl5pPr marL="2057400" indent="-228600" algn="l" defTabSz="914400" rtl="0" eaLnBrk="1" latinLnBrk="0" hangingPunct="1">
+              <a:lnSpc>
+                <a:spcPct val="90000"/>
+              </a:lnSpc>
+              <a:spcBef>
+                <a:spcPts val="500"/>
+              </a:spcBef>
+              <a:buFont typeface="Arial" panose="020B0604020202020204" pitchFamily="34" charset="0"/>
+              <a:buChar char="•"/>
+              <a:defRPr sz="1800" kern="1200">
+                <a:solidFill>
+                  <a:schemeClr val="tx1"/>
+                </a:solidFill>
+                <a:latin typeface="+mn-lt"/>
+                <a:ea typeface="+mn-ea"/>
+                <a:cs typeface="+mn-cs"/>
+              </a:defRPr>
+            </a:lvl5pPr>
+            <a:lvl6pPr marL="2514600" indent="-228600" algn="l" defTabSz="914400" rtl="0" eaLnBrk="1" latinLnBrk="0" hangingPunct="1">
+              <a:lnSpc>
+                <a:spcPct val="90000"/>
+              </a:lnSpc>
+              <a:spcBef>
+                <a:spcPts val="500"/>
+              </a:spcBef>
+              <a:buFont typeface="Arial" panose="020B0604020202020204" pitchFamily="34" charset="0"/>
+              <a:buChar char="•"/>
+              <a:defRPr sz="1800" kern="1200">
+                <a:solidFill>
+                  <a:schemeClr val="tx1"/>
+                </a:solidFill>
+                <a:latin typeface="+mn-lt"/>
+                <a:ea typeface="+mn-ea"/>
+                <a:cs typeface="+mn-cs"/>
+              </a:defRPr>
+            </a:lvl6pPr>
+            <a:lvl7pPr marL="2971800" indent="-228600" algn="l" defTabSz="914400" rtl="0" eaLnBrk="1" latinLnBrk="0" hangingPunct="1">
+              <a:lnSpc>
+                <a:spcPct val="90000"/>
+              </a:lnSpc>
+              <a:spcBef>
+                <a:spcPts val="500"/>
+              </a:spcBef>
+              <a:buFont typeface="Arial" panose="020B0604020202020204" pitchFamily="34" charset="0"/>
+              <a:buChar char="•"/>
+              <a:defRPr sz="1800" kern="1200">
+                <a:solidFill>
+                  <a:schemeClr val="tx1"/>
+                </a:solidFill>
+                <a:latin typeface="+mn-lt"/>
+                <a:ea typeface="+mn-ea"/>
+                <a:cs typeface="+mn-cs"/>
+              </a:defRPr>
+            </a:lvl7pPr>
+            <a:lvl8pPr marL="3429000" indent="-228600" algn="l" defTabSz="914400" rtl="0" eaLnBrk="1" latinLnBrk="0" hangingPunct="1">
+              <a:lnSpc>
+                <a:spcPct val="90000"/>
+              </a:lnSpc>
+              <a:spcBef>
+                <a:spcPts val="500"/>
+              </a:spcBef>
+              <a:buFont typeface="Arial" panose="020B0604020202020204" pitchFamily="34" charset="0"/>
+              <a:buChar char="•"/>
+              <a:defRPr sz="1800" kern="1200">
+                <a:solidFill>
+                  <a:schemeClr val="tx1"/>
+                </a:solidFill>
+                <a:latin typeface="+mn-lt"/>
+                <a:ea typeface="+mn-ea"/>
+                <a:cs typeface="+mn-cs"/>
+              </a:defRPr>
+            </a:lvl8pPr>
+            <a:lvl9pPr marL="3886200" indent="-228600" algn="l" defTabSz="914400" rtl="0" eaLnBrk="1" latinLnBrk="0" hangingPunct="1">
+              <a:lnSpc>
+                <a:spcPct val="90000"/>
+              </a:lnSpc>
+              <a:spcBef>
+                <a:spcPts val="500"/>
+              </a:spcBef>
+              <a:buFont typeface="Arial" panose="020B0604020202020204" pitchFamily="34" charset="0"/>
+              <a:buChar char="•"/>
+              <a:defRPr sz="1800" kern="1200">
+                <a:solidFill>
+                  <a:schemeClr val="tx1"/>
+                </a:solidFill>
+                <a:latin typeface="+mn-lt"/>
+                <a:ea typeface="+mn-ea"/>
+                <a:cs typeface="+mn-cs"/>
+              </a:defRPr>
+            </a:lvl9pPr>
+          </a:lstStyle>
+          <a:p>
+            <a:pPr algn="l"/>
+            <a:r>
+              <a:rPr lang="en-US" i="0" dirty="0">
+                <a:solidFill>
+                  <a:srgbClr val="333333"/>
+                </a:solidFill>
+                <a:effectLst/>
+                <a:latin typeface="Calibri" panose="020F0502020204030204" pitchFamily="34" charset="0"/>
+                <a:cs typeface="Calibri" panose="020F0502020204030204" pitchFamily="34" charset="0"/>
+              </a:rPr>
+              <a:t>Redundancy analysis (RDA)</a:t>
+            </a:r>
+            <a:endParaRPr lang="en-US" dirty="0">
+              <a:solidFill>
+                <a:srgbClr val="2E2F31"/>
+              </a:solidFill>
+              <a:latin typeface="Calibri" panose="020F0502020204030204" pitchFamily="34" charset="0"/>
+              <a:cs typeface="Calibri" panose="020F0502020204030204" pitchFamily="34" charset="0"/>
+            </a:endParaRPr>
+          </a:p>
+          <a:p>
+            <a:r>
+              <a:rPr lang="en-US" dirty="0">
+                <a:solidFill>
+                  <a:srgbClr val="2E2F31"/>
+                </a:solidFill>
+                <a:latin typeface="Calibri" panose="020F0502020204030204" pitchFamily="34" charset="0"/>
+                <a:cs typeface="Calibri" panose="020F0502020204030204" pitchFamily="34" charset="0"/>
+              </a:rPr>
+              <a:t>Excluding the big module</a:t>
+            </a:r>
+          </a:p>
+          <a:p>
+            <a:pPr marL="0" indent="0">
+              <a:buNone/>
+            </a:pPr>
+            <a:endParaRPr lang="en-US" dirty="0">
+              <a:solidFill>
+                <a:srgbClr val="2E2F31"/>
+              </a:solidFill>
+              <a:latin typeface="Calibri" panose="020F0502020204030204" pitchFamily="34" charset="0"/>
+              <a:cs typeface="Calibri" panose="020F0502020204030204" pitchFamily="34" charset="0"/>
+            </a:endParaRPr>
+          </a:p>
+          <a:p>
+            <a:pPr marL="0" indent="0">
+              <a:buNone/>
+            </a:pPr>
+            <a:endParaRPr lang="en-US" dirty="0">
               <a:latin typeface="Calibri" panose="020F0502020204030204" pitchFamily="34" charset="0"/>
               <a:cs typeface="Calibri" panose="020F0502020204030204" pitchFamily="34" charset="0"/>
             </a:endParaRPr>
@@ -22198,115 +22520,6 @@
   <p:clrMapOvr>
     <a:masterClrMapping/>
   </p:clrMapOvr>
-  <p:timing>
-    <p:tnLst>
-      <p:par>
-        <p:cTn id="1" dur="indefinite" restart="never" nodeType="tmRoot">
-          <p:childTnLst>
-            <p:seq concurrent="1" nextAc="seek">
-              <p:cTn id="2" dur="indefinite" nodeType="mainSeq">
-                <p:childTnLst>
-                  <p:par>
-                    <p:cTn id="3" fill="hold">
-                      <p:stCondLst>
-                        <p:cond delay="indefinite"/>
-                        <p:cond evt="onBegin" delay="0">
-                          <p:tn val="2"/>
-                        </p:cond>
-                      </p:stCondLst>
-                      <p:childTnLst>
-                        <p:par>
-                          <p:cTn id="4" fill="hold">
-                            <p:stCondLst>
-                              <p:cond delay="0"/>
-                            </p:stCondLst>
-                            <p:childTnLst>
-                              <p:par>
-                                <p:cTn id="5" presetID="1" presetClass="entr" presetSubtype="0" fill="hold" grpId="0" nodeType="withEffect">
-                                  <p:stCondLst>
-                                    <p:cond delay="0"/>
-                                  </p:stCondLst>
-                                  <p:childTnLst>
-                                    <p:set>
-                                      <p:cBhvr>
-                                        <p:cTn id="6" dur="1" fill="hold">
-                                          <p:stCondLst>
-                                            <p:cond delay="0"/>
-                                          </p:stCondLst>
-                                        </p:cTn>
-                                        <p:tgtEl>
-                                          <p:spTgt spid="6"/>
-                                        </p:tgtEl>
-                                        <p:attrNameLst>
-                                          <p:attrName>style.visibility</p:attrName>
-                                        </p:attrNameLst>
-                                      </p:cBhvr>
-                                      <p:to>
-                                        <p:strVal val="visible"/>
-                                      </p:to>
-                                    </p:set>
-                                  </p:childTnLst>
-                                </p:cTn>
-                              </p:par>
-                              <p:par>
-                                <p:cTn id="7" presetID="1" presetClass="entr" presetSubtype="0" fill="hold" grpId="0" nodeType="withEffect">
-                                  <p:stCondLst>
-                                    <p:cond delay="0"/>
-                                  </p:stCondLst>
-                                  <p:childTnLst>
-                                    <p:set>
-                                      <p:cBhvr>
-                                        <p:cTn id="8" dur="1" fill="hold">
-                                          <p:stCondLst>
-                                            <p:cond delay="0"/>
-                                          </p:stCondLst>
-                                        </p:cTn>
-                                        <p:tgtEl>
-                                          <p:spTgt spid="5"/>
-                                        </p:tgtEl>
-                                        <p:attrNameLst>
-                                          <p:attrName>style.visibility</p:attrName>
-                                        </p:attrNameLst>
-                                      </p:cBhvr>
-                                      <p:to>
-                                        <p:strVal val="visible"/>
-                                      </p:to>
-                                    </p:set>
-                                  </p:childTnLst>
-                                </p:cTn>
-                              </p:par>
-                            </p:childTnLst>
-                          </p:cTn>
-                        </p:par>
-                      </p:childTnLst>
-                    </p:cTn>
-                  </p:par>
-                </p:childTnLst>
-              </p:cTn>
-              <p:prevCondLst>
-                <p:cond evt="onPrev" delay="0">
-                  <p:tgtEl>
-                    <p:sldTgt/>
-                  </p:tgtEl>
-                </p:cond>
-              </p:prevCondLst>
-              <p:nextCondLst>
-                <p:cond evt="onNext" delay="0">
-                  <p:tgtEl>
-                    <p:sldTgt/>
-                  </p:tgtEl>
-                </p:cond>
-              </p:nextCondLst>
-            </p:seq>
-          </p:childTnLst>
-        </p:cTn>
-      </p:par>
-    </p:tnLst>
-    <p:bldLst>
-      <p:bldP spid="5" grpId="0"/>
-      <p:bldP spid="6" grpId="0"/>
-    </p:bldLst>
-  </p:timing>
 </p:sld>
 </file>
 
@@ -22396,6 +22609,226 @@
           </a:prstGeom>
         </p:spPr>
       </p:pic>
+      <p:sp>
+        <p:nvSpPr>
+          <p:cNvPr id="5" name="TextBox 4">
+            <a:extLst>
+              <a:ext uri="{FF2B5EF4-FFF2-40B4-BE49-F238E27FC236}">
+                <a16:creationId xmlns:a16="http://schemas.microsoft.com/office/drawing/2014/main" id="{116C3BB5-C343-44ED-A5FA-9563F88CC994}"/>
+              </a:ext>
+            </a:extLst>
+          </p:cNvPr>
+          <p:cNvSpPr txBox="1"/>
+          <p:nvPr/>
+        </p:nvSpPr>
+        <p:spPr>
+          <a:xfrm>
+            <a:off x="301451" y="1828800"/>
+            <a:ext cx="1757623" cy="338554"/>
+          </a:xfrm>
+          <a:prstGeom prst="rect">
+            <a:avLst/>
+          </a:prstGeom>
+          <a:noFill/>
+        </p:spPr>
+        <p:txBody>
+          <a:bodyPr wrap="square" rtlCol="0">
+            <a:spAutoFit/>
+          </a:bodyPr>
+          <a:lstStyle/>
+          <a:p>
+            <a:r>
+              <a:rPr lang="en-IL" sz="1600" dirty="0">
+                <a:latin typeface="Calibri" panose="020F0502020204030204" pitchFamily="34" charset="0"/>
+                <a:cs typeface="Calibri" panose="020F0502020204030204" pitchFamily="34" charset="0"/>
+              </a:rPr>
+              <a:t>F = 1.2, p = 0.089</a:t>
+            </a:r>
+          </a:p>
+        </p:txBody>
+      </p:sp>
+      <p:sp>
+        <p:nvSpPr>
+          <p:cNvPr id="7" name="TextBox 6">
+            <a:extLst>
+              <a:ext uri="{FF2B5EF4-FFF2-40B4-BE49-F238E27FC236}">
+                <a16:creationId xmlns:a16="http://schemas.microsoft.com/office/drawing/2014/main" id="{F8B3EB2E-D01A-DD4C-5FB3-7D1F155BB281}"/>
+              </a:ext>
+            </a:extLst>
+          </p:cNvPr>
+          <p:cNvSpPr txBox="1"/>
+          <p:nvPr/>
+        </p:nvSpPr>
+        <p:spPr>
+          <a:xfrm>
+            <a:off x="9831474" y="1828800"/>
+            <a:ext cx="1757623" cy="338554"/>
+          </a:xfrm>
+          <a:prstGeom prst="rect">
+            <a:avLst/>
+          </a:prstGeom>
+          <a:noFill/>
+        </p:spPr>
+        <p:txBody>
+          <a:bodyPr wrap="square" rtlCol="0">
+            <a:spAutoFit/>
+          </a:bodyPr>
+          <a:lstStyle/>
+          <a:p>
+            <a:r>
+              <a:rPr lang="en-IL" sz="1600" dirty="0">
+                <a:latin typeface="Calibri" panose="020F0502020204030204" pitchFamily="34" charset="0"/>
+                <a:cs typeface="Calibri" panose="020F0502020204030204" pitchFamily="34" charset="0"/>
+              </a:rPr>
+              <a:t>F = 1.2, p = 0.229</a:t>
+            </a:r>
+          </a:p>
+        </p:txBody>
+      </p:sp>
+      <p:sp>
+        <p:nvSpPr>
+          <p:cNvPr id="8" name="TextBox 7">
+            <a:extLst>
+              <a:ext uri="{FF2B5EF4-FFF2-40B4-BE49-F238E27FC236}">
+                <a16:creationId xmlns:a16="http://schemas.microsoft.com/office/drawing/2014/main" id="{0FA01916-9377-13EC-F37B-78D608416B69}"/>
+              </a:ext>
+            </a:extLst>
+          </p:cNvPr>
+          <p:cNvSpPr txBox="1"/>
+          <p:nvPr/>
+        </p:nvSpPr>
+        <p:spPr>
+          <a:xfrm>
+            <a:off x="301451" y="4521370"/>
+            <a:ext cx="1757623" cy="1323439"/>
+          </a:xfrm>
+          <a:prstGeom prst="rect">
+            <a:avLst/>
+          </a:prstGeom>
+          <a:noFill/>
+        </p:spPr>
+        <p:txBody>
+          <a:bodyPr wrap="square" rtlCol="0">
+            <a:spAutoFit/>
+          </a:bodyPr>
+          <a:lstStyle/>
+          <a:p>
+            <a:r>
+              <a:rPr lang="en-IL" sz="1600" dirty="0">
+                <a:solidFill>
+                  <a:srgbClr val="FF0000"/>
+                </a:solidFill>
+                <a:latin typeface="Calibri" panose="020F0502020204030204" pitchFamily="34" charset="0"/>
+                <a:cs typeface="Calibri" panose="020F0502020204030204" pitchFamily="34" charset="0"/>
+              </a:rPr>
+              <a:t>F = 1.61, p = 0.001</a:t>
+            </a:r>
+          </a:p>
+          <a:p>
+            <a:endParaRPr lang="en-IL" sz="1600" dirty="0">
+              <a:latin typeface="Calibri" panose="020F0502020204030204" pitchFamily="34" charset="0"/>
+              <a:cs typeface="Calibri" panose="020F0502020204030204" pitchFamily="34" charset="0"/>
+            </a:endParaRPr>
+          </a:p>
+          <a:p>
+            <a:r>
+              <a:rPr lang="en-US" sz="1600" dirty="0">
+                <a:latin typeface="Calibri" panose="020F0502020204030204" pitchFamily="34" charset="0"/>
+                <a:cs typeface="Calibri" panose="020F0502020204030204" pitchFamily="34" charset="0"/>
+              </a:rPr>
+              <a:t>V</a:t>
+            </a:r>
+            <a:r>
+              <a:rPr lang="en-IL" sz="1600" dirty="0">
+                <a:latin typeface="Calibri" panose="020F0502020204030204" pitchFamily="34" charset="0"/>
+                <a:cs typeface="Calibri" panose="020F0502020204030204" pitchFamily="34" charset="0"/>
+              </a:rPr>
+              <a:t>eg_PC1</a:t>
+            </a:r>
+          </a:p>
+          <a:p>
+            <a:r>
+              <a:rPr lang="en-US" sz="1600" dirty="0">
+                <a:latin typeface="Calibri" panose="020F0502020204030204" pitchFamily="34" charset="0"/>
+                <a:cs typeface="Calibri" panose="020F0502020204030204" pitchFamily="34" charset="0"/>
+              </a:rPr>
+              <a:t>D</a:t>
+            </a:r>
+            <a:r>
+              <a:rPr lang="en-IL" sz="1600" dirty="0">
+                <a:latin typeface="Calibri" panose="020F0502020204030204" pitchFamily="34" charset="0"/>
+                <a:cs typeface="Calibri" panose="020F0502020204030204" pitchFamily="34" charset="0"/>
+              </a:rPr>
+              <a:t>ist_to_village</a:t>
+            </a:r>
+          </a:p>
+          <a:p>
+            <a:r>
+              <a:rPr lang="en-IL" sz="1600" dirty="0">
+                <a:latin typeface="Calibri" panose="020F0502020204030204" pitchFamily="34" charset="0"/>
+                <a:cs typeface="Calibri" panose="020F0502020204030204" pitchFamily="34" charset="0"/>
+              </a:rPr>
+              <a:t>elevation</a:t>
+            </a:r>
+          </a:p>
+        </p:txBody>
+      </p:sp>
+      <p:sp>
+        <p:nvSpPr>
+          <p:cNvPr id="9" name="TextBox 8">
+            <a:extLst>
+              <a:ext uri="{FF2B5EF4-FFF2-40B4-BE49-F238E27FC236}">
+                <a16:creationId xmlns:a16="http://schemas.microsoft.com/office/drawing/2014/main" id="{54A2E972-F7ED-CC3D-FDC5-4A42580E6533}"/>
+              </a:ext>
+            </a:extLst>
+          </p:cNvPr>
+          <p:cNvSpPr txBox="1"/>
+          <p:nvPr/>
+        </p:nvSpPr>
+        <p:spPr>
+          <a:xfrm>
+            <a:off x="9831474" y="4554411"/>
+            <a:ext cx="1757623" cy="830997"/>
+          </a:xfrm>
+          <a:prstGeom prst="rect">
+            <a:avLst/>
+          </a:prstGeom>
+          <a:noFill/>
+        </p:spPr>
+        <p:txBody>
+          <a:bodyPr wrap="square" rtlCol="0">
+            <a:spAutoFit/>
+          </a:bodyPr>
+          <a:lstStyle/>
+          <a:p>
+            <a:r>
+              <a:rPr lang="en-IL" sz="1600" dirty="0">
+                <a:solidFill>
+                  <a:srgbClr val="FF0000"/>
+                </a:solidFill>
+                <a:latin typeface="Calibri" panose="020F0502020204030204" pitchFamily="34" charset="0"/>
+                <a:cs typeface="Calibri" panose="020F0502020204030204" pitchFamily="34" charset="0"/>
+              </a:rPr>
+              <a:t>F = 1.19, p = 0.013</a:t>
+            </a:r>
+          </a:p>
+          <a:p>
+            <a:endParaRPr lang="en-IL" sz="1600" dirty="0">
+              <a:latin typeface="Calibri" panose="020F0502020204030204" pitchFamily="34" charset="0"/>
+              <a:cs typeface="Calibri" panose="020F0502020204030204" pitchFamily="34" charset="0"/>
+            </a:endParaRPr>
+          </a:p>
+          <a:p>
+            <a:r>
+              <a:rPr lang="en-IL" sz="1600" dirty="0">
+                <a:latin typeface="Calibri" panose="020F0502020204030204" pitchFamily="34" charset="0"/>
+                <a:cs typeface="Calibri" panose="020F0502020204030204" pitchFamily="34" charset="0"/>
+              </a:rPr>
+              <a:t>elevation</a:t>
+            </a:r>
+          </a:p>
+        </p:txBody>
+      </p:sp>
     </p:spTree>
     <p:extLst>
       <p:ext uri="{BB962C8B-B14F-4D97-AF65-F5344CB8AC3E}">
@@ -22490,307 +22923,305 @@
       </p:sp>
       <p:sp>
         <p:nvSpPr>
-          <p:cNvPr id="2" name="Google Shape;359;p17">
+          <p:cNvPr id="3" name="Content Placeholder 2">
             <a:extLst>
               <a:ext uri="{FF2B5EF4-FFF2-40B4-BE49-F238E27FC236}">
-                <a16:creationId xmlns:a16="http://schemas.microsoft.com/office/drawing/2014/main" id="{08574919-E936-D618-36C2-830C1D987350}"/>
+                <a16:creationId xmlns:a16="http://schemas.microsoft.com/office/drawing/2014/main" id="{8770BD61-0ECE-EB64-082C-4BCDAFF76DF9}"/>
               </a:ext>
             </a:extLst>
           </p:cNvPr>
-          <p:cNvSpPr txBox="1"/>
+          <p:cNvSpPr txBox="1">
+            <a:spLocks/>
+          </p:cNvSpPr>
           <p:nvPr/>
         </p:nvSpPr>
         <p:spPr>
           <a:xfrm>
-            <a:off x="1074705" y="1254714"/>
-            <a:ext cx="9644095" cy="5096390"/>
+            <a:off x="838200" y="1198840"/>
+            <a:ext cx="9907348" cy="5286409"/>
           </a:xfrm>
           <a:prstGeom prst="rect">
             <a:avLst/>
           </a:prstGeom>
-          <a:noFill/>
-          <a:ln>
-            <a:noFill/>
-          </a:ln>
         </p:spPr>
         <p:txBody>
-          <a:bodyPr spcFirstLastPara="1" wrap="square" lIns="91425" tIns="45700" rIns="91425" bIns="45700" anchor="t" anchorCtr="0">
-            <a:normAutofit/>
+          <a:bodyPr vert="horz" lIns="91440" tIns="45720" rIns="91440" bIns="45720" rtlCol="0">
+            <a:noAutofit/>
           </a:bodyPr>
-          <a:lstStyle/>
-          <a:p>
-            <a:pPr marL="457200" marR="0" lvl="0" indent="-457200" algn="l" rtl="0">
+          <a:lstStyle>
+            <a:lvl1pPr marL="228600" indent="-228600" algn="l" defTabSz="914400" rtl="0" eaLnBrk="1" latinLnBrk="0" hangingPunct="1">
               <a:lnSpc>
                 <a:spcPct val="90000"/>
               </a:lnSpc>
               <a:spcBef>
                 <a:spcPts val="1000"/>
               </a:spcBef>
-              <a:spcAft>
-                <a:spcPts val="0"/>
-              </a:spcAft>
-              <a:buClr>
-                <a:schemeClr val="dk1"/>
-              </a:buClr>
-              <a:buSzPts val="3200"/>
-              <a:buFont typeface="Wingdings" pitchFamily="2" charset="2"/>
-              <a:buChar char="§"/>
-            </a:pPr>
+              <a:buFont typeface="Arial" panose="020B0604020202020204" pitchFamily="34" charset="0"/>
+              <a:buChar char="•"/>
+              <a:defRPr sz="2800" kern="1200">
+                <a:solidFill>
+                  <a:schemeClr val="tx1"/>
+                </a:solidFill>
+                <a:latin typeface="+mn-lt"/>
+                <a:ea typeface="+mn-ea"/>
+                <a:cs typeface="+mn-cs"/>
+              </a:defRPr>
+            </a:lvl1pPr>
+            <a:lvl2pPr marL="685800" indent="-228600" algn="l" defTabSz="914400" rtl="0" eaLnBrk="1" latinLnBrk="0" hangingPunct="1">
+              <a:lnSpc>
+                <a:spcPct val="90000"/>
+              </a:lnSpc>
+              <a:spcBef>
+                <a:spcPts val="500"/>
+              </a:spcBef>
+              <a:buFont typeface="Arial" panose="020B0604020202020204" pitchFamily="34" charset="0"/>
+              <a:buChar char="•"/>
+              <a:defRPr sz="2400" kern="1200">
+                <a:solidFill>
+                  <a:schemeClr val="tx1"/>
+                </a:solidFill>
+                <a:latin typeface="+mn-lt"/>
+                <a:ea typeface="+mn-ea"/>
+                <a:cs typeface="+mn-cs"/>
+              </a:defRPr>
+            </a:lvl2pPr>
+            <a:lvl3pPr marL="1143000" indent="-228600" algn="l" defTabSz="914400" rtl="0" eaLnBrk="1" latinLnBrk="0" hangingPunct="1">
+              <a:lnSpc>
+                <a:spcPct val="90000"/>
+              </a:lnSpc>
+              <a:spcBef>
+                <a:spcPts val="500"/>
+              </a:spcBef>
+              <a:buFont typeface="Arial" panose="020B0604020202020204" pitchFamily="34" charset="0"/>
+              <a:buChar char="•"/>
+              <a:defRPr sz="2000" kern="1200">
+                <a:solidFill>
+                  <a:schemeClr val="tx1"/>
+                </a:solidFill>
+                <a:latin typeface="+mn-lt"/>
+                <a:ea typeface="+mn-ea"/>
+                <a:cs typeface="+mn-cs"/>
+              </a:defRPr>
+            </a:lvl3pPr>
+            <a:lvl4pPr marL="1600200" indent="-228600" algn="l" defTabSz="914400" rtl="0" eaLnBrk="1" latinLnBrk="0" hangingPunct="1">
+              <a:lnSpc>
+                <a:spcPct val="90000"/>
+              </a:lnSpc>
+              <a:spcBef>
+                <a:spcPts val="500"/>
+              </a:spcBef>
+              <a:buFont typeface="Arial" panose="020B0604020202020204" pitchFamily="34" charset="0"/>
+              <a:buChar char="•"/>
+              <a:defRPr sz="1800" kern="1200">
+                <a:solidFill>
+                  <a:schemeClr val="tx1"/>
+                </a:solidFill>
+                <a:latin typeface="+mn-lt"/>
+                <a:ea typeface="+mn-ea"/>
+                <a:cs typeface="+mn-cs"/>
+              </a:defRPr>
+            </a:lvl4pPr>
+            <a:lvl5pPr marL="2057400" indent="-228600" algn="l" defTabSz="914400" rtl="0" eaLnBrk="1" latinLnBrk="0" hangingPunct="1">
+              <a:lnSpc>
+                <a:spcPct val="90000"/>
+              </a:lnSpc>
+              <a:spcBef>
+                <a:spcPts val="500"/>
+              </a:spcBef>
+              <a:buFont typeface="Arial" panose="020B0604020202020204" pitchFamily="34" charset="0"/>
+              <a:buChar char="•"/>
+              <a:defRPr sz="1800" kern="1200">
+                <a:solidFill>
+                  <a:schemeClr val="tx1"/>
+                </a:solidFill>
+                <a:latin typeface="+mn-lt"/>
+                <a:ea typeface="+mn-ea"/>
+                <a:cs typeface="+mn-cs"/>
+              </a:defRPr>
+            </a:lvl5pPr>
+            <a:lvl6pPr marL="2514600" indent="-228600" algn="l" defTabSz="914400" rtl="0" eaLnBrk="1" latinLnBrk="0" hangingPunct="1">
+              <a:lnSpc>
+                <a:spcPct val="90000"/>
+              </a:lnSpc>
+              <a:spcBef>
+                <a:spcPts val="500"/>
+              </a:spcBef>
+              <a:buFont typeface="Arial" panose="020B0604020202020204" pitchFamily="34" charset="0"/>
+              <a:buChar char="•"/>
+              <a:defRPr sz="1800" kern="1200">
+                <a:solidFill>
+                  <a:schemeClr val="tx1"/>
+                </a:solidFill>
+                <a:latin typeface="+mn-lt"/>
+                <a:ea typeface="+mn-ea"/>
+                <a:cs typeface="+mn-cs"/>
+              </a:defRPr>
+            </a:lvl6pPr>
+            <a:lvl7pPr marL="2971800" indent="-228600" algn="l" defTabSz="914400" rtl="0" eaLnBrk="1" latinLnBrk="0" hangingPunct="1">
+              <a:lnSpc>
+                <a:spcPct val="90000"/>
+              </a:lnSpc>
+              <a:spcBef>
+                <a:spcPts val="500"/>
+              </a:spcBef>
+              <a:buFont typeface="Arial" panose="020B0604020202020204" pitchFamily="34" charset="0"/>
+              <a:buChar char="•"/>
+              <a:defRPr sz="1800" kern="1200">
+                <a:solidFill>
+                  <a:schemeClr val="tx1"/>
+                </a:solidFill>
+                <a:latin typeface="+mn-lt"/>
+                <a:ea typeface="+mn-ea"/>
+                <a:cs typeface="+mn-cs"/>
+              </a:defRPr>
+            </a:lvl7pPr>
+            <a:lvl8pPr marL="3429000" indent="-228600" algn="l" defTabSz="914400" rtl="0" eaLnBrk="1" latinLnBrk="0" hangingPunct="1">
+              <a:lnSpc>
+                <a:spcPct val="90000"/>
+              </a:lnSpc>
+              <a:spcBef>
+                <a:spcPts val="500"/>
+              </a:spcBef>
+              <a:buFont typeface="Arial" panose="020B0604020202020204" pitchFamily="34" charset="0"/>
+              <a:buChar char="•"/>
+              <a:defRPr sz="1800" kern="1200">
+                <a:solidFill>
+                  <a:schemeClr val="tx1"/>
+                </a:solidFill>
+                <a:latin typeface="+mn-lt"/>
+                <a:ea typeface="+mn-ea"/>
+                <a:cs typeface="+mn-cs"/>
+              </a:defRPr>
+            </a:lvl8pPr>
+            <a:lvl9pPr marL="3886200" indent="-228600" algn="l" defTabSz="914400" rtl="0" eaLnBrk="1" latinLnBrk="0" hangingPunct="1">
+              <a:lnSpc>
+                <a:spcPct val="90000"/>
+              </a:lnSpc>
+              <a:spcBef>
+                <a:spcPts val="500"/>
+              </a:spcBef>
+              <a:buFont typeface="Arial" panose="020B0604020202020204" pitchFamily="34" charset="0"/>
+              <a:buChar char="•"/>
+              <a:defRPr sz="1800" kern="1200">
+                <a:solidFill>
+                  <a:schemeClr val="tx1"/>
+                </a:solidFill>
+                <a:latin typeface="+mn-lt"/>
+                <a:ea typeface="+mn-ea"/>
+                <a:cs typeface="+mn-cs"/>
+              </a:defRPr>
+            </a:lvl9pPr>
+          </a:lstStyle>
+          <a:p>
             <a:r>
-              <a:rPr lang="en-US" sz="2800" dirty="0">
-                <a:solidFill>
-                  <a:schemeClr val="dk1"/>
-                </a:solidFill>
+              <a:rPr lang="en-US" dirty="0">
                 <a:latin typeface="Calibri" panose="020F0502020204030204" pitchFamily="34" charset="0"/>
                 <a:cs typeface="Calibri" panose="020F0502020204030204" pitchFamily="34" charset="0"/>
-                <a:sym typeface="Calibri"/>
+                <a:sym typeface="Wingdings" panose="05000000000000000000" pitchFamily="2" charset="2"/>
               </a:rPr>
-              <a:t>Core microbes are more consistence across land use</a:t>
+              <a:t>Network’s modules are indicative of the processes shaping the structure</a:t>
             </a:r>
-          </a:p>
-          <a:p>
-            <a:pPr marL="457200" marR="0" lvl="0" indent="-457200" algn="l" rtl="0">
-              <a:lnSpc>
-                <a:spcPct val="90000"/>
-              </a:lnSpc>
-              <a:spcBef>
-                <a:spcPts val="1000"/>
-              </a:spcBef>
-              <a:spcAft>
-                <a:spcPts val="0"/>
-              </a:spcAft>
-              <a:buClr>
-                <a:schemeClr val="dk1"/>
-              </a:buClr>
-              <a:buSzPts val="3200"/>
-              <a:buFont typeface="Wingdings" pitchFamily="2" charset="2"/>
-              <a:buChar char="§"/>
-            </a:pPr>
-            <a:endParaRPr lang="en-US" sz="2800" dirty="0">
-              <a:solidFill>
-                <a:schemeClr val="dk1"/>
-              </a:solidFill>
+            <a:endParaRPr lang="en-US" dirty="0">
               <a:latin typeface="Calibri" panose="020F0502020204030204" pitchFamily="34" charset="0"/>
               <a:cs typeface="Calibri" panose="020F0502020204030204" pitchFamily="34" charset="0"/>
-              <a:sym typeface="Calibri"/>
             </a:endParaRPr>
           </a:p>
           <a:p>
-            <a:pPr marL="457200" lvl="1" indent="-457200">
-              <a:lnSpc>
-                <a:spcPct val="90000"/>
-              </a:lnSpc>
-              <a:spcBef>
-                <a:spcPts val="1000"/>
-              </a:spcBef>
-              <a:buClr>
-                <a:schemeClr val="dk1"/>
-              </a:buClr>
-              <a:buSzPts val="3200"/>
-              <a:buFont typeface="Wingdings" pitchFamily="2" charset="2"/>
-              <a:buChar char="§"/>
-            </a:pPr>
+            <a:endParaRPr lang="en-US" dirty="0">
+              <a:latin typeface="Calibri" panose="020F0502020204030204" pitchFamily="34" charset="0"/>
+              <a:cs typeface="Calibri" panose="020F0502020204030204" pitchFamily="34" charset="0"/>
+              <a:sym typeface="Wingdings" panose="05000000000000000000" pitchFamily="2" charset="2"/>
+            </a:endParaRPr>
+          </a:p>
+          <a:p>
             <a:r>
-              <a:rPr lang="en-US" sz="2800" dirty="0">
-                <a:solidFill>
-                  <a:schemeClr val="dk1"/>
-                </a:solidFill>
+              <a:rPr lang="en-US" dirty="0">
                 <a:latin typeface="Calibri" panose="020F0502020204030204" pitchFamily="34" charset="0"/>
                 <a:cs typeface="Calibri" panose="020F0502020204030204" pitchFamily="34" charset="0"/>
-                <a:sym typeface="Calibri"/>
+                <a:sym typeface="Wingdings" panose="05000000000000000000" pitchFamily="2" charset="2"/>
               </a:rPr>
-              <a:t>Non-core and Rare microbes are gradually changed along land use change gradient</a:t>
+              <a:t>Distinct processes shape the modular structure of the prevalence groups</a:t>
             </a:r>
-            <a:br>
-              <a:rPr lang="en-US" sz="2800" dirty="0">
-                <a:solidFill>
-                  <a:schemeClr val="dk1"/>
-                </a:solidFill>
+          </a:p>
+          <a:p>
+            <a:pPr lvl="1"/>
+            <a:r>
+              <a:rPr lang="en-US" dirty="0">
                 <a:latin typeface="Calibri" panose="020F0502020204030204" pitchFamily="34" charset="0"/>
                 <a:cs typeface="Calibri" panose="020F0502020204030204" pitchFamily="34" charset="0"/>
-                <a:sym typeface="Calibri"/>
+                <a:sym typeface="Wingdings" panose="05000000000000000000" pitchFamily="2" charset="2"/>
               </a:rPr>
-            </a:br>
+              <a:t>Core: drift</a:t>
+            </a:r>
+          </a:p>
+          <a:p>
+            <a:pPr lvl="1"/>
             <a:r>
-              <a:rPr lang="en-US" sz="2800" dirty="0">
-                <a:solidFill>
-                  <a:schemeClr val="dk1"/>
-                </a:solidFill>
+              <a:rPr lang="en-US" dirty="0">
                 <a:latin typeface="Calibri" panose="020F0502020204030204" pitchFamily="34" charset="0"/>
                 <a:cs typeface="Calibri" panose="020F0502020204030204" pitchFamily="34" charset="0"/>
-                <a:sym typeface="Calibri"/>
+                <a:sym typeface="Wingdings" panose="05000000000000000000" pitchFamily="2" charset="2"/>
               </a:rPr>
-              <a:t>     - </a:t>
+              <a:t>Non-core: selective (environmental filtering)</a:t>
             </a:r>
+          </a:p>
+          <a:p>
+            <a:pPr lvl="1"/>
             <a:r>
-              <a:rPr lang="en-US" sz="2800" b="1" dirty="0">
-                <a:solidFill>
-                  <a:schemeClr val="dk1"/>
-                </a:solidFill>
+              <a:rPr lang="en-US" dirty="0">
                 <a:latin typeface="Calibri" panose="020F0502020204030204" pitchFamily="34" charset="0"/>
                 <a:cs typeface="Calibri" panose="020F0502020204030204" pitchFamily="34" charset="0"/>
-                <a:sym typeface="Calibri"/>
+                <a:sym typeface="Wingdings" panose="05000000000000000000" pitchFamily="2" charset="2"/>
               </a:rPr>
-              <a:t>Non-core</a:t>
+              <a:t>Rare: dispersal limitation</a:t>
             </a:r>
+          </a:p>
+          <a:p>
+            <a:pPr marL="457200" lvl="1" indent="0">
+              <a:buNone/>
+            </a:pPr>
+            <a:endParaRPr lang="en-US" dirty="0">
+              <a:latin typeface="Calibri" panose="020F0502020204030204" pitchFamily="34" charset="0"/>
+              <a:cs typeface="Calibri" panose="020F0502020204030204" pitchFamily="34" charset="0"/>
+              <a:sym typeface="Wingdings" panose="05000000000000000000" pitchFamily="2" charset="2"/>
+            </a:endParaRPr>
+          </a:p>
+          <a:p>
             <a:r>
-              <a:rPr lang="en-US" sz="2800" dirty="0">
-                <a:solidFill>
-                  <a:schemeClr val="dk1"/>
-                </a:solidFill>
+              <a:rPr lang="en-US" dirty="0">
                 <a:latin typeface="Calibri" panose="020F0502020204030204" pitchFamily="34" charset="0"/>
                 <a:cs typeface="Calibri" panose="020F0502020204030204" pitchFamily="34" charset="0"/>
-                <a:sym typeface="Calibri"/>
               </a:rPr>
-              <a:t> – selective process (environmental filtering)</a:t>
+              <a:t>Land use has a weak effect: </a:t>
             </a:r>
-            <a:br>
-              <a:rPr lang="en-US" sz="2800" dirty="0">
-                <a:solidFill>
-                  <a:schemeClr val="dk1"/>
-                </a:solidFill>
+          </a:p>
+          <a:p>
+            <a:pPr lvl="1"/>
+            <a:r>
+              <a:rPr lang="en-US" dirty="0">
                 <a:latin typeface="Calibri" panose="020F0502020204030204" pitchFamily="34" charset="0"/>
                 <a:cs typeface="Calibri" panose="020F0502020204030204" pitchFamily="34" charset="0"/>
-                <a:sym typeface="Calibri"/>
               </a:rPr>
-            </a:br>
+              <a:t>Large module span all sites</a:t>
+            </a:r>
+          </a:p>
+          <a:p>
+            <a:pPr lvl="1"/>
             <a:r>
-              <a:rPr lang="en-US" sz="2800" dirty="0">
-                <a:solidFill>
-                  <a:schemeClr val="dk1"/>
-                </a:solidFill>
+              <a:rPr lang="en-US" dirty="0">
                 <a:latin typeface="Calibri" panose="020F0502020204030204" pitchFamily="34" charset="0"/>
                 <a:cs typeface="Calibri" panose="020F0502020204030204" pitchFamily="34" charset="0"/>
-                <a:sym typeface="Calibri"/>
               </a:rPr>
-              <a:t>     - </a:t>
+              <a:t>Only Non-core and Rare modules vary along the environmental gradient</a:t>
             </a:r>
-            <a:r>
-              <a:rPr lang="en-US" sz="2800" b="1" dirty="0">
-                <a:solidFill>
-                  <a:schemeClr val="dk1"/>
-                </a:solidFill>
-                <a:latin typeface="Calibri" panose="020F0502020204030204" pitchFamily="34" charset="0"/>
-                <a:cs typeface="Calibri" panose="020F0502020204030204" pitchFamily="34" charset="0"/>
-                <a:sym typeface="Calibri"/>
-              </a:rPr>
-              <a:t>Rare</a:t>
-            </a:r>
-            <a:r>
-              <a:rPr lang="en-US" sz="2800" dirty="0">
-                <a:solidFill>
-                  <a:schemeClr val="dk1"/>
-                </a:solidFill>
-                <a:latin typeface="Calibri" panose="020F0502020204030204" pitchFamily="34" charset="0"/>
-                <a:cs typeface="Calibri" panose="020F0502020204030204" pitchFamily="34" charset="0"/>
-                <a:sym typeface="Calibri"/>
-              </a:rPr>
-              <a:t> – dispersal limitation</a:t>
-            </a:r>
-          </a:p>
-          <a:p>
-            <a:pPr marR="0" lvl="0" algn="l" rtl="0">
-              <a:lnSpc>
-                <a:spcPct val="90000"/>
-              </a:lnSpc>
-              <a:spcBef>
-                <a:spcPts val="1000"/>
-              </a:spcBef>
-              <a:spcAft>
-                <a:spcPts val="0"/>
-              </a:spcAft>
-              <a:buClr>
-                <a:schemeClr val="dk1"/>
-              </a:buClr>
-              <a:buSzPts val="3200"/>
+          </a:p>
+          <a:p>
+            <a:pPr marL="457200" lvl="1" indent="0">
+              <a:buNone/>
             </a:pPr>
-            <a:endParaRPr lang="en-US" sz="2800" dirty="0">
-              <a:solidFill>
-                <a:schemeClr val="dk1"/>
-              </a:solidFill>
+            <a:endParaRPr lang="en-US" dirty="0">
               <a:latin typeface="Calibri" panose="020F0502020204030204" pitchFamily="34" charset="0"/>
               <a:cs typeface="Calibri" panose="020F0502020204030204" pitchFamily="34" charset="0"/>
-              <a:sym typeface="Calibri"/>
-            </a:endParaRPr>
-          </a:p>
-          <a:p>
-            <a:pPr marR="0" lvl="0" algn="l" rtl="0">
-              <a:lnSpc>
-                <a:spcPct val="90000"/>
-              </a:lnSpc>
-              <a:spcBef>
-                <a:spcPts val="1000"/>
-              </a:spcBef>
-              <a:spcAft>
-                <a:spcPts val="0"/>
-              </a:spcAft>
-              <a:buClr>
-                <a:schemeClr val="dk1"/>
-              </a:buClr>
-              <a:buSzPts val="3200"/>
-            </a:pPr>
-            <a:endParaRPr lang="en-US" sz="2800" dirty="0">
-              <a:solidFill>
-                <a:schemeClr val="dk1"/>
-              </a:solidFill>
-              <a:latin typeface="Calibri" panose="020F0502020204030204" pitchFamily="34" charset="0"/>
-              <a:cs typeface="Calibri" panose="020F0502020204030204" pitchFamily="34" charset="0"/>
-              <a:sym typeface="Calibri"/>
-            </a:endParaRPr>
-          </a:p>
-          <a:p>
-            <a:pPr marL="228600" marR="0" lvl="0" indent="-228600" algn="l" rtl="0">
-              <a:lnSpc>
-                <a:spcPct val="90000"/>
-              </a:lnSpc>
-              <a:spcBef>
-                <a:spcPts val="1000"/>
-              </a:spcBef>
-              <a:spcAft>
-                <a:spcPts val="0"/>
-              </a:spcAft>
-              <a:buClr>
-                <a:schemeClr val="dk1"/>
-              </a:buClr>
-              <a:buSzPts val="3200"/>
-              <a:buFont typeface="Noto Sans Symbols"/>
-              <a:buChar char="▪"/>
-            </a:pPr>
-            <a:endParaRPr lang="en-US" sz="2800" dirty="0">
-              <a:solidFill>
-                <a:schemeClr val="dk1"/>
-              </a:solidFill>
-              <a:latin typeface="Calibri" panose="020F0502020204030204" pitchFamily="34" charset="0"/>
-              <a:cs typeface="Calibri" panose="020F0502020204030204" pitchFamily="34" charset="0"/>
-              <a:sym typeface="Calibri"/>
-            </a:endParaRPr>
-          </a:p>
-          <a:p>
-            <a:pPr marL="0" marR="0" lvl="0" indent="0" algn="l" rtl="0">
-              <a:lnSpc>
-                <a:spcPct val="90000"/>
-              </a:lnSpc>
-              <a:spcBef>
-                <a:spcPts val="1000"/>
-              </a:spcBef>
-              <a:spcAft>
-                <a:spcPts val="0"/>
-              </a:spcAft>
-              <a:buClr>
-                <a:schemeClr val="dk1"/>
-              </a:buClr>
-              <a:buSzPts val="3200"/>
-              <a:buFont typeface="Arial"/>
-              <a:buNone/>
-            </a:pPr>
-            <a:endParaRPr sz="3200" dirty="0">
-              <a:solidFill>
-                <a:schemeClr val="dk1"/>
-              </a:solidFill>
-              <a:latin typeface="Calibri" panose="020F0502020204030204" pitchFamily="34" charset="0"/>
-              <a:ea typeface="Gill Sans"/>
-              <a:cs typeface="Calibri" panose="020F0502020204030204" pitchFamily="34" charset="0"/>
-              <a:sym typeface="Gill Sans"/>
             </a:endParaRPr>
           </a:p>
         </p:txBody>
@@ -22825,760 +23256,6 @@
           <a:chExt cx="0" cy="0"/>
         </a:xfrm>
       </p:grpSpPr>
-      <p:pic>
-        <p:nvPicPr>
-          <p:cNvPr id="99" name="Google Shape;99;p2"/>
-          <p:cNvPicPr preferRelativeResize="0">
-            <a:picLocks noChangeAspect="1"/>
-          </p:cNvPicPr>
-          <p:nvPr/>
-        </p:nvPicPr>
-        <p:blipFill rotWithShape="1">
-          <a:blip r:embed="rId3">
-            <a:alphaModFix/>
-          </a:blip>
-          <a:srcRect/>
-          <a:stretch/>
-        </p:blipFill>
-        <p:spPr>
-          <a:xfrm>
-            <a:off x="6693219" y="318619"/>
-            <a:ext cx="5270710" cy="3989635"/>
-          </a:xfrm>
-          <a:prstGeom prst="rect">
-            <a:avLst/>
-          </a:prstGeom>
-          <a:noFill/>
-          <a:ln w="9525" cap="flat" cmpd="sng">
-            <a:solidFill>
-              <a:schemeClr val="dk1"/>
-            </a:solidFill>
-            <a:prstDash val="solid"/>
-            <a:round/>
-            <a:headEnd type="none" w="sm" len="sm"/>
-            <a:tailEnd type="none" w="sm" len="sm"/>
-          </a:ln>
-        </p:spPr>
-      </p:pic>
-      <p:sp>
-        <p:nvSpPr>
-          <p:cNvPr id="102" name="Google Shape;102;p2"/>
-          <p:cNvSpPr txBox="1"/>
-          <p:nvPr/>
-        </p:nvSpPr>
-        <p:spPr>
-          <a:xfrm>
-            <a:off x="8754653" y="1485120"/>
-            <a:ext cx="1838036" cy="523220"/>
-          </a:xfrm>
-          <a:prstGeom prst="rect">
-            <a:avLst/>
-          </a:prstGeom>
-          <a:solidFill>
-            <a:schemeClr val="lt2">
-              <a:alpha val="49803"/>
-            </a:schemeClr>
-          </a:solidFill>
-          <a:ln>
-            <a:noFill/>
-          </a:ln>
-        </p:spPr>
-        <p:txBody>
-          <a:bodyPr spcFirstLastPara="1" wrap="square" lIns="91425" tIns="45700" rIns="91425" bIns="45700" anchor="t" anchorCtr="0">
-            <a:spAutoFit/>
-          </a:bodyPr>
-          <a:lstStyle/>
-          <a:p>
-            <a:pPr marL="0" marR="0" lvl="0" indent="0" algn="ctr" rtl="0">
-              <a:spcBef>
-                <a:spcPts val="0"/>
-              </a:spcBef>
-              <a:spcAft>
-                <a:spcPts val="0"/>
-              </a:spcAft>
-              <a:buNone/>
-            </a:pPr>
-            <a:r>
-              <a:rPr lang="en-US" sz="2800" b="1">
-                <a:solidFill>
-                  <a:srgbClr val="002060"/>
-                </a:solidFill>
-                <a:latin typeface="Calibri"/>
-                <a:ea typeface="Calibri"/>
-                <a:cs typeface="Calibri"/>
-                <a:sym typeface="Calibri"/>
-              </a:rPr>
-              <a:t>Forest</a:t>
-            </a:r>
-            <a:endParaRPr/>
-          </a:p>
-        </p:txBody>
-      </p:sp>
-      <p:sp>
-        <p:nvSpPr>
-          <p:cNvPr id="103" name="Google Shape;103;p2"/>
-          <p:cNvSpPr txBox="1"/>
-          <p:nvPr/>
-        </p:nvSpPr>
-        <p:spPr>
-          <a:xfrm>
-            <a:off x="8084400" y="2245702"/>
-            <a:ext cx="1838036" cy="523220"/>
-          </a:xfrm>
-          <a:prstGeom prst="rect">
-            <a:avLst/>
-          </a:prstGeom>
-          <a:solidFill>
-            <a:schemeClr val="lt2">
-              <a:alpha val="49803"/>
-            </a:schemeClr>
-          </a:solidFill>
-          <a:ln>
-            <a:noFill/>
-          </a:ln>
-        </p:spPr>
-        <p:txBody>
-          <a:bodyPr spcFirstLastPara="1" wrap="square" lIns="91425" tIns="45700" rIns="91425" bIns="45700" anchor="t" anchorCtr="0">
-            <a:spAutoFit/>
-          </a:bodyPr>
-          <a:lstStyle/>
-          <a:p>
-            <a:pPr marL="0" marR="0" lvl="0" indent="0" algn="ctr" rtl="0">
-              <a:spcBef>
-                <a:spcPts val="0"/>
-              </a:spcBef>
-              <a:spcAft>
-                <a:spcPts val="0"/>
-              </a:spcAft>
-              <a:buNone/>
-            </a:pPr>
-            <a:r>
-              <a:rPr lang="en-US" sz="2800" b="1" dirty="0">
-                <a:solidFill>
-                  <a:srgbClr val="002060"/>
-                </a:solidFill>
-                <a:latin typeface="Calibri"/>
-                <a:ea typeface="Calibri"/>
-                <a:cs typeface="Calibri"/>
-                <a:sym typeface="Calibri"/>
-              </a:rPr>
-              <a:t>Agriculture</a:t>
-            </a:r>
-            <a:endParaRPr dirty="0"/>
-          </a:p>
-        </p:txBody>
-      </p:sp>
-      <p:sp>
-        <p:nvSpPr>
-          <p:cNvPr id="104" name="Google Shape;104;p2"/>
-          <p:cNvSpPr txBox="1"/>
-          <p:nvPr/>
-        </p:nvSpPr>
-        <p:spPr>
-          <a:xfrm>
-            <a:off x="7450518" y="3122079"/>
-            <a:ext cx="1838036" cy="523220"/>
-          </a:xfrm>
-          <a:prstGeom prst="rect">
-            <a:avLst/>
-          </a:prstGeom>
-          <a:solidFill>
-            <a:schemeClr val="lt2">
-              <a:alpha val="49803"/>
-            </a:schemeClr>
-          </a:solidFill>
-          <a:ln>
-            <a:noFill/>
-          </a:ln>
-        </p:spPr>
-        <p:txBody>
-          <a:bodyPr spcFirstLastPara="1" wrap="square" lIns="91425" tIns="45700" rIns="91425" bIns="45700" anchor="t" anchorCtr="0">
-            <a:spAutoFit/>
-          </a:bodyPr>
-          <a:lstStyle/>
-          <a:p>
-            <a:pPr marL="0" marR="0" lvl="0" indent="0" algn="ctr" rtl="0">
-              <a:spcBef>
-                <a:spcPts val="0"/>
-              </a:spcBef>
-              <a:spcAft>
-                <a:spcPts val="0"/>
-              </a:spcAft>
-              <a:buNone/>
-            </a:pPr>
-            <a:r>
-              <a:rPr lang="en-US" sz="2800" b="1" dirty="0">
-                <a:solidFill>
-                  <a:srgbClr val="002060"/>
-                </a:solidFill>
-                <a:latin typeface="Calibri"/>
-                <a:ea typeface="Calibri"/>
-                <a:cs typeface="Calibri"/>
-                <a:sym typeface="Calibri"/>
-              </a:rPr>
-              <a:t>Village</a:t>
-            </a:r>
-            <a:endParaRPr dirty="0"/>
-          </a:p>
-        </p:txBody>
-      </p:sp>
-      <p:sp>
-        <p:nvSpPr>
-          <p:cNvPr id="105" name="Google Shape;105;p2"/>
-          <p:cNvSpPr/>
-          <p:nvPr/>
-        </p:nvSpPr>
-        <p:spPr>
-          <a:xfrm>
-            <a:off x="2222096" y="1079619"/>
-            <a:ext cx="2728074" cy="729372"/>
-          </a:xfrm>
-          <a:prstGeom prst="roundRect">
-            <a:avLst>
-              <a:gd name="adj" fmla="val 16667"/>
-            </a:avLst>
-          </a:prstGeom>
-          <a:noFill/>
-          <a:ln w="9525" cap="flat" cmpd="sng">
-            <a:solidFill>
-              <a:schemeClr val="dk1"/>
-            </a:solidFill>
-            <a:prstDash val="solid"/>
-            <a:round/>
-            <a:headEnd type="none" w="sm" len="sm"/>
-            <a:tailEnd type="none" w="sm" len="sm"/>
-          </a:ln>
-        </p:spPr>
-        <p:txBody>
-          <a:bodyPr spcFirstLastPara="1" wrap="square" lIns="91425" tIns="45700" rIns="91425" bIns="45700" anchor="ctr" anchorCtr="0">
-            <a:normAutofit fontScale="85000" lnSpcReduction="10000"/>
-          </a:bodyPr>
-          <a:lstStyle/>
-          <a:p>
-            <a:pPr marL="0" marR="0" lvl="0" indent="0" algn="ctr" rtl="0">
-              <a:lnSpc>
-                <a:spcPct val="90000"/>
-              </a:lnSpc>
-              <a:spcBef>
-                <a:spcPts val="0"/>
-              </a:spcBef>
-              <a:spcAft>
-                <a:spcPts val="0"/>
-              </a:spcAft>
-              <a:buClr>
-                <a:schemeClr val="dk1"/>
-              </a:buClr>
-              <a:buSzPts val="3330"/>
-              <a:buFont typeface="Calibri"/>
-              <a:buNone/>
-            </a:pPr>
-            <a:r>
-              <a:rPr lang="en-US" sz="3330" b="1" u="none" dirty="0">
-                <a:solidFill>
-                  <a:schemeClr val="dk1"/>
-                </a:solidFill>
-                <a:latin typeface="Calibri"/>
-                <a:ea typeface="Calibri"/>
-                <a:cs typeface="Calibri"/>
-                <a:sym typeface="Calibri"/>
-              </a:rPr>
-              <a:t>Land use change</a:t>
-            </a:r>
-            <a:endParaRPr sz="3330" b="1" u="none" dirty="0">
-              <a:solidFill>
-                <a:schemeClr val="dk1"/>
-              </a:solidFill>
-              <a:latin typeface="Calibri"/>
-              <a:ea typeface="Calibri"/>
-              <a:cs typeface="Calibri"/>
-              <a:sym typeface="Calibri"/>
-            </a:endParaRPr>
-          </a:p>
-        </p:txBody>
-      </p:sp>
-      <p:sp>
-        <p:nvSpPr>
-          <p:cNvPr id="106" name="Google Shape;106;p2"/>
-          <p:cNvSpPr/>
-          <p:nvPr/>
-        </p:nvSpPr>
-        <p:spPr>
-          <a:xfrm>
-            <a:off x="1351292" y="2427793"/>
-            <a:ext cx="1741607" cy="878619"/>
-          </a:xfrm>
-          <a:prstGeom prst="roundRect">
-            <a:avLst>
-              <a:gd name="adj" fmla="val 16667"/>
-            </a:avLst>
-          </a:prstGeom>
-          <a:noFill/>
-          <a:ln w="9525" cap="flat" cmpd="sng">
-            <a:solidFill>
-              <a:schemeClr val="dk1"/>
-            </a:solidFill>
-            <a:prstDash val="solid"/>
-            <a:round/>
-            <a:headEnd type="none" w="sm" len="sm"/>
-            <a:tailEnd type="none" w="sm" len="sm"/>
-          </a:ln>
-        </p:spPr>
-        <p:txBody>
-          <a:bodyPr spcFirstLastPara="1" wrap="square" lIns="91425" tIns="45700" rIns="91425" bIns="45700" anchor="ctr" anchorCtr="0">
-            <a:noAutofit/>
-          </a:bodyPr>
-          <a:lstStyle/>
-          <a:p>
-            <a:pPr marL="0" marR="0" lvl="0" indent="0" algn="ctr" rtl="0">
-              <a:lnSpc>
-                <a:spcPct val="90000"/>
-              </a:lnSpc>
-              <a:spcBef>
-                <a:spcPts val="0"/>
-              </a:spcBef>
-              <a:spcAft>
-                <a:spcPts val="0"/>
-              </a:spcAft>
-              <a:buClr>
-                <a:schemeClr val="dk1"/>
-              </a:buClr>
-              <a:buSzPts val="2800"/>
-              <a:buFont typeface="Calibri"/>
-              <a:buNone/>
-            </a:pPr>
-            <a:r>
-              <a:rPr lang="en-US" sz="2200" b="1" u="none" dirty="0">
-                <a:solidFill>
-                  <a:schemeClr val="dk1"/>
-                </a:solidFill>
-                <a:latin typeface="Calibri"/>
-                <a:ea typeface="Calibri"/>
-                <a:cs typeface="Calibri"/>
-                <a:sym typeface="Calibri"/>
-              </a:rPr>
-              <a:t>Host community change</a:t>
-            </a:r>
-            <a:endParaRPr sz="2200" b="1" u="none" dirty="0">
-              <a:solidFill>
-                <a:schemeClr val="dk1"/>
-              </a:solidFill>
-              <a:latin typeface="Calibri"/>
-              <a:ea typeface="Calibri"/>
-              <a:cs typeface="Calibri"/>
-              <a:sym typeface="Calibri"/>
-            </a:endParaRPr>
-          </a:p>
-        </p:txBody>
-      </p:sp>
-      <p:sp>
-        <p:nvSpPr>
-          <p:cNvPr id="107" name="Google Shape;107;p2"/>
-          <p:cNvSpPr/>
-          <p:nvPr/>
-        </p:nvSpPr>
-        <p:spPr>
-          <a:xfrm>
-            <a:off x="2623033" y="3726532"/>
-            <a:ext cx="1741607" cy="729372"/>
-          </a:xfrm>
-          <a:prstGeom prst="roundRect">
-            <a:avLst>
-              <a:gd name="adj" fmla="val 16667"/>
-            </a:avLst>
-          </a:prstGeom>
-          <a:noFill/>
-          <a:ln w="9525" cap="flat" cmpd="sng">
-            <a:solidFill>
-              <a:schemeClr val="dk1"/>
-            </a:solidFill>
-            <a:prstDash val="solid"/>
-            <a:round/>
-            <a:headEnd type="none" w="sm" len="sm"/>
-            <a:tailEnd type="none" w="sm" len="sm"/>
-          </a:ln>
-        </p:spPr>
-        <p:txBody>
-          <a:bodyPr spcFirstLastPara="1" wrap="square" lIns="91425" tIns="45700" rIns="91425" bIns="45700" anchor="ctr" anchorCtr="0">
-            <a:normAutofit/>
-          </a:bodyPr>
-          <a:lstStyle/>
-          <a:p>
-            <a:pPr marL="0" marR="0" lvl="0" indent="0" algn="ctr" rtl="0">
-              <a:lnSpc>
-                <a:spcPct val="90000"/>
-              </a:lnSpc>
-              <a:spcBef>
-                <a:spcPts val="0"/>
-              </a:spcBef>
-              <a:spcAft>
-                <a:spcPts val="0"/>
-              </a:spcAft>
-              <a:buClr>
-                <a:schemeClr val="dk1"/>
-              </a:buClr>
-              <a:buSzPts val="2800"/>
-              <a:buFont typeface="Calibri"/>
-              <a:buNone/>
-            </a:pPr>
-            <a:r>
-              <a:rPr lang="en-US" sz="2800" b="1" u="none" dirty="0">
-                <a:solidFill>
-                  <a:schemeClr val="dk1"/>
-                </a:solidFill>
-                <a:latin typeface="Calibri"/>
-                <a:ea typeface="Calibri"/>
-                <a:cs typeface="Calibri"/>
-                <a:sym typeface="Calibri"/>
-              </a:rPr>
-              <a:t>Diet shift</a:t>
-            </a:r>
-            <a:endParaRPr sz="2800" b="1" u="none" dirty="0">
-              <a:solidFill>
-                <a:schemeClr val="dk1"/>
-              </a:solidFill>
-              <a:latin typeface="Calibri"/>
-              <a:ea typeface="Calibri"/>
-              <a:cs typeface="Calibri"/>
-              <a:sym typeface="Calibri"/>
-            </a:endParaRPr>
-          </a:p>
-        </p:txBody>
-      </p:sp>
-      <p:sp>
-        <p:nvSpPr>
-          <p:cNvPr id="108" name="Google Shape;108;p2"/>
-          <p:cNvSpPr/>
-          <p:nvPr/>
-        </p:nvSpPr>
-        <p:spPr>
-          <a:xfrm>
-            <a:off x="3952380" y="2427793"/>
-            <a:ext cx="2126898" cy="878619"/>
-          </a:xfrm>
-          <a:prstGeom prst="roundRect">
-            <a:avLst>
-              <a:gd name="adj" fmla="val 16667"/>
-            </a:avLst>
-          </a:prstGeom>
-          <a:noFill/>
-          <a:ln w="9525" cap="flat" cmpd="sng">
-            <a:solidFill>
-              <a:schemeClr val="dk1"/>
-            </a:solidFill>
-            <a:prstDash val="solid"/>
-            <a:round/>
-            <a:headEnd type="none" w="sm" len="sm"/>
-            <a:tailEnd type="none" w="sm" len="sm"/>
-          </a:ln>
-        </p:spPr>
-        <p:txBody>
-          <a:bodyPr spcFirstLastPara="1" wrap="square" lIns="91425" tIns="45700" rIns="91425" bIns="45700" anchor="ctr" anchorCtr="0">
-            <a:normAutofit fontScale="77500" lnSpcReduction="20000"/>
-          </a:bodyPr>
-          <a:lstStyle/>
-          <a:p>
-            <a:pPr marL="0" marR="0" lvl="0" indent="0" algn="ctr" rtl="0">
-              <a:lnSpc>
-                <a:spcPct val="90000"/>
-              </a:lnSpc>
-              <a:spcBef>
-                <a:spcPts val="0"/>
-              </a:spcBef>
-              <a:spcAft>
-                <a:spcPts val="0"/>
-              </a:spcAft>
-              <a:buClr>
-                <a:schemeClr val="dk1"/>
-              </a:buClr>
-              <a:buSzPts val="2800"/>
-              <a:buFont typeface="Calibri"/>
-              <a:buNone/>
-            </a:pPr>
-            <a:r>
-              <a:rPr lang="en-US" sz="2800" b="1" u="none" dirty="0">
-                <a:solidFill>
-                  <a:schemeClr val="dk1"/>
-                </a:solidFill>
-                <a:latin typeface="Calibri"/>
-                <a:ea typeface="Calibri"/>
-                <a:cs typeface="Calibri"/>
-                <a:sym typeface="Calibri"/>
-              </a:rPr>
-              <a:t>Human-Wildlife interface</a:t>
-            </a:r>
-            <a:endParaRPr sz="2800" b="1" u="none" dirty="0">
-              <a:solidFill>
-                <a:schemeClr val="dk1"/>
-              </a:solidFill>
-              <a:latin typeface="Calibri"/>
-              <a:ea typeface="Calibri"/>
-              <a:cs typeface="Calibri"/>
-              <a:sym typeface="Calibri"/>
-            </a:endParaRPr>
-          </a:p>
-        </p:txBody>
-      </p:sp>
-      <p:sp>
-        <p:nvSpPr>
-          <p:cNvPr id="109" name="Google Shape;109;p2"/>
-          <p:cNvSpPr/>
-          <p:nvPr/>
-        </p:nvSpPr>
-        <p:spPr>
-          <a:xfrm>
-            <a:off x="2328883" y="5170630"/>
-            <a:ext cx="2351980" cy="954277"/>
-          </a:xfrm>
-          <a:prstGeom prst="roundRect">
-            <a:avLst>
-              <a:gd name="adj" fmla="val 16667"/>
-            </a:avLst>
-          </a:prstGeom>
-          <a:noFill/>
-          <a:ln w="38100" cap="flat" cmpd="sng">
-            <a:solidFill>
-              <a:srgbClr val="FF0000"/>
-            </a:solidFill>
-            <a:prstDash val="solid"/>
-            <a:round/>
-            <a:headEnd type="none" w="sm" len="sm"/>
-            <a:tailEnd type="none" w="sm" len="sm"/>
-          </a:ln>
-        </p:spPr>
-        <p:txBody>
-          <a:bodyPr spcFirstLastPara="1" wrap="square" lIns="91425" tIns="45700" rIns="91425" bIns="45700" anchor="ctr" anchorCtr="0">
-            <a:noAutofit/>
-          </a:bodyPr>
-          <a:lstStyle/>
-          <a:p>
-            <a:pPr marL="0" marR="0" lvl="0" indent="0" algn="ctr" rtl="0">
-              <a:lnSpc>
-                <a:spcPct val="80000"/>
-              </a:lnSpc>
-              <a:spcBef>
-                <a:spcPts val="0"/>
-              </a:spcBef>
-              <a:spcAft>
-                <a:spcPts val="0"/>
-              </a:spcAft>
-              <a:buClr>
-                <a:schemeClr val="dk1"/>
-              </a:buClr>
-              <a:buSzPts val="2960"/>
-              <a:buFont typeface="Calibri"/>
-              <a:buNone/>
-            </a:pPr>
-            <a:r>
-              <a:rPr lang="en-US" sz="3200" b="1" u="none" dirty="0">
-                <a:solidFill>
-                  <a:schemeClr val="dk1"/>
-                </a:solidFill>
-                <a:latin typeface="Calibri"/>
-                <a:ea typeface="Calibri"/>
-                <a:cs typeface="Calibri"/>
-                <a:sym typeface="Calibri"/>
-              </a:rPr>
-              <a:t>Host Microbiome</a:t>
-            </a:r>
-            <a:endParaRPr sz="3200" b="1" u="none" dirty="0">
-              <a:solidFill>
-                <a:schemeClr val="dk1"/>
-              </a:solidFill>
-              <a:latin typeface="Calibri"/>
-              <a:ea typeface="Calibri"/>
-              <a:cs typeface="Calibri"/>
-              <a:sym typeface="Calibri"/>
-            </a:endParaRPr>
-          </a:p>
-        </p:txBody>
-      </p:sp>
-      <p:sp>
-        <p:nvSpPr>
-          <p:cNvPr id="113" name="Google Shape;113;p2"/>
-          <p:cNvSpPr/>
-          <p:nvPr/>
-        </p:nvSpPr>
-        <p:spPr>
-          <a:xfrm>
-            <a:off x="3349045" y="4659037"/>
-            <a:ext cx="289577" cy="563617"/>
-          </a:xfrm>
-          <a:prstGeom prst="downArrow">
-            <a:avLst>
-              <a:gd name="adj1" fmla="val 50000"/>
-              <a:gd name="adj2" fmla="val 50000"/>
-            </a:avLst>
-          </a:prstGeom>
-          <a:solidFill>
-            <a:schemeClr val="accent1"/>
-          </a:solidFill>
-          <a:ln w="12700" cap="flat" cmpd="sng">
-            <a:solidFill>
-              <a:srgbClr val="31538F"/>
-            </a:solidFill>
-            <a:prstDash val="solid"/>
-            <a:miter lim="800000"/>
-            <a:headEnd type="none" w="sm" len="sm"/>
-            <a:tailEnd type="none" w="sm" len="sm"/>
-          </a:ln>
-        </p:spPr>
-        <p:txBody>
-          <a:bodyPr spcFirstLastPara="1" wrap="square" lIns="91425" tIns="45700" rIns="91425" bIns="45700" anchor="ctr" anchorCtr="0">
-            <a:noAutofit/>
-          </a:bodyPr>
-          <a:lstStyle/>
-          <a:p>
-            <a:pPr marL="0" marR="0" lvl="0" indent="0" algn="ctr" rtl="0">
-              <a:spcBef>
-                <a:spcPts val="0"/>
-              </a:spcBef>
-              <a:spcAft>
-                <a:spcPts val="0"/>
-              </a:spcAft>
-              <a:buNone/>
-            </a:pPr>
-            <a:endParaRPr sz="1800">
-              <a:solidFill>
-                <a:schemeClr val="lt1"/>
-              </a:solidFill>
-              <a:latin typeface="Calibri"/>
-              <a:ea typeface="Calibri"/>
-              <a:cs typeface="Calibri"/>
-              <a:sym typeface="Calibri"/>
-            </a:endParaRPr>
-          </a:p>
-        </p:txBody>
-      </p:sp>
-      <p:cxnSp>
-        <p:nvCxnSpPr>
-          <p:cNvPr id="3" name="Straight Arrow Connector 2">
-            <a:extLst>
-              <a:ext uri="{FF2B5EF4-FFF2-40B4-BE49-F238E27FC236}">
-                <a16:creationId xmlns:a16="http://schemas.microsoft.com/office/drawing/2014/main" id="{89A73223-298C-ED25-57EB-EC270A9C30F5}"/>
-              </a:ext>
-            </a:extLst>
-          </p:cNvPr>
-          <p:cNvCxnSpPr/>
-          <p:nvPr/>
-        </p:nvCxnSpPr>
-        <p:spPr>
-          <a:xfrm>
-            <a:off x="4510515" y="1875187"/>
-            <a:ext cx="439654" cy="486409"/>
-          </a:xfrm>
-          <a:prstGeom prst="straightConnector1">
-            <a:avLst/>
-          </a:prstGeom>
-          <a:ln w="57150">
-            <a:solidFill>
-              <a:schemeClr val="tx1"/>
-            </a:solidFill>
-            <a:tailEnd type="triangle"/>
-          </a:ln>
-        </p:spPr>
-        <p:style>
-          <a:lnRef idx="1">
-            <a:schemeClr val="dk1"/>
-          </a:lnRef>
-          <a:fillRef idx="0">
-            <a:schemeClr val="dk1"/>
-          </a:fillRef>
-          <a:effectRef idx="0">
-            <a:schemeClr val="dk1"/>
-          </a:effectRef>
-          <a:fontRef idx="minor">
-            <a:schemeClr val="tx1"/>
-          </a:fontRef>
-        </p:style>
-      </p:cxnSp>
-      <p:cxnSp>
-        <p:nvCxnSpPr>
-          <p:cNvPr id="4" name="Straight Arrow Connector 3">
-            <a:extLst>
-              <a:ext uri="{FF2B5EF4-FFF2-40B4-BE49-F238E27FC236}">
-                <a16:creationId xmlns:a16="http://schemas.microsoft.com/office/drawing/2014/main" id="{E50389BB-528E-8054-161F-F9B268BB9AEC}"/>
-              </a:ext>
-            </a:extLst>
-          </p:cNvPr>
-          <p:cNvCxnSpPr>
-            <a:cxnSpLocks/>
-          </p:cNvCxnSpPr>
-          <p:nvPr/>
-        </p:nvCxnSpPr>
-        <p:spPr>
-          <a:xfrm flipH="1">
-            <a:off x="2328883" y="1885732"/>
-            <a:ext cx="437628" cy="475865"/>
-          </a:xfrm>
-          <a:prstGeom prst="straightConnector1">
-            <a:avLst/>
-          </a:prstGeom>
-          <a:ln w="57150">
-            <a:solidFill>
-              <a:schemeClr val="tx1"/>
-            </a:solidFill>
-            <a:tailEnd type="triangle"/>
-          </a:ln>
-        </p:spPr>
-        <p:style>
-          <a:lnRef idx="1">
-            <a:schemeClr val="dk1"/>
-          </a:lnRef>
-          <a:fillRef idx="0">
-            <a:schemeClr val="dk1"/>
-          </a:fillRef>
-          <a:effectRef idx="0">
-            <a:schemeClr val="dk1"/>
-          </a:effectRef>
-          <a:fontRef idx="minor">
-            <a:schemeClr val="tx1"/>
-          </a:fontRef>
-        </p:style>
-      </p:cxnSp>
-      <p:cxnSp>
-        <p:nvCxnSpPr>
-          <p:cNvPr id="6" name="Straight Arrow Connector 5">
-            <a:extLst>
-              <a:ext uri="{FF2B5EF4-FFF2-40B4-BE49-F238E27FC236}">
-                <a16:creationId xmlns:a16="http://schemas.microsoft.com/office/drawing/2014/main" id="{A340C0C9-68B1-21AD-2FBE-6AD87021A16A}"/>
-              </a:ext>
-            </a:extLst>
-          </p:cNvPr>
-          <p:cNvCxnSpPr>
-            <a:cxnSpLocks/>
-          </p:cNvCxnSpPr>
-          <p:nvPr/>
-        </p:nvCxnSpPr>
-        <p:spPr>
-          <a:xfrm flipH="1">
-            <a:off x="3493835" y="1974528"/>
-            <a:ext cx="18891" cy="1682975"/>
-          </a:xfrm>
-          <a:prstGeom prst="straightConnector1">
-            <a:avLst/>
-          </a:prstGeom>
-          <a:ln w="57150">
-            <a:solidFill>
-              <a:schemeClr val="tx1"/>
-            </a:solidFill>
-            <a:tailEnd type="triangle"/>
-          </a:ln>
-        </p:spPr>
-        <p:style>
-          <a:lnRef idx="1">
-            <a:schemeClr val="dk1"/>
-          </a:lnRef>
-          <a:fillRef idx="0">
-            <a:schemeClr val="dk1"/>
-          </a:fillRef>
-          <a:effectRef idx="0">
-            <a:schemeClr val="dk1"/>
-          </a:effectRef>
-          <a:fontRef idx="minor">
-            <a:schemeClr val="tx1"/>
-          </a:fontRef>
-        </p:style>
-      </p:cxnSp>
       <p:sp>
         <p:nvSpPr>
           <p:cNvPr id="14" name="TextBox 13">
@@ -23645,10 +23322,253 @@
           </a:p>
         </p:txBody>
       </p:sp>
+      <p:sp>
+        <p:nvSpPr>
+          <p:cNvPr id="2" name="Content Placeholder 2">
+            <a:extLst>
+              <a:ext uri="{FF2B5EF4-FFF2-40B4-BE49-F238E27FC236}">
+                <a16:creationId xmlns:a16="http://schemas.microsoft.com/office/drawing/2014/main" id="{76F48BE8-16C1-A903-ABCF-3602664AA0C9}"/>
+              </a:ext>
+            </a:extLst>
+          </p:cNvPr>
+          <p:cNvSpPr txBox="1">
+            <a:spLocks/>
+          </p:cNvSpPr>
+          <p:nvPr/>
+        </p:nvSpPr>
+        <p:spPr>
+          <a:xfrm>
+            <a:off x="763838" y="792820"/>
+            <a:ext cx="10664324" cy="3728938"/>
+          </a:xfrm>
+          <a:prstGeom prst="rect">
+            <a:avLst/>
+          </a:prstGeom>
+        </p:spPr>
+        <p:txBody>
+          <a:bodyPr vert="horz" lIns="91440" tIns="45720" rIns="91440" bIns="45720" rtlCol="0">
+            <a:normAutofit/>
+          </a:bodyPr>
+          <a:lstStyle>
+            <a:lvl1pPr marL="228600" indent="-228600" algn="l" defTabSz="914400" rtl="0" eaLnBrk="1" latinLnBrk="0" hangingPunct="1">
+              <a:lnSpc>
+                <a:spcPct val="90000"/>
+              </a:lnSpc>
+              <a:spcBef>
+                <a:spcPts val="1000"/>
+              </a:spcBef>
+              <a:buFont typeface="Arial" panose="020B0604020202020204" pitchFamily="34" charset="0"/>
+              <a:buChar char="•"/>
+              <a:defRPr sz="2800" kern="1200">
+                <a:solidFill>
+                  <a:schemeClr val="tx1"/>
+                </a:solidFill>
+                <a:latin typeface="+mn-lt"/>
+                <a:ea typeface="+mn-ea"/>
+                <a:cs typeface="+mn-cs"/>
+              </a:defRPr>
+            </a:lvl1pPr>
+            <a:lvl2pPr marL="685800" indent="-228600" algn="l" defTabSz="914400" rtl="0" eaLnBrk="1" latinLnBrk="0" hangingPunct="1">
+              <a:lnSpc>
+                <a:spcPct val="90000"/>
+              </a:lnSpc>
+              <a:spcBef>
+                <a:spcPts val="500"/>
+              </a:spcBef>
+              <a:buFont typeface="Arial" panose="020B0604020202020204" pitchFamily="34" charset="0"/>
+              <a:buChar char="•"/>
+              <a:defRPr sz="2400" kern="1200">
+                <a:solidFill>
+                  <a:schemeClr val="tx1"/>
+                </a:solidFill>
+                <a:latin typeface="+mn-lt"/>
+                <a:ea typeface="+mn-ea"/>
+                <a:cs typeface="+mn-cs"/>
+              </a:defRPr>
+            </a:lvl2pPr>
+            <a:lvl3pPr marL="1143000" indent="-228600" algn="l" defTabSz="914400" rtl="0" eaLnBrk="1" latinLnBrk="0" hangingPunct="1">
+              <a:lnSpc>
+                <a:spcPct val="90000"/>
+              </a:lnSpc>
+              <a:spcBef>
+                <a:spcPts val="500"/>
+              </a:spcBef>
+              <a:buFont typeface="Arial" panose="020B0604020202020204" pitchFamily="34" charset="0"/>
+              <a:buChar char="•"/>
+              <a:defRPr sz="2000" kern="1200">
+                <a:solidFill>
+                  <a:schemeClr val="tx1"/>
+                </a:solidFill>
+                <a:latin typeface="+mn-lt"/>
+                <a:ea typeface="+mn-ea"/>
+                <a:cs typeface="+mn-cs"/>
+              </a:defRPr>
+            </a:lvl3pPr>
+            <a:lvl4pPr marL="1600200" indent="-228600" algn="l" defTabSz="914400" rtl="0" eaLnBrk="1" latinLnBrk="0" hangingPunct="1">
+              <a:lnSpc>
+                <a:spcPct val="90000"/>
+              </a:lnSpc>
+              <a:spcBef>
+                <a:spcPts val="500"/>
+              </a:spcBef>
+              <a:buFont typeface="Arial" panose="020B0604020202020204" pitchFamily="34" charset="0"/>
+              <a:buChar char="•"/>
+              <a:defRPr sz="1800" kern="1200">
+                <a:solidFill>
+                  <a:schemeClr val="tx1"/>
+                </a:solidFill>
+                <a:latin typeface="+mn-lt"/>
+                <a:ea typeface="+mn-ea"/>
+                <a:cs typeface="+mn-cs"/>
+              </a:defRPr>
+            </a:lvl4pPr>
+            <a:lvl5pPr marL="2057400" indent="-228600" algn="l" defTabSz="914400" rtl="0" eaLnBrk="1" latinLnBrk="0" hangingPunct="1">
+              <a:lnSpc>
+                <a:spcPct val="90000"/>
+              </a:lnSpc>
+              <a:spcBef>
+                <a:spcPts val="500"/>
+              </a:spcBef>
+              <a:buFont typeface="Arial" panose="020B0604020202020204" pitchFamily="34" charset="0"/>
+              <a:buChar char="•"/>
+              <a:defRPr sz="1800" kern="1200">
+                <a:solidFill>
+                  <a:schemeClr val="tx1"/>
+                </a:solidFill>
+                <a:latin typeface="+mn-lt"/>
+                <a:ea typeface="+mn-ea"/>
+                <a:cs typeface="+mn-cs"/>
+              </a:defRPr>
+            </a:lvl5pPr>
+            <a:lvl6pPr marL="2514600" indent="-228600" algn="l" defTabSz="914400" rtl="0" eaLnBrk="1" latinLnBrk="0" hangingPunct="1">
+              <a:lnSpc>
+                <a:spcPct val="90000"/>
+              </a:lnSpc>
+              <a:spcBef>
+                <a:spcPts val="500"/>
+              </a:spcBef>
+              <a:buFont typeface="Arial" panose="020B0604020202020204" pitchFamily="34" charset="0"/>
+              <a:buChar char="•"/>
+              <a:defRPr sz="1800" kern="1200">
+                <a:solidFill>
+                  <a:schemeClr val="tx1"/>
+                </a:solidFill>
+                <a:latin typeface="+mn-lt"/>
+                <a:ea typeface="+mn-ea"/>
+                <a:cs typeface="+mn-cs"/>
+              </a:defRPr>
+            </a:lvl6pPr>
+            <a:lvl7pPr marL="2971800" indent="-228600" algn="l" defTabSz="914400" rtl="0" eaLnBrk="1" latinLnBrk="0" hangingPunct="1">
+              <a:lnSpc>
+                <a:spcPct val="90000"/>
+              </a:lnSpc>
+              <a:spcBef>
+                <a:spcPts val="500"/>
+              </a:spcBef>
+              <a:buFont typeface="Arial" panose="020B0604020202020204" pitchFamily="34" charset="0"/>
+              <a:buChar char="•"/>
+              <a:defRPr sz="1800" kern="1200">
+                <a:solidFill>
+                  <a:schemeClr val="tx1"/>
+                </a:solidFill>
+                <a:latin typeface="+mn-lt"/>
+                <a:ea typeface="+mn-ea"/>
+                <a:cs typeface="+mn-cs"/>
+              </a:defRPr>
+            </a:lvl7pPr>
+            <a:lvl8pPr marL="3429000" indent="-228600" algn="l" defTabSz="914400" rtl="0" eaLnBrk="1" latinLnBrk="0" hangingPunct="1">
+              <a:lnSpc>
+                <a:spcPct val="90000"/>
+              </a:lnSpc>
+              <a:spcBef>
+                <a:spcPts val="500"/>
+              </a:spcBef>
+              <a:buFont typeface="Arial" panose="020B0604020202020204" pitchFamily="34" charset="0"/>
+              <a:buChar char="•"/>
+              <a:defRPr sz="1800" kern="1200">
+                <a:solidFill>
+                  <a:schemeClr val="tx1"/>
+                </a:solidFill>
+                <a:latin typeface="+mn-lt"/>
+                <a:ea typeface="+mn-ea"/>
+                <a:cs typeface="+mn-cs"/>
+              </a:defRPr>
+            </a:lvl8pPr>
+            <a:lvl9pPr marL="3886200" indent="-228600" algn="l" defTabSz="914400" rtl="0" eaLnBrk="1" latinLnBrk="0" hangingPunct="1">
+              <a:lnSpc>
+                <a:spcPct val="90000"/>
+              </a:lnSpc>
+              <a:spcBef>
+                <a:spcPts val="500"/>
+              </a:spcBef>
+              <a:buFont typeface="Arial" panose="020B0604020202020204" pitchFamily="34" charset="0"/>
+              <a:buChar char="•"/>
+              <a:defRPr sz="1800" kern="1200">
+                <a:solidFill>
+                  <a:schemeClr val="tx1"/>
+                </a:solidFill>
+                <a:latin typeface="+mn-lt"/>
+                <a:ea typeface="+mn-ea"/>
+                <a:cs typeface="+mn-cs"/>
+              </a:defRPr>
+            </a:lvl9pPr>
+          </a:lstStyle>
+          <a:p>
+            <a:r>
+              <a:rPr lang="en-US" dirty="0">
+                <a:latin typeface="Calibri" panose="020F0502020204030204" pitchFamily="34" charset="0"/>
+                <a:cs typeface="Calibri" panose="020F0502020204030204" pitchFamily="34" charset="0"/>
+                <a:sym typeface="Wingdings" panose="05000000000000000000" pitchFamily="2" charset="2"/>
+              </a:rPr>
+              <a:t>Anthropogenic land use change, including the conversion of natural areas to agricultural or urban ecosystems, alters the environment and the conditions in which the host microbiome is shaped</a:t>
+            </a:r>
+          </a:p>
+          <a:p>
+            <a:r>
+              <a:rPr lang="en-US" dirty="0">
+                <a:latin typeface="Calibri" panose="020F0502020204030204" pitchFamily="34" charset="0"/>
+                <a:cs typeface="Calibri" panose="020F0502020204030204" pitchFamily="34" charset="0"/>
+                <a:sym typeface="Wingdings" panose="05000000000000000000" pitchFamily="2" charset="2"/>
+              </a:rPr>
+              <a:t>Two categories of processes: deterministic and stochastic</a:t>
+            </a:r>
+          </a:p>
+          <a:p>
+            <a:r>
+              <a:rPr lang="en-US" dirty="0">
+                <a:latin typeface="Calibri" panose="020F0502020204030204" pitchFamily="34" charset="0"/>
+                <a:cs typeface="Calibri" panose="020F0502020204030204" pitchFamily="34" charset="0"/>
+                <a:sym typeface="Wingdings" panose="05000000000000000000" pitchFamily="2" charset="2"/>
+              </a:rPr>
+              <a:t>Deterministic: environmental filtering (due to diet shift)</a:t>
+            </a:r>
+          </a:p>
+          <a:p>
+            <a:r>
+              <a:rPr lang="en-US" dirty="0">
+                <a:latin typeface="Calibri" panose="020F0502020204030204" pitchFamily="34" charset="0"/>
+                <a:cs typeface="Calibri" panose="020F0502020204030204" pitchFamily="34" charset="0"/>
+                <a:sym typeface="Wingdings" panose="05000000000000000000" pitchFamily="2" charset="2"/>
+              </a:rPr>
+              <a:t>Stochastic: dispersal between individuals (population density and behavior), dispersal from species pool (changes with the environment), neutral processes and drift</a:t>
+            </a:r>
+          </a:p>
+          <a:p>
+            <a:pPr marL="0" indent="0">
+              <a:buFont typeface="Arial" panose="020B0604020202020204" pitchFamily="34" charset="0"/>
+              <a:buNone/>
+            </a:pPr>
+            <a:endParaRPr lang="en-US" sz="3200" dirty="0">
+              <a:latin typeface="Calibri" panose="020F0502020204030204" pitchFamily="34" charset="0"/>
+              <a:cs typeface="Calibri" panose="020F0502020204030204" pitchFamily="34" charset="0"/>
+            </a:endParaRPr>
+          </a:p>
+        </p:txBody>
+      </p:sp>
     </p:spTree>
     <p:extLst>
       <p:ext uri="{BB962C8B-B14F-4D97-AF65-F5344CB8AC3E}">
-        <p14:creationId xmlns:p14="http://schemas.microsoft.com/office/powerpoint/2010/main" val="3061334034"/>
+        <p14:creationId xmlns:p14="http://schemas.microsoft.com/office/powerpoint/2010/main" val="470769674"/>
       </p:ext>
     </p:extLst>
   </p:cSld>
@@ -23659,1015 +23579,6 @@
 </file>
 
 <file path=ppt/slides/slide4.xml><?xml version="1.0" encoding="utf-8"?>
-<p:sld xmlns:a="http://schemas.openxmlformats.org/drawingml/2006/main" xmlns:r="http://schemas.openxmlformats.org/officeDocument/2006/relationships" xmlns:p="http://schemas.openxmlformats.org/presentationml/2006/main">
-  <p:cSld>
-    <p:spTree>
-      <p:nvGrpSpPr>
-        <p:cNvPr id="1" name="Shape 98"/>
-        <p:cNvGrpSpPr/>
-        <p:nvPr/>
-      </p:nvGrpSpPr>
-      <p:grpSpPr>
-        <a:xfrm>
-          <a:off x="0" y="0"/>
-          <a:ext cx="0" cy="0"/>
-          <a:chOff x="0" y="0"/>
-          <a:chExt cx="0" cy="0"/>
-        </a:xfrm>
-      </p:grpSpPr>
-      <p:pic>
-        <p:nvPicPr>
-          <p:cNvPr id="99" name="Google Shape;99;p2"/>
-          <p:cNvPicPr preferRelativeResize="0">
-            <a:picLocks noChangeAspect="1"/>
-          </p:cNvPicPr>
-          <p:nvPr/>
-        </p:nvPicPr>
-        <p:blipFill rotWithShape="1">
-          <a:blip r:embed="rId3">
-            <a:alphaModFix/>
-          </a:blip>
-          <a:srcRect/>
-          <a:stretch/>
-        </p:blipFill>
-        <p:spPr>
-          <a:xfrm>
-            <a:off x="6693219" y="318619"/>
-            <a:ext cx="5270710" cy="3989635"/>
-          </a:xfrm>
-          <a:prstGeom prst="rect">
-            <a:avLst/>
-          </a:prstGeom>
-          <a:noFill/>
-          <a:ln w="9525" cap="flat" cmpd="sng">
-            <a:solidFill>
-              <a:schemeClr val="dk1"/>
-            </a:solidFill>
-            <a:prstDash val="solid"/>
-            <a:round/>
-            <a:headEnd type="none" w="sm" len="sm"/>
-            <a:tailEnd type="none" w="sm" len="sm"/>
-          </a:ln>
-        </p:spPr>
-      </p:pic>
-      <p:sp>
-        <p:nvSpPr>
-          <p:cNvPr id="102" name="Google Shape;102;p2"/>
-          <p:cNvSpPr txBox="1"/>
-          <p:nvPr/>
-        </p:nvSpPr>
-        <p:spPr>
-          <a:xfrm>
-            <a:off x="8754653" y="1485120"/>
-            <a:ext cx="1838036" cy="523220"/>
-          </a:xfrm>
-          <a:prstGeom prst="rect">
-            <a:avLst/>
-          </a:prstGeom>
-          <a:solidFill>
-            <a:schemeClr val="lt2">
-              <a:alpha val="49803"/>
-            </a:schemeClr>
-          </a:solidFill>
-          <a:ln>
-            <a:noFill/>
-          </a:ln>
-        </p:spPr>
-        <p:txBody>
-          <a:bodyPr spcFirstLastPara="1" wrap="square" lIns="91425" tIns="45700" rIns="91425" bIns="45700" anchor="t" anchorCtr="0">
-            <a:spAutoFit/>
-          </a:bodyPr>
-          <a:lstStyle/>
-          <a:p>
-            <a:pPr marL="0" marR="0" lvl="0" indent="0" algn="ctr" rtl="0">
-              <a:spcBef>
-                <a:spcPts val="0"/>
-              </a:spcBef>
-              <a:spcAft>
-                <a:spcPts val="0"/>
-              </a:spcAft>
-              <a:buNone/>
-            </a:pPr>
-            <a:r>
-              <a:rPr lang="en-US" sz="2800" b="1">
-                <a:solidFill>
-                  <a:srgbClr val="002060"/>
-                </a:solidFill>
-                <a:latin typeface="Calibri"/>
-                <a:ea typeface="Calibri"/>
-                <a:cs typeface="Calibri"/>
-                <a:sym typeface="Calibri"/>
-              </a:rPr>
-              <a:t>Forest</a:t>
-            </a:r>
-            <a:endParaRPr/>
-          </a:p>
-        </p:txBody>
-      </p:sp>
-      <p:sp>
-        <p:nvSpPr>
-          <p:cNvPr id="103" name="Google Shape;103;p2"/>
-          <p:cNvSpPr txBox="1"/>
-          <p:nvPr/>
-        </p:nvSpPr>
-        <p:spPr>
-          <a:xfrm>
-            <a:off x="8084400" y="2245702"/>
-            <a:ext cx="1838036" cy="523220"/>
-          </a:xfrm>
-          <a:prstGeom prst="rect">
-            <a:avLst/>
-          </a:prstGeom>
-          <a:solidFill>
-            <a:schemeClr val="lt2">
-              <a:alpha val="49803"/>
-            </a:schemeClr>
-          </a:solidFill>
-          <a:ln>
-            <a:noFill/>
-          </a:ln>
-        </p:spPr>
-        <p:txBody>
-          <a:bodyPr spcFirstLastPara="1" wrap="square" lIns="91425" tIns="45700" rIns="91425" bIns="45700" anchor="t" anchorCtr="0">
-            <a:spAutoFit/>
-          </a:bodyPr>
-          <a:lstStyle/>
-          <a:p>
-            <a:pPr marL="0" marR="0" lvl="0" indent="0" algn="ctr" rtl="0">
-              <a:spcBef>
-                <a:spcPts val="0"/>
-              </a:spcBef>
-              <a:spcAft>
-                <a:spcPts val="0"/>
-              </a:spcAft>
-              <a:buNone/>
-            </a:pPr>
-            <a:r>
-              <a:rPr lang="en-US" sz="2800" b="1" dirty="0">
-                <a:solidFill>
-                  <a:srgbClr val="002060"/>
-                </a:solidFill>
-                <a:latin typeface="Calibri"/>
-                <a:ea typeface="Calibri"/>
-                <a:cs typeface="Calibri"/>
-                <a:sym typeface="Calibri"/>
-              </a:rPr>
-              <a:t>Agriculture</a:t>
-            </a:r>
-            <a:endParaRPr dirty="0"/>
-          </a:p>
-        </p:txBody>
-      </p:sp>
-      <p:sp>
-        <p:nvSpPr>
-          <p:cNvPr id="104" name="Google Shape;104;p2"/>
-          <p:cNvSpPr txBox="1"/>
-          <p:nvPr/>
-        </p:nvSpPr>
-        <p:spPr>
-          <a:xfrm>
-            <a:off x="7450518" y="3122079"/>
-            <a:ext cx="1838036" cy="523220"/>
-          </a:xfrm>
-          <a:prstGeom prst="rect">
-            <a:avLst/>
-          </a:prstGeom>
-          <a:solidFill>
-            <a:schemeClr val="lt2">
-              <a:alpha val="49803"/>
-            </a:schemeClr>
-          </a:solidFill>
-          <a:ln>
-            <a:noFill/>
-          </a:ln>
-        </p:spPr>
-        <p:txBody>
-          <a:bodyPr spcFirstLastPara="1" wrap="square" lIns="91425" tIns="45700" rIns="91425" bIns="45700" anchor="t" anchorCtr="0">
-            <a:spAutoFit/>
-          </a:bodyPr>
-          <a:lstStyle/>
-          <a:p>
-            <a:pPr marL="0" marR="0" lvl="0" indent="0" algn="ctr" rtl="0">
-              <a:spcBef>
-                <a:spcPts val="0"/>
-              </a:spcBef>
-              <a:spcAft>
-                <a:spcPts val="0"/>
-              </a:spcAft>
-              <a:buNone/>
-            </a:pPr>
-            <a:r>
-              <a:rPr lang="en-US" sz="2800" b="1" dirty="0">
-                <a:solidFill>
-                  <a:srgbClr val="002060"/>
-                </a:solidFill>
-                <a:latin typeface="Calibri"/>
-                <a:ea typeface="Calibri"/>
-                <a:cs typeface="Calibri"/>
-                <a:sym typeface="Calibri"/>
-              </a:rPr>
-              <a:t>Village</a:t>
-            </a:r>
-            <a:endParaRPr dirty="0"/>
-          </a:p>
-        </p:txBody>
-      </p:sp>
-      <p:sp>
-        <p:nvSpPr>
-          <p:cNvPr id="105" name="Google Shape;105;p2"/>
-          <p:cNvSpPr/>
-          <p:nvPr/>
-        </p:nvSpPr>
-        <p:spPr>
-          <a:xfrm>
-            <a:off x="2222096" y="1079619"/>
-            <a:ext cx="2728074" cy="729372"/>
-          </a:xfrm>
-          <a:prstGeom prst="roundRect">
-            <a:avLst>
-              <a:gd name="adj" fmla="val 16667"/>
-            </a:avLst>
-          </a:prstGeom>
-          <a:noFill/>
-          <a:ln w="9525" cap="flat" cmpd="sng">
-            <a:solidFill>
-              <a:schemeClr val="dk1"/>
-            </a:solidFill>
-            <a:prstDash val="solid"/>
-            <a:round/>
-            <a:headEnd type="none" w="sm" len="sm"/>
-            <a:tailEnd type="none" w="sm" len="sm"/>
-          </a:ln>
-        </p:spPr>
-        <p:txBody>
-          <a:bodyPr spcFirstLastPara="1" wrap="square" lIns="91425" tIns="45700" rIns="91425" bIns="45700" anchor="ctr" anchorCtr="0">
-            <a:normAutofit fontScale="85000" lnSpcReduction="10000"/>
-          </a:bodyPr>
-          <a:lstStyle/>
-          <a:p>
-            <a:pPr marL="0" marR="0" lvl="0" indent="0" algn="ctr" rtl="0">
-              <a:lnSpc>
-                <a:spcPct val="90000"/>
-              </a:lnSpc>
-              <a:spcBef>
-                <a:spcPts val="0"/>
-              </a:spcBef>
-              <a:spcAft>
-                <a:spcPts val="0"/>
-              </a:spcAft>
-              <a:buClr>
-                <a:schemeClr val="dk1"/>
-              </a:buClr>
-              <a:buSzPts val="3330"/>
-              <a:buFont typeface="Calibri"/>
-              <a:buNone/>
-            </a:pPr>
-            <a:r>
-              <a:rPr lang="en-US" sz="3330" b="1" u="none" dirty="0">
-                <a:solidFill>
-                  <a:schemeClr val="dk1"/>
-                </a:solidFill>
-                <a:latin typeface="Calibri"/>
-                <a:ea typeface="Calibri"/>
-                <a:cs typeface="Calibri"/>
-                <a:sym typeface="Calibri"/>
-              </a:rPr>
-              <a:t>Land use change</a:t>
-            </a:r>
-            <a:endParaRPr sz="3330" b="1" u="none" dirty="0">
-              <a:solidFill>
-                <a:schemeClr val="dk1"/>
-              </a:solidFill>
-              <a:latin typeface="Calibri"/>
-              <a:ea typeface="Calibri"/>
-              <a:cs typeface="Calibri"/>
-              <a:sym typeface="Calibri"/>
-            </a:endParaRPr>
-          </a:p>
-        </p:txBody>
-      </p:sp>
-      <p:sp>
-        <p:nvSpPr>
-          <p:cNvPr id="106" name="Google Shape;106;p2"/>
-          <p:cNvSpPr/>
-          <p:nvPr/>
-        </p:nvSpPr>
-        <p:spPr>
-          <a:xfrm>
-            <a:off x="1351292" y="2427793"/>
-            <a:ext cx="1741607" cy="878619"/>
-          </a:xfrm>
-          <a:prstGeom prst="roundRect">
-            <a:avLst>
-              <a:gd name="adj" fmla="val 16667"/>
-            </a:avLst>
-          </a:prstGeom>
-          <a:noFill/>
-          <a:ln w="9525" cap="flat" cmpd="sng">
-            <a:solidFill>
-              <a:schemeClr val="dk1"/>
-            </a:solidFill>
-            <a:prstDash val="solid"/>
-            <a:round/>
-            <a:headEnd type="none" w="sm" len="sm"/>
-            <a:tailEnd type="none" w="sm" len="sm"/>
-          </a:ln>
-        </p:spPr>
-        <p:txBody>
-          <a:bodyPr spcFirstLastPara="1" wrap="square" lIns="91425" tIns="45700" rIns="91425" bIns="45700" anchor="ctr" anchorCtr="0">
-            <a:noAutofit/>
-          </a:bodyPr>
-          <a:lstStyle/>
-          <a:p>
-            <a:pPr marL="0" marR="0" lvl="0" indent="0" algn="ctr" rtl="0">
-              <a:lnSpc>
-                <a:spcPct val="90000"/>
-              </a:lnSpc>
-              <a:spcBef>
-                <a:spcPts val="0"/>
-              </a:spcBef>
-              <a:spcAft>
-                <a:spcPts val="0"/>
-              </a:spcAft>
-              <a:buClr>
-                <a:schemeClr val="dk1"/>
-              </a:buClr>
-              <a:buSzPts val="2800"/>
-              <a:buFont typeface="Calibri"/>
-              <a:buNone/>
-            </a:pPr>
-            <a:r>
-              <a:rPr lang="en-US" sz="2200" b="1" u="none" dirty="0">
-                <a:solidFill>
-                  <a:schemeClr val="dk1"/>
-                </a:solidFill>
-                <a:latin typeface="Calibri"/>
-                <a:ea typeface="Calibri"/>
-                <a:cs typeface="Calibri"/>
-                <a:sym typeface="Calibri"/>
-              </a:rPr>
-              <a:t>Host community change</a:t>
-            </a:r>
-            <a:endParaRPr sz="2200" b="1" u="none" dirty="0">
-              <a:solidFill>
-                <a:schemeClr val="dk1"/>
-              </a:solidFill>
-              <a:latin typeface="Calibri"/>
-              <a:ea typeface="Calibri"/>
-              <a:cs typeface="Calibri"/>
-              <a:sym typeface="Calibri"/>
-            </a:endParaRPr>
-          </a:p>
-        </p:txBody>
-      </p:sp>
-      <p:sp>
-        <p:nvSpPr>
-          <p:cNvPr id="107" name="Google Shape;107;p2"/>
-          <p:cNvSpPr/>
-          <p:nvPr/>
-        </p:nvSpPr>
-        <p:spPr>
-          <a:xfrm>
-            <a:off x="2623033" y="3726532"/>
-            <a:ext cx="1741607" cy="729372"/>
-          </a:xfrm>
-          <a:prstGeom prst="roundRect">
-            <a:avLst>
-              <a:gd name="adj" fmla="val 16667"/>
-            </a:avLst>
-          </a:prstGeom>
-          <a:noFill/>
-          <a:ln w="9525" cap="flat" cmpd="sng">
-            <a:solidFill>
-              <a:schemeClr val="dk1"/>
-            </a:solidFill>
-            <a:prstDash val="solid"/>
-            <a:round/>
-            <a:headEnd type="none" w="sm" len="sm"/>
-            <a:tailEnd type="none" w="sm" len="sm"/>
-          </a:ln>
-        </p:spPr>
-        <p:txBody>
-          <a:bodyPr spcFirstLastPara="1" wrap="square" lIns="91425" tIns="45700" rIns="91425" bIns="45700" anchor="ctr" anchorCtr="0">
-            <a:normAutofit/>
-          </a:bodyPr>
-          <a:lstStyle/>
-          <a:p>
-            <a:pPr marL="0" marR="0" lvl="0" indent="0" algn="ctr" rtl="0">
-              <a:lnSpc>
-                <a:spcPct val="90000"/>
-              </a:lnSpc>
-              <a:spcBef>
-                <a:spcPts val="0"/>
-              </a:spcBef>
-              <a:spcAft>
-                <a:spcPts val="0"/>
-              </a:spcAft>
-              <a:buClr>
-                <a:schemeClr val="dk1"/>
-              </a:buClr>
-              <a:buSzPts val="2800"/>
-              <a:buFont typeface="Calibri"/>
-              <a:buNone/>
-            </a:pPr>
-            <a:r>
-              <a:rPr lang="en-US" sz="2800" b="1" u="none" dirty="0">
-                <a:solidFill>
-                  <a:schemeClr val="dk1"/>
-                </a:solidFill>
-                <a:latin typeface="Calibri"/>
-                <a:ea typeface="Calibri"/>
-                <a:cs typeface="Calibri"/>
-                <a:sym typeface="Calibri"/>
-              </a:rPr>
-              <a:t>Diet shift</a:t>
-            </a:r>
-            <a:endParaRPr sz="2800" b="1" u="none" dirty="0">
-              <a:solidFill>
-                <a:schemeClr val="dk1"/>
-              </a:solidFill>
-              <a:latin typeface="Calibri"/>
-              <a:ea typeface="Calibri"/>
-              <a:cs typeface="Calibri"/>
-              <a:sym typeface="Calibri"/>
-            </a:endParaRPr>
-          </a:p>
-        </p:txBody>
-      </p:sp>
-      <p:sp>
-        <p:nvSpPr>
-          <p:cNvPr id="108" name="Google Shape;108;p2"/>
-          <p:cNvSpPr/>
-          <p:nvPr/>
-        </p:nvSpPr>
-        <p:spPr>
-          <a:xfrm>
-            <a:off x="3952380" y="2427793"/>
-            <a:ext cx="2126898" cy="878619"/>
-          </a:xfrm>
-          <a:prstGeom prst="roundRect">
-            <a:avLst>
-              <a:gd name="adj" fmla="val 16667"/>
-            </a:avLst>
-          </a:prstGeom>
-          <a:noFill/>
-          <a:ln w="9525" cap="flat" cmpd="sng">
-            <a:solidFill>
-              <a:schemeClr val="dk1"/>
-            </a:solidFill>
-            <a:prstDash val="solid"/>
-            <a:round/>
-            <a:headEnd type="none" w="sm" len="sm"/>
-            <a:tailEnd type="none" w="sm" len="sm"/>
-          </a:ln>
-        </p:spPr>
-        <p:txBody>
-          <a:bodyPr spcFirstLastPara="1" wrap="square" lIns="91425" tIns="45700" rIns="91425" bIns="45700" anchor="ctr" anchorCtr="0">
-            <a:normAutofit fontScale="77500" lnSpcReduction="20000"/>
-          </a:bodyPr>
-          <a:lstStyle/>
-          <a:p>
-            <a:pPr marL="0" marR="0" lvl="0" indent="0" algn="ctr" rtl="0">
-              <a:lnSpc>
-                <a:spcPct val="90000"/>
-              </a:lnSpc>
-              <a:spcBef>
-                <a:spcPts val="0"/>
-              </a:spcBef>
-              <a:spcAft>
-                <a:spcPts val="0"/>
-              </a:spcAft>
-              <a:buClr>
-                <a:schemeClr val="dk1"/>
-              </a:buClr>
-              <a:buSzPts val="2800"/>
-              <a:buFont typeface="Calibri"/>
-              <a:buNone/>
-            </a:pPr>
-            <a:r>
-              <a:rPr lang="en-US" sz="2800" b="1" u="none" dirty="0">
-                <a:solidFill>
-                  <a:schemeClr val="dk1"/>
-                </a:solidFill>
-                <a:latin typeface="Calibri"/>
-                <a:ea typeface="Calibri"/>
-                <a:cs typeface="Calibri"/>
-                <a:sym typeface="Calibri"/>
-              </a:rPr>
-              <a:t>Human-Wildlife interface</a:t>
-            </a:r>
-            <a:endParaRPr sz="2800" b="1" u="none" dirty="0">
-              <a:solidFill>
-                <a:schemeClr val="dk1"/>
-              </a:solidFill>
-              <a:latin typeface="Calibri"/>
-              <a:ea typeface="Calibri"/>
-              <a:cs typeface="Calibri"/>
-              <a:sym typeface="Calibri"/>
-            </a:endParaRPr>
-          </a:p>
-        </p:txBody>
-      </p:sp>
-      <p:sp>
-        <p:nvSpPr>
-          <p:cNvPr id="109" name="Google Shape;109;p2"/>
-          <p:cNvSpPr/>
-          <p:nvPr/>
-        </p:nvSpPr>
-        <p:spPr>
-          <a:xfrm>
-            <a:off x="2328883" y="5170630"/>
-            <a:ext cx="2351980" cy="954277"/>
-          </a:xfrm>
-          <a:prstGeom prst="roundRect">
-            <a:avLst>
-              <a:gd name="adj" fmla="val 16667"/>
-            </a:avLst>
-          </a:prstGeom>
-          <a:noFill/>
-          <a:ln w="38100" cap="flat" cmpd="sng">
-            <a:solidFill>
-              <a:srgbClr val="FF0000"/>
-            </a:solidFill>
-            <a:prstDash val="solid"/>
-            <a:round/>
-            <a:headEnd type="none" w="sm" len="sm"/>
-            <a:tailEnd type="none" w="sm" len="sm"/>
-          </a:ln>
-        </p:spPr>
-        <p:txBody>
-          <a:bodyPr spcFirstLastPara="1" wrap="square" lIns="91425" tIns="45700" rIns="91425" bIns="45700" anchor="ctr" anchorCtr="0">
-            <a:noAutofit/>
-          </a:bodyPr>
-          <a:lstStyle/>
-          <a:p>
-            <a:pPr marL="0" marR="0" lvl="0" indent="0" algn="ctr" rtl="0">
-              <a:lnSpc>
-                <a:spcPct val="80000"/>
-              </a:lnSpc>
-              <a:spcBef>
-                <a:spcPts val="0"/>
-              </a:spcBef>
-              <a:spcAft>
-                <a:spcPts val="0"/>
-              </a:spcAft>
-              <a:buClr>
-                <a:schemeClr val="dk1"/>
-              </a:buClr>
-              <a:buSzPts val="2960"/>
-              <a:buFont typeface="Calibri"/>
-              <a:buNone/>
-            </a:pPr>
-            <a:r>
-              <a:rPr lang="en-US" sz="3200" b="1" u="none" dirty="0">
-                <a:solidFill>
-                  <a:schemeClr val="dk1"/>
-                </a:solidFill>
-                <a:latin typeface="Calibri"/>
-                <a:ea typeface="Calibri"/>
-                <a:cs typeface="Calibri"/>
-                <a:sym typeface="Calibri"/>
-              </a:rPr>
-              <a:t>Host Microbiome</a:t>
-            </a:r>
-            <a:endParaRPr sz="3200" b="1" u="none" dirty="0">
-              <a:solidFill>
-                <a:schemeClr val="dk1"/>
-              </a:solidFill>
-              <a:latin typeface="Calibri"/>
-              <a:ea typeface="Calibri"/>
-              <a:cs typeface="Calibri"/>
-              <a:sym typeface="Calibri"/>
-            </a:endParaRPr>
-          </a:p>
-        </p:txBody>
-      </p:sp>
-      <p:sp>
-        <p:nvSpPr>
-          <p:cNvPr id="113" name="Google Shape;113;p2"/>
-          <p:cNvSpPr/>
-          <p:nvPr/>
-        </p:nvSpPr>
-        <p:spPr>
-          <a:xfrm>
-            <a:off x="3349045" y="4659037"/>
-            <a:ext cx="289577" cy="563617"/>
-          </a:xfrm>
-          <a:prstGeom prst="downArrow">
-            <a:avLst>
-              <a:gd name="adj1" fmla="val 50000"/>
-              <a:gd name="adj2" fmla="val 50000"/>
-            </a:avLst>
-          </a:prstGeom>
-          <a:solidFill>
-            <a:schemeClr val="accent1"/>
-          </a:solidFill>
-          <a:ln w="12700" cap="flat" cmpd="sng">
-            <a:solidFill>
-              <a:srgbClr val="31538F"/>
-            </a:solidFill>
-            <a:prstDash val="solid"/>
-            <a:miter lim="800000"/>
-            <a:headEnd type="none" w="sm" len="sm"/>
-            <a:tailEnd type="none" w="sm" len="sm"/>
-          </a:ln>
-        </p:spPr>
-        <p:txBody>
-          <a:bodyPr spcFirstLastPara="1" wrap="square" lIns="91425" tIns="45700" rIns="91425" bIns="45700" anchor="ctr" anchorCtr="0">
-            <a:noAutofit/>
-          </a:bodyPr>
-          <a:lstStyle/>
-          <a:p>
-            <a:pPr marL="0" marR="0" lvl="0" indent="0" algn="ctr" rtl="0">
-              <a:spcBef>
-                <a:spcPts val="0"/>
-              </a:spcBef>
-              <a:spcAft>
-                <a:spcPts val="0"/>
-              </a:spcAft>
-              <a:buNone/>
-            </a:pPr>
-            <a:endParaRPr sz="1800">
-              <a:solidFill>
-                <a:schemeClr val="lt1"/>
-              </a:solidFill>
-              <a:latin typeface="Calibri"/>
-              <a:ea typeface="Calibri"/>
-              <a:cs typeface="Calibri"/>
-              <a:sym typeface="Calibri"/>
-            </a:endParaRPr>
-          </a:p>
-        </p:txBody>
-      </p:sp>
-      <p:cxnSp>
-        <p:nvCxnSpPr>
-          <p:cNvPr id="3" name="Straight Arrow Connector 2">
-            <a:extLst>
-              <a:ext uri="{FF2B5EF4-FFF2-40B4-BE49-F238E27FC236}">
-                <a16:creationId xmlns:a16="http://schemas.microsoft.com/office/drawing/2014/main" id="{89A73223-298C-ED25-57EB-EC270A9C30F5}"/>
-              </a:ext>
-            </a:extLst>
-          </p:cNvPr>
-          <p:cNvCxnSpPr/>
-          <p:nvPr/>
-        </p:nvCxnSpPr>
-        <p:spPr>
-          <a:xfrm>
-            <a:off x="4510515" y="1875187"/>
-            <a:ext cx="439654" cy="486409"/>
-          </a:xfrm>
-          <a:prstGeom prst="straightConnector1">
-            <a:avLst/>
-          </a:prstGeom>
-          <a:ln w="57150">
-            <a:solidFill>
-              <a:schemeClr val="tx1"/>
-            </a:solidFill>
-            <a:tailEnd type="triangle"/>
-          </a:ln>
-        </p:spPr>
-        <p:style>
-          <a:lnRef idx="1">
-            <a:schemeClr val="dk1"/>
-          </a:lnRef>
-          <a:fillRef idx="0">
-            <a:schemeClr val="dk1"/>
-          </a:fillRef>
-          <a:effectRef idx="0">
-            <a:schemeClr val="dk1"/>
-          </a:effectRef>
-          <a:fontRef idx="minor">
-            <a:schemeClr val="tx1"/>
-          </a:fontRef>
-        </p:style>
-      </p:cxnSp>
-      <p:cxnSp>
-        <p:nvCxnSpPr>
-          <p:cNvPr id="4" name="Straight Arrow Connector 3">
-            <a:extLst>
-              <a:ext uri="{FF2B5EF4-FFF2-40B4-BE49-F238E27FC236}">
-                <a16:creationId xmlns:a16="http://schemas.microsoft.com/office/drawing/2014/main" id="{E50389BB-528E-8054-161F-F9B268BB9AEC}"/>
-              </a:ext>
-            </a:extLst>
-          </p:cNvPr>
-          <p:cNvCxnSpPr>
-            <a:cxnSpLocks/>
-          </p:cNvCxnSpPr>
-          <p:nvPr/>
-        </p:nvCxnSpPr>
-        <p:spPr>
-          <a:xfrm flipH="1">
-            <a:off x="2328883" y="1885732"/>
-            <a:ext cx="437628" cy="475865"/>
-          </a:xfrm>
-          <a:prstGeom prst="straightConnector1">
-            <a:avLst/>
-          </a:prstGeom>
-          <a:ln w="57150">
-            <a:solidFill>
-              <a:schemeClr val="tx1"/>
-            </a:solidFill>
-            <a:tailEnd type="triangle"/>
-          </a:ln>
-        </p:spPr>
-        <p:style>
-          <a:lnRef idx="1">
-            <a:schemeClr val="dk1"/>
-          </a:lnRef>
-          <a:fillRef idx="0">
-            <a:schemeClr val="dk1"/>
-          </a:fillRef>
-          <a:effectRef idx="0">
-            <a:schemeClr val="dk1"/>
-          </a:effectRef>
-          <a:fontRef idx="minor">
-            <a:schemeClr val="tx1"/>
-          </a:fontRef>
-        </p:style>
-      </p:cxnSp>
-      <p:cxnSp>
-        <p:nvCxnSpPr>
-          <p:cNvPr id="6" name="Straight Arrow Connector 5">
-            <a:extLst>
-              <a:ext uri="{FF2B5EF4-FFF2-40B4-BE49-F238E27FC236}">
-                <a16:creationId xmlns:a16="http://schemas.microsoft.com/office/drawing/2014/main" id="{A340C0C9-68B1-21AD-2FBE-6AD87021A16A}"/>
-              </a:ext>
-            </a:extLst>
-          </p:cNvPr>
-          <p:cNvCxnSpPr>
-            <a:cxnSpLocks/>
-          </p:cNvCxnSpPr>
-          <p:nvPr/>
-        </p:nvCxnSpPr>
-        <p:spPr>
-          <a:xfrm flipH="1">
-            <a:off x="3493835" y="1974528"/>
-            <a:ext cx="18891" cy="1682975"/>
-          </a:xfrm>
-          <a:prstGeom prst="straightConnector1">
-            <a:avLst/>
-          </a:prstGeom>
-          <a:ln w="57150">
-            <a:solidFill>
-              <a:schemeClr val="tx1"/>
-            </a:solidFill>
-            <a:tailEnd type="triangle"/>
-          </a:ln>
-        </p:spPr>
-        <p:style>
-          <a:lnRef idx="1">
-            <a:schemeClr val="dk1"/>
-          </a:lnRef>
-          <a:fillRef idx="0">
-            <a:schemeClr val="dk1"/>
-          </a:fillRef>
-          <a:effectRef idx="0">
-            <a:schemeClr val="dk1"/>
-          </a:effectRef>
-          <a:fontRef idx="minor">
-            <a:schemeClr val="tx1"/>
-          </a:fontRef>
-        </p:style>
-      </p:cxnSp>
-      <p:sp>
-        <p:nvSpPr>
-          <p:cNvPr id="5" name="Google Shape;109;p2">
-            <a:extLst>
-              <a:ext uri="{FF2B5EF4-FFF2-40B4-BE49-F238E27FC236}">
-                <a16:creationId xmlns:a16="http://schemas.microsoft.com/office/drawing/2014/main" id="{6DA46B52-3557-E6DF-E376-32758D960535}"/>
-              </a:ext>
-            </a:extLst>
-          </p:cNvPr>
-          <p:cNvSpPr/>
-          <p:nvPr/>
-        </p:nvSpPr>
-        <p:spPr>
-          <a:xfrm>
-            <a:off x="6330866" y="4506643"/>
-            <a:ext cx="1868993" cy="954277"/>
-          </a:xfrm>
-          <a:prstGeom prst="roundRect">
-            <a:avLst>
-              <a:gd name="adj" fmla="val 16667"/>
-            </a:avLst>
-          </a:prstGeom>
-          <a:noFill/>
-          <a:ln w="38100" cap="flat" cmpd="sng">
-            <a:solidFill>
-              <a:schemeClr val="accent1"/>
-            </a:solidFill>
-            <a:prstDash val="solid"/>
-            <a:round/>
-            <a:headEnd type="none" w="sm" len="sm"/>
-            <a:tailEnd type="none" w="sm" len="sm"/>
-          </a:ln>
-        </p:spPr>
-        <p:txBody>
-          <a:bodyPr spcFirstLastPara="1" wrap="square" lIns="91425" tIns="45700" rIns="91425" bIns="45700" anchor="ctr" anchorCtr="0">
-            <a:noAutofit/>
-          </a:bodyPr>
-          <a:lstStyle/>
-          <a:p>
-            <a:pPr marL="0" marR="0" lvl="0" indent="0" algn="ctr" rtl="0">
-              <a:lnSpc>
-                <a:spcPct val="80000"/>
-              </a:lnSpc>
-              <a:spcBef>
-                <a:spcPts val="0"/>
-              </a:spcBef>
-              <a:spcAft>
-                <a:spcPts val="0"/>
-              </a:spcAft>
-              <a:buClr>
-                <a:schemeClr val="dk1"/>
-              </a:buClr>
-              <a:buSzPts val="2960"/>
-              <a:buFont typeface="Calibri"/>
-              <a:buNone/>
-            </a:pPr>
-            <a:r>
-              <a:rPr lang="en-US" sz="2800" b="1" u="none" dirty="0">
-                <a:solidFill>
-                  <a:schemeClr val="dk1"/>
-                </a:solidFill>
-                <a:latin typeface="Calibri"/>
-                <a:ea typeface="Calibri"/>
-                <a:cs typeface="Calibri"/>
-                <a:sym typeface="Calibri"/>
-              </a:rPr>
-              <a:t>Neutral processes</a:t>
-            </a:r>
-            <a:endParaRPr sz="2800" b="1" u="none" dirty="0">
-              <a:solidFill>
-                <a:schemeClr val="dk1"/>
-              </a:solidFill>
-              <a:latin typeface="Calibri"/>
-              <a:ea typeface="Calibri"/>
-              <a:cs typeface="Calibri"/>
-              <a:sym typeface="Calibri"/>
-            </a:endParaRPr>
-          </a:p>
-        </p:txBody>
-      </p:sp>
-      <p:sp>
-        <p:nvSpPr>
-          <p:cNvPr id="7" name="Google Shape;113;p2">
-            <a:extLst>
-              <a:ext uri="{FF2B5EF4-FFF2-40B4-BE49-F238E27FC236}">
-                <a16:creationId xmlns:a16="http://schemas.microsoft.com/office/drawing/2014/main" id="{A8D979E6-E8B9-25FF-006D-32C519EBED50}"/>
-              </a:ext>
-            </a:extLst>
-          </p:cNvPr>
-          <p:cNvSpPr/>
-          <p:nvPr/>
-        </p:nvSpPr>
-        <p:spPr>
-          <a:xfrm rot="5080967">
-            <a:off x="5281561" y="4817911"/>
-            <a:ext cx="289577" cy="1628313"/>
-          </a:xfrm>
-          <a:prstGeom prst="downArrow">
-            <a:avLst>
-              <a:gd name="adj1" fmla="val 50000"/>
-              <a:gd name="adj2" fmla="val 50000"/>
-            </a:avLst>
-          </a:prstGeom>
-          <a:solidFill>
-            <a:schemeClr val="accent1"/>
-          </a:solidFill>
-          <a:ln w="12700" cap="flat" cmpd="sng">
-            <a:solidFill>
-              <a:srgbClr val="31538F"/>
-            </a:solidFill>
-            <a:prstDash val="solid"/>
-            <a:miter lim="800000"/>
-            <a:headEnd type="none" w="sm" len="sm"/>
-            <a:tailEnd type="none" w="sm" len="sm"/>
-          </a:ln>
-        </p:spPr>
-        <p:txBody>
-          <a:bodyPr spcFirstLastPara="1" wrap="square" lIns="91425" tIns="45700" rIns="91425" bIns="45700" anchor="ctr" anchorCtr="0">
-            <a:noAutofit/>
-          </a:bodyPr>
-          <a:lstStyle/>
-          <a:p>
-            <a:pPr marL="0" marR="0" lvl="0" indent="0" algn="ctr" rtl="0">
-              <a:spcBef>
-                <a:spcPts val="0"/>
-              </a:spcBef>
-              <a:spcAft>
-                <a:spcPts val="0"/>
-              </a:spcAft>
-              <a:buNone/>
-            </a:pPr>
-            <a:endParaRPr sz="1800">
-              <a:solidFill>
-                <a:schemeClr val="lt1"/>
-              </a:solidFill>
-              <a:latin typeface="Calibri"/>
-              <a:ea typeface="Calibri"/>
-              <a:cs typeface="Calibri"/>
-              <a:sym typeface="Calibri"/>
-            </a:endParaRPr>
-          </a:p>
-        </p:txBody>
-      </p:sp>
-      <p:sp>
-        <p:nvSpPr>
-          <p:cNvPr id="2" name="Google Shape;109;p2">
-            <a:extLst>
-              <a:ext uri="{FF2B5EF4-FFF2-40B4-BE49-F238E27FC236}">
-                <a16:creationId xmlns:a16="http://schemas.microsoft.com/office/drawing/2014/main" id="{077AB9E9-1913-38F7-A0F2-98BCC9621A18}"/>
-              </a:ext>
-            </a:extLst>
-          </p:cNvPr>
-          <p:cNvSpPr/>
-          <p:nvPr/>
-        </p:nvSpPr>
-        <p:spPr>
-          <a:xfrm>
-            <a:off x="6330865" y="5620555"/>
-            <a:ext cx="1868993" cy="954277"/>
-          </a:xfrm>
-          <a:prstGeom prst="roundRect">
-            <a:avLst>
-              <a:gd name="adj" fmla="val 16667"/>
-            </a:avLst>
-          </a:prstGeom>
-          <a:solidFill>
-            <a:schemeClr val="bg1"/>
-          </a:solidFill>
-          <a:ln w="38100" cap="flat" cmpd="sng">
-            <a:solidFill>
-              <a:schemeClr val="accent1"/>
-            </a:solidFill>
-            <a:prstDash val="solid"/>
-            <a:round/>
-            <a:headEnd type="none" w="sm" len="sm"/>
-            <a:tailEnd type="none" w="sm" len="sm"/>
-          </a:ln>
-        </p:spPr>
-        <p:txBody>
-          <a:bodyPr spcFirstLastPara="1" wrap="square" lIns="91425" tIns="45700" rIns="91425" bIns="45700" anchor="ctr" anchorCtr="0">
-            <a:noAutofit/>
-          </a:bodyPr>
-          <a:lstStyle/>
-          <a:p>
-            <a:pPr marL="0" marR="0" lvl="0" indent="0" algn="ctr" rtl="0">
-              <a:lnSpc>
-                <a:spcPct val="80000"/>
-              </a:lnSpc>
-              <a:spcBef>
-                <a:spcPts val="0"/>
-              </a:spcBef>
-              <a:spcAft>
-                <a:spcPts val="0"/>
-              </a:spcAft>
-              <a:buClr>
-                <a:schemeClr val="dk1"/>
-              </a:buClr>
-              <a:buSzPts val="2960"/>
-              <a:buFont typeface="Calibri"/>
-              <a:buNone/>
-            </a:pPr>
-            <a:r>
-              <a:rPr lang="en-US" sz="2800" b="1" u="none" dirty="0">
-                <a:solidFill>
-                  <a:schemeClr val="dk1"/>
-                </a:solidFill>
-                <a:latin typeface="Calibri"/>
-                <a:ea typeface="Calibri"/>
-                <a:cs typeface="Calibri"/>
-                <a:sym typeface="Calibri"/>
-              </a:rPr>
-              <a:t>Selective processes</a:t>
-            </a:r>
-            <a:endParaRPr sz="2800" b="1" u="none" dirty="0">
-              <a:solidFill>
-                <a:schemeClr val="dk1"/>
-              </a:solidFill>
-              <a:latin typeface="Calibri"/>
-              <a:ea typeface="Calibri"/>
-              <a:cs typeface="Calibri"/>
-              <a:sym typeface="Calibri"/>
-            </a:endParaRPr>
-          </a:p>
-        </p:txBody>
-      </p:sp>
-    </p:spTree>
-    <p:extLst>
-      <p:ext uri="{BB962C8B-B14F-4D97-AF65-F5344CB8AC3E}">
-        <p14:creationId xmlns:p14="http://schemas.microsoft.com/office/powerpoint/2010/main" val="2624083447"/>
-      </p:ext>
-    </p:extLst>
-  </p:cSld>
-  <p:clrMapOvr>
-    <a:masterClrMapping/>
-  </p:clrMapOvr>
-</p:sld>
-</file>
-
-<file path=ppt/slides/slide5.xml><?xml version="1.0" encoding="utf-8"?>
 <p:sld xmlns:a="http://schemas.openxmlformats.org/drawingml/2006/main" xmlns:r="http://schemas.openxmlformats.org/officeDocument/2006/relationships" xmlns:p="http://schemas.openxmlformats.org/presentationml/2006/main">
   <p:cSld>
     <p:spTree>
@@ -24686,44 +23597,6 @@
       </p:grpSpPr>
       <p:sp>
         <p:nvSpPr>
-          <p:cNvPr id="4" name="TextBox 3">
-            <a:extLst>
-              <a:ext uri="{FF2B5EF4-FFF2-40B4-BE49-F238E27FC236}">
-                <a16:creationId xmlns:a16="http://schemas.microsoft.com/office/drawing/2014/main" id="{E77F5A8C-8820-3531-5296-58627EE20CD8}"/>
-              </a:ext>
-            </a:extLst>
-          </p:cNvPr>
-          <p:cNvSpPr txBox="1"/>
-          <p:nvPr/>
-        </p:nvSpPr>
-        <p:spPr>
-          <a:xfrm>
-            <a:off x="762503" y="597879"/>
-            <a:ext cx="10721591" cy="646331"/>
-          </a:xfrm>
-          <a:prstGeom prst="rect">
-            <a:avLst/>
-          </a:prstGeom>
-          <a:noFill/>
-        </p:spPr>
-        <p:txBody>
-          <a:bodyPr wrap="square" rtlCol="0">
-            <a:spAutoFit/>
-          </a:bodyPr>
-          <a:lstStyle/>
-          <a:p>
-            <a:r>
-              <a:rPr lang="en-US" sz="3600" b="1" dirty="0">
-                <a:latin typeface="Calibri" panose="020F0502020204030204" pitchFamily="34" charset="0"/>
-                <a:cs typeface="Calibri" panose="020F0502020204030204" pitchFamily="34" charset="0"/>
-              </a:rPr>
-              <a:t>Core and non-core microbiome</a:t>
-            </a:r>
-          </a:p>
-        </p:txBody>
-      </p:sp>
-      <p:sp>
-        <p:nvSpPr>
           <p:cNvPr id="5" name="TextBox 4">
             <a:extLst>
               <a:ext uri="{FF2B5EF4-FFF2-40B4-BE49-F238E27FC236}">
@@ -24736,8 +23609,8 @@
         </p:nvSpPr>
         <p:spPr>
           <a:xfrm>
-            <a:off x="762503" y="1714921"/>
-            <a:ext cx="10721591" cy="1569660"/>
+            <a:off x="735204" y="840715"/>
+            <a:ext cx="10721591" cy="2062103"/>
           </a:xfrm>
           <a:prstGeom prst="rect">
             <a:avLst/>
@@ -24759,7 +23632,7 @@
                 <a:latin typeface="Calibri" panose="020F0502020204030204" pitchFamily="34" charset="0"/>
                 <a:cs typeface="Calibri" panose="020F0502020204030204" pitchFamily="34" charset="0"/>
               </a:rPr>
-              <a:t>Functional roles may vary between microbial groups</a:t>
+              <a:t>Functional roles may vary between microbial groups (core and rare)</a:t>
             </a:r>
           </a:p>
           <a:p>
@@ -24790,12 +23663,12 @@
 </p:sld>
 </file>
 
-<file path=ppt/slides/slide6.xml><?xml version="1.0" encoding="utf-8"?>
+<file path=ppt/slides/slide5.xml><?xml version="1.0" encoding="utf-8"?>
 <p:sld xmlns:a="http://schemas.openxmlformats.org/drawingml/2006/main" xmlns:r="http://schemas.openxmlformats.org/officeDocument/2006/relationships" xmlns:p="http://schemas.openxmlformats.org/presentationml/2006/main">
   <p:cSld>
     <p:spTree>
       <p:nvGrpSpPr>
-        <p:cNvPr id="1" name=""/>
+        <p:cNvPr id="1" name="Shape 98"/>
         <p:cNvGrpSpPr/>
         <p:nvPr/>
       </p:nvGrpSpPr>
@@ -24809,10 +23682,76 @@
       </p:grpSpPr>
       <p:sp>
         <p:nvSpPr>
-          <p:cNvPr id="5" name="Content Placeholder 2">
+          <p:cNvPr id="14" name="TextBox 13">
             <a:extLst>
               <a:ext uri="{FF2B5EF4-FFF2-40B4-BE49-F238E27FC236}">
-                <a16:creationId xmlns:a16="http://schemas.microsoft.com/office/drawing/2014/main" id="{EE75F7E0-B695-0BC6-30AD-544E53A4EC57}"/>
+                <a16:creationId xmlns:a16="http://schemas.microsoft.com/office/drawing/2014/main" id="{28327477-C188-7255-8EFC-FAAE2D3E9519}"/>
+              </a:ext>
+            </a:extLst>
+          </p:cNvPr>
+          <p:cNvSpPr txBox="1"/>
+          <p:nvPr/>
+        </p:nvSpPr>
+        <p:spPr>
+          <a:xfrm>
+            <a:off x="7807974" y="6550223"/>
+            <a:ext cx="4099323" cy="307777"/>
+          </a:xfrm>
+          <a:prstGeom prst="rect">
+            <a:avLst/>
+          </a:prstGeom>
+          <a:noFill/>
+        </p:spPr>
+        <p:txBody>
+          <a:bodyPr wrap="square" rtlCol="0">
+            <a:spAutoFit/>
+          </a:bodyPr>
+          <a:lstStyle/>
+          <a:p>
+            <a:r>
+              <a:rPr lang="en-US" dirty="0">
+                <a:latin typeface="Calibri" panose="020F0502020204030204" pitchFamily="34" charset="0"/>
+                <a:cs typeface="Calibri" panose="020F0502020204030204" pitchFamily="34" charset="0"/>
+              </a:rPr>
+              <a:t>Bernardo-</a:t>
+            </a:r>
+            <a:r>
+              <a:rPr lang="en-US" dirty="0" err="1">
+                <a:latin typeface="Calibri" panose="020F0502020204030204" pitchFamily="34" charset="0"/>
+                <a:cs typeface="Calibri" panose="020F0502020204030204" pitchFamily="34" charset="0"/>
+              </a:rPr>
+              <a:t>Carvo</a:t>
+            </a:r>
+            <a:r>
+              <a:rPr lang="en-US" dirty="0">
+                <a:latin typeface="Calibri" panose="020F0502020204030204" pitchFamily="34" charset="0"/>
+                <a:cs typeface="Calibri" panose="020F0502020204030204" pitchFamily="34" charset="0"/>
+              </a:rPr>
+              <a:t> et. al., 2020; </a:t>
+            </a:r>
+            <a:r>
+              <a:rPr lang="en-US" dirty="0" err="1">
+                <a:latin typeface="Calibri" panose="020F0502020204030204" pitchFamily="34" charset="0"/>
+                <a:cs typeface="Calibri" panose="020F0502020204030204" pitchFamily="34" charset="0"/>
+              </a:rPr>
+              <a:t>Fackelmann</a:t>
+            </a:r>
+            <a:r>
+              <a:rPr lang="en-US" dirty="0">
+                <a:latin typeface="Calibri" panose="020F0502020204030204" pitchFamily="34" charset="0"/>
+                <a:cs typeface="Calibri" panose="020F0502020204030204" pitchFamily="34" charset="0"/>
+              </a:rPr>
+              <a:t> et. al., 2021</a:t>
+            </a:r>
+          </a:p>
+        </p:txBody>
+      </p:sp>
+      <p:sp>
+        <p:nvSpPr>
+          <p:cNvPr id="7" name="Content Placeholder 2">
+            <a:extLst>
+              <a:ext uri="{FF2B5EF4-FFF2-40B4-BE49-F238E27FC236}">
+                <a16:creationId xmlns:a16="http://schemas.microsoft.com/office/drawing/2014/main" id="{11533035-F7C3-F544-ECEB-84333B9DB08A}"/>
               </a:ext>
             </a:extLst>
           </p:cNvPr>
@@ -24999,9 +23938,6 @@
             </a:lvl9pPr>
           </a:lstStyle>
           <a:p>
-            <a:pPr marL="0" indent="0">
-              <a:buNone/>
-            </a:pPr>
             <a:r>
               <a:rPr lang="en-US" sz="3200" dirty="0">
                 <a:solidFill>
@@ -25056,355 +23992,20 @@
           </a:p>
         </p:txBody>
       </p:sp>
-      <p:pic>
-        <p:nvPicPr>
-          <p:cNvPr id="6" name="Picture 5">
-            <a:extLst>
-              <a:ext uri="{FF2B5EF4-FFF2-40B4-BE49-F238E27FC236}">
-                <a16:creationId xmlns:a16="http://schemas.microsoft.com/office/drawing/2014/main" id="{C5F973E3-1F58-E1D4-5A5A-7A1F0A176FEC}"/>
-              </a:ext>
-            </a:extLst>
-          </p:cNvPr>
-          <p:cNvPicPr>
-            <a:picLocks noChangeAspect="1" noChangeArrowheads="1"/>
-          </p:cNvPicPr>
-          <p:nvPr/>
-        </p:nvPicPr>
-        <p:blipFill rotWithShape="1">
-          <a:blip r:embed="rId3">
-            <a:duotone>
-              <a:prstClr val="black"/>
-              <a:srgbClr val="D9C3A5">
-                <a:tint val="50000"/>
-                <a:satMod val="180000"/>
-              </a:srgbClr>
-            </a:duotone>
-            <a:extLst>
-              <a:ext uri="{28A0092B-C50C-407E-A947-70E740481C1C}">
-                <a14:useLocalDpi xmlns:a14="http://schemas.microsoft.com/office/drawing/2010/main" val="0"/>
-              </a:ext>
-            </a:extLst>
-          </a:blip>
-          <a:srcRect l="4546" t="5396" r="18847" b="23681"/>
-          <a:stretch/>
-        </p:blipFill>
-        <p:spPr bwMode="auto">
-          <a:xfrm>
-            <a:off x="9322261" y="5168449"/>
-            <a:ext cx="2465366" cy="1471642"/>
-          </a:xfrm>
-          <a:prstGeom prst="rect">
-            <a:avLst/>
-          </a:prstGeom>
-          <a:noFill/>
-          <a:extLst>
-            <a:ext uri="{909E8E84-426E-40DD-AFC4-6F175D3DCCD1}">
-              <a14:hiddenFill xmlns:a14="http://schemas.microsoft.com/office/drawing/2010/main">
-                <a:solidFill>
-                  <a:srgbClr val="FFFFFF"/>
-                </a:solidFill>
-              </a14:hiddenFill>
-            </a:ext>
-          </a:extLst>
-        </p:spPr>
-      </p:pic>
-      <p:sp>
-        <p:nvSpPr>
-          <p:cNvPr id="4" name="Content Placeholder 2">
-            <a:extLst>
-              <a:ext uri="{FF2B5EF4-FFF2-40B4-BE49-F238E27FC236}">
-                <a16:creationId xmlns:a16="http://schemas.microsoft.com/office/drawing/2014/main" id="{90F48C09-F12A-97C6-21B9-BF428805929C}"/>
-              </a:ext>
-            </a:extLst>
-          </p:cNvPr>
-          <p:cNvSpPr txBox="1">
-            <a:spLocks/>
-          </p:cNvSpPr>
-          <p:nvPr/>
-        </p:nvSpPr>
-        <p:spPr>
-          <a:xfrm>
-            <a:off x="976552" y="3723719"/>
-            <a:ext cx="9907348" cy="2180551"/>
-          </a:xfrm>
-          <a:prstGeom prst="rect">
-            <a:avLst/>
-          </a:prstGeom>
-        </p:spPr>
-        <p:txBody>
-          <a:bodyPr vert="horz" lIns="91440" tIns="45720" rIns="91440" bIns="45720" rtlCol="0">
-            <a:noAutofit/>
-          </a:bodyPr>
-          <a:lstStyle>
-            <a:lvl1pPr marL="228600" indent="-228600" algn="l" defTabSz="914400" rtl="0" eaLnBrk="1" latinLnBrk="0" hangingPunct="1">
-              <a:lnSpc>
-                <a:spcPct val="90000"/>
-              </a:lnSpc>
-              <a:spcBef>
-                <a:spcPts val="1000"/>
-              </a:spcBef>
-              <a:buFont typeface="Arial" panose="020B0604020202020204" pitchFamily="34" charset="0"/>
-              <a:buChar char="•"/>
-              <a:defRPr sz="2800" kern="1200">
-                <a:solidFill>
-                  <a:schemeClr val="tx1"/>
-                </a:solidFill>
-                <a:latin typeface="+mn-lt"/>
-                <a:ea typeface="+mn-ea"/>
-                <a:cs typeface="+mn-cs"/>
-              </a:defRPr>
-            </a:lvl1pPr>
-            <a:lvl2pPr marL="685800" indent="-228600" algn="l" defTabSz="914400" rtl="0" eaLnBrk="1" latinLnBrk="0" hangingPunct="1">
-              <a:lnSpc>
-                <a:spcPct val="90000"/>
-              </a:lnSpc>
-              <a:spcBef>
-                <a:spcPts val="500"/>
-              </a:spcBef>
-              <a:buFont typeface="Arial" panose="020B0604020202020204" pitchFamily="34" charset="0"/>
-              <a:buChar char="•"/>
-              <a:defRPr sz="2400" kern="1200">
-                <a:solidFill>
-                  <a:schemeClr val="tx1"/>
-                </a:solidFill>
-                <a:latin typeface="+mn-lt"/>
-                <a:ea typeface="+mn-ea"/>
-                <a:cs typeface="+mn-cs"/>
-              </a:defRPr>
-            </a:lvl2pPr>
-            <a:lvl3pPr marL="1143000" indent="-228600" algn="l" defTabSz="914400" rtl="0" eaLnBrk="1" latinLnBrk="0" hangingPunct="1">
-              <a:lnSpc>
-                <a:spcPct val="90000"/>
-              </a:lnSpc>
-              <a:spcBef>
-                <a:spcPts val="500"/>
-              </a:spcBef>
-              <a:buFont typeface="Arial" panose="020B0604020202020204" pitchFamily="34" charset="0"/>
-              <a:buChar char="•"/>
-              <a:defRPr sz="2000" kern="1200">
-                <a:solidFill>
-                  <a:schemeClr val="tx1"/>
-                </a:solidFill>
-                <a:latin typeface="+mn-lt"/>
-                <a:ea typeface="+mn-ea"/>
-                <a:cs typeface="+mn-cs"/>
-              </a:defRPr>
-            </a:lvl3pPr>
-            <a:lvl4pPr marL="1600200" indent="-228600" algn="l" defTabSz="914400" rtl="0" eaLnBrk="1" latinLnBrk="0" hangingPunct="1">
-              <a:lnSpc>
-                <a:spcPct val="90000"/>
-              </a:lnSpc>
-              <a:spcBef>
-                <a:spcPts val="500"/>
-              </a:spcBef>
-              <a:buFont typeface="Arial" panose="020B0604020202020204" pitchFamily="34" charset="0"/>
-              <a:buChar char="•"/>
-              <a:defRPr sz="1800" kern="1200">
-                <a:solidFill>
-                  <a:schemeClr val="tx1"/>
-                </a:solidFill>
-                <a:latin typeface="+mn-lt"/>
-                <a:ea typeface="+mn-ea"/>
-                <a:cs typeface="+mn-cs"/>
-              </a:defRPr>
-            </a:lvl4pPr>
-            <a:lvl5pPr marL="2057400" indent="-228600" algn="l" defTabSz="914400" rtl="0" eaLnBrk="1" latinLnBrk="0" hangingPunct="1">
-              <a:lnSpc>
-                <a:spcPct val="90000"/>
-              </a:lnSpc>
-              <a:spcBef>
-                <a:spcPts val="500"/>
-              </a:spcBef>
-              <a:buFont typeface="Arial" panose="020B0604020202020204" pitchFamily="34" charset="0"/>
-              <a:buChar char="•"/>
-              <a:defRPr sz="1800" kern="1200">
-                <a:solidFill>
-                  <a:schemeClr val="tx1"/>
-                </a:solidFill>
-                <a:latin typeface="+mn-lt"/>
-                <a:ea typeface="+mn-ea"/>
-                <a:cs typeface="+mn-cs"/>
-              </a:defRPr>
-            </a:lvl5pPr>
-            <a:lvl6pPr marL="2514600" indent="-228600" algn="l" defTabSz="914400" rtl="0" eaLnBrk="1" latinLnBrk="0" hangingPunct="1">
-              <a:lnSpc>
-                <a:spcPct val="90000"/>
-              </a:lnSpc>
-              <a:spcBef>
-                <a:spcPts val="500"/>
-              </a:spcBef>
-              <a:buFont typeface="Arial" panose="020B0604020202020204" pitchFamily="34" charset="0"/>
-              <a:buChar char="•"/>
-              <a:defRPr sz="1800" kern="1200">
-                <a:solidFill>
-                  <a:schemeClr val="tx1"/>
-                </a:solidFill>
-                <a:latin typeface="+mn-lt"/>
-                <a:ea typeface="+mn-ea"/>
-                <a:cs typeface="+mn-cs"/>
-              </a:defRPr>
-            </a:lvl6pPr>
-            <a:lvl7pPr marL="2971800" indent="-228600" algn="l" defTabSz="914400" rtl="0" eaLnBrk="1" latinLnBrk="0" hangingPunct="1">
-              <a:lnSpc>
-                <a:spcPct val="90000"/>
-              </a:lnSpc>
-              <a:spcBef>
-                <a:spcPts val="500"/>
-              </a:spcBef>
-              <a:buFont typeface="Arial" panose="020B0604020202020204" pitchFamily="34" charset="0"/>
-              <a:buChar char="•"/>
-              <a:defRPr sz="1800" kern="1200">
-                <a:solidFill>
-                  <a:schemeClr val="tx1"/>
-                </a:solidFill>
-                <a:latin typeface="+mn-lt"/>
-                <a:ea typeface="+mn-ea"/>
-                <a:cs typeface="+mn-cs"/>
-              </a:defRPr>
-            </a:lvl7pPr>
-            <a:lvl8pPr marL="3429000" indent="-228600" algn="l" defTabSz="914400" rtl="0" eaLnBrk="1" latinLnBrk="0" hangingPunct="1">
-              <a:lnSpc>
-                <a:spcPct val="90000"/>
-              </a:lnSpc>
-              <a:spcBef>
-                <a:spcPts val="500"/>
-              </a:spcBef>
-              <a:buFont typeface="Arial" panose="020B0604020202020204" pitchFamily="34" charset="0"/>
-              <a:buChar char="•"/>
-              <a:defRPr sz="1800" kern="1200">
-                <a:solidFill>
-                  <a:schemeClr val="tx1"/>
-                </a:solidFill>
-                <a:latin typeface="+mn-lt"/>
-                <a:ea typeface="+mn-ea"/>
-                <a:cs typeface="+mn-cs"/>
-              </a:defRPr>
-            </a:lvl8pPr>
-            <a:lvl9pPr marL="3886200" indent="-228600" algn="l" defTabSz="914400" rtl="0" eaLnBrk="1" latinLnBrk="0" hangingPunct="1">
-              <a:lnSpc>
-                <a:spcPct val="90000"/>
-              </a:lnSpc>
-              <a:spcBef>
-                <a:spcPts val="500"/>
-              </a:spcBef>
-              <a:buFont typeface="Arial" panose="020B0604020202020204" pitchFamily="34" charset="0"/>
-              <a:buChar char="•"/>
-              <a:defRPr sz="1800" kern="1200">
-                <a:solidFill>
-                  <a:schemeClr val="tx1"/>
-                </a:solidFill>
-                <a:latin typeface="+mn-lt"/>
-                <a:ea typeface="+mn-ea"/>
-                <a:cs typeface="+mn-cs"/>
-              </a:defRPr>
-            </a:lvl9pPr>
-          </a:lstStyle>
-          <a:p>
-            <a:pPr marL="0" indent="0">
-              <a:buNone/>
-            </a:pPr>
-            <a:r>
-              <a:rPr lang="en-US" sz="3200" dirty="0">
-                <a:latin typeface="Calibri" panose="020F0502020204030204" pitchFamily="34" charset="0"/>
-                <a:cs typeface="Calibri" panose="020F0502020204030204" pitchFamily="34" charset="0"/>
-              </a:rPr>
-              <a:t>Assessing the effect of land use change on the microbial community is challenging, as the landscape is continuous and not discrete, presenting high heterogeneity within each land use and across land uses</a:t>
-            </a:r>
-          </a:p>
-        </p:txBody>
-      </p:sp>
     </p:spTree>
     <p:extLst>
       <p:ext uri="{BB962C8B-B14F-4D97-AF65-F5344CB8AC3E}">
-        <p14:creationId xmlns:p14="http://schemas.microsoft.com/office/powerpoint/2010/main" val="4071008246"/>
+        <p14:creationId xmlns:p14="http://schemas.microsoft.com/office/powerpoint/2010/main" val="3061334034"/>
       </p:ext>
     </p:extLst>
   </p:cSld>
   <p:clrMapOvr>
     <a:masterClrMapping/>
   </p:clrMapOvr>
-  <p:timing>
-    <p:tnLst>
-      <p:par>
-        <p:cTn id="1" dur="indefinite" restart="never" nodeType="tmRoot">
-          <p:childTnLst>
-            <p:seq concurrent="1" nextAc="seek">
-              <p:cTn id="2" dur="indefinite" nodeType="mainSeq">
-                <p:childTnLst>
-                  <p:par>
-                    <p:cTn id="3" fill="hold">
-                      <p:stCondLst>
-                        <p:cond delay="indefinite"/>
-                      </p:stCondLst>
-                      <p:childTnLst>
-                        <p:par>
-                          <p:cTn id="4" fill="hold">
-                            <p:stCondLst>
-                              <p:cond delay="0"/>
-                            </p:stCondLst>
-                            <p:childTnLst>
-                              <p:par>
-                                <p:cTn id="5" presetID="1" presetClass="entr" presetSubtype="0" fill="hold" grpId="0" nodeType="clickEffect">
-                                  <p:stCondLst>
-                                    <p:cond delay="0"/>
-                                  </p:stCondLst>
-                                  <p:childTnLst>
-                                    <p:set>
-                                      <p:cBhvr>
-                                        <p:cTn id="6" dur="1" fill="hold">
-                                          <p:stCondLst>
-                                            <p:cond delay="0"/>
-                                          </p:stCondLst>
-                                        </p:cTn>
-                                        <p:tgtEl>
-                                          <p:spTgt spid="4"/>
-                                        </p:tgtEl>
-                                        <p:attrNameLst>
-                                          <p:attrName>style.visibility</p:attrName>
-                                        </p:attrNameLst>
-                                      </p:cBhvr>
-                                      <p:to>
-                                        <p:strVal val="visible"/>
-                                      </p:to>
-                                    </p:set>
-                                  </p:childTnLst>
-                                </p:cTn>
-                              </p:par>
-                            </p:childTnLst>
-                          </p:cTn>
-                        </p:par>
-                      </p:childTnLst>
-                    </p:cTn>
-                  </p:par>
-                </p:childTnLst>
-              </p:cTn>
-              <p:prevCondLst>
-                <p:cond evt="onPrev" delay="0">
-                  <p:tgtEl>
-                    <p:sldTgt/>
-                  </p:tgtEl>
-                </p:cond>
-              </p:prevCondLst>
-              <p:nextCondLst>
-                <p:cond evt="onNext" delay="0">
-                  <p:tgtEl>
-                    <p:sldTgt/>
-                  </p:tgtEl>
-                </p:cond>
-              </p:nextCondLst>
-            </p:seq>
-          </p:childTnLst>
-        </p:cTn>
-      </p:par>
-    </p:tnLst>
-    <p:bldLst>
-      <p:bldP spid="4" grpId="0"/>
-    </p:bldLst>
-  </p:timing>
 </p:sld>
 </file>
 
-<file path=ppt/slides/slide7.xml><?xml version="1.0" encoding="utf-8"?>
+<file path=ppt/slides/slide6.xml><?xml version="1.0" encoding="utf-8"?>
 <p:sld xmlns:a="http://schemas.openxmlformats.org/drawingml/2006/main" xmlns:r="http://schemas.openxmlformats.org/officeDocument/2006/relationships" xmlns:p="http://schemas.openxmlformats.org/presentationml/2006/main">
   <p:cSld>
     <p:spTree>
@@ -28200,7 +26801,7 @@
         <p:spPr>
           <a:xfrm>
             <a:off x="762503" y="597879"/>
-            <a:ext cx="10721591" cy="1877437"/>
+            <a:ext cx="10721591" cy="2739211"/>
           </a:xfrm>
           <a:prstGeom prst="rect">
             <a:avLst/>
@@ -28231,7 +26832,7 @@
                 <a:latin typeface="Calibri" panose="020F0502020204030204" pitchFamily="34" charset="0"/>
                 <a:cs typeface="Calibri" panose="020F0502020204030204" pitchFamily="34" charset="0"/>
               </a:rPr>
-              <a:t>The network’s structure is a signature of the processes that shaped the network</a:t>
+              <a:t>The network depict the interactions between hosts and bacteria</a:t>
             </a:r>
           </a:p>
           <a:p>
@@ -28244,12 +26845,34 @@
                 <a:latin typeface="Calibri" panose="020F0502020204030204" pitchFamily="34" charset="0"/>
                 <a:cs typeface="Calibri" panose="020F0502020204030204" pitchFamily="34" charset="0"/>
               </a:rPr>
-              <a:t>The network captures the heterogeneity within and between land uses</a:t>
+              <a:t>Benefits of representing the system as network</a:t>
             </a:r>
-            <a:endParaRPr lang="en-IL" sz="2800" dirty="0">
-              <a:latin typeface="Calibri" panose="020F0502020204030204" pitchFamily="34" charset="0"/>
-              <a:cs typeface="Calibri" panose="020F0502020204030204" pitchFamily="34" charset="0"/>
-            </a:endParaRPr>
+          </a:p>
+          <a:p>
+            <a:pPr marL="285750" indent="-285750">
+              <a:buFont typeface="Arial" panose="020B0604020202020204" pitchFamily="34" charset="0"/>
+              <a:buChar char="•"/>
+            </a:pPr>
+            <a:r>
+              <a:rPr lang="en-US" sz="2800" dirty="0">
+                <a:latin typeface="Calibri" panose="020F0502020204030204" pitchFamily="34" charset="0"/>
+                <a:cs typeface="Calibri" panose="020F0502020204030204" pitchFamily="34" charset="0"/>
+              </a:rPr>
+              <a:t>The network’s structure is a signature of the processes that shaped the network</a:t>
+            </a:r>
+          </a:p>
+          <a:p>
+            <a:pPr marL="285750" indent="-285750">
+              <a:buFont typeface="Arial" panose="020B0604020202020204" pitchFamily="34" charset="0"/>
+              <a:buChar char="•"/>
+            </a:pPr>
+            <a:r>
+              <a:rPr lang="en-US" sz="2800" dirty="0">
+                <a:latin typeface="Calibri" panose="020F0502020204030204" pitchFamily="34" charset="0"/>
+                <a:cs typeface="Calibri" panose="020F0502020204030204" pitchFamily="34" charset="0"/>
+              </a:rPr>
+              <a:t>For example modularity (however, see Dorman et al, 2017)</a:t>
+            </a:r>
           </a:p>
         </p:txBody>
       </p:sp>
@@ -28257,6 +26880,36 @@
     <p:extLst>
       <p:ext uri="{BB962C8B-B14F-4D97-AF65-F5344CB8AC3E}">
         <p14:creationId xmlns:p14="http://schemas.microsoft.com/office/powerpoint/2010/main" val="3276404628"/>
+      </p:ext>
+    </p:extLst>
+  </p:cSld>
+  <p:clrMapOvr>
+    <a:masterClrMapping/>
+  </p:clrMapOvr>
+</p:sld>
+</file>
+
+<file path=ppt/slides/slide7.xml><?xml version="1.0" encoding="utf-8"?>
+<p:sld xmlns:a="http://schemas.openxmlformats.org/drawingml/2006/main" xmlns:r="http://schemas.openxmlformats.org/officeDocument/2006/relationships" xmlns:p="http://schemas.openxmlformats.org/presentationml/2006/main">
+  <p:cSld>
+    <p:spTree>
+      <p:nvGrpSpPr>
+        <p:cNvPr id="1" name="Shape 98"/>
+        <p:cNvGrpSpPr/>
+        <p:nvPr/>
+      </p:nvGrpSpPr>
+      <p:grpSpPr>
+        <a:xfrm>
+          <a:off x="0" y="0"/>
+          <a:ext cx="0" cy="0"/>
+          <a:chOff x="0" y="0"/>
+          <a:chExt cx="0" cy="0"/>
+        </a:xfrm>
+      </p:grpSpPr>
+    </p:spTree>
+    <p:extLst>
+      <p:ext uri="{BB962C8B-B14F-4D97-AF65-F5344CB8AC3E}">
+        <p14:creationId xmlns:p14="http://schemas.microsoft.com/office/powerpoint/2010/main" val="2624083447"/>
       </p:ext>
     </p:extLst>
   </p:cSld>

--- a/presentations/manuscript story.pptx
+++ b/presentations/manuscript story.pptx
@@ -22938,7 +22938,7 @@
         <p:spPr>
           <a:xfrm>
             <a:off x="838200" y="1198840"/>
-            <a:ext cx="9907348" cy="5286409"/>
+            <a:ext cx="9907348" cy="5563701"/>
           </a:xfrm>
           <a:prstGeom prst="rect">
             <a:avLst/>
@@ -23213,6 +23213,16 @@
                 <a:cs typeface="Calibri" panose="020F0502020204030204" pitchFamily="34" charset="0"/>
               </a:rPr>
               <a:t>Only Non-core and Rare modules vary along the environmental gradient</a:t>
+            </a:r>
+          </a:p>
+          <a:p>
+            <a:pPr lvl="1"/>
+            <a:r>
+              <a:rPr lang="en-US" dirty="0">
+                <a:latin typeface="Calibri" panose="020F0502020204030204" pitchFamily="34" charset="0"/>
+                <a:cs typeface="Calibri" panose="020F0502020204030204" pitchFamily="34" charset="0"/>
+              </a:rPr>
+              <a:t>Another factors</a:t>
             </a:r>
           </a:p>
           <a:p>
